--- a/第二章-Python程序设计基础-8学时/第2节-python程序设计基础-2-2课时.pptx
+++ b/第二章-Python程序设计基础-8学时/第2节-python程序设计基础-2-2课时.pptx
@@ -6,10 +6,10 @@
     <p:sldMasterId id="2147484986" r:id="rId2"/>
   </p:sldMasterIdLst>
   <p:notesMasterIdLst>
-    <p:notesMasterId r:id="rId15"/>
+    <p:notesMasterId r:id="rId17"/>
   </p:notesMasterIdLst>
   <p:handoutMasterIdLst>
-    <p:handoutMasterId r:id="rId16"/>
+    <p:handoutMasterId r:id="rId18"/>
   </p:handoutMasterIdLst>
   <p:sldIdLst>
     <p:sldId id="2708" r:id="rId3"/>
@@ -18,17 +18,19 @@
     <p:sldId id="2762" r:id="rId6"/>
     <p:sldId id="2765" r:id="rId7"/>
     <p:sldId id="2766" r:id="rId8"/>
-    <p:sldId id="2767" r:id="rId9"/>
-    <p:sldId id="2709" r:id="rId10"/>
-    <p:sldId id="2763" r:id="rId11"/>
-    <p:sldId id="2761" r:id="rId12"/>
-    <p:sldId id="2764" r:id="rId13"/>
-    <p:sldId id="2760" r:id="rId14"/>
+    <p:sldId id="2771" r:id="rId9"/>
+    <p:sldId id="2767" r:id="rId10"/>
+    <p:sldId id="2768" r:id="rId11"/>
+    <p:sldId id="2709" r:id="rId12"/>
+    <p:sldId id="2769" r:id="rId13"/>
+    <p:sldId id="2763" r:id="rId14"/>
+    <p:sldId id="2770" r:id="rId15"/>
+    <p:sldId id="2760" r:id="rId16"/>
   </p:sldIdLst>
   <p:sldSz cx="9144000" cy="6858000" type="screen4x3"/>
   <p:notesSz cx="7099300" cy="10234613"/>
   <p:custDataLst>
-    <p:tags r:id="rId17"/>
+    <p:tags r:id="rId19"/>
   </p:custDataLst>
   <p:defaultTextStyle>
     <a:defPPr>
@@ -442,13 +444,610 @@
 <file path=ppt/revisionInfo.xml><?xml version="1.0" encoding="utf-8"?>
 <p1510:revInfo xmlns:a="http://schemas.openxmlformats.org/drawingml/2006/main" xmlns:r="http://schemas.openxmlformats.org/officeDocument/2006/relationships" xmlns:p1510="http://schemas.microsoft.com/office/powerpoint/2015/10/main">
   <p1510:revLst>
-    <p1510:client id="{29E7ABFC-417D-A440-83A3-A298EBBA6161}" v="10" dt="2024-04-14T15:37:31.405"/>
+    <p1510:client id="{29E7ABFC-417D-A440-83A3-A298EBBA6161}" v="327" dt="2024-04-15T15:08:04.959"/>
+    <p1510:client id="{C9FC77DC-EBF4-4246-B630-028129154F59}" v="10" dt="2024-04-15T10:44:08.670"/>
   </p1510:revLst>
 </p1510:revInfo>
 </file>
 
 <file path=ppt/changesInfos/changesInfo1.xml><?xml version="1.0" encoding="utf-8"?>
 <pc:chgInfo xmlns:a="http://schemas.openxmlformats.org/drawingml/2006/main" xmlns:r="http://schemas.openxmlformats.org/officeDocument/2006/relationships" xmlns:ac="http://schemas.microsoft.com/office/drawing/2013/main/command" xmlns:pc="http://schemas.microsoft.com/office/powerpoint/2013/main/command">
+  <pc:docChgLst>
+    <pc:chgData name="Xin Luo" userId="82312ee5779919a4" providerId="LiveId" clId="{6F4EE019-CF9B-0E46-99FD-A69435707418}"/>
+    <pc:docChg chg="custSel delSld modSld">
+      <pc:chgData name="Xin Luo" userId="82312ee5779919a4" providerId="LiveId" clId="{6F4EE019-CF9B-0E46-99FD-A69435707418}" dt="2024-04-14T05:52:00.889" v="166" actId="20577"/>
+      <pc:docMkLst>
+        <pc:docMk/>
+      </pc:docMkLst>
+      <pc:sldChg chg="modSp mod">
+        <pc:chgData name="Xin Luo" userId="82312ee5779919a4" providerId="LiveId" clId="{6F4EE019-CF9B-0E46-99FD-A69435707418}" dt="2024-04-14T05:52:00.889" v="166" actId="20577"/>
+        <pc:sldMkLst>
+          <pc:docMk/>
+          <pc:sldMk cId="1576120367" sldId="2387"/>
+        </pc:sldMkLst>
+        <pc:spChg chg="mod">
+          <ac:chgData name="Xin Luo" userId="82312ee5779919a4" providerId="LiveId" clId="{6F4EE019-CF9B-0E46-99FD-A69435707418}" dt="2024-04-14T05:47:53.569" v="109" actId="20577"/>
+          <ac:spMkLst>
+            <pc:docMk/>
+            <pc:sldMk cId="1576120367" sldId="2387"/>
+            <ac:spMk id="5" creationId="{494DAA55-5621-28DB-D255-E0EBB6C6477B}"/>
+          </ac:spMkLst>
+        </pc:spChg>
+        <pc:spChg chg="mod">
+          <ac:chgData name="Xin Luo" userId="82312ee5779919a4" providerId="LiveId" clId="{6F4EE019-CF9B-0E46-99FD-A69435707418}" dt="2024-04-14T05:51:51.200" v="161" actId="20577"/>
+          <ac:spMkLst>
+            <pc:docMk/>
+            <pc:sldMk cId="1576120367" sldId="2387"/>
+            <ac:spMk id="12" creationId="{00000000-0000-0000-0000-000000000000}"/>
+          </ac:spMkLst>
+        </pc:spChg>
+        <pc:spChg chg="mod">
+          <ac:chgData name="Xin Luo" userId="82312ee5779919a4" providerId="LiveId" clId="{6F4EE019-CF9B-0E46-99FD-A69435707418}" dt="2024-04-14T05:52:00.889" v="166" actId="20577"/>
+          <ac:spMkLst>
+            <pc:docMk/>
+            <pc:sldMk cId="1576120367" sldId="2387"/>
+            <ac:spMk id="14" creationId="{00000000-0000-0000-0000-000000000000}"/>
+          </ac:spMkLst>
+        </pc:spChg>
+      </pc:sldChg>
+      <pc:sldChg chg="modSp mod">
+        <pc:chgData name="Xin Luo" userId="82312ee5779919a4" providerId="LiveId" clId="{6F4EE019-CF9B-0E46-99FD-A69435707418}" dt="2024-04-14T05:45:48.545" v="62" actId="20577"/>
+        <pc:sldMkLst>
+          <pc:docMk/>
+          <pc:sldMk cId="1658607177" sldId="2708"/>
+        </pc:sldMkLst>
+        <pc:spChg chg="mod">
+          <ac:chgData name="Xin Luo" userId="82312ee5779919a4" providerId="LiveId" clId="{6F4EE019-CF9B-0E46-99FD-A69435707418}" dt="2024-04-14T05:45:35.680" v="50" actId="20577"/>
+          <ac:spMkLst>
+            <pc:docMk/>
+            <pc:sldMk cId="1658607177" sldId="2708"/>
+            <ac:spMk id="3" creationId="{E375549C-74EF-2C8F-6432-2C52B803FB1B}"/>
+          </ac:spMkLst>
+        </pc:spChg>
+        <pc:spChg chg="mod">
+          <ac:chgData name="Xin Luo" userId="82312ee5779919a4" providerId="LiveId" clId="{6F4EE019-CF9B-0E46-99FD-A69435707418}" dt="2024-04-14T05:45:48.545" v="62" actId="20577"/>
+          <ac:spMkLst>
+            <pc:docMk/>
+            <pc:sldMk cId="1658607177" sldId="2708"/>
+            <ac:spMk id="24" creationId="{00000000-0000-0000-0000-000000000000}"/>
+          </ac:spMkLst>
+        </pc:spChg>
+      </pc:sldChg>
+      <pc:sldChg chg="del">
+        <pc:chgData name="Xin Luo" userId="82312ee5779919a4" providerId="LiveId" clId="{6F4EE019-CF9B-0E46-99FD-A69435707418}" dt="2024-04-14T01:57:24.687" v="3" actId="2696"/>
+        <pc:sldMkLst>
+          <pc:docMk/>
+          <pc:sldMk cId="1209572041" sldId="2722"/>
+        </pc:sldMkLst>
+      </pc:sldChg>
+      <pc:sldChg chg="del">
+        <pc:chgData name="Xin Luo" userId="82312ee5779919a4" providerId="LiveId" clId="{6F4EE019-CF9B-0E46-99FD-A69435707418}" dt="2024-04-14T01:59:58.393" v="9" actId="2696"/>
+        <pc:sldMkLst>
+          <pc:docMk/>
+          <pc:sldMk cId="2510358707" sldId="2740"/>
+        </pc:sldMkLst>
+      </pc:sldChg>
+      <pc:sldChg chg="del">
+        <pc:chgData name="Xin Luo" userId="82312ee5779919a4" providerId="LiveId" clId="{6F4EE019-CF9B-0E46-99FD-A69435707418}" dt="2024-04-14T01:59:58.338" v="6" actId="2696"/>
+        <pc:sldMkLst>
+          <pc:docMk/>
+          <pc:sldMk cId="3883315984" sldId="2744"/>
+        </pc:sldMkLst>
+      </pc:sldChg>
+      <pc:sldChg chg="del">
+        <pc:chgData name="Xin Luo" userId="82312ee5779919a4" providerId="LiveId" clId="{6F4EE019-CF9B-0E46-99FD-A69435707418}" dt="2024-04-14T01:59:58.368" v="8" actId="2696"/>
+        <pc:sldMkLst>
+          <pc:docMk/>
+          <pc:sldMk cId="3741103209" sldId="2745"/>
+        </pc:sldMkLst>
+      </pc:sldChg>
+      <pc:sldChg chg="del">
+        <pc:chgData name="Xin Luo" userId="82312ee5779919a4" providerId="LiveId" clId="{6F4EE019-CF9B-0E46-99FD-A69435707418}" dt="2024-04-14T01:59:58.366" v="7" actId="2696"/>
+        <pc:sldMkLst>
+          <pc:docMk/>
+          <pc:sldMk cId="322086101" sldId="2746"/>
+        </pc:sldMkLst>
+      </pc:sldChg>
+      <pc:sldChg chg="del">
+        <pc:chgData name="Xin Luo" userId="82312ee5779919a4" providerId="LiveId" clId="{6F4EE019-CF9B-0E46-99FD-A69435707418}" dt="2024-04-14T01:59:58.425" v="11" actId="2696"/>
+        <pc:sldMkLst>
+          <pc:docMk/>
+          <pc:sldMk cId="2920839983" sldId="2747"/>
+        </pc:sldMkLst>
+      </pc:sldChg>
+      <pc:sldChg chg="del">
+        <pc:chgData name="Xin Luo" userId="82312ee5779919a4" providerId="LiveId" clId="{6F4EE019-CF9B-0E46-99FD-A69435707418}" dt="2024-04-14T01:59:58.440" v="12" actId="2696"/>
+        <pc:sldMkLst>
+          <pc:docMk/>
+          <pc:sldMk cId="2081473989" sldId="2748"/>
+        </pc:sldMkLst>
+      </pc:sldChg>
+      <pc:sldChg chg="del">
+        <pc:chgData name="Xin Luo" userId="82312ee5779919a4" providerId="LiveId" clId="{6F4EE019-CF9B-0E46-99FD-A69435707418}" dt="2024-04-14T01:59:58.456" v="13" actId="2696"/>
+        <pc:sldMkLst>
+          <pc:docMk/>
+          <pc:sldMk cId="1994915307" sldId="2749"/>
+        </pc:sldMkLst>
+      </pc:sldChg>
+      <pc:sldChg chg="del">
+        <pc:chgData name="Xin Luo" userId="82312ee5779919a4" providerId="LiveId" clId="{6F4EE019-CF9B-0E46-99FD-A69435707418}" dt="2024-04-14T01:57:24.683" v="1" actId="2696"/>
+        <pc:sldMkLst>
+          <pc:docMk/>
+          <pc:sldMk cId="202264030" sldId="2750"/>
+        </pc:sldMkLst>
+      </pc:sldChg>
+      <pc:sldChg chg="del">
+        <pc:chgData name="Xin Luo" userId="82312ee5779919a4" providerId="LiveId" clId="{6F4EE019-CF9B-0E46-99FD-A69435707418}" dt="2024-04-14T01:59:50.983" v="5" actId="2696"/>
+        <pc:sldMkLst>
+          <pc:docMk/>
+          <pc:sldMk cId="2371836296" sldId="2756"/>
+        </pc:sldMkLst>
+      </pc:sldChg>
+      <pc:sldChg chg="del">
+        <pc:chgData name="Xin Luo" userId="82312ee5779919a4" providerId="LiveId" clId="{6F4EE019-CF9B-0E46-99FD-A69435707418}" dt="2024-04-14T01:59:50.974" v="4" actId="2696"/>
+        <pc:sldMkLst>
+          <pc:docMk/>
+          <pc:sldMk cId="397779649" sldId="2757"/>
+        </pc:sldMkLst>
+      </pc:sldChg>
+      <pc:sldChg chg="del">
+        <pc:chgData name="Xin Luo" userId="82312ee5779919a4" providerId="LiveId" clId="{6F4EE019-CF9B-0E46-99FD-A69435707418}" dt="2024-04-14T01:59:58.410" v="10" actId="2696"/>
+        <pc:sldMkLst>
+          <pc:docMk/>
+          <pc:sldMk cId="1878724924" sldId="2758"/>
+        </pc:sldMkLst>
+      </pc:sldChg>
+      <pc:sldChg chg="del">
+        <pc:chgData name="Xin Luo" userId="82312ee5779919a4" providerId="LiveId" clId="{6F4EE019-CF9B-0E46-99FD-A69435707418}" dt="2024-04-14T01:57:24.680" v="0" actId="2696"/>
+        <pc:sldMkLst>
+          <pc:docMk/>
+          <pc:sldMk cId="472418319" sldId="2759"/>
+        </pc:sldMkLst>
+      </pc:sldChg>
+      <pc:sldChg chg="del">
+        <pc:chgData name="Xin Luo" userId="82312ee5779919a4" providerId="LiveId" clId="{6F4EE019-CF9B-0E46-99FD-A69435707418}" dt="2024-04-14T01:57:24.685" v="2" actId="2696"/>
+        <pc:sldMkLst>
+          <pc:docMk/>
+          <pc:sldMk cId="1417780723" sldId="2761"/>
+        </pc:sldMkLst>
+      </pc:sldChg>
+    </pc:docChg>
+  </pc:docChgLst>
+  <pc:docChgLst>
+    <pc:chgData name="Xin Luo" userId="82312ee5779919a4" providerId="LiveId" clId="{98EC8ECB-A80D-1449-ACFE-0D931F29C13A}"/>
+    <pc:docChg chg="undo custSel addSld delSld modSld">
+      <pc:chgData name="Xin Luo" userId="82312ee5779919a4" providerId="LiveId" clId="{98EC8ECB-A80D-1449-ACFE-0D931F29C13A}" dt="2023-02-23T15:47:30.471" v="734" actId="478"/>
+      <pc:docMkLst>
+        <pc:docMk/>
+      </pc:docMkLst>
+      <pc:sldChg chg="modSp mod">
+        <pc:chgData name="Xin Luo" userId="82312ee5779919a4" providerId="LiveId" clId="{98EC8ECB-A80D-1449-ACFE-0D931F29C13A}" dt="2023-02-23T15:07:38.481" v="282" actId="20577"/>
+        <pc:sldMkLst>
+          <pc:docMk/>
+          <pc:sldMk cId="1576120367" sldId="2387"/>
+        </pc:sldMkLst>
+        <pc:spChg chg="mod">
+          <ac:chgData name="Xin Luo" userId="82312ee5779919a4" providerId="LiveId" clId="{98EC8ECB-A80D-1449-ACFE-0D931F29C13A}" dt="2023-02-23T15:07:38.481" v="282" actId="20577"/>
+          <ac:spMkLst>
+            <pc:docMk/>
+            <pc:sldMk cId="1576120367" sldId="2387"/>
+            <ac:spMk id="5" creationId="{494DAA55-5621-28DB-D255-E0EBB6C6477B}"/>
+          </ac:spMkLst>
+        </pc:spChg>
+        <pc:spChg chg="mod">
+          <ac:chgData name="Xin Luo" userId="82312ee5779919a4" providerId="LiveId" clId="{98EC8ECB-A80D-1449-ACFE-0D931F29C13A}" dt="2023-02-23T15:06:04.024" v="241" actId="1076"/>
+          <ac:spMkLst>
+            <pc:docMk/>
+            <pc:sldMk cId="1576120367" sldId="2387"/>
+            <ac:spMk id="6" creationId="{00000000-0000-0000-0000-000000000000}"/>
+          </ac:spMkLst>
+        </pc:spChg>
+        <pc:spChg chg="mod">
+          <ac:chgData name="Xin Luo" userId="82312ee5779919a4" providerId="LiveId" clId="{98EC8ECB-A80D-1449-ACFE-0D931F29C13A}" dt="2023-02-23T15:05:37.607" v="201" actId="403"/>
+          <ac:spMkLst>
+            <pc:docMk/>
+            <pc:sldMk cId="1576120367" sldId="2387"/>
+            <ac:spMk id="12" creationId="{00000000-0000-0000-0000-000000000000}"/>
+          </ac:spMkLst>
+        </pc:spChg>
+        <pc:spChg chg="mod">
+          <ac:chgData name="Xin Luo" userId="82312ee5779919a4" providerId="LiveId" clId="{98EC8ECB-A80D-1449-ACFE-0D931F29C13A}" dt="2023-02-23T15:04:17.856" v="99" actId="20577"/>
+          <ac:spMkLst>
+            <pc:docMk/>
+            <pc:sldMk cId="1576120367" sldId="2387"/>
+            <ac:spMk id="14" creationId="{00000000-0000-0000-0000-000000000000}"/>
+          </ac:spMkLst>
+        </pc:spChg>
+      </pc:sldChg>
+      <pc:sldChg chg="modSp mod">
+        <pc:chgData name="Xin Luo" userId="82312ee5779919a4" providerId="LiveId" clId="{98EC8ECB-A80D-1449-ACFE-0D931F29C13A}" dt="2023-02-23T15:23:38.561" v="288" actId="20577"/>
+        <pc:sldMkLst>
+          <pc:docMk/>
+          <pc:sldMk cId="2415901206" sldId="2447"/>
+        </pc:sldMkLst>
+        <pc:spChg chg="mod">
+          <ac:chgData name="Xin Luo" userId="82312ee5779919a4" providerId="LiveId" clId="{98EC8ECB-A80D-1449-ACFE-0D931F29C13A}" dt="2023-02-23T15:23:38.561" v="288" actId="20577"/>
+          <ac:spMkLst>
+            <pc:docMk/>
+            <pc:sldMk cId="2415901206" sldId="2447"/>
+            <ac:spMk id="7" creationId="{00000000-0000-0000-0000-000000000000}"/>
+          </ac:spMkLst>
+        </pc:spChg>
+      </pc:sldChg>
+      <pc:sldChg chg="addSp delSp modSp mod">
+        <pc:chgData name="Xin Luo" userId="82312ee5779919a4" providerId="LiveId" clId="{98EC8ECB-A80D-1449-ACFE-0D931F29C13A}" dt="2023-02-23T15:32:00.813" v="490" actId="20577"/>
+        <pc:sldMkLst>
+          <pc:docMk/>
+          <pc:sldMk cId="4067577602" sldId="2605"/>
+        </pc:sldMkLst>
+        <pc:spChg chg="mod">
+          <ac:chgData name="Xin Luo" userId="82312ee5779919a4" providerId="LiveId" clId="{98EC8ECB-A80D-1449-ACFE-0D931F29C13A}" dt="2023-02-23T15:23:43.970" v="296" actId="20577"/>
+          <ac:spMkLst>
+            <pc:docMk/>
+            <pc:sldMk cId="4067577602" sldId="2605"/>
+            <ac:spMk id="3" creationId="{00000000-0000-0000-0000-000000000000}"/>
+          </ac:spMkLst>
+        </pc:spChg>
+        <pc:spChg chg="add mod">
+          <ac:chgData name="Xin Luo" userId="82312ee5779919a4" providerId="LiveId" clId="{98EC8ECB-A80D-1449-ACFE-0D931F29C13A}" dt="2023-02-23T15:32:00.813" v="490" actId="20577"/>
+          <ac:spMkLst>
+            <pc:docMk/>
+            <pc:sldMk cId="4067577602" sldId="2605"/>
+            <ac:spMk id="5" creationId="{78502774-B04C-634F-1396-E5815996BC36}"/>
+          </ac:spMkLst>
+        </pc:spChg>
+        <pc:spChg chg="add del">
+          <ac:chgData name="Xin Luo" userId="82312ee5779919a4" providerId="LiveId" clId="{98EC8ECB-A80D-1449-ACFE-0D931F29C13A}" dt="2023-02-23T15:31:17.254" v="472" actId="478"/>
+          <ac:spMkLst>
+            <pc:docMk/>
+            <pc:sldMk cId="4067577602" sldId="2605"/>
+            <ac:spMk id="8" creationId="{F79B8069-33FF-F2D3-2749-C72697740ACD}"/>
+          </ac:spMkLst>
+        </pc:spChg>
+        <pc:spChg chg="del">
+          <ac:chgData name="Xin Luo" userId="82312ee5779919a4" providerId="LiveId" clId="{98EC8ECB-A80D-1449-ACFE-0D931F29C13A}" dt="2023-02-23T15:23:49.248" v="298" actId="478"/>
+          <ac:spMkLst>
+            <pc:docMk/>
+            <pc:sldMk cId="4067577602" sldId="2605"/>
+            <ac:spMk id="15" creationId="{8F7436BD-0CD5-04DA-2B44-925CE86CF70D}"/>
+          </ac:spMkLst>
+        </pc:spChg>
+        <pc:spChg chg="del">
+          <ac:chgData name="Xin Luo" userId="82312ee5779919a4" providerId="LiveId" clId="{98EC8ECB-A80D-1449-ACFE-0D931F29C13A}" dt="2023-02-23T15:23:49.248" v="298" actId="478"/>
+          <ac:spMkLst>
+            <pc:docMk/>
+            <pc:sldMk cId="4067577602" sldId="2605"/>
+            <ac:spMk id="16" creationId="{5E1E7D79-A815-9A32-ABAB-129BFCE643F1}"/>
+          </ac:spMkLst>
+        </pc:spChg>
+        <pc:spChg chg="del mod">
+          <ac:chgData name="Xin Luo" userId="82312ee5779919a4" providerId="LiveId" clId="{98EC8ECB-A80D-1449-ACFE-0D931F29C13A}" dt="2023-02-23T15:23:47.004" v="297" actId="478"/>
+          <ac:spMkLst>
+            <pc:docMk/>
+            <pc:sldMk cId="4067577602" sldId="2605"/>
+            <ac:spMk id="17" creationId="{9E05FFCA-3371-AF5C-381D-71D984055F5A}"/>
+          </ac:spMkLst>
+        </pc:spChg>
+        <pc:picChg chg="del">
+          <ac:chgData name="Xin Luo" userId="82312ee5779919a4" providerId="LiveId" clId="{98EC8ECB-A80D-1449-ACFE-0D931F29C13A}" dt="2023-02-23T15:23:49.248" v="298" actId="478"/>
+          <ac:picMkLst>
+            <pc:docMk/>
+            <pc:sldMk cId="4067577602" sldId="2605"/>
+            <ac:picMk id="7" creationId="{C7993E05-4ADB-9D0C-E633-5749F445E479}"/>
+          </ac:picMkLst>
+        </pc:picChg>
+        <pc:picChg chg="del">
+          <ac:chgData name="Xin Luo" userId="82312ee5779919a4" providerId="LiveId" clId="{98EC8ECB-A80D-1449-ACFE-0D931F29C13A}" dt="2023-02-23T15:23:49.248" v="298" actId="478"/>
+          <ac:picMkLst>
+            <pc:docMk/>
+            <pc:sldMk cId="4067577602" sldId="2605"/>
+            <ac:picMk id="10" creationId="{26D555B6-DE11-BF17-8D9F-B5F93A876835}"/>
+          </ac:picMkLst>
+        </pc:picChg>
+        <pc:picChg chg="del">
+          <ac:chgData name="Xin Luo" userId="82312ee5779919a4" providerId="LiveId" clId="{98EC8ECB-A80D-1449-ACFE-0D931F29C13A}" dt="2023-02-23T15:23:49.248" v="298" actId="478"/>
+          <ac:picMkLst>
+            <pc:docMk/>
+            <pc:sldMk cId="4067577602" sldId="2605"/>
+            <ac:picMk id="1028" creationId="{9FA49340-63F1-4959-1786-FD893DE76CE9}"/>
+          </ac:picMkLst>
+        </pc:picChg>
+        <pc:picChg chg="del">
+          <ac:chgData name="Xin Luo" userId="82312ee5779919a4" providerId="LiveId" clId="{98EC8ECB-A80D-1449-ACFE-0D931F29C13A}" dt="2023-02-23T15:23:49.248" v="298" actId="478"/>
+          <ac:picMkLst>
+            <pc:docMk/>
+            <pc:sldMk cId="4067577602" sldId="2605"/>
+            <ac:picMk id="1030" creationId="{35CDAC06-D9CF-2AC8-535E-A1B01EC14218}"/>
+          </ac:picMkLst>
+        </pc:picChg>
+        <pc:picChg chg="del">
+          <ac:chgData name="Xin Luo" userId="82312ee5779919a4" providerId="LiveId" clId="{98EC8ECB-A80D-1449-ACFE-0D931F29C13A}" dt="2023-02-23T15:23:49.248" v="298" actId="478"/>
+          <ac:picMkLst>
+            <pc:docMk/>
+            <pc:sldMk cId="4067577602" sldId="2605"/>
+            <ac:picMk id="1032" creationId="{AFE202E8-A338-4627-93EE-5AD65BEE9525}"/>
+          </ac:picMkLst>
+        </pc:picChg>
+        <pc:picChg chg="del">
+          <ac:chgData name="Xin Luo" userId="82312ee5779919a4" providerId="LiveId" clId="{98EC8ECB-A80D-1449-ACFE-0D931F29C13A}" dt="2023-02-23T15:23:49.248" v="298" actId="478"/>
+          <ac:picMkLst>
+            <pc:docMk/>
+            <pc:sldMk cId="4067577602" sldId="2605"/>
+            <ac:picMk id="1034" creationId="{D5CBEF68-23C0-8F4A-FA5F-CB6BCAE76176}"/>
+          </ac:picMkLst>
+        </pc:picChg>
+        <pc:picChg chg="del">
+          <ac:chgData name="Xin Luo" userId="82312ee5779919a4" providerId="LiveId" clId="{98EC8ECB-A80D-1449-ACFE-0D931F29C13A}" dt="2023-02-23T15:23:49.248" v="298" actId="478"/>
+          <ac:picMkLst>
+            <pc:docMk/>
+            <pc:sldMk cId="4067577602" sldId="2605"/>
+            <ac:picMk id="1036" creationId="{5E2738F1-9461-1F5B-3007-2AA2AD20C330}"/>
+          </ac:picMkLst>
+        </pc:picChg>
+        <pc:cxnChg chg="del">
+          <ac:chgData name="Xin Luo" userId="82312ee5779919a4" providerId="LiveId" clId="{98EC8ECB-A80D-1449-ACFE-0D931F29C13A}" dt="2023-02-23T15:23:49.248" v="298" actId="478"/>
+          <ac:cxnSpMkLst>
+            <pc:docMk/>
+            <pc:sldMk cId="4067577602" sldId="2605"/>
+            <ac:cxnSpMk id="12" creationId="{78FA799A-1F2C-F1DA-9F71-B1B8AFBC5758}"/>
+          </ac:cxnSpMkLst>
+        </pc:cxnChg>
+      </pc:sldChg>
+      <pc:sldChg chg="modSp mod">
+        <pc:chgData name="Xin Luo" userId="82312ee5779919a4" providerId="LiveId" clId="{98EC8ECB-A80D-1449-ACFE-0D931F29C13A}" dt="2023-02-23T15:03:54.789" v="48" actId="20577"/>
+        <pc:sldMkLst>
+          <pc:docMk/>
+          <pc:sldMk cId="1658607177" sldId="2708"/>
+        </pc:sldMkLst>
+        <pc:spChg chg="mod">
+          <ac:chgData name="Xin Luo" userId="82312ee5779919a4" providerId="LiveId" clId="{98EC8ECB-A80D-1449-ACFE-0D931F29C13A}" dt="2023-02-23T15:03:29.071" v="4" actId="20577"/>
+          <ac:spMkLst>
+            <pc:docMk/>
+            <pc:sldMk cId="1658607177" sldId="2708"/>
+            <ac:spMk id="3" creationId="{E375549C-74EF-2C8F-6432-2C52B803FB1B}"/>
+          </ac:spMkLst>
+        </pc:spChg>
+        <pc:spChg chg="mod">
+          <ac:chgData name="Xin Luo" userId="82312ee5779919a4" providerId="LiveId" clId="{98EC8ECB-A80D-1449-ACFE-0D931F29C13A}" dt="2023-02-23T15:03:54.789" v="48" actId="20577"/>
+          <ac:spMkLst>
+            <pc:docMk/>
+            <pc:sldMk cId="1658607177" sldId="2708"/>
+            <ac:spMk id="24" creationId="{00000000-0000-0000-0000-000000000000}"/>
+          </ac:spMkLst>
+        </pc:spChg>
+      </pc:sldChg>
+      <pc:sldChg chg="modSp mod">
+        <pc:chgData name="Xin Luo" userId="82312ee5779919a4" providerId="LiveId" clId="{98EC8ECB-A80D-1449-ACFE-0D931F29C13A}" dt="2023-02-23T15:46:16.929" v="710" actId="20577"/>
+        <pc:sldMkLst>
+          <pc:docMk/>
+          <pc:sldMk cId="481122590" sldId="2709"/>
+        </pc:sldMkLst>
+        <pc:spChg chg="mod">
+          <ac:chgData name="Xin Luo" userId="82312ee5779919a4" providerId="LiveId" clId="{98EC8ECB-A80D-1449-ACFE-0D931F29C13A}" dt="2023-02-23T15:46:16.929" v="710" actId="20577"/>
+          <ac:spMkLst>
+            <pc:docMk/>
+            <pc:sldMk cId="481122590" sldId="2709"/>
+            <ac:spMk id="7" creationId="{00000000-0000-0000-0000-000000000000}"/>
+          </ac:spMkLst>
+        </pc:spChg>
+      </pc:sldChg>
+      <pc:sldChg chg="modSp mod">
+        <pc:chgData name="Xin Luo" userId="82312ee5779919a4" providerId="LiveId" clId="{98EC8ECB-A80D-1449-ACFE-0D931F29C13A}" dt="2023-02-23T15:46:36.362" v="717" actId="20577"/>
+        <pc:sldMkLst>
+          <pc:docMk/>
+          <pc:sldMk cId="3833073590" sldId="2716"/>
+        </pc:sldMkLst>
+        <pc:spChg chg="mod">
+          <ac:chgData name="Xin Luo" userId="82312ee5779919a4" providerId="LiveId" clId="{98EC8ECB-A80D-1449-ACFE-0D931F29C13A}" dt="2023-02-23T15:46:29.354" v="716" actId="108"/>
+          <ac:spMkLst>
+            <pc:docMk/>
+            <pc:sldMk cId="3833073590" sldId="2716"/>
+            <ac:spMk id="3" creationId="{00000000-0000-0000-0000-000000000000}"/>
+          </ac:spMkLst>
+        </pc:spChg>
+        <pc:spChg chg="mod">
+          <ac:chgData name="Xin Luo" userId="82312ee5779919a4" providerId="LiveId" clId="{98EC8ECB-A80D-1449-ACFE-0D931F29C13A}" dt="2023-02-23T15:46:36.362" v="717" actId="20577"/>
+          <ac:spMkLst>
+            <pc:docMk/>
+            <pc:sldMk cId="3833073590" sldId="2716"/>
+            <ac:spMk id="5" creationId="{9F4AEA98-0C33-E82A-EB75-839D0F0B55A4}"/>
+          </ac:spMkLst>
+        </pc:spChg>
+      </pc:sldChg>
+      <pc:sldChg chg="modSp mod">
+        <pc:chgData name="Xin Luo" userId="82312ee5779919a4" providerId="LiveId" clId="{98EC8ECB-A80D-1449-ACFE-0D931F29C13A}" dt="2023-02-23T15:47:08.933" v="728" actId="20577"/>
+        <pc:sldMkLst>
+          <pc:docMk/>
+          <pc:sldMk cId="972163772" sldId="2720"/>
+        </pc:sldMkLst>
+        <pc:spChg chg="mod">
+          <ac:chgData name="Xin Luo" userId="82312ee5779919a4" providerId="LiveId" clId="{98EC8ECB-A80D-1449-ACFE-0D931F29C13A}" dt="2023-02-23T15:47:00.360" v="722" actId="1076"/>
+          <ac:spMkLst>
+            <pc:docMk/>
+            <pc:sldMk cId="972163772" sldId="2720"/>
+            <ac:spMk id="3" creationId="{00000000-0000-0000-0000-000000000000}"/>
+          </ac:spMkLst>
+        </pc:spChg>
+        <pc:spChg chg="mod">
+          <ac:chgData name="Xin Luo" userId="82312ee5779919a4" providerId="LiveId" clId="{98EC8ECB-A80D-1449-ACFE-0D931F29C13A}" dt="2023-02-23T15:47:08.933" v="728" actId="20577"/>
+          <ac:spMkLst>
+            <pc:docMk/>
+            <pc:sldMk cId="972163772" sldId="2720"/>
+            <ac:spMk id="7" creationId="{00000000-0000-0000-0000-000000000000}"/>
+          </ac:spMkLst>
+        </pc:spChg>
+      </pc:sldChg>
+      <pc:sldChg chg="modSp mod">
+        <pc:chgData name="Xin Luo" userId="82312ee5779919a4" providerId="LiveId" clId="{98EC8ECB-A80D-1449-ACFE-0D931F29C13A}" dt="2023-02-23T15:47:17.016" v="729"/>
+        <pc:sldMkLst>
+          <pc:docMk/>
+          <pc:sldMk cId="2689695864" sldId="2721"/>
+        </pc:sldMkLst>
+        <pc:spChg chg="mod">
+          <ac:chgData name="Xin Luo" userId="82312ee5779919a4" providerId="LiveId" clId="{98EC8ECB-A80D-1449-ACFE-0D931F29C13A}" dt="2023-02-23T15:47:17.016" v="729"/>
+          <ac:spMkLst>
+            <pc:docMk/>
+            <pc:sldMk cId="2689695864" sldId="2721"/>
+            <ac:spMk id="3" creationId="{00000000-0000-0000-0000-000000000000}"/>
+          </ac:spMkLst>
+        </pc:spChg>
+      </pc:sldChg>
+      <pc:sldChg chg="delSp modSp mod">
+        <pc:chgData name="Xin Luo" userId="82312ee5779919a4" providerId="LiveId" clId="{98EC8ECB-A80D-1449-ACFE-0D931F29C13A}" dt="2023-02-23T15:47:30.471" v="734" actId="478"/>
+        <pc:sldMkLst>
+          <pc:docMk/>
+          <pc:sldMk cId="1209572041" sldId="2722"/>
+        </pc:sldMkLst>
+        <pc:spChg chg="del mod">
+          <ac:chgData name="Xin Luo" userId="82312ee5779919a4" providerId="LiveId" clId="{98EC8ECB-A80D-1449-ACFE-0D931F29C13A}" dt="2023-02-23T15:47:30.471" v="734" actId="478"/>
+          <ac:spMkLst>
+            <pc:docMk/>
+            <pc:sldMk cId="1209572041" sldId="2722"/>
+            <ac:spMk id="14" creationId="{0DADB612-499B-577C-8C56-FA81A4204DD1}"/>
+          </ac:spMkLst>
+        </pc:spChg>
+      </pc:sldChg>
+      <pc:sldChg chg="del">
+        <pc:chgData name="Xin Luo" userId="82312ee5779919a4" providerId="LiveId" clId="{98EC8ECB-A80D-1449-ACFE-0D931F29C13A}" dt="2023-02-23T15:46:08.434" v="701" actId="2696"/>
+        <pc:sldMkLst>
+          <pc:docMk/>
+          <pc:sldMk cId="353940032" sldId="2725"/>
+        </pc:sldMkLst>
+      </pc:sldChg>
+      <pc:sldChg chg="del">
+        <pc:chgData name="Xin Luo" userId="82312ee5779919a4" providerId="LiveId" clId="{98EC8ECB-A80D-1449-ACFE-0D931F29C13A}" dt="2023-02-23T15:46:08.455" v="709" actId="2696"/>
+        <pc:sldMkLst>
+          <pc:docMk/>
+          <pc:sldMk cId="45083394" sldId="2726"/>
+        </pc:sldMkLst>
+      </pc:sldChg>
+      <pc:sldChg chg="del">
+        <pc:chgData name="Xin Luo" userId="82312ee5779919a4" providerId="LiveId" clId="{98EC8ECB-A80D-1449-ACFE-0D931F29C13A}" dt="2023-02-23T15:46:08.437" v="702" actId="2696"/>
+        <pc:sldMkLst>
+          <pc:docMk/>
+          <pc:sldMk cId="148985918" sldId="2727"/>
+        </pc:sldMkLst>
+      </pc:sldChg>
+      <pc:sldChg chg="del">
+        <pc:chgData name="Xin Luo" userId="82312ee5779919a4" providerId="LiveId" clId="{98EC8ECB-A80D-1449-ACFE-0D931F29C13A}" dt="2023-02-23T15:46:08.445" v="706" actId="2696"/>
+        <pc:sldMkLst>
+          <pc:docMk/>
+          <pc:sldMk cId="3544980656" sldId="2728"/>
+        </pc:sldMkLst>
+      </pc:sldChg>
+      <pc:sldChg chg="del">
+        <pc:chgData name="Xin Luo" userId="82312ee5779919a4" providerId="LiveId" clId="{98EC8ECB-A80D-1449-ACFE-0D931F29C13A}" dt="2023-02-23T15:46:08.448" v="708" actId="2696"/>
+        <pc:sldMkLst>
+          <pc:docMk/>
+          <pc:sldMk cId="1664139585" sldId="2729"/>
+        </pc:sldMkLst>
+      </pc:sldChg>
+      <pc:sldChg chg="del">
+        <pc:chgData name="Xin Luo" userId="82312ee5779919a4" providerId="LiveId" clId="{98EC8ECB-A80D-1449-ACFE-0D931F29C13A}" dt="2023-02-23T15:46:08.446" v="707" actId="2696"/>
+        <pc:sldMkLst>
+          <pc:docMk/>
+          <pc:sldMk cId="3561803108" sldId="2730"/>
+        </pc:sldMkLst>
+      </pc:sldChg>
+      <pc:sldChg chg="del">
+        <pc:chgData name="Xin Luo" userId="82312ee5779919a4" providerId="LiveId" clId="{98EC8ECB-A80D-1449-ACFE-0D931F29C13A}" dt="2023-02-23T15:46:08.439" v="703" actId="2696"/>
+        <pc:sldMkLst>
+          <pc:docMk/>
+          <pc:sldMk cId="236610701" sldId="2731"/>
+        </pc:sldMkLst>
+      </pc:sldChg>
+      <pc:sldChg chg="del">
+        <pc:chgData name="Xin Luo" userId="82312ee5779919a4" providerId="LiveId" clId="{98EC8ECB-A80D-1449-ACFE-0D931F29C13A}" dt="2023-02-23T15:46:08.441" v="704" actId="2696"/>
+        <pc:sldMkLst>
+          <pc:docMk/>
+          <pc:sldMk cId="1986913413" sldId="2732"/>
+        </pc:sldMkLst>
+      </pc:sldChg>
+      <pc:sldChg chg="del">
+        <pc:chgData name="Xin Luo" userId="82312ee5779919a4" providerId="LiveId" clId="{98EC8ECB-A80D-1449-ACFE-0D931F29C13A}" dt="2023-02-23T15:46:08.443" v="705" actId="2696"/>
+        <pc:sldMkLst>
+          <pc:docMk/>
+          <pc:sldMk cId="270311508" sldId="2733"/>
+        </pc:sldMkLst>
+      </pc:sldChg>
+      <pc:sldChg chg="del">
+        <pc:chgData name="Xin Luo" userId="82312ee5779919a4" providerId="LiveId" clId="{98EC8ECB-A80D-1449-ACFE-0D931F29C13A}" dt="2023-02-23T15:47:22.827" v="730" actId="2696"/>
+        <pc:sldMkLst>
+          <pc:docMk/>
+          <pc:sldMk cId="3138813826" sldId="2734"/>
+        </pc:sldMkLst>
+      </pc:sldChg>
+      <pc:sldChg chg="del">
+        <pc:chgData name="Xin Luo" userId="82312ee5779919a4" providerId="LiveId" clId="{98EC8ECB-A80D-1449-ACFE-0D931F29C13A}" dt="2023-02-23T15:47:22.864" v="732" actId="2696"/>
+        <pc:sldMkLst>
+          <pc:docMk/>
+          <pc:sldMk cId="128317883" sldId="2735"/>
+        </pc:sldMkLst>
+      </pc:sldChg>
+      <pc:sldChg chg="del">
+        <pc:chgData name="Xin Luo" userId="82312ee5779919a4" providerId="LiveId" clId="{98EC8ECB-A80D-1449-ACFE-0D931F29C13A}" dt="2023-02-23T15:47:22.829" v="731" actId="2696"/>
+        <pc:sldMkLst>
+          <pc:docMk/>
+          <pc:sldMk cId="383906436" sldId="2736"/>
+        </pc:sldMkLst>
+      </pc:sldChg>
+      <pc:sldChg chg="addSp delSp modSp add mod">
+        <pc:chgData name="Xin Luo" userId="82312ee5779919a4" providerId="LiveId" clId="{98EC8ECB-A80D-1449-ACFE-0D931F29C13A}" dt="2023-02-23T15:45:27.987" v="683" actId="1037"/>
+        <pc:sldMkLst>
+          <pc:docMk/>
+          <pc:sldMk cId="655142816" sldId="2737"/>
+        </pc:sldMkLst>
+        <pc:spChg chg="add del mod">
+          <ac:chgData name="Xin Luo" userId="82312ee5779919a4" providerId="LiveId" clId="{98EC8ECB-A80D-1449-ACFE-0D931F29C13A}" dt="2023-02-23T15:36:38.445" v="650" actId="20577"/>
+          <ac:spMkLst>
+            <pc:docMk/>
+            <pc:sldMk cId="655142816" sldId="2737"/>
+            <ac:spMk id="5" creationId="{78502774-B04C-634F-1396-E5815996BC36}"/>
+          </ac:spMkLst>
+        </pc:spChg>
+        <pc:spChg chg="del mod">
+          <ac:chgData name="Xin Luo" userId="82312ee5779919a4" providerId="LiveId" clId="{98EC8ECB-A80D-1449-ACFE-0D931F29C13A}" dt="2023-02-23T15:31:28.203" v="477" actId="478"/>
+          <ac:spMkLst>
+            <pc:docMk/>
+            <pc:sldMk cId="655142816" sldId="2737"/>
+            <ac:spMk id="8" creationId="{F79B8069-33FF-F2D3-2749-C72697740ACD}"/>
+          </ac:spMkLst>
+        </pc:spChg>
+        <pc:picChg chg="add mod">
+          <ac:chgData name="Xin Luo" userId="82312ee5779919a4" providerId="LiveId" clId="{98EC8ECB-A80D-1449-ACFE-0D931F29C13A}" dt="2023-02-23T15:45:27.987" v="683" actId="1037"/>
+          <ac:picMkLst>
+            <pc:docMk/>
+            <pc:sldMk cId="655142816" sldId="2737"/>
+            <ac:picMk id="1026" creationId="{75908E15-58DA-73BD-95F9-CACD1B8B9D82}"/>
+          </ac:picMkLst>
+        </pc:picChg>
+        <pc:picChg chg="add mod">
+          <ac:chgData name="Xin Luo" userId="82312ee5779919a4" providerId="LiveId" clId="{98EC8ECB-A80D-1449-ACFE-0D931F29C13A}" dt="2023-02-23T15:45:27.987" v="683" actId="1037"/>
+          <ac:picMkLst>
+            <pc:docMk/>
+            <pc:sldMk cId="655142816" sldId="2737"/>
+            <ac:picMk id="1028" creationId="{1E2BFB6C-B7E5-CAF9-B8CC-09A5029EC264}"/>
+          </ac:picMkLst>
+        </pc:picChg>
+        <pc:picChg chg="add mod">
+          <ac:chgData name="Xin Luo" userId="82312ee5779919a4" providerId="LiveId" clId="{98EC8ECB-A80D-1449-ACFE-0D931F29C13A}" dt="2023-02-23T15:45:27.987" v="683" actId="1037"/>
+          <ac:picMkLst>
+            <pc:docMk/>
+            <pc:sldMk cId="655142816" sldId="2737"/>
+            <ac:picMk id="1030" creationId="{CB7EE236-3D18-EC53-3225-10EBB3B4EC77}"/>
+          </ac:picMkLst>
+        </pc:picChg>
+        <pc:picChg chg="add mod">
+          <ac:chgData name="Xin Luo" userId="82312ee5779919a4" providerId="LiveId" clId="{98EC8ECB-A80D-1449-ACFE-0D931F29C13A}" dt="2023-02-23T15:45:27.987" v="683" actId="1037"/>
+          <ac:picMkLst>
+            <pc:docMk/>
+            <pc:sldMk cId="655142816" sldId="2737"/>
+            <ac:picMk id="1032" creationId="{BFA8C7BD-9CEC-ADA1-21BA-0EE8338C6EA3}"/>
+          </ac:picMkLst>
+        </pc:picChg>
+      </pc:sldChg>
+    </pc:docChg>
+  </pc:docChgLst>
   <pc:docChgLst>
     <pc:chgData name="Xin Luo" userId="82312ee5779919a4" providerId="LiveId" clId="{A508F461-0D73-864F-B88A-277BCD613B0A}"/>
     <pc:docChg chg="modSld">
@@ -578,350 +1177,6 @@
             <ac:picMk id="9" creationId="{0CF46726-2B51-43A4-FDEF-A6131C46F05F}"/>
           </ac:picMkLst>
         </pc:picChg>
-      </pc:sldChg>
-    </pc:docChg>
-  </pc:docChgLst>
-  <pc:docChgLst>
-    <pc:chgData name="Xin Luo" userId="82312ee5779919a4" providerId="LiveId" clId="{23920C8D-EBCE-A347-9C82-C14316D20539}"/>
-    <pc:docChg chg="undo custSel addSld modSld">
-      <pc:chgData name="Xin Luo" userId="82312ee5779919a4" providerId="LiveId" clId="{23920C8D-EBCE-A347-9C82-C14316D20539}" dt="2022-10-26T12:19:06.428" v="501" actId="767"/>
-      <pc:docMkLst>
-        <pc:docMk/>
-      </pc:docMkLst>
-      <pc:sldChg chg="modSp mod">
-        <pc:chgData name="Xin Luo" userId="82312ee5779919a4" providerId="LiveId" clId="{23920C8D-EBCE-A347-9C82-C14316D20539}" dt="2022-10-10T01:06:29.261" v="368" actId="404"/>
-        <pc:sldMkLst>
-          <pc:docMk/>
-          <pc:sldMk cId="1576120367" sldId="2387"/>
-        </pc:sldMkLst>
-        <pc:spChg chg="mod">
-          <ac:chgData name="Xin Luo" userId="82312ee5779919a4" providerId="LiveId" clId="{23920C8D-EBCE-A347-9C82-C14316D20539}" dt="2022-10-10T01:06:29.261" v="368" actId="404"/>
-          <ac:spMkLst>
-            <pc:docMk/>
-            <pc:sldMk cId="1576120367" sldId="2387"/>
-            <ac:spMk id="10" creationId="{00000000-0000-0000-0000-000000000000}"/>
-          </ac:spMkLst>
-        </pc:spChg>
-        <pc:spChg chg="mod">
-          <ac:chgData name="Xin Luo" userId="82312ee5779919a4" providerId="LiveId" clId="{23920C8D-EBCE-A347-9C82-C14316D20539}" dt="2022-10-10T01:06:13.262" v="366" actId="403"/>
-          <ac:spMkLst>
-            <pc:docMk/>
-            <pc:sldMk cId="1576120367" sldId="2387"/>
-            <ac:spMk id="12" creationId="{00000000-0000-0000-0000-000000000000}"/>
-          </ac:spMkLst>
-        </pc:spChg>
-        <pc:spChg chg="mod">
-          <ac:chgData name="Xin Luo" userId="82312ee5779919a4" providerId="LiveId" clId="{23920C8D-EBCE-A347-9C82-C14316D20539}" dt="2022-10-10T01:06:29.261" v="368" actId="404"/>
-          <ac:spMkLst>
-            <pc:docMk/>
-            <pc:sldMk cId="1576120367" sldId="2387"/>
-            <ac:spMk id="13" creationId="{00000000-0000-0000-0000-000000000000}"/>
-          </ac:spMkLst>
-        </pc:spChg>
-        <pc:spChg chg="mod">
-          <ac:chgData name="Xin Luo" userId="82312ee5779919a4" providerId="LiveId" clId="{23920C8D-EBCE-A347-9C82-C14316D20539}" dt="2022-10-10T01:06:13.262" v="366" actId="403"/>
-          <ac:spMkLst>
-            <pc:docMk/>
-            <pc:sldMk cId="1576120367" sldId="2387"/>
-            <ac:spMk id="14" creationId="{00000000-0000-0000-0000-000000000000}"/>
-          </ac:spMkLst>
-        </pc:spChg>
-        <pc:spChg chg="mod">
-          <ac:chgData name="Xin Luo" userId="82312ee5779919a4" providerId="LiveId" clId="{23920C8D-EBCE-A347-9C82-C14316D20539}" dt="2022-10-10T01:06:29.261" v="368" actId="404"/>
-          <ac:spMkLst>
-            <pc:docMk/>
-            <pc:sldMk cId="1576120367" sldId="2387"/>
-            <ac:spMk id="15" creationId="{00000000-0000-0000-0000-000000000000}"/>
-          </ac:spMkLst>
-        </pc:spChg>
-        <pc:spChg chg="mod">
-          <ac:chgData name="Xin Luo" userId="82312ee5779919a4" providerId="LiveId" clId="{23920C8D-EBCE-A347-9C82-C14316D20539}" dt="2022-10-10T01:06:19.369" v="367" actId="14100"/>
-          <ac:spMkLst>
-            <pc:docMk/>
-            <pc:sldMk cId="1576120367" sldId="2387"/>
-            <ac:spMk id="16" creationId="{00000000-0000-0000-0000-000000000000}"/>
-          </ac:spMkLst>
-        </pc:spChg>
-      </pc:sldChg>
-      <pc:sldChg chg="modSp mod">
-        <pc:chgData name="Xin Luo" userId="82312ee5779919a4" providerId="LiveId" clId="{23920C8D-EBCE-A347-9C82-C14316D20539}" dt="2022-10-10T01:06:39.449" v="369" actId="403"/>
-        <pc:sldMkLst>
-          <pc:docMk/>
-          <pc:sldMk cId="2415901206" sldId="2447"/>
-        </pc:sldMkLst>
-        <pc:spChg chg="mod">
-          <ac:chgData name="Xin Luo" userId="82312ee5779919a4" providerId="LiveId" clId="{23920C8D-EBCE-A347-9C82-C14316D20539}" dt="2022-10-10T01:06:39.449" v="369" actId="403"/>
-          <ac:spMkLst>
-            <pc:docMk/>
-            <pc:sldMk cId="2415901206" sldId="2447"/>
-            <ac:spMk id="7" creationId="{00000000-0000-0000-0000-000000000000}"/>
-          </ac:spMkLst>
-        </pc:spChg>
-      </pc:sldChg>
-      <pc:sldChg chg="addSp delSp modSp mod">
-        <pc:chgData name="Xin Luo" userId="82312ee5779919a4" providerId="LiveId" clId="{23920C8D-EBCE-A347-9C82-C14316D20539}" dt="2022-10-26T11:18:20.490" v="500"/>
-        <pc:sldMkLst>
-          <pc:docMk/>
-          <pc:sldMk cId="2689840772" sldId="2604"/>
-        </pc:sldMkLst>
-        <pc:spChg chg="mod">
-          <ac:chgData name="Xin Luo" userId="82312ee5779919a4" providerId="LiveId" clId="{23920C8D-EBCE-A347-9C82-C14316D20539}" dt="2022-10-26T11:18:14.630" v="497" actId="1038"/>
-          <ac:spMkLst>
-            <pc:docMk/>
-            <pc:sldMk cId="2689840772" sldId="2604"/>
-            <ac:spMk id="2" creationId="{DB381E7B-A050-4BE4-6756-9B64308C74D7}"/>
-          </ac:spMkLst>
-        </pc:spChg>
-        <pc:spChg chg="del mod">
-          <ac:chgData name="Xin Luo" userId="82312ee5779919a4" providerId="LiveId" clId="{23920C8D-EBCE-A347-9C82-C14316D20539}" dt="2022-10-10T00:58:26.498" v="9" actId="478"/>
-          <ac:spMkLst>
-            <pc:docMk/>
-            <pc:sldMk cId="2689840772" sldId="2604"/>
-            <ac:spMk id="3" creationId="{00000000-0000-0000-0000-000000000000}"/>
-          </ac:spMkLst>
-        </pc:spChg>
-        <pc:spChg chg="add del mod">
-          <ac:chgData name="Xin Luo" userId="82312ee5779919a4" providerId="LiveId" clId="{23920C8D-EBCE-A347-9C82-C14316D20539}" dt="2022-10-26T11:18:20.490" v="500"/>
-          <ac:spMkLst>
-            <pc:docMk/>
-            <pc:sldMk cId="2689840772" sldId="2604"/>
-            <ac:spMk id="3" creationId="{0AC6D251-AEF6-35BE-71D5-DE25EAD72977}"/>
-          </ac:spMkLst>
-        </pc:spChg>
-        <pc:spChg chg="add mod">
-          <ac:chgData name="Xin Luo" userId="82312ee5779919a4" providerId="LiveId" clId="{23920C8D-EBCE-A347-9C82-C14316D20539}" dt="2022-10-10T01:03:50.909" v="356" actId="20577"/>
-          <ac:spMkLst>
-            <pc:docMk/>
-            <pc:sldMk cId="2689840772" sldId="2604"/>
-            <ac:spMk id="4" creationId="{5B949F23-92C2-3ACE-AE9A-58F8C8D7AB52}"/>
-          </ac:spMkLst>
-        </pc:spChg>
-      </pc:sldChg>
-      <pc:sldChg chg="modSp mod">
-        <pc:chgData name="Xin Luo" userId="82312ee5779919a4" providerId="LiveId" clId="{23920C8D-EBCE-A347-9C82-C14316D20539}" dt="2022-10-25T11:53:23.523" v="402" actId="207"/>
-        <pc:sldMkLst>
-          <pc:docMk/>
-          <pc:sldMk cId="1392274363" sldId="2606"/>
-        </pc:sldMkLst>
-        <pc:spChg chg="mod">
-          <ac:chgData name="Xin Luo" userId="82312ee5779919a4" providerId="LiveId" clId="{23920C8D-EBCE-A347-9C82-C14316D20539}" dt="2022-10-10T01:08:08.448" v="392" actId="20577"/>
-          <ac:spMkLst>
-            <pc:docMk/>
-            <pc:sldMk cId="1392274363" sldId="2606"/>
-            <ac:spMk id="35" creationId="{2CBBD54C-A0C4-CFAB-2A67-F8BF299D28F5}"/>
-          </ac:spMkLst>
-        </pc:spChg>
-        <pc:spChg chg="mod">
-          <ac:chgData name="Xin Luo" userId="82312ee5779919a4" providerId="LiveId" clId="{23920C8D-EBCE-A347-9C82-C14316D20539}" dt="2022-10-25T11:53:23.523" v="402" actId="207"/>
-          <ac:spMkLst>
-            <pc:docMk/>
-            <pc:sldMk cId="1392274363" sldId="2606"/>
-            <ac:spMk id="42" creationId="{E4B07DDE-AB89-2B16-6B7A-2142621DE6F5}"/>
-          </ac:spMkLst>
-        </pc:spChg>
-      </pc:sldChg>
-      <pc:sldChg chg="modSp mod">
-        <pc:chgData name="Xin Luo" userId="82312ee5779919a4" providerId="LiveId" clId="{23920C8D-EBCE-A347-9C82-C14316D20539}" dt="2022-10-25T12:03:26.240" v="414" actId="14100"/>
-        <pc:sldMkLst>
-          <pc:docMk/>
-          <pc:sldMk cId="292605530" sldId="2607"/>
-        </pc:sldMkLst>
-        <pc:spChg chg="mod">
-          <ac:chgData name="Xin Luo" userId="82312ee5779919a4" providerId="LiveId" clId="{23920C8D-EBCE-A347-9C82-C14316D20539}" dt="2022-10-25T12:03:26.240" v="414" actId="14100"/>
-          <ac:spMkLst>
-            <pc:docMk/>
-            <pc:sldMk cId="292605530" sldId="2607"/>
-            <ac:spMk id="18" creationId="{8399C9E7-13B6-1DAF-F5BF-4471E8528C5F}"/>
-          </ac:spMkLst>
-        </pc:spChg>
-      </pc:sldChg>
-      <pc:sldChg chg="modSp mod">
-        <pc:chgData name="Xin Luo" userId="82312ee5779919a4" providerId="LiveId" clId="{23920C8D-EBCE-A347-9C82-C14316D20539}" dt="2022-10-25T12:09:03.730" v="478" actId="1036"/>
-        <pc:sldMkLst>
-          <pc:docMk/>
-          <pc:sldMk cId="2780969545" sldId="2609"/>
-        </pc:sldMkLst>
-        <pc:spChg chg="mod">
-          <ac:chgData name="Xin Luo" userId="82312ee5779919a4" providerId="LiveId" clId="{23920C8D-EBCE-A347-9C82-C14316D20539}" dt="2022-10-25T12:08:56.496" v="469" actId="115"/>
-          <ac:spMkLst>
-            <pc:docMk/>
-            <pc:sldMk cId="2780969545" sldId="2609"/>
-            <ac:spMk id="6" creationId="{2D1A6305-FF43-CF53-224A-B6D4901EAB0F}"/>
-          </ac:spMkLst>
-        </pc:spChg>
-        <pc:spChg chg="mod">
-          <ac:chgData name="Xin Luo" userId="82312ee5779919a4" providerId="LiveId" clId="{23920C8D-EBCE-A347-9C82-C14316D20539}" dt="2022-10-25T12:09:03.730" v="478" actId="1036"/>
-          <ac:spMkLst>
-            <pc:docMk/>
-            <pc:sldMk cId="2780969545" sldId="2609"/>
-            <ac:spMk id="11" creationId="{63EAC848-88D2-7A10-E878-444ADA855E23}"/>
-          </ac:spMkLst>
-        </pc:spChg>
-        <pc:spChg chg="mod">
-          <ac:chgData name="Xin Luo" userId="82312ee5779919a4" providerId="LiveId" clId="{23920C8D-EBCE-A347-9C82-C14316D20539}" dt="2022-10-25T12:09:03.730" v="478" actId="1036"/>
-          <ac:spMkLst>
-            <pc:docMk/>
-            <pc:sldMk cId="2780969545" sldId="2609"/>
-            <ac:spMk id="12" creationId="{BED7A820-9D6E-7E7E-A906-8A9424528316}"/>
-          </ac:spMkLst>
-        </pc:spChg>
-        <pc:spChg chg="mod">
-          <ac:chgData name="Xin Luo" userId="82312ee5779919a4" providerId="LiveId" clId="{23920C8D-EBCE-A347-9C82-C14316D20539}" dt="2022-10-25T12:09:03.730" v="478" actId="1036"/>
-          <ac:spMkLst>
-            <pc:docMk/>
-            <pc:sldMk cId="2780969545" sldId="2609"/>
-            <ac:spMk id="20" creationId="{87EC125B-CB98-6914-1633-6697471A2CB4}"/>
-          </ac:spMkLst>
-        </pc:spChg>
-        <pc:spChg chg="mod">
-          <ac:chgData name="Xin Luo" userId="82312ee5779919a4" providerId="LiveId" clId="{23920C8D-EBCE-A347-9C82-C14316D20539}" dt="2022-10-25T12:09:03.730" v="478" actId="1036"/>
-          <ac:spMkLst>
-            <pc:docMk/>
-            <pc:sldMk cId="2780969545" sldId="2609"/>
-            <ac:spMk id="21" creationId="{0AF67847-7DEF-CDAB-6208-0271BFB4FB06}"/>
-          </ac:spMkLst>
-        </pc:spChg>
-        <pc:spChg chg="mod">
-          <ac:chgData name="Xin Luo" userId="82312ee5779919a4" providerId="LiveId" clId="{23920C8D-EBCE-A347-9C82-C14316D20539}" dt="2022-10-25T12:09:03.730" v="478" actId="1036"/>
-          <ac:spMkLst>
-            <pc:docMk/>
-            <pc:sldMk cId="2780969545" sldId="2609"/>
-            <ac:spMk id="23" creationId="{0011846D-F543-398E-85CB-0AB0A842928A}"/>
-          </ac:spMkLst>
-        </pc:spChg>
-        <pc:spChg chg="mod">
-          <ac:chgData name="Xin Luo" userId="82312ee5779919a4" providerId="LiveId" clId="{23920C8D-EBCE-A347-9C82-C14316D20539}" dt="2022-10-25T12:09:03.730" v="478" actId="1036"/>
-          <ac:spMkLst>
-            <pc:docMk/>
-            <pc:sldMk cId="2780969545" sldId="2609"/>
-            <ac:spMk id="24" creationId="{37B5D87E-7419-7CC0-91CC-8A0807F0F999}"/>
-          </ac:spMkLst>
-        </pc:spChg>
-        <pc:spChg chg="mod">
-          <ac:chgData name="Xin Luo" userId="82312ee5779919a4" providerId="LiveId" clId="{23920C8D-EBCE-A347-9C82-C14316D20539}" dt="2022-10-25T12:09:03.730" v="478" actId="1036"/>
-          <ac:spMkLst>
-            <pc:docMk/>
-            <pc:sldMk cId="2780969545" sldId="2609"/>
-            <ac:spMk id="25" creationId="{4745244D-B431-F067-4A97-7CC4387296FB}"/>
-          </ac:spMkLst>
-        </pc:spChg>
-        <pc:spChg chg="mod">
-          <ac:chgData name="Xin Luo" userId="82312ee5779919a4" providerId="LiveId" clId="{23920C8D-EBCE-A347-9C82-C14316D20539}" dt="2022-10-25T12:09:03.730" v="478" actId="1036"/>
-          <ac:spMkLst>
-            <pc:docMk/>
-            <pc:sldMk cId="2780969545" sldId="2609"/>
-            <ac:spMk id="26" creationId="{FB9C53DE-8D1F-6DF4-8CE3-3A262A9F8737}"/>
-          </ac:spMkLst>
-        </pc:spChg>
-        <pc:picChg chg="mod">
-          <ac:chgData name="Xin Luo" userId="82312ee5779919a4" providerId="LiveId" clId="{23920C8D-EBCE-A347-9C82-C14316D20539}" dt="2022-10-25T12:09:03.730" v="478" actId="1036"/>
-          <ac:picMkLst>
-            <pc:docMk/>
-            <pc:sldMk cId="2780969545" sldId="2609"/>
-            <ac:picMk id="4" creationId="{49B7ACC6-6794-9162-52B2-E80F7E4B0442}"/>
-          </ac:picMkLst>
-        </pc:picChg>
-        <pc:picChg chg="mod">
-          <ac:chgData name="Xin Luo" userId="82312ee5779919a4" providerId="LiveId" clId="{23920C8D-EBCE-A347-9C82-C14316D20539}" dt="2022-10-25T12:09:03.730" v="478" actId="1036"/>
-          <ac:picMkLst>
-            <pc:docMk/>
-            <pc:sldMk cId="2780969545" sldId="2609"/>
-            <ac:picMk id="7" creationId="{42FD45A0-A9EA-D518-41B5-21FA7A24BA60}"/>
-          </ac:picMkLst>
-        </pc:picChg>
-        <pc:picChg chg="mod">
-          <ac:chgData name="Xin Luo" userId="82312ee5779919a4" providerId="LiveId" clId="{23920C8D-EBCE-A347-9C82-C14316D20539}" dt="2022-10-25T12:09:03.730" v="478" actId="1036"/>
-          <ac:picMkLst>
-            <pc:docMk/>
-            <pc:sldMk cId="2780969545" sldId="2609"/>
-            <ac:picMk id="10" creationId="{C2B12388-3179-41F8-2462-0C9BA14093FF}"/>
-          </ac:picMkLst>
-        </pc:picChg>
-        <pc:picChg chg="mod">
-          <ac:chgData name="Xin Luo" userId="82312ee5779919a4" providerId="LiveId" clId="{23920C8D-EBCE-A347-9C82-C14316D20539}" dt="2022-10-25T12:09:03.730" v="478" actId="1036"/>
-          <ac:picMkLst>
-            <pc:docMk/>
-            <pc:sldMk cId="2780969545" sldId="2609"/>
-            <ac:picMk id="7170" creationId="{A3C33C8C-6841-03A7-574F-E161D6BA2409}"/>
-          </ac:picMkLst>
-        </pc:picChg>
-        <pc:cxnChg chg="mod">
-          <ac:chgData name="Xin Luo" userId="82312ee5779919a4" providerId="LiveId" clId="{23920C8D-EBCE-A347-9C82-C14316D20539}" dt="2022-10-25T12:09:03.730" v="478" actId="1036"/>
-          <ac:cxnSpMkLst>
-            <pc:docMk/>
-            <pc:sldMk cId="2780969545" sldId="2609"/>
-            <ac:cxnSpMk id="9" creationId="{FD972B84-6C44-171E-8256-D2A04F01B0C9}"/>
-          </ac:cxnSpMkLst>
-        </pc:cxnChg>
-        <pc:cxnChg chg="mod">
-          <ac:chgData name="Xin Luo" userId="82312ee5779919a4" providerId="LiveId" clId="{23920C8D-EBCE-A347-9C82-C14316D20539}" dt="2022-10-25T12:09:03.730" v="478" actId="1036"/>
-          <ac:cxnSpMkLst>
-            <pc:docMk/>
-            <pc:sldMk cId="2780969545" sldId="2609"/>
-            <ac:cxnSpMk id="16" creationId="{612BCBDC-DECE-5090-7C5B-6492FF4CE722}"/>
-          </ac:cxnSpMkLst>
-        </pc:cxnChg>
-        <pc:cxnChg chg="mod">
-          <ac:chgData name="Xin Luo" userId="82312ee5779919a4" providerId="LiveId" clId="{23920C8D-EBCE-A347-9C82-C14316D20539}" dt="2022-10-25T12:09:03.730" v="478" actId="1036"/>
-          <ac:cxnSpMkLst>
-            <pc:docMk/>
-            <pc:sldMk cId="2780969545" sldId="2609"/>
-            <ac:cxnSpMk id="17" creationId="{AF045F09-2718-C456-D477-E816A43885FF}"/>
-          </ac:cxnSpMkLst>
-        </pc:cxnChg>
-        <pc:cxnChg chg="mod">
-          <ac:chgData name="Xin Luo" userId="82312ee5779919a4" providerId="LiveId" clId="{23920C8D-EBCE-A347-9C82-C14316D20539}" dt="2022-10-25T12:09:03.730" v="478" actId="1036"/>
-          <ac:cxnSpMkLst>
-            <pc:docMk/>
-            <pc:sldMk cId="2780969545" sldId="2609"/>
-            <ac:cxnSpMk id="28" creationId="{6C11ADF7-6234-2989-2798-F5AAD5EDE3BF}"/>
-          </ac:cxnSpMkLst>
-        </pc:cxnChg>
-      </pc:sldChg>
-      <pc:sldChg chg="modSp mod">
-        <pc:chgData name="Xin Luo" userId="82312ee5779919a4" providerId="LiveId" clId="{23920C8D-EBCE-A347-9C82-C14316D20539}" dt="2022-10-26T02:56:58.658" v="480" actId="207"/>
-        <pc:sldMkLst>
-          <pc:docMk/>
-          <pc:sldMk cId="63705705" sldId="2612"/>
-        </pc:sldMkLst>
-        <pc:spChg chg="mod">
-          <ac:chgData name="Xin Luo" userId="82312ee5779919a4" providerId="LiveId" clId="{23920C8D-EBCE-A347-9C82-C14316D20539}" dt="2022-10-26T02:56:58.658" v="480" actId="207"/>
-          <ac:spMkLst>
-            <pc:docMk/>
-            <pc:sldMk cId="63705705" sldId="2612"/>
-            <ac:spMk id="63" creationId="{6400CC45-5050-7ACD-CE08-CC6D7000A1DA}"/>
-          </ac:spMkLst>
-        </pc:spChg>
-      </pc:sldChg>
-      <pc:sldChg chg="addSp modSp">
-        <pc:chgData name="Xin Luo" userId="82312ee5779919a4" providerId="LiveId" clId="{23920C8D-EBCE-A347-9C82-C14316D20539}" dt="2022-10-26T12:19:06.428" v="501" actId="767"/>
-        <pc:sldMkLst>
-          <pc:docMk/>
-          <pc:sldMk cId="963926578" sldId="2613"/>
-        </pc:sldMkLst>
-        <pc:spChg chg="add mod">
-          <ac:chgData name="Xin Luo" userId="82312ee5779919a4" providerId="LiveId" clId="{23920C8D-EBCE-A347-9C82-C14316D20539}" dt="2022-10-26T12:19:06.428" v="501" actId="767"/>
-          <ac:spMkLst>
-            <pc:docMk/>
-            <pc:sldMk cId="963926578" sldId="2613"/>
-            <ac:spMk id="2" creationId="{5F7683B3-77E0-69A9-94AE-FF04E7249325}"/>
-          </ac:spMkLst>
-        </pc:spChg>
-      </pc:sldChg>
-      <pc:sldChg chg="modSp add mod">
-        <pc:chgData name="Xin Luo" userId="82312ee5779919a4" providerId="LiveId" clId="{23920C8D-EBCE-A347-9C82-C14316D20539}" dt="2022-10-10T01:06:02.902" v="365" actId="403"/>
-        <pc:sldMkLst>
-          <pc:docMk/>
-          <pc:sldMk cId="2358282757" sldId="2714"/>
-        </pc:sldMkLst>
-        <pc:spChg chg="mod">
-          <ac:chgData name="Xin Luo" userId="82312ee5779919a4" providerId="LiveId" clId="{23920C8D-EBCE-A347-9C82-C14316D20539}" dt="2022-10-10T01:06:02.902" v="365" actId="403"/>
-          <ac:spMkLst>
-            <pc:docMk/>
-            <pc:sldMk cId="2358282757" sldId="2714"/>
-            <ac:spMk id="2" creationId="{DB381E7B-A050-4BE4-6756-9B64308C74D7}"/>
-          </ac:spMkLst>
-        </pc:spChg>
       </pc:sldChg>
     </pc:docChg>
   </pc:docChgLst>
@@ -1014,6 +1269,1157 @@
         <pc:sldMkLst>
           <pc:docMk/>
           <pc:sldMk cId="1417780723" sldId="2761"/>
+        </pc:sldMkLst>
+      </pc:sldChg>
+    </pc:docChg>
+  </pc:docChgLst>
+  <pc:docChgLst>
+    <pc:chgData name="Xin Luo" userId="82312ee5779919a4" providerId="LiveId" clId="{C9FC77DC-EBF4-4246-B630-028129154F59}"/>
+    <pc:docChg chg="undo custSel addSld modSld sldOrd">
+      <pc:chgData name="Xin Luo" userId="82312ee5779919a4" providerId="LiveId" clId="{C9FC77DC-EBF4-4246-B630-028129154F59}" dt="2024-04-15T10:56:08.713" v="905" actId="20577"/>
+      <pc:docMkLst>
+        <pc:docMk/>
+      </pc:docMkLst>
+      <pc:sldChg chg="modSp mod">
+        <pc:chgData name="Xin Luo" userId="82312ee5779919a4" providerId="LiveId" clId="{C9FC77DC-EBF4-4246-B630-028129154F59}" dt="2024-04-15T10:40:10.110" v="807" actId="20577"/>
+        <pc:sldMkLst>
+          <pc:docMk/>
+          <pc:sldMk cId="2208625786" sldId="2761"/>
+        </pc:sldMkLst>
+        <pc:spChg chg="mod">
+          <ac:chgData name="Xin Luo" userId="82312ee5779919a4" providerId="LiveId" clId="{C9FC77DC-EBF4-4246-B630-028129154F59}" dt="2024-04-15T10:40:10.110" v="807" actId="20577"/>
+          <ac:spMkLst>
+            <pc:docMk/>
+            <pc:sldMk cId="2208625786" sldId="2761"/>
+            <ac:spMk id="7" creationId="{00000000-0000-0000-0000-000000000000}"/>
+          </ac:spMkLst>
+        </pc:spChg>
+      </pc:sldChg>
+      <pc:sldChg chg="modSp mod">
+        <pc:chgData name="Xin Luo" userId="82312ee5779919a4" providerId="LiveId" clId="{C9FC77DC-EBF4-4246-B630-028129154F59}" dt="2024-04-15T07:33:20.526" v="761" actId="1076"/>
+        <pc:sldMkLst>
+          <pc:docMk/>
+          <pc:sldMk cId="1282463514" sldId="2762"/>
+        </pc:sldMkLst>
+        <pc:picChg chg="mod">
+          <ac:chgData name="Xin Luo" userId="82312ee5779919a4" providerId="LiveId" clId="{C9FC77DC-EBF4-4246-B630-028129154F59}" dt="2024-04-15T07:33:20.526" v="761" actId="1076"/>
+          <ac:picMkLst>
+            <pc:docMk/>
+            <pc:sldMk cId="1282463514" sldId="2762"/>
+            <ac:picMk id="7" creationId="{707BE264-7BF9-39F1-F661-226B38BCE130}"/>
+          </ac:picMkLst>
+        </pc:picChg>
+      </pc:sldChg>
+      <pc:sldChg chg="addSp modSp mod">
+        <pc:chgData name="Xin Luo" userId="82312ee5779919a4" providerId="LiveId" clId="{C9FC77DC-EBF4-4246-B630-028129154F59}" dt="2024-04-15T07:32:57.001" v="737" actId="20577"/>
+        <pc:sldMkLst>
+          <pc:docMk/>
+          <pc:sldMk cId="1408535579" sldId="2763"/>
+        </pc:sldMkLst>
+        <pc:spChg chg="mod">
+          <ac:chgData name="Xin Luo" userId="82312ee5779919a4" providerId="LiveId" clId="{C9FC77DC-EBF4-4246-B630-028129154F59}" dt="2024-04-15T07:32:57.001" v="737" actId="20577"/>
+          <ac:spMkLst>
+            <pc:docMk/>
+            <pc:sldMk cId="1408535579" sldId="2763"/>
+            <ac:spMk id="2" creationId="{631AADB6-C88A-D817-4683-FC087E4E240F}"/>
+          </ac:spMkLst>
+        </pc:spChg>
+        <pc:spChg chg="mod">
+          <ac:chgData name="Xin Luo" userId="82312ee5779919a4" providerId="LiveId" clId="{C9FC77DC-EBF4-4246-B630-028129154F59}" dt="2024-04-15T06:24:54.420" v="218" actId="20577"/>
+          <ac:spMkLst>
+            <pc:docMk/>
+            <pc:sldMk cId="1408535579" sldId="2763"/>
+            <ac:spMk id="3" creationId="{00000000-0000-0000-0000-000000000000}"/>
+          </ac:spMkLst>
+        </pc:spChg>
+        <pc:spChg chg="mod">
+          <ac:chgData name="Xin Luo" userId="82312ee5779919a4" providerId="LiveId" clId="{C9FC77DC-EBF4-4246-B630-028129154F59}" dt="2024-04-15T07:13:09.929" v="516" actId="113"/>
+          <ac:spMkLst>
+            <pc:docMk/>
+            <pc:sldMk cId="1408535579" sldId="2763"/>
+            <ac:spMk id="17" creationId="{9E05FFCA-3371-AF5C-381D-71D984055F5A}"/>
+          </ac:spMkLst>
+        </pc:spChg>
+        <pc:picChg chg="add mod">
+          <ac:chgData name="Xin Luo" userId="82312ee5779919a4" providerId="LiveId" clId="{C9FC77DC-EBF4-4246-B630-028129154F59}" dt="2024-04-15T07:07:23.909" v="515" actId="1076"/>
+          <ac:picMkLst>
+            <pc:docMk/>
+            <pc:sldMk cId="1408535579" sldId="2763"/>
+            <ac:picMk id="5" creationId="{DE979E0A-0C4F-D479-70DF-3970E5A4E4FB}"/>
+          </ac:picMkLst>
+        </pc:picChg>
+      </pc:sldChg>
+      <pc:sldChg chg="addSp modSp mod">
+        <pc:chgData name="Xin Luo" userId="82312ee5779919a4" providerId="LiveId" clId="{C9FC77DC-EBF4-4246-B630-028129154F59}" dt="2024-04-15T05:33:46.388" v="194" actId="1076"/>
+        <pc:sldMkLst>
+          <pc:docMk/>
+          <pc:sldMk cId="1586263805" sldId="2767"/>
+        </pc:sldMkLst>
+        <pc:spChg chg="mod">
+          <ac:chgData name="Xin Luo" userId="82312ee5779919a4" providerId="LiveId" clId="{C9FC77DC-EBF4-4246-B630-028129154F59}" dt="2024-04-15T03:51:11.898" v="34" actId="20577"/>
+          <ac:spMkLst>
+            <pc:docMk/>
+            <pc:sldMk cId="1586263805" sldId="2767"/>
+            <ac:spMk id="2" creationId="{631AADB6-C88A-D817-4683-FC087E4E240F}"/>
+          </ac:spMkLst>
+        </pc:spChg>
+        <pc:spChg chg="mod">
+          <ac:chgData name="Xin Luo" userId="82312ee5779919a4" providerId="LiveId" clId="{C9FC77DC-EBF4-4246-B630-028129154F59}" dt="2024-04-15T05:33:38.531" v="190" actId="20577"/>
+          <ac:spMkLst>
+            <pc:docMk/>
+            <pc:sldMk cId="1586263805" sldId="2767"/>
+            <ac:spMk id="17" creationId="{9E05FFCA-3371-AF5C-381D-71D984055F5A}"/>
+          </ac:spMkLst>
+        </pc:spChg>
+        <pc:picChg chg="add mod">
+          <ac:chgData name="Xin Luo" userId="82312ee5779919a4" providerId="LiveId" clId="{C9FC77DC-EBF4-4246-B630-028129154F59}" dt="2024-04-15T05:33:46.388" v="194" actId="1076"/>
+          <ac:picMkLst>
+            <pc:docMk/>
+            <pc:sldMk cId="1586263805" sldId="2767"/>
+            <ac:picMk id="5" creationId="{37D50AFF-6FF7-D25D-39CD-DDB425597854}"/>
+          </ac:picMkLst>
+        </pc:picChg>
+      </pc:sldChg>
+      <pc:sldChg chg="addSp modSp add mod">
+        <pc:chgData name="Xin Luo" userId="82312ee5779919a4" providerId="LiveId" clId="{C9FC77DC-EBF4-4246-B630-028129154F59}" dt="2024-04-15T05:32:12.145" v="184" actId="1036"/>
+        <pc:sldMkLst>
+          <pc:docMk/>
+          <pc:sldMk cId="4149704501" sldId="2768"/>
+        </pc:sldMkLst>
+        <pc:spChg chg="add mod">
+          <ac:chgData name="Xin Luo" userId="82312ee5779919a4" providerId="LiveId" clId="{C9FC77DC-EBF4-4246-B630-028129154F59}" dt="2024-04-15T05:32:12.145" v="184" actId="1036"/>
+          <ac:spMkLst>
+            <pc:docMk/>
+            <pc:sldMk cId="4149704501" sldId="2768"/>
+            <ac:spMk id="11" creationId="{AF2ED4A9-13D1-D01E-580E-7AEEB4ACE2AD}"/>
+          </ac:spMkLst>
+        </pc:spChg>
+        <pc:spChg chg="mod">
+          <ac:chgData name="Xin Luo" userId="82312ee5779919a4" providerId="LiveId" clId="{C9FC77DC-EBF4-4246-B630-028129154F59}" dt="2024-04-15T05:28:45.238" v="133" actId="20577"/>
+          <ac:spMkLst>
+            <pc:docMk/>
+            <pc:sldMk cId="4149704501" sldId="2768"/>
+            <ac:spMk id="17" creationId="{9E05FFCA-3371-AF5C-381D-71D984055F5A}"/>
+          </ac:spMkLst>
+        </pc:spChg>
+        <pc:picChg chg="add mod">
+          <ac:chgData name="Xin Luo" userId="82312ee5779919a4" providerId="LiveId" clId="{C9FC77DC-EBF4-4246-B630-028129154F59}" dt="2024-04-15T05:31:35.171" v="153" actId="1076"/>
+          <ac:picMkLst>
+            <pc:docMk/>
+            <pc:sldMk cId="4149704501" sldId="2768"/>
+            <ac:picMk id="5" creationId="{BCF1F0B0-16D2-2BC1-5DE7-519643BE3E52}"/>
+          </ac:picMkLst>
+        </pc:picChg>
+        <pc:picChg chg="add mod">
+          <ac:chgData name="Xin Luo" userId="82312ee5779919a4" providerId="LiveId" clId="{C9FC77DC-EBF4-4246-B630-028129154F59}" dt="2024-04-15T05:31:37.022" v="154" actId="1076"/>
+          <ac:picMkLst>
+            <pc:docMk/>
+            <pc:sldMk cId="4149704501" sldId="2768"/>
+            <ac:picMk id="7" creationId="{415CAAA2-61AF-5EEF-FC1A-C471C43FC664}"/>
+          </ac:picMkLst>
+        </pc:picChg>
+        <pc:picChg chg="add mod">
+          <ac:chgData name="Xin Luo" userId="82312ee5779919a4" providerId="LiveId" clId="{C9FC77DC-EBF4-4246-B630-028129154F59}" dt="2024-04-15T05:31:42.858" v="155"/>
+          <ac:picMkLst>
+            <pc:docMk/>
+            <pc:sldMk cId="4149704501" sldId="2768"/>
+            <ac:picMk id="9" creationId="{68D534BB-021E-6008-2B26-73B1CBBA71DE}"/>
+          </ac:picMkLst>
+        </pc:picChg>
+      </pc:sldChg>
+      <pc:sldChg chg="modSp add mod ord">
+        <pc:chgData name="Xin Luo" userId="82312ee5779919a4" providerId="LiveId" clId="{C9FC77DC-EBF4-4246-B630-028129154F59}" dt="2024-04-15T07:44:04.871" v="762" actId="113"/>
+        <pc:sldMkLst>
+          <pc:docMk/>
+          <pc:sldMk cId="3743351339" sldId="2769"/>
+        </pc:sldMkLst>
+        <pc:spChg chg="mod">
+          <ac:chgData name="Xin Luo" userId="82312ee5779919a4" providerId="LiveId" clId="{C9FC77DC-EBF4-4246-B630-028129154F59}" dt="2024-04-15T06:47:42.973" v="399" actId="20577"/>
+          <ac:spMkLst>
+            <pc:docMk/>
+            <pc:sldMk cId="3743351339" sldId="2769"/>
+            <ac:spMk id="2" creationId="{631AADB6-C88A-D817-4683-FC087E4E240F}"/>
+          </ac:spMkLst>
+        </pc:spChg>
+        <pc:spChg chg="mod">
+          <ac:chgData name="Xin Luo" userId="82312ee5779919a4" providerId="LiveId" clId="{C9FC77DC-EBF4-4246-B630-028129154F59}" dt="2024-04-15T07:44:04.871" v="762" actId="113"/>
+          <ac:spMkLst>
+            <pc:docMk/>
+            <pc:sldMk cId="3743351339" sldId="2769"/>
+            <ac:spMk id="17" creationId="{9E05FFCA-3371-AF5C-381D-71D984055F5A}"/>
+          </ac:spMkLst>
+        </pc:spChg>
+      </pc:sldChg>
+      <pc:sldChg chg="delSp modSp add mod">
+        <pc:chgData name="Xin Luo" userId="82312ee5779919a4" providerId="LiveId" clId="{C9FC77DC-EBF4-4246-B630-028129154F59}" dt="2024-04-15T09:57:20.877" v="766" actId="20577"/>
+        <pc:sldMkLst>
+          <pc:docMk/>
+          <pc:sldMk cId="2755432972" sldId="2770"/>
+        </pc:sldMkLst>
+        <pc:spChg chg="mod">
+          <ac:chgData name="Xin Luo" userId="82312ee5779919a4" providerId="LiveId" clId="{C9FC77DC-EBF4-4246-B630-028129154F59}" dt="2024-04-15T07:33:03.076" v="754" actId="20577"/>
+          <ac:spMkLst>
+            <pc:docMk/>
+            <pc:sldMk cId="2755432972" sldId="2770"/>
+            <ac:spMk id="2" creationId="{631AADB6-C88A-D817-4683-FC087E4E240F}"/>
+          </ac:spMkLst>
+        </pc:spChg>
+        <pc:spChg chg="mod">
+          <ac:chgData name="Xin Luo" userId="82312ee5779919a4" providerId="LiveId" clId="{C9FC77DC-EBF4-4246-B630-028129154F59}" dt="2024-04-15T09:57:20.877" v="766" actId="20577"/>
+          <ac:spMkLst>
+            <pc:docMk/>
+            <pc:sldMk cId="2755432972" sldId="2770"/>
+            <ac:spMk id="17" creationId="{9E05FFCA-3371-AF5C-381D-71D984055F5A}"/>
+          </ac:spMkLst>
+        </pc:spChg>
+        <pc:picChg chg="del">
+          <ac:chgData name="Xin Luo" userId="82312ee5779919a4" providerId="LiveId" clId="{C9FC77DC-EBF4-4246-B630-028129154F59}" dt="2024-04-15T07:31:13.348" v="696" actId="478"/>
+          <ac:picMkLst>
+            <pc:docMk/>
+            <pc:sldMk cId="2755432972" sldId="2770"/>
+            <ac:picMk id="5" creationId="{DE979E0A-0C4F-D479-70DF-3970E5A4E4FB}"/>
+          </ac:picMkLst>
+        </pc:picChg>
+      </pc:sldChg>
+      <pc:sldChg chg="delSp modSp add mod">
+        <pc:chgData name="Xin Luo" userId="82312ee5779919a4" providerId="LiveId" clId="{C9FC77DC-EBF4-4246-B630-028129154F59}" dt="2024-04-15T10:56:08.713" v="905" actId="20577"/>
+        <pc:sldMkLst>
+          <pc:docMk/>
+          <pc:sldMk cId="1457981541" sldId="2771"/>
+        </pc:sldMkLst>
+        <pc:spChg chg="mod">
+          <ac:chgData name="Xin Luo" userId="82312ee5779919a4" providerId="LiveId" clId="{C9FC77DC-EBF4-4246-B630-028129154F59}" dt="2024-04-15T10:55:31.616" v="891" actId="20577"/>
+          <ac:spMkLst>
+            <pc:docMk/>
+            <pc:sldMk cId="1457981541" sldId="2771"/>
+            <ac:spMk id="2" creationId="{631AADB6-C88A-D817-4683-FC087E4E240F}"/>
+          </ac:spMkLst>
+        </pc:spChg>
+        <pc:spChg chg="mod">
+          <ac:chgData name="Xin Luo" userId="82312ee5779919a4" providerId="LiveId" clId="{C9FC77DC-EBF4-4246-B630-028129154F59}" dt="2024-04-15T10:56:08.713" v="905" actId="20577"/>
+          <ac:spMkLst>
+            <pc:docMk/>
+            <pc:sldMk cId="1457981541" sldId="2771"/>
+            <ac:spMk id="17" creationId="{9E05FFCA-3371-AF5C-381D-71D984055F5A}"/>
+          </ac:spMkLst>
+        </pc:spChg>
+        <pc:picChg chg="del">
+          <ac:chgData name="Xin Luo" userId="82312ee5779919a4" providerId="LiveId" clId="{C9FC77DC-EBF4-4246-B630-028129154F59}" dt="2024-04-15T10:53:28.880" v="856" actId="478"/>
+          <ac:picMkLst>
+            <pc:docMk/>
+            <pc:sldMk cId="1457981541" sldId="2771"/>
+            <ac:picMk id="5" creationId="{DC26E414-4136-C358-4A54-63632816DFFF}"/>
+          </ac:picMkLst>
+        </pc:picChg>
+      </pc:sldChg>
+    </pc:docChg>
+  </pc:docChgLst>
+  <pc:docChgLst>
+    <pc:chgData name="Xin Luo" userId="82312ee5779919a4" providerId="LiveId" clId="{29E7ABFC-417D-A440-83A3-A298EBBA6161}"/>
+    <pc:docChg chg="undo custSel addSld delSld modSld">
+      <pc:chgData name="Xin Luo" userId="82312ee5779919a4" providerId="LiveId" clId="{29E7ABFC-417D-A440-83A3-A298EBBA6161}" dt="2024-04-15T15:08:04.959" v="1655" actId="20577"/>
+      <pc:docMkLst>
+        <pc:docMk/>
+      </pc:docMkLst>
+      <pc:sldChg chg="delSp modSp mod">
+        <pc:chgData name="Xin Luo" userId="82312ee5779919a4" providerId="LiveId" clId="{29E7ABFC-417D-A440-83A3-A298EBBA6161}" dt="2024-04-15T14:57:16.616" v="1476" actId="478"/>
+        <pc:sldMkLst>
+          <pc:docMk/>
+          <pc:sldMk cId="1576120367" sldId="2387"/>
+        </pc:sldMkLst>
+        <pc:spChg chg="mod">
+          <ac:chgData name="Xin Luo" userId="82312ee5779919a4" providerId="LiveId" clId="{29E7ABFC-417D-A440-83A3-A298EBBA6161}" dt="2024-04-14T14:34:06.632" v="34" actId="20577"/>
+          <ac:spMkLst>
+            <pc:docMk/>
+            <pc:sldMk cId="1576120367" sldId="2387"/>
+            <ac:spMk id="5" creationId="{494DAA55-5621-28DB-D255-E0EBB6C6477B}"/>
+          </ac:spMkLst>
+        </pc:spChg>
+        <pc:spChg chg="mod">
+          <ac:chgData name="Xin Luo" userId="82312ee5779919a4" providerId="LiveId" clId="{29E7ABFC-417D-A440-83A3-A298EBBA6161}" dt="2024-04-14T14:34:18.959" v="64" actId="20577"/>
+          <ac:spMkLst>
+            <pc:docMk/>
+            <pc:sldMk cId="1576120367" sldId="2387"/>
+            <ac:spMk id="12" creationId="{00000000-0000-0000-0000-000000000000}"/>
+          </ac:spMkLst>
+        </pc:spChg>
+        <pc:spChg chg="mod">
+          <ac:chgData name="Xin Luo" userId="82312ee5779919a4" providerId="LiveId" clId="{29E7ABFC-417D-A440-83A3-A298EBBA6161}" dt="2024-04-14T14:34:12.874" v="51" actId="20577"/>
+          <ac:spMkLst>
+            <pc:docMk/>
+            <pc:sldMk cId="1576120367" sldId="2387"/>
+            <ac:spMk id="14" creationId="{00000000-0000-0000-0000-000000000000}"/>
+          </ac:spMkLst>
+        </pc:spChg>
+        <pc:grpChg chg="del">
+          <ac:chgData name="Xin Luo" userId="82312ee5779919a4" providerId="LiveId" clId="{29E7ABFC-417D-A440-83A3-A298EBBA6161}" dt="2024-04-15T14:57:16.616" v="1476" actId="478"/>
+          <ac:grpSpMkLst>
+            <pc:docMk/>
+            <pc:sldMk cId="1576120367" sldId="2387"/>
+            <ac:grpSpMk id="9" creationId="{84B9B8D5-4BCC-CDFF-1E13-B005060A8BDF}"/>
+          </ac:grpSpMkLst>
+        </pc:grpChg>
+      </pc:sldChg>
+      <pc:sldChg chg="modSp mod">
+        <pc:chgData name="Xin Luo" userId="82312ee5779919a4" providerId="LiveId" clId="{29E7ABFC-417D-A440-83A3-A298EBBA6161}" dt="2024-04-14T14:36:01.511" v="89" actId="20577"/>
+        <pc:sldMkLst>
+          <pc:docMk/>
+          <pc:sldMk cId="2415901206" sldId="2447"/>
+        </pc:sldMkLst>
+        <pc:spChg chg="mod">
+          <ac:chgData name="Xin Luo" userId="82312ee5779919a4" providerId="LiveId" clId="{29E7ABFC-417D-A440-83A3-A298EBBA6161}" dt="2024-04-14T14:36:01.511" v="89" actId="20577"/>
+          <ac:spMkLst>
+            <pc:docMk/>
+            <pc:sldMk cId="2415901206" sldId="2447"/>
+            <ac:spMk id="7" creationId="{00000000-0000-0000-0000-000000000000}"/>
+          </ac:spMkLst>
+        </pc:spChg>
+      </pc:sldChg>
+      <pc:sldChg chg="modSp mod">
+        <pc:chgData name="Xin Luo" userId="82312ee5779919a4" providerId="LiveId" clId="{29E7ABFC-417D-A440-83A3-A298EBBA6161}" dt="2024-04-14T14:24:31.282" v="2" actId="404"/>
+        <pc:sldMkLst>
+          <pc:docMk/>
+          <pc:sldMk cId="1658607177" sldId="2708"/>
+        </pc:sldMkLst>
+        <pc:spChg chg="mod">
+          <ac:chgData name="Xin Luo" userId="82312ee5779919a4" providerId="LiveId" clId="{29E7ABFC-417D-A440-83A3-A298EBBA6161}" dt="2024-04-14T14:24:31.282" v="2" actId="404"/>
+          <ac:spMkLst>
+            <pc:docMk/>
+            <pc:sldMk cId="1658607177" sldId="2708"/>
+            <ac:spMk id="24" creationId="{00000000-0000-0000-0000-000000000000}"/>
+          </ac:spMkLst>
+        </pc:spChg>
+      </pc:sldChg>
+      <pc:sldChg chg="modSp mod">
+        <pc:chgData name="Xin Luo" userId="82312ee5779919a4" providerId="LiveId" clId="{29E7ABFC-417D-A440-83A3-A298EBBA6161}" dt="2024-04-14T14:36:08.596" v="108" actId="20577"/>
+        <pc:sldMkLst>
+          <pc:docMk/>
+          <pc:sldMk cId="481122590" sldId="2709"/>
+        </pc:sldMkLst>
+        <pc:spChg chg="mod">
+          <ac:chgData name="Xin Luo" userId="82312ee5779919a4" providerId="LiveId" clId="{29E7ABFC-417D-A440-83A3-A298EBBA6161}" dt="2024-04-14T14:36:08.596" v="108" actId="20577"/>
+          <ac:spMkLst>
+            <pc:docMk/>
+            <pc:sldMk cId="481122590" sldId="2709"/>
+            <ac:spMk id="7" creationId="{00000000-0000-0000-0000-000000000000}"/>
+          </ac:spMkLst>
+        </pc:spChg>
+      </pc:sldChg>
+      <pc:sldChg chg="del">
+        <pc:chgData name="Xin Luo" userId="82312ee5779919a4" providerId="LiveId" clId="{29E7ABFC-417D-A440-83A3-A298EBBA6161}" dt="2024-04-14T14:37:08.145" v="158" actId="2696"/>
+        <pc:sldMkLst>
+          <pc:docMk/>
+          <pc:sldMk cId="3833073590" sldId="2716"/>
+        </pc:sldMkLst>
+      </pc:sldChg>
+      <pc:sldChg chg="del">
+        <pc:chgData name="Xin Luo" userId="82312ee5779919a4" providerId="LiveId" clId="{29E7ABFC-417D-A440-83A3-A298EBBA6161}" dt="2024-04-14T14:37:11.722" v="159" actId="2696"/>
+        <pc:sldMkLst>
+          <pc:docMk/>
+          <pc:sldMk cId="972163772" sldId="2720"/>
+        </pc:sldMkLst>
+      </pc:sldChg>
+      <pc:sldChg chg="del">
+        <pc:chgData name="Xin Luo" userId="82312ee5779919a4" providerId="LiveId" clId="{29E7ABFC-417D-A440-83A3-A298EBBA6161}" dt="2024-04-14T14:37:13.226" v="160" actId="2696"/>
+        <pc:sldMkLst>
+          <pc:docMk/>
+          <pc:sldMk cId="2689695864" sldId="2721"/>
+        </pc:sldMkLst>
+      </pc:sldChg>
+      <pc:sldChg chg="modSp mod">
+        <pc:chgData name="Xin Luo" userId="82312ee5779919a4" providerId="LiveId" clId="{29E7ABFC-417D-A440-83A3-A298EBBA6161}" dt="2024-04-15T15:08:04.959" v="1655" actId="20577"/>
+        <pc:sldMkLst>
+          <pc:docMk/>
+          <pc:sldMk cId="1125183986" sldId="2760"/>
+        </pc:sldMkLst>
+        <pc:spChg chg="mod">
+          <ac:chgData name="Xin Luo" userId="82312ee5779919a4" providerId="LiveId" clId="{29E7ABFC-417D-A440-83A3-A298EBBA6161}" dt="2024-04-15T15:08:04.959" v="1655" actId="20577"/>
+          <ac:spMkLst>
+            <pc:docMk/>
+            <pc:sldMk cId="1125183986" sldId="2760"/>
+            <ac:spMk id="13" creationId="{303BC878-BC57-D350-27A3-F03AE48213AC}"/>
+          </ac:spMkLst>
+        </pc:spChg>
+      </pc:sldChg>
+      <pc:sldChg chg="modSp add del mod">
+        <pc:chgData name="Xin Luo" userId="82312ee5779919a4" providerId="LiveId" clId="{29E7ABFC-417D-A440-83A3-A298EBBA6161}" dt="2024-04-15T15:06:34.966" v="1477" actId="2696"/>
+        <pc:sldMkLst>
+          <pc:docMk/>
+          <pc:sldMk cId="2208625786" sldId="2761"/>
+        </pc:sldMkLst>
+        <pc:spChg chg="mod">
+          <ac:chgData name="Xin Luo" userId="82312ee5779919a4" providerId="LiveId" clId="{29E7ABFC-417D-A440-83A3-A298EBBA6161}" dt="2024-04-14T14:36:17.597" v="125" actId="20577"/>
+          <ac:spMkLst>
+            <pc:docMk/>
+            <pc:sldMk cId="2208625786" sldId="2761"/>
+            <ac:spMk id="7" creationId="{00000000-0000-0000-0000-000000000000}"/>
+          </ac:spMkLst>
+        </pc:spChg>
+      </pc:sldChg>
+      <pc:sldChg chg="addSp delSp modSp add mod">
+        <pc:chgData name="Xin Luo" userId="82312ee5779919a4" providerId="LiveId" clId="{29E7ABFC-417D-A440-83A3-A298EBBA6161}" dt="2024-04-14T15:00:52.564" v="777" actId="20577"/>
+        <pc:sldMkLst>
+          <pc:docMk/>
+          <pc:sldMk cId="1282463514" sldId="2762"/>
+        </pc:sldMkLst>
+        <pc:spChg chg="mod">
+          <ac:chgData name="Xin Luo" userId="82312ee5779919a4" providerId="LiveId" clId="{29E7ABFC-417D-A440-83A3-A298EBBA6161}" dt="2024-04-14T14:36:52.019" v="154" actId="20577"/>
+          <ac:spMkLst>
+            <pc:docMk/>
+            <pc:sldMk cId="1282463514" sldId="2762"/>
+            <ac:spMk id="2" creationId="{631AADB6-C88A-D817-4683-FC087E4E240F}"/>
+          </ac:spMkLst>
+        </pc:spChg>
+        <pc:spChg chg="mod">
+          <ac:chgData name="Xin Luo" userId="82312ee5779919a4" providerId="LiveId" clId="{29E7ABFC-417D-A440-83A3-A298EBBA6161}" dt="2024-04-14T14:36:46.829" v="147" actId="20577"/>
+          <ac:spMkLst>
+            <pc:docMk/>
+            <pc:sldMk cId="1282463514" sldId="2762"/>
+            <ac:spMk id="3" creationId="{00000000-0000-0000-0000-000000000000}"/>
+          </ac:spMkLst>
+        </pc:spChg>
+        <pc:spChg chg="add del mod">
+          <ac:chgData name="Xin Luo" userId="82312ee5779919a4" providerId="LiveId" clId="{29E7ABFC-417D-A440-83A3-A298EBBA6161}" dt="2024-04-14T14:43:19.454" v="296" actId="478"/>
+          <ac:spMkLst>
+            <pc:docMk/>
+            <pc:sldMk cId="1282463514" sldId="2762"/>
+            <ac:spMk id="5" creationId="{B39170D1-79F8-36B1-476D-57B4C7CECB59}"/>
+          </ac:spMkLst>
+        </pc:spChg>
+        <pc:spChg chg="mod">
+          <ac:chgData name="Xin Luo" userId="82312ee5779919a4" providerId="LiveId" clId="{29E7ABFC-417D-A440-83A3-A298EBBA6161}" dt="2024-04-14T15:00:52.564" v="777" actId="20577"/>
+          <ac:spMkLst>
+            <pc:docMk/>
+            <pc:sldMk cId="1282463514" sldId="2762"/>
+            <ac:spMk id="17" creationId="{9E05FFCA-3371-AF5C-381D-71D984055F5A}"/>
+          </ac:spMkLst>
+        </pc:spChg>
+        <pc:picChg chg="add mod">
+          <ac:chgData name="Xin Luo" userId="82312ee5779919a4" providerId="LiveId" clId="{29E7ABFC-417D-A440-83A3-A298EBBA6161}" dt="2024-04-14T14:48:45.873" v="420" actId="1076"/>
+          <ac:picMkLst>
+            <pc:docMk/>
+            <pc:sldMk cId="1282463514" sldId="2762"/>
+            <ac:picMk id="7" creationId="{707BE264-7BF9-39F1-F661-226B38BCE130}"/>
+          </ac:picMkLst>
+        </pc:picChg>
+      </pc:sldChg>
+      <pc:sldChg chg="add">
+        <pc:chgData name="Xin Luo" userId="82312ee5779919a4" providerId="LiveId" clId="{29E7ABFC-417D-A440-83A3-A298EBBA6161}" dt="2024-04-14T14:37:02.004" v="156"/>
+        <pc:sldMkLst>
+          <pc:docMk/>
+          <pc:sldMk cId="1408535579" sldId="2763"/>
+        </pc:sldMkLst>
+      </pc:sldChg>
+      <pc:sldChg chg="add del">
+        <pc:chgData name="Xin Luo" userId="82312ee5779919a4" providerId="LiveId" clId="{29E7ABFC-417D-A440-83A3-A298EBBA6161}" dt="2024-04-15T15:06:38.890" v="1478" actId="2696"/>
+        <pc:sldMkLst>
+          <pc:docMk/>
+          <pc:sldMk cId="1967212467" sldId="2764"/>
+        </pc:sldMkLst>
+      </pc:sldChg>
+      <pc:sldChg chg="delSp modSp add mod">
+        <pc:chgData name="Xin Luo" userId="82312ee5779919a4" providerId="LiveId" clId="{29E7ABFC-417D-A440-83A3-A298EBBA6161}" dt="2024-04-14T15:21:44.507" v="1295" actId="113"/>
+        <pc:sldMkLst>
+          <pc:docMk/>
+          <pc:sldMk cId="2363978342" sldId="2765"/>
+        </pc:sldMkLst>
+        <pc:spChg chg="mod">
+          <ac:chgData name="Xin Luo" userId="82312ee5779919a4" providerId="LiveId" clId="{29E7ABFC-417D-A440-83A3-A298EBBA6161}" dt="2024-04-14T14:56:47.583" v="443" actId="20577"/>
+          <ac:spMkLst>
+            <pc:docMk/>
+            <pc:sldMk cId="2363978342" sldId="2765"/>
+            <ac:spMk id="2" creationId="{631AADB6-C88A-D817-4683-FC087E4E240F}"/>
+          </ac:spMkLst>
+        </pc:spChg>
+        <pc:spChg chg="mod">
+          <ac:chgData name="Xin Luo" userId="82312ee5779919a4" providerId="LiveId" clId="{29E7ABFC-417D-A440-83A3-A298EBBA6161}" dt="2024-04-14T15:21:44.507" v="1295" actId="113"/>
+          <ac:spMkLst>
+            <pc:docMk/>
+            <pc:sldMk cId="2363978342" sldId="2765"/>
+            <ac:spMk id="17" creationId="{9E05FFCA-3371-AF5C-381D-71D984055F5A}"/>
+          </ac:spMkLst>
+        </pc:spChg>
+        <pc:picChg chg="del">
+          <ac:chgData name="Xin Luo" userId="82312ee5779919a4" providerId="LiveId" clId="{29E7ABFC-417D-A440-83A3-A298EBBA6161}" dt="2024-04-14T14:49:37.682" v="430" actId="478"/>
+          <ac:picMkLst>
+            <pc:docMk/>
+            <pc:sldMk cId="2363978342" sldId="2765"/>
+            <ac:picMk id="7" creationId="{707BE264-7BF9-39F1-F661-226B38BCE130}"/>
+          </ac:picMkLst>
+        </pc:picChg>
+      </pc:sldChg>
+      <pc:sldChg chg="addSp modSp add mod">
+        <pc:chgData name="Xin Luo" userId="82312ee5779919a4" providerId="LiveId" clId="{29E7ABFC-417D-A440-83A3-A298EBBA6161}" dt="2024-04-14T15:29:27.087" v="1299" actId="1076"/>
+        <pc:sldMkLst>
+          <pc:docMk/>
+          <pc:sldMk cId="2327037745" sldId="2766"/>
+        </pc:sldMkLst>
+        <pc:spChg chg="mod">
+          <ac:chgData name="Xin Luo" userId="82312ee5779919a4" providerId="LiveId" clId="{29E7ABFC-417D-A440-83A3-A298EBBA6161}" dt="2024-04-14T15:21:50.672" v="1297" actId="20577"/>
+          <ac:spMkLst>
+            <pc:docMk/>
+            <pc:sldMk cId="2327037745" sldId="2766"/>
+            <ac:spMk id="17" creationId="{9E05FFCA-3371-AF5C-381D-71D984055F5A}"/>
+          </ac:spMkLst>
+        </pc:spChg>
+        <pc:picChg chg="add mod">
+          <ac:chgData name="Xin Luo" userId="82312ee5779919a4" providerId="LiveId" clId="{29E7ABFC-417D-A440-83A3-A298EBBA6161}" dt="2024-04-14T15:29:27.087" v="1299" actId="1076"/>
+          <ac:picMkLst>
+            <pc:docMk/>
+            <pc:sldMk cId="2327037745" sldId="2766"/>
+            <ac:picMk id="5" creationId="{DC26E414-4136-C358-4A54-63632816DFFF}"/>
+          </ac:picMkLst>
+        </pc:picChg>
+      </pc:sldChg>
+      <pc:sldChg chg="delSp modSp add mod">
+        <pc:chgData name="Xin Luo" userId="82312ee5779919a4" providerId="LiveId" clId="{29E7ABFC-417D-A440-83A3-A298EBBA6161}" dt="2024-04-14T15:37:57.348" v="1338" actId="478"/>
+        <pc:sldMkLst>
+          <pc:docMk/>
+          <pc:sldMk cId="1586263805" sldId="2767"/>
+        </pc:sldMkLst>
+        <pc:spChg chg="mod">
+          <ac:chgData name="Xin Luo" userId="82312ee5779919a4" providerId="LiveId" clId="{29E7ABFC-417D-A440-83A3-A298EBBA6161}" dt="2024-04-14T15:37:38.295" v="1312" actId="5793"/>
+          <ac:spMkLst>
+            <pc:docMk/>
+            <pc:sldMk cId="1586263805" sldId="2767"/>
+            <ac:spMk id="2" creationId="{631AADB6-C88A-D817-4683-FC087E4E240F}"/>
+          </ac:spMkLst>
+        </pc:spChg>
+        <pc:spChg chg="mod">
+          <ac:chgData name="Xin Luo" userId="82312ee5779919a4" providerId="LiveId" clId="{29E7ABFC-417D-A440-83A3-A298EBBA6161}" dt="2024-04-14T15:37:55.360" v="1337" actId="20577"/>
+          <ac:spMkLst>
+            <pc:docMk/>
+            <pc:sldMk cId="1586263805" sldId="2767"/>
+            <ac:spMk id="17" creationId="{9E05FFCA-3371-AF5C-381D-71D984055F5A}"/>
+          </ac:spMkLst>
+        </pc:spChg>
+        <pc:picChg chg="del">
+          <ac:chgData name="Xin Luo" userId="82312ee5779919a4" providerId="LiveId" clId="{29E7ABFC-417D-A440-83A3-A298EBBA6161}" dt="2024-04-14T15:37:57.348" v="1338" actId="478"/>
+          <ac:picMkLst>
+            <pc:docMk/>
+            <pc:sldMk cId="1586263805" sldId="2767"/>
+            <ac:picMk id="5" creationId="{DC26E414-4136-C358-4A54-63632816DFFF}"/>
+          </ac:picMkLst>
+        </pc:picChg>
+      </pc:sldChg>
+      <pc:sldChg chg="addSp delSp modSp mod">
+        <pc:chgData name="Xin Luo" userId="82312ee5779919a4" providerId="LiveId" clId="{29E7ABFC-417D-A440-83A3-A298EBBA6161}" dt="2024-04-15T14:28:16.249" v="1475" actId="2711"/>
+        <pc:sldMkLst>
+          <pc:docMk/>
+          <pc:sldMk cId="1457981541" sldId="2771"/>
+        </pc:sldMkLst>
+        <pc:spChg chg="mod">
+          <ac:chgData name="Xin Luo" userId="82312ee5779919a4" providerId="LiveId" clId="{29E7ABFC-417D-A440-83A3-A298EBBA6161}" dt="2024-04-15T14:06:35.659" v="1367" actId="1035"/>
+          <ac:spMkLst>
+            <pc:docMk/>
+            <pc:sldMk cId="1457981541" sldId="2771"/>
+            <ac:spMk id="2" creationId="{631AADB6-C88A-D817-4683-FC087E4E240F}"/>
+          </ac:spMkLst>
+        </pc:spChg>
+        <pc:spChg chg="add mod">
+          <ac:chgData name="Xin Luo" userId="82312ee5779919a4" providerId="LiveId" clId="{29E7ABFC-417D-A440-83A3-A298EBBA6161}" dt="2024-04-15T14:28:16.249" v="1475" actId="2711"/>
+          <ac:spMkLst>
+            <pc:docMk/>
+            <pc:sldMk cId="1457981541" sldId="2771"/>
+            <ac:spMk id="8" creationId="{36CD4DE4-33B9-BC49-5EB6-D2640FDCABEF}"/>
+          </ac:spMkLst>
+        </pc:spChg>
+        <pc:spChg chg="add mod">
+          <ac:chgData name="Xin Luo" userId="82312ee5779919a4" providerId="LiveId" clId="{29E7ABFC-417D-A440-83A3-A298EBBA6161}" dt="2024-04-15T14:28:16.249" v="1475" actId="2711"/>
+          <ac:spMkLst>
+            <pc:docMk/>
+            <pc:sldMk cId="1457981541" sldId="2771"/>
+            <ac:spMk id="9" creationId="{023320C8-F7E3-9F13-0E5C-80D888365E81}"/>
+          </ac:spMkLst>
+        </pc:spChg>
+        <pc:spChg chg="mod">
+          <ac:chgData name="Xin Luo" userId="82312ee5779919a4" providerId="LiveId" clId="{29E7ABFC-417D-A440-83A3-A298EBBA6161}" dt="2024-04-15T14:06:38.110" v="1368" actId="1036"/>
+          <ac:spMkLst>
+            <pc:docMk/>
+            <pc:sldMk cId="1457981541" sldId="2771"/>
+            <ac:spMk id="17" creationId="{9E05FFCA-3371-AF5C-381D-71D984055F5A}"/>
+          </ac:spMkLst>
+        </pc:spChg>
+        <pc:grpChg chg="add mod">
+          <ac:chgData name="Xin Luo" userId="82312ee5779919a4" providerId="LiveId" clId="{29E7ABFC-417D-A440-83A3-A298EBBA6161}" dt="2024-04-15T14:28:10.394" v="1474" actId="1037"/>
+          <ac:grpSpMkLst>
+            <pc:docMk/>
+            <pc:sldMk cId="1457981541" sldId="2771"/>
+            <ac:grpSpMk id="12" creationId="{95439216-C01D-A81E-7222-2768161AD0E8}"/>
+          </ac:grpSpMkLst>
+        </pc:grpChg>
+        <pc:grpChg chg="add mod">
+          <ac:chgData name="Xin Luo" userId="82312ee5779919a4" providerId="LiveId" clId="{29E7ABFC-417D-A440-83A3-A298EBBA6161}" dt="2024-04-15T14:28:08.293" v="1471" actId="1037"/>
+          <ac:grpSpMkLst>
+            <pc:docMk/>
+            <pc:sldMk cId="1457981541" sldId="2771"/>
+            <ac:grpSpMk id="13" creationId="{9EAB9778-0AEA-1522-9B9A-3B7F59C6CB9C}"/>
+          </ac:grpSpMkLst>
+        </pc:grpChg>
+        <pc:picChg chg="add del mod modCrop">
+          <ac:chgData name="Xin Luo" userId="82312ee5779919a4" providerId="LiveId" clId="{29E7ABFC-417D-A440-83A3-A298EBBA6161}" dt="2024-04-15T14:27:19.295" v="1438" actId="478"/>
+          <ac:picMkLst>
+            <pc:docMk/>
+            <pc:sldMk cId="1457981541" sldId="2771"/>
+            <ac:picMk id="5" creationId="{44B7D1A8-43F8-EB4B-EAD6-CFAA8927DF81}"/>
+          </ac:picMkLst>
+        </pc:picChg>
+        <pc:picChg chg="add mod modCrop">
+          <ac:chgData name="Xin Luo" userId="82312ee5779919a4" providerId="LiveId" clId="{29E7ABFC-417D-A440-83A3-A298EBBA6161}" dt="2024-04-15T14:28:05.779" v="1461" actId="164"/>
+          <ac:picMkLst>
+            <pc:docMk/>
+            <pc:sldMk cId="1457981541" sldId="2771"/>
+            <ac:picMk id="7" creationId="{56AFD206-FD28-770C-EF35-F12463F184BC}"/>
+          </ac:picMkLst>
+        </pc:picChg>
+        <pc:picChg chg="add mod">
+          <ac:chgData name="Xin Luo" userId="82312ee5779919a4" providerId="LiveId" clId="{29E7ABFC-417D-A440-83A3-A298EBBA6161}" dt="2024-04-15T14:28:00.696" v="1460" actId="164"/>
+          <ac:picMkLst>
+            <pc:docMk/>
+            <pc:sldMk cId="1457981541" sldId="2771"/>
+            <ac:picMk id="11" creationId="{6232C9BA-019D-10F1-1E23-5AAC912CF9FA}"/>
+          </ac:picMkLst>
+        </pc:picChg>
+      </pc:sldChg>
+    </pc:docChg>
+  </pc:docChgLst>
+  <pc:docChgLst>
+    <pc:chgData name="Xin Luo" userId="82312ee5779919a4" providerId="LiveId" clId="{ABECCF1F-1CAA-3A42-9710-47D9CB1C5B21}"/>
+    <pc:docChg chg="undo custSel addSld modSld sldOrd">
+      <pc:chgData name="Xin Luo" userId="82312ee5779919a4" providerId="LiveId" clId="{ABECCF1F-1CAA-3A42-9710-47D9CB1C5B21}" dt="2023-08-21T09:31:16.266" v="879" actId="20577"/>
+      <pc:docMkLst>
+        <pc:docMk/>
+      </pc:docMkLst>
+      <pc:sldChg chg="modSp mod">
+        <pc:chgData name="Xin Luo" userId="82312ee5779919a4" providerId="LiveId" clId="{ABECCF1F-1CAA-3A42-9710-47D9CB1C5B21}" dt="2023-08-21T02:55:15.471" v="67" actId="20577"/>
+        <pc:sldMkLst>
+          <pc:docMk/>
+          <pc:sldMk cId="1576120367" sldId="2387"/>
+        </pc:sldMkLst>
+        <pc:spChg chg="mod">
+          <ac:chgData name="Xin Luo" userId="82312ee5779919a4" providerId="LiveId" clId="{ABECCF1F-1CAA-3A42-9710-47D9CB1C5B21}" dt="2023-08-21T02:55:15.471" v="67" actId="20577"/>
+          <ac:spMkLst>
+            <pc:docMk/>
+            <pc:sldMk cId="1576120367" sldId="2387"/>
+            <ac:spMk id="12" creationId="{00000000-0000-0000-0000-000000000000}"/>
+          </ac:spMkLst>
+        </pc:spChg>
+        <pc:spChg chg="mod">
+          <ac:chgData name="Xin Luo" userId="82312ee5779919a4" providerId="LiveId" clId="{ABECCF1F-1CAA-3A42-9710-47D9CB1C5B21}" dt="2023-08-21T02:38:36.931" v="38" actId="20577"/>
+          <ac:spMkLst>
+            <pc:docMk/>
+            <pc:sldMk cId="1576120367" sldId="2387"/>
+            <ac:spMk id="14" creationId="{00000000-0000-0000-0000-000000000000}"/>
+          </ac:spMkLst>
+        </pc:spChg>
+      </pc:sldChg>
+      <pc:sldChg chg="modSp mod">
+        <pc:chgData name="Xin Luo" userId="82312ee5779919a4" providerId="LiveId" clId="{ABECCF1F-1CAA-3A42-9710-47D9CB1C5B21}" dt="2023-08-21T03:50:02.826" v="70" actId="14100"/>
+        <pc:sldMkLst>
+          <pc:docMk/>
+          <pc:sldMk cId="3833073590" sldId="2716"/>
+        </pc:sldMkLst>
+        <pc:spChg chg="mod">
+          <ac:chgData name="Xin Luo" userId="82312ee5779919a4" providerId="LiveId" clId="{ABECCF1F-1CAA-3A42-9710-47D9CB1C5B21}" dt="2023-08-21T03:50:02.826" v="70" actId="14100"/>
+          <ac:spMkLst>
+            <pc:docMk/>
+            <pc:sldMk cId="3833073590" sldId="2716"/>
+            <ac:spMk id="6" creationId="{6741FEA2-C046-FD82-2800-2CB513792080}"/>
+          </ac:spMkLst>
+        </pc:spChg>
+        <pc:picChg chg="mod">
+          <ac:chgData name="Xin Luo" userId="82312ee5779919a4" providerId="LiveId" clId="{ABECCF1F-1CAA-3A42-9710-47D9CB1C5B21}" dt="2023-08-21T03:50:00.106" v="69" actId="1076"/>
+          <ac:picMkLst>
+            <pc:docMk/>
+            <pc:sldMk cId="3833073590" sldId="2716"/>
+            <ac:picMk id="1030" creationId="{C93DB76E-C02F-05AC-2014-674F7E808ADA}"/>
+          </ac:picMkLst>
+        </pc:picChg>
+      </pc:sldChg>
+      <pc:sldChg chg="addSp delSp modSp mod">
+        <pc:chgData name="Xin Luo" userId="82312ee5779919a4" providerId="LiveId" clId="{ABECCF1F-1CAA-3A42-9710-47D9CB1C5B21}" dt="2023-08-21T03:52:56.239" v="118"/>
+        <pc:sldMkLst>
+          <pc:docMk/>
+          <pc:sldMk cId="2776132283" sldId="2739"/>
+        </pc:sldMkLst>
+        <pc:spChg chg="add del mod">
+          <ac:chgData name="Xin Luo" userId="82312ee5779919a4" providerId="LiveId" clId="{ABECCF1F-1CAA-3A42-9710-47D9CB1C5B21}" dt="2023-08-21T03:52:56.239" v="118"/>
+          <ac:spMkLst>
+            <pc:docMk/>
+            <pc:sldMk cId="2776132283" sldId="2739"/>
+            <ac:spMk id="4" creationId="{0411BEA9-35E9-6B80-5BDE-4EEB0EC8EBCB}"/>
+          </ac:spMkLst>
+        </pc:spChg>
+        <pc:spChg chg="mod">
+          <ac:chgData name="Xin Luo" userId="82312ee5779919a4" providerId="LiveId" clId="{ABECCF1F-1CAA-3A42-9710-47D9CB1C5B21}" dt="2023-08-21T03:50:50.271" v="115" actId="20577"/>
+          <ac:spMkLst>
+            <pc:docMk/>
+            <pc:sldMk cId="2776132283" sldId="2739"/>
+            <ac:spMk id="6" creationId="{6741FEA2-C046-FD82-2800-2CB513792080}"/>
+          </ac:spMkLst>
+        </pc:spChg>
+      </pc:sldChg>
+      <pc:sldChg chg="addSp modSp mod ord">
+        <pc:chgData name="Xin Luo" userId="82312ee5779919a4" providerId="LiveId" clId="{ABECCF1F-1CAA-3A42-9710-47D9CB1C5B21}" dt="2023-08-21T07:26:51.742" v="177" actId="20578"/>
+        <pc:sldMkLst>
+          <pc:docMk/>
+          <pc:sldMk cId="4194482579" sldId="2743"/>
+        </pc:sldMkLst>
+        <pc:spChg chg="mod">
+          <ac:chgData name="Xin Luo" userId="82312ee5779919a4" providerId="LiveId" clId="{ABECCF1F-1CAA-3A42-9710-47D9CB1C5B21}" dt="2023-08-21T03:59:16.975" v="136" actId="1076"/>
+          <ac:spMkLst>
+            <pc:docMk/>
+            <pc:sldMk cId="4194482579" sldId="2743"/>
+            <ac:spMk id="6" creationId="{6741FEA2-C046-FD82-2800-2CB513792080}"/>
+          </ac:spMkLst>
+        </pc:spChg>
+        <pc:picChg chg="add mod">
+          <ac:chgData name="Xin Luo" userId="82312ee5779919a4" providerId="LiveId" clId="{ABECCF1F-1CAA-3A42-9710-47D9CB1C5B21}" dt="2023-08-21T04:10:13.653" v="140" actId="1076"/>
+          <ac:picMkLst>
+            <pc:docMk/>
+            <pc:sldMk cId="4194482579" sldId="2743"/>
+            <ac:picMk id="5" creationId="{9ADF8EDA-38B9-3779-D260-4F6A4E5D19BA}"/>
+          </ac:picMkLst>
+        </pc:picChg>
+      </pc:sldChg>
+      <pc:sldChg chg="addSp delSp modSp add mod">
+        <pc:chgData name="Xin Luo" userId="82312ee5779919a4" providerId="LiveId" clId="{ABECCF1F-1CAA-3A42-9710-47D9CB1C5B21}" dt="2023-08-21T07:50:33.166" v="356" actId="20577"/>
+        <pc:sldMkLst>
+          <pc:docMk/>
+          <pc:sldMk cId="738332523" sldId="2751"/>
+        </pc:sldMkLst>
+        <pc:spChg chg="mod">
+          <ac:chgData name="Xin Luo" userId="82312ee5779919a4" providerId="LiveId" clId="{ABECCF1F-1CAA-3A42-9710-47D9CB1C5B21}" dt="2023-08-21T07:50:33.166" v="356" actId="20577"/>
+          <ac:spMkLst>
+            <pc:docMk/>
+            <pc:sldMk cId="738332523" sldId="2751"/>
+            <ac:spMk id="6" creationId="{6741FEA2-C046-FD82-2800-2CB513792080}"/>
+          </ac:spMkLst>
+        </pc:spChg>
+        <pc:spChg chg="add mod">
+          <ac:chgData name="Xin Luo" userId="82312ee5779919a4" providerId="LiveId" clId="{ABECCF1F-1CAA-3A42-9710-47D9CB1C5B21}" dt="2023-08-21T07:34:15.357" v="219" actId="1582"/>
+          <ac:spMkLst>
+            <pc:docMk/>
+            <pc:sldMk cId="738332523" sldId="2751"/>
+            <ac:spMk id="9" creationId="{7DC24FD0-4314-6A12-D955-592B771F546D}"/>
+          </ac:spMkLst>
+        </pc:spChg>
+        <pc:spChg chg="add mod">
+          <ac:chgData name="Xin Luo" userId="82312ee5779919a4" providerId="LiveId" clId="{ABECCF1F-1CAA-3A42-9710-47D9CB1C5B21}" dt="2023-08-21T07:34:15.357" v="219" actId="1582"/>
+          <ac:spMkLst>
+            <pc:docMk/>
+            <pc:sldMk cId="738332523" sldId="2751"/>
+            <ac:spMk id="10" creationId="{99C411EF-3CC5-A5C6-671F-2074FAC1B2AA}"/>
+          </ac:spMkLst>
+        </pc:spChg>
+        <pc:picChg chg="del">
+          <ac:chgData name="Xin Luo" userId="82312ee5779919a4" providerId="LiveId" clId="{ABECCF1F-1CAA-3A42-9710-47D9CB1C5B21}" dt="2023-08-21T04:10:31.596" v="142" actId="478"/>
+          <ac:picMkLst>
+            <pc:docMk/>
+            <pc:sldMk cId="738332523" sldId="2751"/>
+            <ac:picMk id="5" creationId="{9ADF8EDA-38B9-3779-D260-4F6A4E5D19BA}"/>
+          </ac:picMkLst>
+        </pc:picChg>
+        <pc:picChg chg="add mod">
+          <ac:chgData name="Xin Luo" userId="82312ee5779919a4" providerId="LiveId" clId="{ABECCF1F-1CAA-3A42-9710-47D9CB1C5B21}" dt="2023-08-21T07:32:54.017" v="202" actId="14100"/>
+          <ac:picMkLst>
+            <pc:docMk/>
+            <pc:sldMk cId="738332523" sldId="2751"/>
+            <ac:picMk id="5" creationId="{BE72E01E-2598-0120-36F4-36F0A128ED69}"/>
+          </ac:picMkLst>
+        </pc:picChg>
+        <pc:picChg chg="add mod">
+          <ac:chgData name="Xin Luo" userId="82312ee5779919a4" providerId="LiveId" clId="{ABECCF1F-1CAA-3A42-9710-47D9CB1C5B21}" dt="2023-08-21T07:32:58.176" v="211" actId="1037"/>
+          <ac:picMkLst>
+            <pc:docMk/>
+            <pc:sldMk cId="738332523" sldId="2751"/>
+            <ac:picMk id="8" creationId="{BE0108F0-EC07-C1EA-3126-BA6F63A1A7B8}"/>
+          </ac:picMkLst>
+        </pc:picChg>
+      </pc:sldChg>
+      <pc:sldChg chg="addSp delSp modSp add mod">
+        <pc:chgData name="Xin Luo" userId="82312ee5779919a4" providerId="LiveId" clId="{ABECCF1F-1CAA-3A42-9710-47D9CB1C5B21}" dt="2023-08-21T07:50:29.891" v="352" actId="20577"/>
+        <pc:sldMkLst>
+          <pc:docMk/>
+          <pc:sldMk cId="3189639985" sldId="2752"/>
+        </pc:sldMkLst>
+        <pc:spChg chg="mod">
+          <ac:chgData name="Xin Luo" userId="82312ee5779919a4" providerId="LiveId" clId="{ABECCF1F-1CAA-3A42-9710-47D9CB1C5B21}" dt="2023-08-21T07:50:29.891" v="352" actId="20577"/>
+          <ac:spMkLst>
+            <pc:docMk/>
+            <pc:sldMk cId="3189639985" sldId="2752"/>
+            <ac:spMk id="6" creationId="{6741FEA2-C046-FD82-2800-2CB513792080}"/>
+          </ac:spMkLst>
+        </pc:spChg>
+        <pc:spChg chg="del">
+          <ac:chgData name="Xin Luo" userId="82312ee5779919a4" providerId="LiveId" clId="{ABECCF1F-1CAA-3A42-9710-47D9CB1C5B21}" dt="2023-08-21T07:35:06.445" v="254" actId="478"/>
+          <ac:spMkLst>
+            <pc:docMk/>
+            <pc:sldMk cId="3189639985" sldId="2752"/>
+            <ac:spMk id="9" creationId="{7DC24FD0-4314-6A12-D955-592B771F546D}"/>
+          </ac:spMkLst>
+        </pc:spChg>
+        <pc:spChg chg="del">
+          <ac:chgData name="Xin Luo" userId="82312ee5779919a4" providerId="LiveId" clId="{ABECCF1F-1CAA-3A42-9710-47D9CB1C5B21}" dt="2023-08-21T07:35:05.287" v="253" actId="478"/>
+          <ac:spMkLst>
+            <pc:docMk/>
+            <pc:sldMk cId="3189639985" sldId="2752"/>
+            <ac:spMk id="10" creationId="{99C411EF-3CC5-A5C6-671F-2074FAC1B2AA}"/>
+          </ac:spMkLst>
+        </pc:spChg>
+        <pc:spChg chg="add mod">
+          <ac:chgData name="Xin Luo" userId="82312ee5779919a4" providerId="LiveId" clId="{ABECCF1F-1CAA-3A42-9710-47D9CB1C5B21}" dt="2023-08-21T07:40:48.338" v="306" actId="1036"/>
+          <ac:spMkLst>
+            <pc:docMk/>
+            <pc:sldMk cId="3189639985" sldId="2752"/>
+            <ac:spMk id="11" creationId="{C402EBD9-8BC8-2A75-1218-C7F537BD4F74}"/>
+          </ac:spMkLst>
+        </pc:spChg>
+        <pc:picChg chg="del">
+          <ac:chgData name="Xin Luo" userId="82312ee5779919a4" providerId="LiveId" clId="{ABECCF1F-1CAA-3A42-9710-47D9CB1C5B21}" dt="2023-08-21T07:35:02.911" v="251" actId="478"/>
+          <ac:picMkLst>
+            <pc:docMk/>
+            <pc:sldMk cId="3189639985" sldId="2752"/>
+            <ac:picMk id="5" creationId="{BE72E01E-2598-0120-36F4-36F0A128ED69}"/>
+          </ac:picMkLst>
+        </pc:picChg>
+        <pc:picChg chg="add mod">
+          <ac:chgData name="Xin Luo" userId="82312ee5779919a4" providerId="LiveId" clId="{ABECCF1F-1CAA-3A42-9710-47D9CB1C5B21}" dt="2023-08-21T07:39:33.543" v="260" actId="1076"/>
+          <ac:picMkLst>
+            <pc:docMk/>
+            <pc:sldMk cId="3189639985" sldId="2752"/>
+            <ac:picMk id="7" creationId="{24022410-0AAA-D584-D160-5FF352C689F2}"/>
+          </ac:picMkLst>
+        </pc:picChg>
+        <pc:picChg chg="del">
+          <ac:chgData name="Xin Luo" userId="82312ee5779919a4" providerId="LiveId" clId="{ABECCF1F-1CAA-3A42-9710-47D9CB1C5B21}" dt="2023-08-21T07:35:04.316" v="252" actId="478"/>
+          <ac:picMkLst>
+            <pc:docMk/>
+            <pc:sldMk cId="3189639985" sldId="2752"/>
+            <ac:picMk id="8" creationId="{BE0108F0-EC07-C1EA-3126-BA6F63A1A7B8}"/>
+          </ac:picMkLst>
+        </pc:picChg>
+      </pc:sldChg>
+      <pc:sldChg chg="addSp delSp modSp add mod">
+        <pc:chgData name="Xin Luo" userId="82312ee5779919a4" providerId="LiveId" clId="{ABECCF1F-1CAA-3A42-9710-47D9CB1C5B21}" dt="2023-08-21T08:59:24.857" v="602" actId="478"/>
+        <pc:sldMkLst>
+          <pc:docMk/>
+          <pc:sldMk cId="2878944048" sldId="2753"/>
+        </pc:sldMkLst>
+        <pc:spChg chg="add mod">
+          <ac:chgData name="Xin Luo" userId="82312ee5779919a4" providerId="LiveId" clId="{ABECCF1F-1CAA-3A42-9710-47D9CB1C5B21}" dt="2023-08-21T08:50:36.994" v="558" actId="1035"/>
+          <ac:spMkLst>
+            <pc:docMk/>
+            <pc:sldMk cId="2878944048" sldId="2753"/>
+            <ac:spMk id="4" creationId="{7C941D71-E279-B2E7-21F9-0FFA72E7FAD1}"/>
+          </ac:spMkLst>
+        </pc:spChg>
+        <pc:spChg chg="add mod">
+          <ac:chgData name="Xin Luo" userId="82312ee5779919a4" providerId="LiveId" clId="{ABECCF1F-1CAA-3A42-9710-47D9CB1C5B21}" dt="2023-08-21T08:57:49.557" v="576" actId="20577"/>
+          <ac:spMkLst>
+            <pc:docMk/>
+            <pc:sldMk cId="2878944048" sldId="2753"/>
+            <ac:spMk id="5" creationId="{94F1BB64-6BD2-B2BF-B804-61A5AE170068}"/>
+          </ac:spMkLst>
+        </pc:spChg>
+        <pc:spChg chg="mod">
+          <ac:chgData name="Xin Luo" userId="82312ee5779919a4" providerId="LiveId" clId="{ABECCF1F-1CAA-3A42-9710-47D9CB1C5B21}" dt="2023-08-21T07:50:17.070" v="348" actId="20577"/>
+          <ac:spMkLst>
+            <pc:docMk/>
+            <pc:sldMk cId="2878944048" sldId="2753"/>
+            <ac:spMk id="6" creationId="{6741FEA2-C046-FD82-2800-2CB513792080}"/>
+          </ac:spMkLst>
+        </pc:spChg>
+        <pc:spChg chg="add del mod">
+          <ac:chgData name="Xin Luo" userId="82312ee5779919a4" providerId="LiveId" clId="{ABECCF1F-1CAA-3A42-9710-47D9CB1C5B21}" dt="2023-08-21T08:59:24.857" v="602" actId="478"/>
+          <ac:spMkLst>
+            <pc:docMk/>
+            <pc:sldMk cId="2878944048" sldId="2753"/>
+            <ac:spMk id="8" creationId="{A2337412-D749-2149-F722-E14B45A47143}"/>
+          </ac:spMkLst>
+        </pc:spChg>
+        <pc:spChg chg="add del mod">
+          <ac:chgData name="Xin Luo" userId="82312ee5779919a4" providerId="LiveId" clId="{ABECCF1F-1CAA-3A42-9710-47D9CB1C5B21}" dt="2023-08-21T08:59:23.825" v="601" actId="478"/>
+          <ac:spMkLst>
+            <pc:docMk/>
+            <pc:sldMk cId="2878944048" sldId="2753"/>
+            <ac:spMk id="10" creationId="{5FE06F54-CFCF-1F7B-8703-FF45449C4348}"/>
+          </ac:spMkLst>
+        </pc:spChg>
+        <pc:spChg chg="mod">
+          <ac:chgData name="Xin Luo" userId="82312ee5779919a4" providerId="LiveId" clId="{ABECCF1F-1CAA-3A42-9710-47D9CB1C5B21}" dt="2023-08-21T08:23:18.853" v="465" actId="1076"/>
+          <ac:spMkLst>
+            <pc:docMk/>
+            <pc:sldMk cId="2878944048" sldId="2753"/>
+            <ac:spMk id="11" creationId="{C402EBD9-8BC8-2A75-1218-C7F537BD4F74}"/>
+          </ac:spMkLst>
+        </pc:spChg>
+        <pc:picChg chg="del">
+          <ac:chgData name="Xin Luo" userId="82312ee5779919a4" providerId="LiveId" clId="{ABECCF1F-1CAA-3A42-9710-47D9CB1C5B21}" dt="2023-08-21T08:21:53.593" v="357" actId="478"/>
+          <ac:picMkLst>
+            <pc:docMk/>
+            <pc:sldMk cId="2878944048" sldId="2753"/>
+            <ac:picMk id="7" creationId="{24022410-0AAA-D584-D160-5FF352C689F2}"/>
+          </ac:picMkLst>
+        </pc:picChg>
+      </pc:sldChg>
+      <pc:sldChg chg="addSp delSp modSp add mod">
+        <pc:chgData name="Xin Luo" userId="82312ee5779919a4" providerId="LiveId" clId="{ABECCF1F-1CAA-3A42-9710-47D9CB1C5B21}" dt="2023-08-21T09:09:03.859" v="781" actId="14100"/>
+        <pc:sldMkLst>
+          <pc:docMk/>
+          <pc:sldMk cId="2927474256" sldId="2754"/>
+        </pc:sldMkLst>
+        <pc:spChg chg="del">
+          <ac:chgData name="Xin Luo" userId="82312ee5779919a4" providerId="LiveId" clId="{ABECCF1F-1CAA-3A42-9710-47D9CB1C5B21}" dt="2023-08-21T08:59:29.253" v="603" actId="478"/>
+          <ac:spMkLst>
+            <pc:docMk/>
+            <pc:sldMk cId="2927474256" sldId="2754"/>
+            <ac:spMk id="4" creationId="{7C941D71-E279-B2E7-21F9-0FFA72E7FAD1}"/>
+          </ac:spMkLst>
+        </pc:spChg>
+        <pc:spChg chg="del">
+          <ac:chgData name="Xin Luo" userId="82312ee5779919a4" providerId="LiveId" clId="{ABECCF1F-1CAA-3A42-9710-47D9CB1C5B21}" dt="2023-08-21T08:59:29.253" v="603" actId="478"/>
+          <ac:spMkLst>
+            <pc:docMk/>
+            <pc:sldMk cId="2927474256" sldId="2754"/>
+            <ac:spMk id="5" creationId="{94F1BB64-6BD2-B2BF-B804-61A5AE170068}"/>
+          </ac:spMkLst>
+        </pc:spChg>
+        <pc:spChg chg="del">
+          <ac:chgData name="Xin Luo" userId="82312ee5779919a4" providerId="LiveId" clId="{ABECCF1F-1CAA-3A42-9710-47D9CB1C5B21}" dt="2023-08-21T08:59:29.253" v="603" actId="478"/>
+          <ac:spMkLst>
+            <pc:docMk/>
+            <pc:sldMk cId="2927474256" sldId="2754"/>
+            <ac:spMk id="6" creationId="{6741FEA2-C046-FD82-2800-2CB513792080}"/>
+          </ac:spMkLst>
+        </pc:spChg>
+        <pc:spChg chg="mod">
+          <ac:chgData name="Xin Luo" userId="82312ee5779919a4" providerId="LiveId" clId="{ABECCF1F-1CAA-3A42-9710-47D9CB1C5B21}" dt="2023-08-21T09:08:39.577" v="757" actId="1035"/>
+          <ac:spMkLst>
+            <pc:docMk/>
+            <pc:sldMk cId="2927474256" sldId="2754"/>
+            <ac:spMk id="8" creationId="{A2337412-D749-2149-F722-E14B45A47143}"/>
+          </ac:spMkLst>
+        </pc:spChg>
+        <pc:spChg chg="mod">
+          <ac:chgData name="Xin Luo" userId="82312ee5779919a4" providerId="LiveId" clId="{ABECCF1F-1CAA-3A42-9710-47D9CB1C5B21}" dt="2023-08-21T09:08:39.577" v="757" actId="1035"/>
+          <ac:spMkLst>
+            <pc:docMk/>
+            <pc:sldMk cId="2927474256" sldId="2754"/>
+            <ac:spMk id="10" creationId="{5FE06F54-CFCF-1F7B-8703-FF45449C4348}"/>
+          </ac:spMkLst>
+        </pc:spChg>
+        <pc:spChg chg="del">
+          <ac:chgData name="Xin Luo" userId="82312ee5779919a4" providerId="LiveId" clId="{ABECCF1F-1CAA-3A42-9710-47D9CB1C5B21}" dt="2023-08-21T08:59:29.253" v="603" actId="478"/>
+          <ac:spMkLst>
+            <pc:docMk/>
+            <pc:sldMk cId="2927474256" sldId="2754"/>
+            <ac:spMk id="11" creationId="{C402EBD9-8BC8-2A75-1218-C7F537BD4F74}"/>
+          </ac:spMkLst>
+        </pc:spChg>
+        <pc:spChg chg="add mod">
+          <ac:chgData name="Xin Luo" userId="82312ee5779919a4" providerId="LiveId" clId="{ABECCF1F-1CAA-3A42-9710-47D9CB1C5B21}" dt="2023-08-21T09:08:39.577" v="757" actId="1035"/>
+          <ac:spMkLst>
+            <pc:docMk/>
+            <pc:sldMk cId="2927474256" sldId="2754"/>
+            <ac:spMk id="16" creationId="{2EA13607-3EE9-0EBE-2310-AB66CADD8400}"/>
+          </ac:spMkLst>
+        </pc:spChg>
+        <pc:spChg chg="add mod">
+          <ac:chgData name="Xin Luo" userId="82312ee5779919a4" providerId="LiveId" clId="{ABECCF1F-1CAA-3A42-9710-47D9CB1C5B21}" dt="2023-08-21T09:08:39.577" v="757" actId="1035"/>
+          <ac:spMkLst>
+            <pc:docMk/>
+            <pc:sldMk cId="2927474256" sldId="2754"/>
+            <ac:spMk id="17" creationId="{8CFF8A22-C033-47DF-8707-CA76F142CBBA}"/>
+          </ac:spMkLst>
+        </pc:spChg>
+        <pc:spChg chg="add mod">
+          <ac:chgData name="Xin Luo" userId="82312ee5779919a4" providerId="LiveId" clId="{ABECCF1F-1CAA-3A42-9710-47D9CB1C5B21}" dt="2023-08-21T09:09:03.859" v="781" actId="14100"/>
+          <ac:spMkLst>
+            <pc:docMk/>
+            <pc:sldMk cId="2927474256" sldId="2754"/>
+            <ac:spMk id="19" creationId="{F1F8BC3A-2851-66F8-445F-CC5C10AB9E4F}"/>
+          </ac:spMkLst>
+        </pc:spChg>
+        <pc:grpChg chg="add mod">
+          <ac:chgData name="Xin Luo" userId="82312ee5779919a4" providerId="LiveId" clId="{ABECCF1F-1CAA-3A42-9710-47D9CB1C5B21}" dt="2023-08-21T09:08:55.770" v="774" actId="1036"/>
+          <ac:grpSpMkLst>
+            <pc:docMk/>
+            <pc:sldMk cId="2927474256" sldId="2754"/>
+            <ac:grpSpMk id="20" creationId="{8AA7B3E2-1D42-96C9-43F0-1F320D3EFD63}"/>
+          </ac:grpSpMkLst>
+        </pc:grpChg>
+        <pc:picChg chg="add mod modCrop">
+          <ac:chgData name="Xin Luo" userId="82312ee5779919a4" providerId="LiveId" clId="{ABECCF1F-1CAA-3A42-9710-47D9CB1C5B21}" dt="2023-08-21T09:08:55.770" v="774" actId="1036"/>
+          <ac:picMkLst>
+            <pc:docMk/>
+            <pc:sldMk cId="2927474256" sldId="2754"/>
+            <ac:picMk id="9" creationId="{0CF46726-2B51-43A4-FDEF-A6131C46F05F}"/>
+          </ac:picMkLst>
+        </pc:picChg>
+        <pc:picChg chg="add del mod">
+          <ac:chgData name="Xin Luo" userId="82312ee5779919a4" providerId="LiveId" clId="{ABECCF1F-1CAA-3A42-9710-47D9CB1C5B21}" dt="2023-08-21T09:04:37.137" v="680" actId="478"/>
+          <ac:picMkLst>
+            <pc:docMk/>
+            <pc:sldMk cId="2927474256" sldId="2754"/>
+            <ac:picMk id="13" creationId="{2C310207-BBE2-954A-9122-8957AF07383A}"/>
+          </ac:picMkLst>
+        </pc:picChg>
+        <pc:picChg chg="add mod modCrop">
+          <ac:chgData name="Xin Luo" userId="82312ee5779919a4" providerId="LiveId" clId="{ABECCF1F-1CAA-3A42-9710-47D9CB1C5B21}" dt="2023-08-21T09:08:39.577" v="757" actId="1035"/>
+          <ac:picMkLst>
+            <pc:docMk/>
+            <pc:sldMk cId="2927474256" sldId="2754"/>
+            <ac:picMk id="15" creationId="{639D3A36-F4F5-4F0C-7519-97D401E3DE91}"/>
+          </ac:picMkLst>
+        </pc:picChg>
+      </pc:sldChg>
+      <pc:sldChg chg="delSp modSp add mod">
+        <pc:chgData name="Xin Luo" userId="82312ee5779919a4" providerId="LiveId" clId="{ABECCF1F-1CAA-3A42-9710-47D9CB1C5B21}" dt="2023-08-21T09:31:16.266" v="879" actId="20577"/>
+        <pc:sldMkLst>
+          <pc:docMk/>
+          <pc:sldMk cId="3593416967" sldId="2755"/>
+        </pc:sldMkLst>
+        <pc:spChg chg="mod">
+          <ac:chgData name="Xin Luo" userId="82312ee5779919a4" providerId="LiveId" clId="{ABECCF1F-1CAA-3A42-9710-47D9CB1C5B21}" dt="2023-08-21T09:31:03.242" v="873" actId="20577"/>
+          <ac:spMkLst>
+            <pc:docMk/>
+            <pc:sldMk cId="3593416967" sldId="2755"/>
+            <ac:spMk id="8" creationId="{A2337412-D749-2149-F722-E14B45A47143}"/>
+          </ac:spMkLst>
+        </pc:spChg>
+        <pc:spChg chg="mod">
+          <ac:chgData name="Xin Luo" userId="82312ee5779919a4" providerId="LiveId" clId="{ABECCF1F-1CAA-3A42-9710-47D9CB1C5B21}" dt="2023-08-21T09:31:16.266" v="879" actId="20577"/>
+          <ac:spMkLst>
+            <pc:docMk/>
+            <pc:sldMk cId="3593416967" sldId="2755"/>
+            <ac:spMk id="10" creationId="{5FE06F54-CFCF-1F7B-8703-FF45449C4348}"/>
+          </ac:spMkLst>
+        </pc:spChg>
+        <pc:grpChg chg="del">
+          <ac:chgData name="Xin Luo" userId="82312ee5779919a4" providerId="LiveId" clId="{ABECCF1F-1CAA-3A42-9710-47D9CB1C5B21}" dt="2023-08-21T09:31:06.835" v="875" actId="478"/>
+          <ac:grpSpMkLst>
+            <pc:docMk/>
+            <pc:sldMk cId="3593416967" sldId="2755"/>
+            <ac:grpSpMk id="20" creationId="{8AA7B3E2-1D42-96C9-43F0-1F320D3EFD63}"/>
+          </ac:grpSpMkLst>
+        </pc:grpChg>
+        <pc:picChg chg="del">
+          <ac:chgData name="Xin Luo" userId="82312ee5779919a4" providerId="LiveId" clId="{ABECCF1F-1CAA-3A42-9710-47D9CB1C5B21}" dt="2023-08-21T09:31:06.186" v="874" actId="478"/>
+          <ac:picMkLst>
+            <pc:docMk/>
+            <pc:sldMk cId="3593416967" sldId="2755"/>
+            <ac:picMk id="9" creationId="{0CF46726-2B51-43A4-FDEF-A6131C46F05F}"/>
+          </ac:picMkLst>
+        </pc:picChg>
+      </pc:sldChg>
+    </pc:docChg>
+  </pc:docChgLst>
+  <pc:docChgLst>
+    <pc:chgData name="Xin Luo" userId="82312ee5779919a4" providerId="LiveId" clId="{9DD00C57-1E20-5F45-A5A7-A6F833EE305E}"/>
+    <pc:docChg chg="custSel delSld modSld">
+      <pc:chgData name="Xin Luo" userId="82312ee5779919a4" providerId="LiveId" clId="{9DD00C57-1E20-5F45-A5A7-A6F833EE305E}" dt="2024-04-05T07:56:38.877" v="69" actId="2696"/>
+      <pc:docMkLst>
+        <pc:docMk/>
+      </pc:docMkLst>
+      <pc:sldChg chg="del">
+        <pc:chgData name="Xin Luo" userId="82312ee5779919a4" providerId="LiveId" clId="{9DD00C57-1E20-5F45-A5A7-A6F833EE305E}" dt="2024-04-05T07:51:34.265" v="18" actId="2696"/>
+        <pc:sldMkLst>
+          <pc:docMk/>
+          <pc:sldMk cId="4067577602" sldId="2605"/>
+        </pc:sldMkLst>
+      </pc:sldChg>
+      <pc:sldChg chg="modSp mod">
+        <pc:chgData name="Xin Luo" userId="82312ee5779919a4" providerId="LiveId" clId="{9DD00C57-1E20-5F45-A5A7-A6F833EE305E}" dt="2024-04-05T07:42:36.104" v="17" actId="5793"/>
+        <pc:sldMkLst>
+          <pc:docMk/>
+          <pc:sldMk cId="1658607177" sldId="2708"/>
+        </pc:sldMkLst>
+        <pc:spChg chg="mod">
+          <ac:chgData name="Xin Luo" userId="82312ee5779919a4" providerId="LiveId" clId="{9DD00C57-1E20-5F45-A5A7-A6F833EE305E}" dt="2024-04-05T07:42:36.104" v="17" actId="5793"/>
+          <ac:spMkLst>
+            <pc:docMk/>
+            <pc:sldMk cId="1658607177" sldId="2708"/>
+            <ac:spMk id="24" creationId="{00000000-0000-0000-0000-000000000000}"/>
+          </ac:spMkLst>
+        </pc:spChg>
+      </pc:sldChg>
+      <pc:sldChg chg="modSp mod">
+        <pc:chgData name="Xin Luo" userId="82312ee5779919a4" providerId="LiveId" clId="{9DD00C57-1E20-5F45-A5A7-A6F833EE305E}" dt="2024-04-05T07:52:08.536" v="62" actId="20577"/>
+        <pc:sldMkLst>
+          <pc:docMk/>
+          <pc:sldMk cId="481122590" sldId="2709"/>
+        </pc:sldMkLst>
+        <pc:spChg chg="mod">
+          <ac:chgData name="Xin Luo" userId="82312ee5779919a4" providerId="LiveId" clId="{9DD00C57-1E20-5F45-A5A7-A6F833EE305E}" dt="2024-04-05T07:52:08.536" v="62" actId="20577"/>
+          <ac:spMkLst>
+            <pc:docMk/>
+            <pc:sldMk cId="481122590" sldId="2709"/>
+            <ac:spMk id="7" creationId="{00000000-0000-0000-0000-000000000000}"/>
+          </ac:spMkLst>
+        </pc:spChg>
+      </pc:sldChg>
+      <pc:sldChg chg="del">
+        <pc:chgData name="Xin Luo" userId="82312ee5779919a4" providerId="LiveId" clId="{9DD00C57-1E20-5F45-A5A7-A6F833EE305E}" dt="2024-04-05T07:51:35.106" v="19" actId="2696"/>
+        <pc:sldMkLst>
+          <pc:docMk/>
+          <pc:sldMk cId="655142816" sldId="2737"/>
+        </pc:sldMkLst>
+      </pc:sldChg>
+      <pc:sldChg chg="del">
+        <pc:chgData name="Xin Luo" userId="82312ee5779919a4" providerId="LiveId" clId="{9DD00C57-1E20-5F45-A5A7-A6F833EE305E}" dt="2024-04-05T07:56:34.386" v="63" actId="2696"/>
+        <pc:sldMkLst>
+          <pc:docMk/>
+          <pc:sldMk cId="4156684215" sldId="2738"/>
+        </pc:sldMkLst>
+      </pc:sldChg>
+      <pc:sldChg chg="del">
+        <pc:chgData name="Xin Luo" userId="82312ee5779919a4" providerId="LiveId" clId="{9DD00C57-1E20-5F45-A5A7-A6F833EE305E}" dt="2024-04-05T07:56:38.877" v="69" actId="2696"/>
+        <pc:sldMkLst>
+          <pc:docMk/>
+          <pc:sldMk cId="2776132283" sldId="2739"/>
+        </pc:sldMkLst>
+      </pc:sldChg>
+      <pc:sldChg chg="del">
+        <pc:chgData name="Xin Luo" userId="82312ee5779919a4" providerId="LiveId" clId="{9DD00C57-1E20-5F45-A5A7-A6F833EE305E}" dt="2024-04-05T07:51:37.161" v="20" actId="2696"/>
+        <pc:sldMkLst>
+          <pc:docMk/>
+          <pc:sldMk cId="3151170836" sldId="2742"/>
+        </pc:sldMkLst>
+      </pc:sldChg>
+      <pc:sldChg chg="del">
+        <pc:chgData name="Xin Luo" userId="82312ee5779919a4" providerId="LiveId" clId="{9DD00C57-1E20-5F45-A5A7-A6F833EE305E}" dt="2024-04-05T07:56:34.962" v="64" actId="2696"/>
+        <pc:sldMkLst>
+          <pc:docMk/>
+          <pc:sldMk cId="738332523" sldId="2751"/>
+        </pc:sldMkLst>
+      </pc:sldChg>
+      <pc:sldChg chg="del">
+        <pc:chgData name="Xin Luo" userId="82312ee5779919a4" providerId="LiveId" clId="{9DD00C57-1E20-5F45-A5A7-A6F833EE305E}" dt="2024-04-05T07:56:35.443" v="65" actId="2696"/>
+        <pc:sldMkLst>
+          <pc:docMk/>
+          <pc:sldMk cId="3189639985" sldId="2752"/>
+        </pc:sldMkLst>
+      </pc:sldChg>
+      <pc:sldChg chg="del">
+        <pc:chgData name="Xin Luo" userId="82312ee5779919a4" providerId="LiveId" clId="{9DD00C57-1E20-5F45-A5A7-A6F833EE305E}" dt="2024-04-05T07:56:35.917" v="66" actId="2696"/>
+        <pc:sldMkLst>
+          <pc:docMk/>
+          <pc:sldMk cId="2878944048" sldId="2753"/>
+        </pc:sldMkLst>
+      </pc:sldChg>
+      <pc:sldChg chg="del">
+        <pc:chgData name="Xin Luo" userId="82312ee5779919a4" providerId="LiveId" clId="{9DD00C57-1E20-5F45-A5A7-A6F833EE305E}" dt="2024-04-05T07:56:36.696" v="67" actId="2696"/>
+        <pc:sldMkLst>
+          <pc:docMk/>
+          <pc:sldMk cId="2927474256" sldId="2754"/>
+        </pc:sldMkLst>
+      </pc:sldChg>
+      <pc:sldChg chg="del">
+        <pc:chgData name="Xin Luo" userId="82312ee5779919a4" providerId="LiveId" clId="{9DD00C57-1E20-5F45-A5A7-A6F833EE305E}" dt="2024-04-05T07:56:37.562" v="68" actId="2696"/>
+        <pc:sldMkLst>
+          <pc:docMk/>
+          <pc:sldMk cId="3593416967" sldId="2755"/>
         </pc:sldMkLst>
       </pc:sldChg>
     </pc:docChg>
@@ -3123,6 +4529,746 @@
             <ac:picMk id="5" creationId="{197EF1EF-C4B4-1C55-B736-D9AE60BE4C77}"/>
           </ac:picMkLst>
         </pc:picChg>
+      </pc:sldChg>
+    </pc:docChg>
+  </pc:docChgLst>
+  <pc:docChgLst>
+    <pc:chgData name="Xin Luo" userId="82312ee5779919a4" providerId="LiveId" clId="{82BFAA31-791A-9843-976C-3AAFAA5AC07D}"/>
+    <pc:docChg chg="undo custSel addSld delSld modSld">
+      <pc:chgData name="Xin Luo" userId="82312ee5779919a4" providerId="LiveId" clId="{82BFAA31-791A-9843-976C-3AAFAA5AC07D}" dt="2023-03-05T13:50:34.172" v="6224" actId="1035"/>
+      <pc:docMkLst>
+        <pc:docMk/>
+      </pc:docMkLst>
+      <pc:sldChg chg="modSp mod">
+        <pc:chgData name="Xin Luo" userId="82312ee5779919a4" providerId="LiveId" clId="{82BFAA31-791A-9843-976C-3AAFAA5AC07D}" dt="2023-03-04T01:58:49.501" v="2918" actId="20577"/>
+        <pc:sldMkLst>
+          <pc:docMk/>
+          <pc:sldMk cId="4067577602" sldId="2605"/>
+        </pc:sldMkLst>
+        <pc:spChg chg="mod">
+          <ac:chgData name="Xin Luo" userId="82312ee5779919a4" providerId="LiveId" clId="{82BFAA31-791A-9843-976C-3AAFAA5AC07D}" dt="2023-03-04T01:58:49.501" v="2918" actId="20577"/>
+          <ac:spMkLst>
+            <pc:docMk/>
+            <pc:sldMk cId="4067577602" sldId="2605"/>
+            <ac:spMk id="5" creationId="{78502774-B04C-634F-1396-E5815996BC36}"/>
+          </ac:spMkLst>
+        </pc:spChg>
+      </pc:sldChg>
+      <pc:sldChg chg="addSp delSp modSp mod">
+        <pc:chgData name="Xin Luo" userId="82312ee5779919a4" providerId="LiveId" clId="{82BFAA31-791A-9843-976C-3AAFAA5AC07D}" dt="2023-03-04T03:17:04.154" v="3027" actId="20577"/>
+        <pc:sldMkLst>
+          <pc:docMk/>
+          <pc:sldMk cId="3833073590" sldId="2716"/>
+        </pc:sldMkLst>
+        <pc:spChg chg="mod">
+          <ac:chgData name="Xin Luo" userId="82312ee5779919a4" providerId="LiveId" clId="{82BFAA31-791A-9843-976C-3AAFAA5AC07D}" dt="2023-02-24T03:06:08.550" v="104" actId="20577"/>
+          <ac:spMkLst>
+            <pc:docMk/>
+            <pc:sldMk cId="3833073590" sldId="2716"/>
+            <ac:spMk id="2" creationId="{631AADB6-C88A-D817-4683-FC087E4E240F}"/>
+          </ac:spMkLst>
+        </pc:spChg>
+        <pc:spChg chg="del">
+          <ac:chgData name="Xin Luo" userId="82312ee5779919a4" providerId="LiveId" clId="{82BFAA31-791A-9843-976C-3AAFAA5AC07D}" dt="2023-02-24T03:02:42.862" v="33" actId="478"/>
+          <ac:spMkLst>
+            <pc:docMk/>
+            <pc:sldMk cId="3833073590" sldId="2716"/>
+            <ac:spMk id="5" creationId="{9F4AEA98-0C33-E82A-EB75-839D0F0B55A4}"/>
+          </ac:spMkLst>
+        </pc:spChg>
+        <pc:spChg chg="add mod">
+          <ac:chgData name="Xin Luo" userId="82312ee5779919a4" providerId="LiveId" clId="{82BFAA31-791A-9843-976C-3AAFAA5AC07D}" dt="2023-03-04T03:17:04.154" v="3027" actId="20577"/>
+          <ac:spMkLst>
+            <pc:docMk/>
+            <pc:sldMk cId="3833073590" sldId="2716"/>
+            <ac:spMk id="6" creationId="{6741FEA2-C046-FD82-2800-2CB513792080}"/>
+          </ac:spMkLst>
+        </pc:spChg>
+        <pc:picChg chg="add del">
+          <ac:chgData name="Xin Luo" userId="82312ee5779919a4" providerId="LiveId" clId="{82BFAA31-791A-9843-976C-3AAFAA5AC07D}" dt="2023-02-24T03:02:42.862" v="33" actId="478"/>
+          <ac:picMkLst>
+            <pc:docMk/>
+            <pc:sldMk cId="3833073590" sldId="2716"/>
+            <ac:picMk id="1026" creationId="{37EB6838-2807-43B3-E78E-EF1353DBEC4D}"/>
+          </ac:picMkLst>
+        </pc:picChg>
+        <pc:picChg chg="add del mod">
+          <ac:chgData name="Xin Luo" userId="82312ee5779919a4" providerId="LiveId" clId="{82BFAA31-791A-9843-976C-3AAFAA5AC07D}" dt="2023-02-24T03:03:49.502" v="38" actId="478"/>
+          <ac:picMkLst>
+            <pc:docMk/>
+            <pc:sldMk cId="3833073590" sldId="2716"/>
+            <ac:picMk id="1028" creationId="{0060DCE3-4593-4CBE-2C1A-12A7D72C453A}"/>
+          </ac:picMkLst>
+        </pc:picChg>
+        <pc:picChg chg="add del mod">
+          <ac:chgData name="Xin Luo" userId="82312ee5779919a4" providerId="LiveId" clId="{82BFAA31-791A-9843-976C-3AAFAA5AC07D}" dt="2023-03-04T03:16:57.384" v="3023" actId="14100"/>
+          <ac:picMkLst>
+            <pc:docMk/>
+            <pc:sldMk cId="3833073590" sldId="2716"/>
+            <ac:picMk id="1030" creationId="{C93DB76E-C02F-05AC-2014-674F7E808ADA}"/>
+          </ac:picMkLst>
+        </pc:picChg>
+      </pc:sldChg>
+      <pc:sldChg chg="addSp delSp modSp mod">
+        <pc:chgData name="Xin Luo" userId="82312ee5779919a4" providerId="LiveId" clId="{82BFAA31-791A-9843-976C-3AAFAA5AC07D}" dt="2023-02-24T08:50:06.402" v="585" actId="20577"/>
+        <pc:sldMkLst>
+          <pc:docMk/>
+          <pc:sldMk cId="972163772" sldId="2720"/>
+        </pc:sldMkLst>
+        <pc:spChg chg="mod">
+          <ac:chgData name="Xin Luo" userId="82312ee5779919a4" providerId="LiveId" clId="{82BFAA31-791A-9843-976C-3AAFAA5AC07D}" dt="2023-02-24T08:50:06.402" v="585" actId="20577"/>
+          <ac:spMkLst>
+            <pc:docMk/>
+            <pc:sldMk cId="972163772" sldId="2720"/>
+            <ac:spMk id="7" creationId="{00000000-0000-0000-0000-000000000000}"/>
+          </ac:spMkLst>
+        </pc:spChg>
+        <pc:picChg chg="add del">
+          <ac:chgData name="Xin Luo" userId="82312ee5779919a4" providerId="LiveId" clId="{82BFAA31-791A-9843-976C-3AAFAA5AC07D}" dt="2023-02-24T08:47:42.881" v="485"/>
+          <ac:picMkLst>
+            <pc:docMk/>
+            <pc:sldMk cId="972163772" sldId="2720"/>
+            <ac:picMk id="3074" creationId="{C4128BB6-F8FE-667B-1E3D-38360E7E0C3C}"/>
+          </ac:picMkLst>
+        </pc:picChg>
+      </pc:sldChg>
+      <pc:sldChg chg="addSp delSp modSp mod">
+        <pc:chgData name="Xin Luo" userId="82312ee5779919a4" providerId="LiveId" clId="{82BFAA31-791A-9843-976C-3AAFAA5AC07D}" dt="2023-02-24T13:00:34.955" v="2586" actId="1036"/>
+        <pc:sldMkLst>
+          <pc:docMk/>
+          <pc:sldMk cId="2689695864" sldId="2721"/>
+        </pc:sldMkLst>
+        <pc:spChg chg="mod">
+          <ac:chgData name="Xin Luo" userId="82312ee5779919a4" providerId="LiveId" clId="{82BFAA31-791A-9843-976C-3AAFAA5AC07D}" dt="2023-02-24T13:00:34.955" v="2586" actId="1036"/>
+          <ac:spMkLst>
+            <pc:docMk/>
+            <pc:sldMk cId="2689695864" sldId="2721"/>
+            <ac:spMk id="2" creationId="{631AADB6-C88A-D817-4683-FC087E4E240F}"/>
+          </ac:spMkLst>
+        </pc:spChg>
+        <pc:spChg chg="mod">
+          <ac:chgData name="Xin Luo" userId="82312ee5779919a4" providerId="LiveId" clId="{82BFAA31-791A-9843-976C-3AAFAA5AC07D}" dt="2023-02-24T08:50:21.921" v="586"/>
+          <ac:spMkLst>
+            <pc:docMk/>
+            <pc:sldMk cId="2689695864" sldId="2721"/>
+            <ac:spMk id="3" creationId="{00000000-0000-0000-0000-000000000000}"/>
+          </ac:spMkLst>
+        </pc:spChg>
+        <pc:spChg chg="add del mod">
+          <ac:chgData name="Xin Luo" userId="82312ee5779919a4" providerId="LiveId" clId="{82BFAA31-791A-9843-976C-3AAFAA5AC07D}" dt="2023-02-24T12:38:43.360" v="1999" actId="478"/>
+          <ac:spMkLst>
+            <pc:docMk/>
+            <pc:sldMk cId="2689695864" sldId="2721"/>
+            <ac:spMk id="5" creationId="{D45B97A4-ED20-7E18-1BEF-4A81710B7783}"/>
+          </ac:spMkLst>
+        </pc:spChg>
+        <pc:spChg chg="mod">
+          <ac:chgData name="Xin Luo" userId="82312ee5779919a4" providerId="LiveId" clId="{82BFAA31-791A-9843-976C-3AAFAA5AC07D}" dt="2023-02-24T13:00:31.975" v="2582" actId="1036"/>
+          <ac:spMkLst>
+            <pc:docMk/>
+            <pc:sldMk cId="2689695864" sldId="2721"/>
+            <ac:spMk id="17" creationId="{9E05FFCA-3371-AF5C-381D-71D984055F5A}"/>
+          </ac:spMkLst>
+        </pc:spChg>
+      </pc:sldChg>
+      <pc:sldChg chg="modSp add del mod">
+        <pc:chgData name="Xin Luo" userId="82312ee5779919a4" providerId="LiveId" clId="{82BFAA31-791A-9843-976C-3AAFAA5AC07D}" dt="2023-03-05T13:50:34.172" v="6224" actId="1035"/>
+        <pc:sldMkLst>
+          <pc:docMk/>
+          <pc:sldMk cId="1209572041" sldId="2722"/>
+        </pc:sldMkLst>
+        <pc:spChg chg="mod">
+          <ac:chgData name="Xin Luo" userId="82312ee5779919a4" providerId="LiveId" clId="{82BFAA31-791A-9843-976C-3AAFAA5AC07D}" dt="2023-03-04T15:50:28.639" v="6152" actId="20577"/>
+          <ac:spMkLst>
+            <pc:docMk/>
+            <pc:sldMk cId="1209572041" sldId="2722"/>
+            <ac:spMk id="11" creationId="{53A7E693-8098-76C4-CD5D-47166ABEB164}"/>
+          </ac:spMkLst>
+        </pc:spChg>
+        <pc:spChg chg="mod">
+          <ac:chgData name="Xin Luo" userId="82312ee5779919a4" providerId="LiveId" clId="{82BFAA31-791A-9843-976C-3AAFAA5AC07D}" dt="2023-03-05T13:50:34.172" v="6224" actId="1035"/>
+          <ac:spMkLst>
+            <pc:docMk/>
+            <pc:sldMk cId="1209572041" sldId="2722"/>
+            <ac:spMk id="13" creationId="{303BC878-BC57-D350-27A3-F03AE48213AC}"/>
+          </ac:spMkLst>
+        </pc:spChg>
+      </pc:sldChg>
+      <pc:sldChg chg="add del">
+        <pc:chgData name="Xin Luo" userId="82312ee5779919a4" providerId="LiveId" clId="{82BFAA31-791A-9843-976C-3AAFAA5AC07D}" dt="2023-03-04T02:01:30.300" v="3010" actId="2696"/>
+        <pc:sldMkLst>
+          <pc:docMk/>
+          <pc:sldMk cId="2179406886" sldId="2724"/>
+        </pc:sldMkLst>
+      </pc:sldChg>
+      <pc:sldChg chg="addSp delSp modSp add mod">
+        <pc:chgData name="Xin Luo" userId="82312ee5779919a4" providerId="LiveId" clId="{82BFAA31-791A-9843-976C-3AAFAA5AC07D}" dt="2023-03-04T03:20:48.887" v="3034" actId="1036"/>
+        <pc:sldMkLst>
+          <pc:docMk/>
+          <pc:sldMk cId="4156684215" sldId="2738"/>
+        </pc:sldMkLst>
+        <pc:spChg chg="mod">
+          <ac:chgData name="Xin Luo" userId="82312ee5779919a4" providerId="LiveId" clId="{82BFAA31-791A-9843-976C-3AAFAA5AC07D}" dt="2023-02-24T07:02:55.789" v="157" actId="20577"/>
+          <ac:spMkLst>
+            <pc:docMk/>
+            <pc:sldMk cId="4156684215" sldId="2738"/>
+            <ac:spMk id="2" creationId="{631AADB6-C88A-D817-4683-FC087E4E240F}"/>
+          </ac:spMkLst>
+        </pc:spChg>
+        <pc:spChg chg="add del mod">
+          <ac:chgData name="Xin Luo" userId="82312ee5779919a4" providerId="LiveId" clId="{82BFAA31-791A-9843-976C-3AAFAA5AC07D}" dt="2023-03-04T03:20:48.887" v="3034" actId="1036"/>
+          <ac:spMkLst>
+            <pc:docMk/>
+            <pc:sldMk cId="4156684215" sldId="2738"/>
+            <ac:spMk id="6" creationId="{6741FEA2-C046-FD82-2800-2CB513792080}"/>
+          </ac:spMkLst>
+        </pc:spChg>
+        <pc:picChg chg="del mod">
+          <ac:chgData name="Xin Luo" userId="82312ee5779919a4" providerId="LiveId" clId="{82BFAA31-791A-9843-976C-3AAFAA5AC07D}" dt="2023-02-24T07:03:01.663" v="158" actId="478"/>
+          <ac:picMkLst>
+            <pc:docMk/>
+            <pc:sldMk cId="4156684215" sldId="2738"/>
+            <ac:picMk id="1030" creationId="{C93DB76E-C02F-05AC-2014-674F7E808ADA}"/>
+          </ac:picMkLst>
+        </pc:picChg>
+        <pc:picChg chg="add del mod">
+          <ac:chgData name="Xin Luo" userId="82312ee5779919a4" providerId="LiveId" clId="{82BFAA31-791A-9843-976C-3AAFAA5AC07D}" dt="2023-03-04T03:20:37.844" v="3030" actId="14100"/>
+          <ac:picMkLst>
+            <pc:docMk/>
+            <pc:sldMk cId="4156684215" sldId="2738"/>
+            <ac:picMk id="2050" creationId="{324F0AC4-07BA-4B3E-1A6B-D49FF0B87AC4}"/>
+          </ac:picMkLst>
+        </pc:picChg>
+      </pc:sldChg>
+      <pc:sldChg chg="delSp modSp add mod">
+        <pc:chgData name="Xin Luo" userId="82312ee5779919a4" providerId="LiveId" clId="{82BFAA31-791A-9843-976C-3AAFAA5AC07D}" dt="2023-03-04T03:45:03.441" v="3776" actId="21"/>
+        <pc:sldMkLst>
+          <pc:docMk/>
+          <pc:sldMk cId="2776132283" sldId="2739"/>
+        </pc:sldMkLst>
+        <pc:spChg chg="mod">
+          <ac:chgData name="Xin Luo" userId="82312ee5779919a4" providerId="LiveId" clId="{82BFAA31-791A-9843-976C-3AAFAA5AC07D}" dt="2023-03-04T03:21:31.106" v="3042" actId="20577"/>
+          <ac:spMkLst>
+            <pc:docMk/>
+            <pc:sldMk cId="2776132283" sldId="2739"/>
+            <ac:spMk id="2" creationId="{631AADB6-C88A-D817-4683-FC087E4E240F}"/>
+          </ac:spMkLst>
+        </pc:spChg>
+        <pc:spChg chg="mod">
+          <ac:chgData name="Xin Luo" userId="82312ee5779919a4" providerId="LiveId" clId="{82BFAA31-791A-9843-976C-3AAFAA5AC07D}" dt="2023-03-04T03:45:03.441" v="3776" actId="21"/>
+          <ac:spMkLst>
+            <pc:docMk/>
+            <pc:sldMk cId="2776132283" sldId="2739"/>
+            <ac:spMk id="6" creationId="{6741FEA2-C046-FD82-2800-2CB513792080}"/>
+          </ac:spMkLst>
+        </pc:spChg>
+        <pc:picChg chg="del">
+          <ac:chgData name="Xin Luo" userId="82312ee5779919a4" providerId="LiveId" clId="{82BFAA31-791A-9843-976C-3AAFAA5AC07D}" dt="2023-02-24T09:02:09.130" v="665" actId="478"/>
+          <ac:picMkLst>
+            <pc:docMk/>
+            <pc:sldMk cId="2776132283" sldId="2739"/>
+            <ac:picMk id="2050" creationId="{324F0AC4-07BA-4B3E-1A6B-D49FF0B87AC4}"/>
+          </ac:picMkLst>
+        </pc:picChg>
+      </pc:sldChg>
+      <pc:sldChg chg="delSp modSp add mod">
+        <pc:chgData name="Xin Luo" userId="82312ee5779919a4" providerId="LiveId" clId="{82BFAA31-791A-9843-976C-3AAFAA5AC07D}" dt="2023-02-24T12:42:54.354" v="2196" actId="20577"/>
+        <pc:sldMkLst>
+          <pc:docMk/>
+          <pc:sldMk cId="2510358707" sldId="2740"/>
+        </pc:sldMkLst>
+        <pc:spChg chg="mod">
+          <ac:chgData name="Xin Luo" userId="82312ee5779919a4" providerId="LiveId" clId="{82BFAA31-791A-9843-976C-3AAFAA5AC07D}" dt="2023-02-24T12:39:15.147" v="2006" actId="20577"/>
+          <ac:spMkLst>
+            <pc:docMk/>
+            <pc:sldMk cId="2510358707" sldId="2740"/>
+            <ac:spMk id="2" creationId="{631AADB6-C88A-D817-4683-FC087E4E240F}"/>
+          </ac:spMkLst>
+        </pc:spChg>
+        <pc:spChg chg="del mod">
+          <ac:chgData name="Xin Luo" userId="82312ee5779919a4" providerId="LiveId" clId="{82BFAA31-791A-9843-976C-3AAFAA5AC07D}" dt="2023-02-24T12:26:37.033" v="1934" actId="478"/>
+          <ac:spMkLst>
+            <pc:docMk/>
+            <pc:sldMk cId="2510358707" sldId="2740"/>
+            <ac:spMk id="5" creationId="{D45B97A4-ED20-7E18-1BEF-4A81710B7783}"/>
+          </ac:spMkLst>
+        </pc:spChg>
+        <pc:spChg chg="mod">
+          <ac:chgData name="Xin Luo" userId="82312ee5779919a4" providerId="LiveId" clId="{82BFAA31-791A-9843-976C-3AAFAA5AC07D}" dt="2023-02-24T12:42:54.354" v="2196" actId="20577"/>
+          <ac:spMkLst>
+            <pc:docMk/>
+            <pc:sldMk cId="2510358707" sldId="2740"/>
+            <ac:spMk id="17" creationId="{9E05FFCA-3371-AF5C-381D-71D984055F5A}"/>
+          </ac:spMkLst>
+        </pc:spChg>
+      </pc:sldChg>
+      <pc:sldChg chg="add del">
+        <pc:chgData name="Xin Luo" userId="82312ee5779919a4" providerId="LiveId" clId="{82BFAA31-791A-9843-976C-3AAFAA5AC07D}" dt="2023-02-24T12:26:24.988" v="1931"/>
+        <pc:sldMkLst>
+          <pc:docMk/>
+          <pc:sldMk cId="2028886328" sldId="2741"/>
+        </pc:sldMkLst>
+      </pc:sldChg>
+      <pc:sldChg chg="delSp modSp add mod">
+        <pc:chgData name="Xin Luo" userId="82312ee5779919a4" providerId="LiveId" clId="{82BFAA31-791A-9843-976C-3AAFAA5AC07D}" dt="2023-03-04T15:50:04.739" v="6144" actId="1076"/>
+        <pc:sldMkLst>
+          <pc:docMk/>
+          <pc:sldMk cId="2476237792" sldId="2741"/>
+        </pc:sldMkLst>
+        <pc:spChg chg="del mod">
+          <ac:chgData name="Xin Luo" userId="82312ee5779919a4" providerId="LiveId" clId="{82BFAA31-791A-9843-976C-3AAFAA5AC07D}" dt="2023-03-04T15:49:54.035" v="6137" actId="478"/>
+          <ac:spMkLst>
+            <pc:docMk/>
+            <pc:sldMk cId="2476237792" sldId="2741"/>
+            <ac:spMk id="2" creationId="{631AADB6-C88A-D817-4683-FC087E4E240F}"/>
+          </ac:spMkLst>
+        </pc:spChg>
+        <pc:spChg chg="mod">
+          <ac:chgData name="Xin Luo" userId="82312ee5779919a4" providerId="LiveId" clId="{82BFAA31-791A-9843-976C-3AAFAA5AC07D}" dt="2023-02-24T12:39:25.368" v="2008"/>
+          <ac:spMkLst>
+            <pc:docMk/>
+            <pc:sldMk cId="2476237792" sldId="2741"/>
+            <ac:spMk id="3" creationId="{00000000-0000-0000-0000-000000000000}"/>
+          </ac:spMkLst>
+        </pc:spChg>
+        <pc:spChg chg="mod">
+          <ac:chgData name="Xin Luo" userId="82312ee5779919a4" providerId="LiveId" clId="{82BFAA31-791A-9843-976C-3AAFAA5AC07D}" dt="2023-03-04T15:50:04.739" v="6144" actId="1076"/>
+          <ac:spMkLst>
+            <pc:docMk/>
+            <pc:sldMk cId="2476237792" sldId="2741"/>
+            <ac:spMk id="6" creationId="{6741FEA2-C046-FD82-2800-2CB513792080}"/>
+          </ac:spMkLst>
+        </pc:spChg>
+      </pc:sldChg>
+      <pc:sldChg chg="addSp delSp modSp add mod">
+        <pc:chgData name="Xin Luo" userId="82312ee5779919a4" providerId="LiveId" clId="{82BFAA31-791A-9843-976C-3AAFAA5AC07D}" dt="2023-03-04T03:03:29.776" v="3020" actId="1036"/>
+        <pc:sldMkLst>
+          <pc:docMk/>
+          <pc:sldMk cId="3151170836" sldId="2742"/>
+        </pc:sldMkLst>
+        <pc:spChg chg="mod">
+          <ac:chgData name="Xin Luo" userId="82312ee5779919a4" providerId="LiveId" clId="{82BFAA31-791A-9843-976C-3AAFAA5AC07D}" dt="2023-03-04T02:00:17.248" v="3002" actId="20577"/>
+          <ac:spMkLst>
+            <pc:docMk/>
+            <pc:sldMk cId="3151170836" sldId="2742"/>
+            <ac:spMk id="2" creationId="{631AADB6-C88A-D817-4683-FC087E4E240F}"/>
+          </ac:spMkLst>
+        </pc:spChg>
+        <pc:spChg chg="del">
+          <ac:chgData name="Xin Luo" userId="82312ee5779919a4" providerId="LiveId" clId="{82BFAA31-791A-9843-976C-3AAFAA5AC07D}" dt="2023-03-04T02:01:16.980" v="3004" actId="478"/>
+          <ac:spMkLst>
+            <pc:docMk/>
+            <pc:sldMk cId="3151170836" sldId="2742"/>
+            <ac:spMk id="5" creationId="{78502774-B04C-634F-1396-E5815996BC36}"/>
+          </ac:spMkLst>
+        </pc:spChg>
+        <pc:spChg chg="add mod">
+          <ac:chgData name="Xin Luo" userId="82312ee5779919a4" providerId="LiveId" clId="{82BFAA31-791A-9843-976C-3AAFAA5AC07D}" dt="2023-03-04T03:03:29.776" v="3020" actId="1036"/>
+          <ac:spMkLst>
+            <pc:docMk/>
+            <pc:sldMk cId="3151170836" sldId="2742"/>
+            <ac:spMk id="6" creationId="{FA343B24-C04E-C7D0-D427-DA131ECB74AB}"/>
+          </ac:spMkLst>
+        </pc:spChg>
+        <pc:picChg chg="add del mod">
+          <ac:chgData name="Xin Luo" userId="82312ee5779919a4" providerId="LiveId" clId="{82BFAA31-791A-9843-976C-3AAFAA5AC07D}" dt="2023-03-04T02:04:10.432" v="3011" actId="478"/>
+          <ac:picMkLst>
+            <pc:docMk/>
+            <pc:sldMk cId="3151170836" sldId="2742"/>
+            <ac:picMk id="4" creationId="{5EA5EFD9-CFD1-878E-F82B-E455DCC4FB27}"/>
+          </ac:picMkLst>
+        </pc:picChg>
+        <pc:picChg chg="add mod">
+          <ac:chgData name="Xin Luo" userId="82312ee5779919a4" providerId="LiveId" clId="{82BFAA31-791A-9843-976C-3AAFAA5AC07D}" dt="2023-03-04T03:03:27.642" v="3017" actId="1036"/>
+          <ac:picMkLst>
+            <pc:docMk/>
+            <pc:sldMk cId="3151170836" sldId="2742"/>
+            <ac:picMk id="7" creationId="{3DD36E7D-5F30-A7D7-486A-8D2AC067CE47}"/>
+          </ac:picMkLst>
+        </pc:picChg>
+        <pc:picChg chg="del">
+          <ac:chgData name="Xin Luo" userId="82312ee5779919a4" providerId="LiveId" clId="{82BFAA31-791A-9843-976C-3AAFAA5AC07D}" dt="2023-03-04T02:01:21.181" v="3006" actId="478"/>
+          <ac:picMkLst>
+            <pc:docMk/>
+            <pc:sldMk cId="3151170836" sldId="2742"/>
+            <ac:picMk id="1026" creationId="{75908E15-58DA-73BD-95F9-CACD1B8B9D82}"/>
+          </ac:picMkLst>
+        </pc:picChg>
+        <pc:picChg chg="del">
+          <ac:chgData name="Xin Luo" userId="82312ee5779919a4" providerId="LiveId" clId="{82BFAA31-791A-9843-976C-3AAFAA5AC07D}" dt="2023-03-04T02:01:19.315" v="3005" actId="478"/>
+          <ac:picMkLst>
+            <pc:docMk/>
+            <pc:sldMk cId="3151170836" sldId="2742"/>
+            <ac:picMk id="1028" creationId="{1E2BFB6C-B7E5-CAF9-B8CC-09A5029EC264}"/>
+          </ac:picMkLst>
+        </pc:picChg>
+        <pc:picChg chg="del">
+          <ac:chgData name="Xin Luo" userId="82312ee5779919a4" providerId="LiveId" clId="{82BFAA31-791A-9843-976C-3AAFAA5AC07D}" dt="2023-03-04T02:01:19.315" v="3005" actId="478"/>
+          <ac:picMkLst>
+            <pc:docMk/>
+            <pc:sldMk cId="3151170836" sldId="2742"/>
+            <ac:picMk id="1030" creationId="{CB7EE236-3D18-EC53-3225-10EBB3B4EC77}"/>
+          </ac:picMkLst>
+        </pc:picChg>
+        <pc:picChg chg="del">
+          <ac:chgData name="Xin Luo" userId="82312ee5779919a4" providerId="LiveId" clId="{82BFAA31-791A-9843-976C-3AAFAA5AC07D}" dt="2023-03-04T02:01:19.315" v="3005" actId="478"/>
+          <ac:picMkLst>
+            <pc:docMk/>
+            <pc:sldMk cId="3151170836" sldId="2742"/>
+            <ac:picMk id="1032" creationId="{BFA8C7BD-9CEC-ADA1-21BA-0EE8338C6EA3}"/>
+          </ac:picMkLst>
+        </pc:picChg>
+      </pc:sldChg>
+      <pc:sldChg chg="addSp delSp modSp add mod">
+        <pc:chgData name="Xin Luo" userId="82312ee5779919a4" providerId="LiveId" clId="{82BFAA31-791A-9843-976C-3AAFAA5AC07D}" dt="2023-03-04T03:37:26.975" v="3431" actId="1076"/>
+        <pc:sldMkLst>
+          <pc:docMk/>
+          <pc:sldMk cId="4194482579" sldId="2743"/>
+        </pc:sldMkLst>
+        <pc:spChg chg="add del mod">
+          <ac:chgData name="Xin Luo" userId="82312ee5779919a4" providerId="LiveId" clId="{82BFAA31-791A-9843-976C-3AAFAA5AC07D}" dt="2023-03-04T03:37:26.975" v="3431" actId="1076"/>
+          <ac:spMkLst>
+            <pc:docMk/>
+            <pc:sldMk cId="4194482579" sldId="2743"/>
+            <ac:spMk id="6" creationId="{6741FEA2-C046-FD82-2800-2CB513792080}"/>
+          </ac:spMkLst>
+        </pc:spChg>
+        <pc:picChg chg="del">
+          <ac:chgData name="Xin Luo" userId="82312ee5779919a4" providerId="LiveId" clId="{82BFAA31-791A-9843-976C-3AAFAA5AC07D}" dt="2023-03-04T03:21:59.148" v="3044" actId="478"/>
+          <ac:picMkLst>
+            <pc:docMk/>
+            <pc:sldMk cId="4194482579" sldId="2743"/>
+            <ac:picMk id="2050" creationId="{324F0AC4-07BA-4B3E-1A6B-D49FF0B87AC4}"/>
+          </ac:picMkLst>
+        </pc:picChg>
+      </pc:sldChg>
+      <pc:sldChg chg="addSp delSp modSp add mod">
+        <pc:chgData name="Xin Luo" userId="82312ee5779919a4" providerId="LiveId" clId="{82BFAA31-791A-9843-976C-3AAFAA5AC07D}" dt="2023-03-04T15:11:00.971" v="4794" actId="2711"/>
+        <pc:sldMkLst>
+          <pc:docMk/>
+          <pc:sldMk cId="3883315984" sldId="2744"/>
+        </pc:sldMkLst>
+        <pc:spChg chg="mod">
+          <ac:chgData name="Xin Luo" userId="82312ee5779919a4" providerId="LiveId" clId="{82BFAA31-791A-9843-976C-3AAFAA5AC07D}" dt="2023-03-04T15:08:30.473" v="4619" actId="20577"/>
+          <ac:spMkLst>
+            <pc:docMk/>
+            <pc:sldMk cId="3883315984" sldId="2744"/>
+            <ac:spMk id="17" creationId="{9E05FFCA-3371-AF5C-381D-71D984055F5A}"/>
+          </ac:spMkLst>
+        </pc:spChg>
+        <pc:spChg chg="add mod">
+          <ac:chgData name="Xin Luo" userId="82312ee5779919a4" providerId="LiveId" clId="{82BFAA31-791A-9843-976C-3AAFAA5AC07D}" dt="2023-03-04T15:11:00.971" v="4794" actId="2711"/>
+          <ac:spMkLst>
+            <pc:docMk/>
+            <pc:sldMk cId="3883315984" sldId="2744"/>
+            <ac:spMk id="21" creationId="{E7C93A00-7E31-E000-6BED-292B08A4B198}"/>
+          </ac:spMkLst>
+        </pc:spChg>
+        <pc:picChg chg="add del mod">
+          <ac:chgData name="Xin Luo" userId="82312ee5779919a4" providerId="LiveId" clId="{82BFAA31-791A-9843-976C-3AAFAA5AC07D}" dt="2023-03-04T14:43:12.336" v="4260" actId="478"/>
+          <ac:picMkLst>
+            <pc:docMk/>
+            <pc:sldMk cId="3883315984" sldId="2744"/>
+            <ac:picMk id="5" creationId="{6A29A75C-8731-031C-F586-AB16E9D87EF1}"/>
+          </ac:picMkLst>
+        </pc:picChg>
+        <pc:picChg chg="add del mod">
+          <ac:chgData name="Xin Luo" userId="82312ee5779919a4" providerId="LiveId" clId="{82BFAA31-791A-9843-976C-3AAFAA5AC07D}" dt="2023-03-04T14:43:13.340" v="4261" actId="478"/>
+          <ac:picMkLst>
+            <pc:docMk/>
+            <pc:sldMk cId="3883315984" sldId="2744"/>
+            <ac:picMk id="7" creationId="{56F139B7-CE64-C317-CDCE-ED656E5CE752}"/>
+          </ac:picMkLst>
+        </pc:picChg>
+        <pc:picChg chg="add del mod">
+          <ac:chgData name="Xin Luo" userId="82312ee5779919a4" providerId="LiveId" clId="{82BFAA31-791A-9843-976C-3AAFAA5AC07D}" dt="2023-03-04T14:57:11.977" v="4367" actId="478"/>
+          <ac:picMkLst>
+            <pc:docMk/>
+            <pc:sldMk cId="3883315984" sldId="2744"/>
+            <ac:picMk id="9" creationId="{B93FB35F-20AA-92EB-B0CA-45DF00DB1C48}"/>
+          </ac:picMkLst>
+        </pc:picChg>
+        <pc:picChg chg="add del mod">
+          <ac:chgData name="Xin Luo" userId="82312ee5779919a4" providerId="LiveId" clId="{82BFAA31-791A-9843-976C-3AAFAA5AC07D}" dt="2023-03-04T15:08:25.973" v="4617" actId="478"/>
+          <ac:picMkLst>
+            <pc:docMk/>
+            <pc:sldMk cId="3883315984" sldId="2744"/>
+            <ac:picMk id="11" creationId="{7FFE9DD7-9FAD-B833-34A7-F9D00BB93C74}"/>
+          </ac:picMkLst>
+        </pc:picChg>
+        <pc:picChg chg="add del mod">
+          <ac:chgData name="Xin Luo" userId="82312ee5779919a4" providerId="LiveId" clId="{82BFAA31-791A-9843-976C-3AAFAA5AC07D}" dt="2023-03-04T15:08:26.853" v="4618" actId="478"/>
+          <ac:picMkLst>
+            <pc:docMk/>
+            <pc:sldMk cId="3883315984" sldId="2744"/>
+            <ac:picMk id="13" creationId="{99DA1880-9B80-A24C-3180-693E3B5EE1BF}"/>
+          </ac:picMkLst>
+        </pc:picChg>
+        <pc:picChg chg="add del mod">
+          <ac:chgData name="Xin Luo" userId="82312ee5779919a4" providerId="LiveId" clId="{82BFAA31-791A-9843-976C-3AAFAA5AC07D}" dt="2023-03-04T15:07:19.751" v="4571" actId="478"/>
+          <ac:picMkLst>
+            <pc:docMk/>
+            <pc:sldMk cId="3883315984" sldId="2744"/>
+            <ac:picMk id="15" creationId="{76264687-7C79-E28C-9AC8-4ACC581E6CB9}"/>
+          </ac:picMkLst>
+        </pc:picChg>
+        <pc:picChg chg="add mod">
+          <ac:chgData name="Xin Luo" userId="82312ee5779919a4" providerId="LiveId" clId="{82BFAA31-791A-9843-976C-3AAFAA5AC07D}" dt="2023-03-04T15:09:03.244" v="4634" actId="1076"/>
+          <ac:picMkLst>
+            <pc:docMk/>
+            <pc:sldMk cId="3883315984" sldId="2744"/>
+            <ac:picMk id="18" creationId="{0837DC30-4620-0035-DE40-9319EFBA876D}"/>
+          </ac:picMkLst>
+        </pc:picChg>
+        <pc:picChg chg="add mod">
+          <ac:chgData name="Xin Luo" userId="82312ee5779919a4" providerId="LiveId" clId="{82BFAA31-791A-9843-976C-3AAFAA5AC07D}" dt="2023-03-04T15:09:03.244" v="4634" actId="1076"/>
+          <ac:picMkLst>
+            <pc:docMk/>
+            <pc:sldMk cId="3883315984" sldId="2744"/>
+            <ac:picMk id="20" creationId="{1C80845A-A83F-D903-2B37-F9CB37E4E25A}"/>
+          </ac:picMkLst>
+        </pc:picChg>
+      </pc:sldChg>
+      <pc:sldChg chg="modSp add mod">
+        <pc:chgData name="Xin Luo" userId="82312ee5779919a4" providerId="LiveId" clId="{82BFAA31-791A-9843-976C-3AAFAA5AC07D}" dt="2023-03-04T15:21:58.766" v="5230" actId="1038"/>
+        <pc:sldMkLst>
+          <pc:docMk/>
+          <pc:sldMk cId="3741103209" sldId="2745"/>
+        </pc:sldMkLst>
+        <pc:spChg chg="mod">
+          <ac:chgData name="Xin Luo" userId="82312ee5779919a4" providerId="LiveId" clId="{82BFAA31-791A-9843-976C-3AAFAA5AC07D}" dt="2023-03-04T15:21:58.766" v="5230" actId="1038"/>
+          <ac:spMkLst>
+            <pc:docMk/>
+            <pc:sldMk cId="3741103209" sldId="2745"/>
+            <ac:spMk id="17" creationId="{9E05FFCA-3371-AF5C-381D-71D984055F5A}"/>
+          </ac:spMkLst>
+        </pc:spChg>
+      </pc:sldChg>
+      <pc:sldChg chg="modSp add mod">
+        <pc:chgData name="Xin Luo" userId="82312ee5779919a4" providerId="LiveId" clId="{82BFAA31-791A-9843-976C-3AAFAA5AC07D}" dt="2023-03-04T15:08:22.005" v="4615" actId="1035"/>
+        <pc:sldMkLst>
+          <pc:docMk/>
+          <pc:sldMk cId="322086101" sldId="2746"/>
+        </pc:sldMkLst>
+        <pc:spChg chg="mod">
+          <ac:chgData name="Xin Luo" userId="82312ee5779919a4" providerId="LiveId" clId="{82BFAA31-791A-9843-976C-3AAFAA5AC07D}" dt="2023-03-04T15:07:51.391" v="4588" actId="20577"/>
+          <ac:spMkLst>
+            <pc:docMk/>
+            <pc:sldMk cId="322086101" sldId="2746"/>
+            <ac:spMk id="17" creationId="{9E05FFCA-3371-AF5C-381D-71D984055F5A}"/>
+          </ac:spMkLst>
+        </pc:spChg>
+        <pc:picChg chg="mod">
+          <ac:chgData name="Xin Luo" userId="82312ee5779919a4" providerId="LiveId" clId="{82BFAA31-791A-9843-976C-3AAFAA5AC07D}" dt="2023-03-04T15:08:22.005" v="4615" actId="1035"/>
+          <ac:picMkLst>
+            <pc:docMk/>
+            <pc:sldMk cId="322086101" sldId="2746"/>
+            <ac:picMk id="11" creationId="{7FFE9DD7-9FAD-B833-34A7-F9D00BB93C74}"/>
+          </ac:picMkLst>
+        </pc:picChg>
+        <pc:picChg chg="mod">
+          <ac:chgData name="Xin Luo" userId="82312ee5779919a4" providerId="LiveId" clId="{82BFAA31-791A-9843-976C-3AAFAA5AC07D}" dt="2023-03-04T15:08:22.005" v="4615" actId="1035"/>
+          <ac:picMkLst>
+            <pc:docMk/>
+            <pc:sldMk cId="322086101" sldId="2746"/>
+            <ac:picMk id="13" creationId="{99DA1880-9B80-A24C-3180-693E3B5EE1BF}"/>
+          </ac:picMkLst>
+        </pc:picChg>
+      </pc:sldChg>
+      <pc:sldChg chg="addSp modSp add mod">
+        <pc:chgData name="Xin Luo" userId="82312ee5779919a4" providerId="LiveId" clId="{82BFAA31-791A-9843-976C-3AAFAA5AC07D}" dt="2023-03-04T15:26:46.366" v="5547" actId="1076"/>
+        <pc:sldMkLst>
+          <pc:docMk/>
+          <pc:sldMk cId="2920839983" sldId="2747"/>
+        </pc:sldMkLst>
+        <pc:spChg chg="mod">
+          <ac:chgData name="Xin Luo" userId="82312ee5779919a4" providerId="LiveId" clId="{82BFAA31-791A-9843-976C-3AAFAA5AC07D}" dt="2023-03-04T15:26:37.013" v="5544" actId="1076"/>
+          <ac:spMkLst>
+            <pc:docMk/>
+            <pc:sldMk cId="2920839983" sldId="2747"/>
+            <ac:spMk id="17" creationId="{9E05FFCA-3371-AF5C-381D-71D984055F5A}"/>
+          </ac:spMkLst>
+        </pc:spChg>
+        <pc:picChg chg="add mod">
+          <ac:chgData name="Xin Luo" userId="82312ee5779919a4" providerId="LiveId" clId="{82BFAA31-791A-9843-976C-3AAFAA5AC07D}" dt="2023-03-04T15:26:46.366" v="5547" actId="1076"/>
+          <ac:picMkLst>
+            <pc:docMk/>
+            <pc:sldMk cId="2920839983" sldId="2747"/>
+            <ac:picMk id="5" creationId="{4B5D1AA6-D397-9A79-221A-E20C2E9E5B76}"/>
+          </ac:picMkLst>
+        </pc:picChg>
+      </pc:sldChg>
+      <pc:sldChg chg="addSp delSp modSp add mod">
+        <pc:chgData name="Xin Luo" userId="82312ee5779919a4" providerId="LiveId" clId="{82BFAA31-791A-9843-976C-3AAFAA5AC07D}" dt="2023-03-04T15:46:20.499" v="5952" actId="1582"/>
+        <pc:sldMkLst>
+          <pc:docMk/>
+          <pc:sldMk cId="2081473989" sldId="2748"/>
+        </pc:sldMkLst>
+        <pc:spChg chg="add del">
+          <ac:chgData name="Xin Luo" userId="82312ee5779919a4" providerId="LiveId" clId="{82BFAA31-791A-9843-976C-3AAFAA5AC07D}" dt="2023-03-04T15:37:10.804" v="5659" actId="22"/>
+          <ac:spMkLst>
+            <pc:docMk/>
+            <pc:sldMk cId="2081473989" sldId="2748"/>
+            <ac:spMk id="6" creationId="{82D7925B-E2FA-6C82-149E-D49FD97901D4}"/>
+          </ac:spMkLst>
+        </pc:spChg>
+        <pc:spChg chg="add mod">
+          <ac:chgData name="Xin Luo" userId="82312ee5779919a4" providerId="LiveId" clId="{82BFAA31-791A-9843-976C-3AAFAA5AC07D}" dt="2023-03-04T15:45:35.826" v="5941" actId="1076"/>
+          <ac:spMkLst>
+            <pc:docMk/>
+            <pc:sldMk cId="2081473989" sldId="2748"/>
+            <ac:spMk id="15" creationId="{DAE75BEB-15B0-6AD3-FEA5-24688F0C9399}"/>
+          </ac:spMkLst>
+        </pc:spChg>
+        <pc:spChg chg="add mod">
+          <ac:chgData name="Xin Luo" userId="82312ee5779919a4" providerId="LiveId" clId="{82BFAA31-791A-9843-976C-3AAFAA5AC07D}" dt="2023-03-04T15:46:20.499" v="5952" actId="1582"/>
+          <ac:spMkLst>
+            <pc:docMk/>
+            <pc:sldMk cId="2081473989" sldId="2748"/>
+            <ac:spMk id="16" creationId="{011A1F98-9159-4FE6-698D-1B0B7EFC1F4C}"/>
+          </ac:spMkLst>
+        </pc:spChg>
+        <pc:spChg chg="mod">
+          <ac:chgData name="Xin Luo" userId="82312ee5779919a4" providerId="LiveId" clId="{82BFAA31-791A-9843-976C-3AAFAA5AC07D}" dt="2023-03-04T15:28:15.646" v="5654" actId="20577"/>
+          <ac:spMkLst>
+            <pc:docMk/>
+            <pc:sldMk cId="2081473989" sldId="2748"/>
+            <ac:spMk id="17" creationId="{9E05FFCA-3371-AF5C-381D-71D984055F5A}"/>
+          </ac:spMkLst>
+        </pc:spChg>
+        <pc:picChg chg="del mod">
+          <ac:chgData name="Xin Luo" userId="82312ee5779919a4" providerId="LiveId" clId="{82BFAA31-791A-9843-976C-3AAFAA5AC07D}" dt="2023-03-04T15:37:06.482" v="5657" actId="478"/>
+          <ac:picMkLst>
+            <pc:docMk/>
+            <pc:sldMk cId="2081473989" sldId="2748"/>
+            <ac:picMk id="5" creationId="{4B5D1AA6-D397-9A79-221A-E20C2E9E5B76}"/>
+          </ac:picMkLst>
+        </pc:picChg>
+        <pc:picChg chg="add mod">
+          <ac:chgData name="Xin Luo" userId="82312ee5779919a4" providerId="LiveId" clId="{82BFAA31-791A-9843-976C-3AAFAA5AC07D}" dt="2023-03-04T15:45:05.183" v="5929" actId="1036"/>
+          <ac:picMkLst>
+            <pc:docMk/>
+            <pc:sldMk cId="2081473989" sldId="2748"/>
+            <ac:picMk id="8" creationId="{79143EB1-6171-6D6B-E065-52F98AD03CCA}"/>
+          </ac:picMkLst>
+        </pc:picChg>
+        <pc:picChg chg="add del mod">
+          <ac:chgData name="Xin Luo" userId="82312ee5779919a4" providerId="LiveId" clId="{82BFAA31-791A-9843-976C-3AAFAA5AC07D}" dt="2023-03-04T15:45:07.251" v="5930" actId="478"/>
+          <ac:picMkLst>
+            <pc:docMk/>
+            <pc:sldMk cId="2081473989" sldId="2748"/>
+            <ac:picMk id="10" creationId="{30790A72-1A1F-A99B-2602-70052914B570}"/>
+          </ac:picMkLst>
+        </pc:picChg>
+        <pc:picChg chg="add mod">
+          <ac:chgData name="Xin Luo" userId="82312ee5779919a4" providerId="LiveId" clId="{82BFAA31-791A-9843-976C-3AAFAA5AC07D}" dt="2023-03-04T15:45:33.555" v="5940" actId="1076"/>
+          <ac:picMkLst>
+            <pc:docMk/>
+            <pc:sldMk cId="2081473989" sldId="2748"/>
+            <ac:picMk id="12" creationId="{CD5784D5-D55B-B02C-C48B-B4566A95D7A5}"/>
+          </ac:picMkLst>
+        </pc:picChg>
+        <pc:picChg chg="add del mod">
+          <ac:chgData name="Xin Luo" userId="82312ee5779919a4" providerId="LiveId" clId="{82BFAA31-791A-9843-976C-3AAFAA5AC07D}" dt="2023-03-04T15:45:23.214" v="5937"/>
+          <ac:picMkLst>
+            <pc:docMk/>
+            <pc:sldMk cId="2081473989" sldId="2748"/>
+            <ac:picMk id="14" creationId="{5DFB8C07-8D07-8D50-004D-9E3F08E7DE84}"/>
+          </ac:picMkLst>
+        </pc:picChg>
+      </pc:sldChg>
+      <pc:sldChg chg="addSp delSp modSp add mod">
+        <pc:chgData name="Xin Luo" userId="82312ee5779919a4" providerId="LiveId" clId="{82BFAA31-791A-9843-976C-3AAFAA5AC07D}" dt="2023-03-04T15:48:59.888" v="6079" actId="1076"/>
+        <pc:sldMkLst>
+          <pc:docMk/>
+          <pc:sldMk cId="1994915307" sldId="2749"/>
+        </pc:sldMkLst>
+        <pc:spChg chg="mod">
+          <ac:chgData name="Xin Luo" userId="82312ee5779919a4" providerId="LiveId" clId="{82BFAA31-791A-9843-976C-3AAFAA5AC07D}" dt="2023-03-04T15:48:51.612" v="6078" actId="20577"/>
+          <ac:spMkLst>
+            <pc:docMk/>
+            <pc:sldMk cId="1994915307" sldId="2749"/>
+            <ac:spMk id="17" creationId="{9E05FFCA-3371-AF5C-381D-71D984055F5A}"/>
+          </ac:spMkLst>
+        </pc:spChg>
+        <pc:picChg chg="add del mod">
+          <ac:chgData name="Xin Luo" userId="82312ee5779919a4" providerId="LiveId" clId="{82BFAA31-791A-9843-976C-3AAFAA5AC07D}" dt="2023-03-04T15:38:11.661" v="5720" actId="478"/>
+          <ac:picMkLst>
+            <pc:docMk/>
+            <pc:sldMk cId="1994915307" sldId="2749"/>
+            <ac:picMk id="5" creationId="{EA1C2F80-6A2A-D60C-9FB3-F25B1C6511A4}"/>
+          </ac:picMkLst>
+        </pc:picChg>
+        <pc:picChg chg="add mod">
+          <ac:chgData name="Xin Luo" userId="82312ee5779919a4" providerId="LiveId" clId="{82BFAA31-791A-9843-976C-3AAFAA5AC07D}" dt="2023-03-04T15:48:59.888" v="6079" actId="1076"/>
+          <ac:picMkLst>
+            <pc:docMk/>
+            <pc:sldMk cId="1994915307" sldId="2749"/>
+            <ac:picMk id="7" creationId="{FBCB15A5-92D2-31A6-9C98-86B1AA96537C}"/>
+          </ac:picMkLst>
+        </pc:picChg>
+        <pc:picChg chg="add mod">
+          <ac:chgData name="Xin Luo" userId="82312ee5779919a4" providerId="LiveId" clId="{82BFAA31-791A-9843-976C-3AAFAA5AC07D}" dt="2023-03-04T15:48:59.888" v="6079" actId="1076"/>
+          <ac:picMkLst>
+            <pc:docMk/>
+            <pc:sldMk cId="1994915307" sldId="2749"/>
+            <ac:picMk id="9" creationId="{6773422F-41A1-CECC-4339-862D5F305E78}"/>
+          </ac:picMkLst>
+        </pc:picChg>
+      </pc:sldChg>
+      <pc:sldChg chg="addSp delSp modSp add mod">
+        <pc:chgData name="Xin Luo" userId="82312ee5779919a4" providerId="LiveId" clId="{82BFAA31-791A-9843-976C-3AAFAA5AC07D}" dt="2023-03-04T15:43:09.927" v="5903" actId="1035"/>
+        <pc:sldMkLst>
+          <pc:docMk/>
+          <pc:sldMk cId="202264030" sldId="2750"/>
+        </pc:sldMkLst>
+        <pc:spChg chg="add mod">
+          <ac:chgData name="Xin Luo" userId="82312ee5779919a4" providerId="LiveId" clId="{82BFAA31-791A-9843-976C-3AAFAA5AC07D}" dt="2023-03-04T15:43:09.927" v="5903" actId="1035"/>
+          <ac:spMkLst>
+            <pc:docMk/>
+            <pc:sldMk cId="202264030" sldId="2750"/>
+            <ac:spMk id="9" creationId="{D732F9A9-4A61-8CFE-4FB6-79B6EB588A79}"/>
+          </ac:spMkLst>
+        </pc:spChg>
+        <pc:spChg chg="mod">
+          <ac:chgData name="Xin Luo" userId="82312ee5779919a4" providerId="LiveId" clId="{82BFAA31-791A-9843-976C-3AAFAA5AC07D}" dt="2023-03-04T15:40:49.611" v="5818" actId="14100"/>
+          <ac:spMkLst>
+            <pc:docMk/>
+            <pc:sldMk cId="202264030" sldId="2750"/>
+            <ac:spMk id="17" creationId="{9E05FFCA-3371-AF5C-381D-71D984055F5A}"/>
+          </ac:spMkLst>
+        </pc:spChg>
+        <pc:picChg chg="add mod">
+          <ac:chgData name="Xin Luo" userId="82312ee5779919a4" providerId="LiveId" clId="{82BFAA31-791A-9843-976C-3AAFAA5AC07D}" dt="2023-03-04T15:43:09.927" v="5903" actId="1035"/>
+          <ac:picMkLst>
+            <pc:docMk/>
+            <pc:sldMk cId="202264030" sldId="2750"/>
+            <ac:picMk id="5" creationId="{9BBBBD8B-688B-710D-3D8D-BFDFD56DB232}"/>
+          </ac:picMkLst>
+        </pc:picChg>
+        <pc:picChg chg="del">
+          <ac:chgData name="Xin Luo" userId="82312ee5779919a4" providerId="LiveId" clId="{82BFAA31-791A-9843-976C-3AAFAA5AC07D}" dt="2023-03-04T15:38:51.044" v="5743" actId="478"/>
+          <ac:picMkLst>
+            <pc:docMk/>
+            <pc:sldMk cId="202264030" sldId="2750"/>
+            <ac:picMk id="7" creationId="{FBCB15A5-92D2-31A6-9C98-86B1AA96537C}"/>
+          </ac:picMkLst>
+        </pc:picChg>
+        <pc:picChg chg="add mod">
+          <ac:chgData name="Xin Luo" userId="82312ee5779919a4" providerId="LiveId" clId="{82BFAA31-791A-9843-976C-3AAFAA5AC07D}" dt="2023-03-04T15:43:09.927" v="5903" actId="1035"/>
+          <ac:picMkLst>
+            <pc:docMk/>
+            <pc:sldMk cId="202264030" sldId="2750"/>
+            <ac:picMk id="8" creationId="{B765428C-F39A-9703-24D3-B125CFA04483}"/>
+          </ac:picMkLst>
+        </pc:picChg>
+      </pc:sldChg>
+      <pc:sldChg chg="add del">
+        <pc:chgData name="Xin Luo" userId="82312ee5779919a4" providerId="LiveId" clId="{82BFAA31-791A-9843-976C-3AAFAA5AC07D}" dt="2023-03-04T15:46:42.673" v="5956" actId="2696"/>
+        <pc:sldMkLst>
+          <pc:docMk/>
+          <pc:sldMk cId="1628918360" sldId="2751"/>
+        </pc:sldMkLst>
       </pc:sldChg>
     </pc:docChg>
   </pc:docChgLst>
@@ -3347,6 +5493,350 @@
     </pc:docChg>
   </pc:docChgLst>
   <pc:docChgLst>
+    <pc:chgData name="Xin Luo" userId="82312ee5779919a4" providerId="LiveId" clId="{23920C8D-EBCE-A347-9C82-C14316D20539}"/>
+    <pc:docChg chg="undo custSel addSld modSld">
+      <pc:chgData name="Xin Luo" userId="82312ee5779919a4" providerId="LiveId" clId="{23920C8D-EBCE-A347-9C82-C14316D20539}" dt="2022-10-26T12:19:06.428" v="501" actId="767"/>
+      <pc:docMkLst>
+        <pc:docMk/>
+      </pc:docMkLst>
+      <pc:sldChg chg="modSp mod">
+        <pc:chgData name="Xin Luo" userId="82312ee5779919a4" providerId="LiveId" clId="{23920C8D-EBCE-A347-9C82-C14316D20539}" dt="2022-10-10T01:06:29.261" v="368" actId="404"/>
+        <pc:sldMkLst>
+          <pc:docMk/>
+          <pc:sldMk cId="1576120367" sldId="2387"/>
+        </pc:sldMkLst>
+        <pc:spChg chg="mod">
+          <ac:chgData name="Xin Luo" userId="82312ee5779919a4" providerId="LiveId" clId="{23920C8D-EBCE-A347-9C82-C14316D20539}" dt="2022-10-10T01:06:29.261" v="368" actId="404"/>
+          <ac:spMkLst>
+            <pc:docMk/>
+            <pc:sldMk cId="1576120367" sldId="2387"/>
+            <ac:spMk id="10" creationId="{00000000-0000-0000-0000-000000000000}"/>
+          </ac:spMkLst>
+        </pc:spChg>
+        <pc:spChg chg="mod">
+          <ac:chgData name="Xin Luo" userId="82312ee5779919a4" providerId="LiveId" clId="{23920C8D-EBCE-A347-9C82-C14316D20539}" dt="2022-10-10T01:06:13.262" v="366" actId="403"/>
+          <ac:spMkLst>
+            <pc:docMk/>
+            <pc:sldMk cId="1576120367" sldId="2387"/>
+            <ac:spMk id="12" creationId="{00000000-0000-0000-0000-000000000000}"/>
+          </ac:spMkLst>
+        </pc:spChg>
+        <pc:spChg chg="mod">
+          <ac:chgData name="Xin Luo" userId="82312ee5779919a4" providerId="LiveId" clId="{23920C8D-EBCE-A347-9C82-C14316D20539}" dt="2022-10-10T01:06:29.261" v="368" actId="404"/>
+          <ac:spMkLst>
+            <pc:docMk/>
+            <pc:sldMk cId="1576120367" sldId="2387"/>
+            <ac:spMk id="13" creationId="{00000000-0000-0000-0000-000000000000}"/>
+          </ac:spMkLst>
+        </pc:spChg>
+        <pc:spChg chg="mod">
+          <ac:chgData name="Xin Luo" userId="82312ee5779919a4" providerId="LiveId" clId="{23920C8D-EBCE-A347-9C82-C14316D20539}" dt="2022-10-10T01:06:13.262" v="366" actId="403"/>
+          <ac:spMkLst>
+            <pc:docMk/>
+            <pc:sldMk cId="1576120367" sldId="2387"/>
+            <ac:spMk id="14" creationId="{00000000-0000-0000-0000-000000000000}"/>
+          </ac:spMkLst>
+        </pc:spChg>
+        <pc:spChg chg="mod">
+          <ac:chgData name="Xin Luo" userId="82312ee5779919a4" providerId="LiveId" clId="{23920C8D-EBCE-A347-9C82-C14316D20539}" dt="2022-10-10T01:06:29.261" v="368" actId="404"/>
+          <ac:spMkLst>
+            <pc:docMk/>
+            <pc:sldMk cId="1576120367" sldId="2387"/>
+            <ac:spMk id="15" creationId="{00000000-0000-0000-0000-000000000000}"/>
+          </ac:spMkLst>
+        </pc:spChg>
+        <pc:spChg chg="mod">
+          <ac:chgData name="Xin Luo" userId="82312ee5779919a4" providerId="LiveId" clId="{23920C8D-EBCE-A347-9C82-C14316D20539}" dt="2022-10-10T01:06:19.369" v="367" actId="14100"/>
+          <ac:spMkLst>
+            <pc:docMk/>
+            <pc:sldMk cId="1576120367" sldId="2387"/>
+            <ac:spMk id="16" creationId="{00000000-0000-0000-0000-000000000000}"/>
+          </ac:spMkLst>
+        </pc:spChg>
+      </pc:sldChg>
+      <pc:sldChg chg="modSp mod">
+        <pc:chgData name="Xin Luo" userId="82312ee5779919a4" providerId="LiveId" clId="{23920C8D-EBCE-A347-9C82-C14316D20539}" dt="2022-10-10T01:06:39.449" v="369" actId="403"/>
+        <pc:sldMkLst>
+          <pc:docMk/>
+          <pc:sldMk cId="2415901206" sldId="2447"/>
+        </pc:sldMkLst>
+        <pc:spChg chg="mod">
+          <ac:chgData name="Xin Luo" userId="82312ee5779919a4" providerId="LiveId" clId="{23920C8D-EBCE-A347-9C82-C14316D20539}" dt="2022-10-10T01:06:39.449" v="369" actId="403"/>
+          <ac:spMkLst>
+            <pc:docMk/>
+            <pc:sldMk cId="2415901206" sldId="2447"/>
+            <ac:spMk id="7" creationId="{00000000-0000-0000-0000-000000000000}"/>
+          </ac:spMkLst>
+        </pc:spChg>
+      </pc:sldChg>
+      <pc:sldChg chg="addSp delSp modSp mod">
+        <pc:chgData name="Xin Luo" userId="82312ee5779919a4" providerId="LiveId" clId="{23920C8D-EBCE-A347-9C82-C14316D20539}" dt="2022-10-26T11:18:20.490" v="500"/>
+        <pc:sldMkLst>
+          <pc:docMk/>
+          <pc:sldMk cId="2689840772" sldId="2604"/>
+        </pc:sldMkLst>
+        <pc:spChg chg="mod">
+          <ac:chgData name="Xin Luo" userId="82312ee5779919a4" providerId="LiveId" clId="{23920C8D-EBCE-A347-9C82-C14316D20539}" dt="2022-10-26T11:18:14.630" v="497" actId="1038"/>
+          <ac:spMkLst>
+            <pc:docMk/>
+            <pc:sldMk cId="2689840772" sldId="2604"/>
+            <ac:spMk id="2" creationId="{DB381E7B-A050-4BE4-6756-9B64308C74D7}"/>
+          </ac:spMkLst>
+        </pc:spChg>
+        <pc:spChg chg="del mod">
+          <ac:chgData name="Xin Luo" userId="82312ee5779919a4" providerId="LiveId" clId="{23920C8D-EBCE-A347-9C82-C14316D20539}" dt="2022-10-10T00:58:26.498" v="9" actId="478"/>
+          <ac:spMkLst>
+            <pc:docMk/>
+            <pc:sldMk cId="2689840772" sldId="2604"/>
+            <ac:spMk id="3" creationId="{00000000-0000-0000-0000-000000000000}"/>
+          </ac:spMkLst>
+        </pc:spChg>
+        <pc:spChg chg="add del mod">
+          <ac:chgData name="Xin Luo" userId="82312ee5779919a4" providerId="LiveId" clId="{23920C8D-EBCE-A347-9C82-C14316D20539}" dt="2022-10-26T11:18:20.490" v="500"/>
+          <ac:spMkLst>
+            <pc:docMk/>
+            <pc:sldMk cId="2689840772" sldId="2604"/>
+            <ac:spMk id="3" creationId="{0AC6D251-AEF6-35BE-71D5-DE25EAD72977}"/>
+          </ac:spMkLst>
+        </pc:spChg>
+        <pc:spChg chg="add mod">
+          <ac:chgData name="Xin Luo" userId="82312ee5779919a4" providerId="LiveId" clId="{23920C8D-EBCE-A347-9C82-C14316D20539}" dt="2022-10-10T01:03:50.909" v="356" actId="20577"/>
+          <ac:spMkLst>
+            <pc:docMk/>
+            <pc:sldMk cId="2689840772" sldId="2604"/>
+            <ac:spMk id="4" creationId="{5B949F23-92C2-3ACE-AE9A-58F8C8D7AB52}"/>
+          </ac:spMkLst>
+        </pc:spChg>
+      </pc:sldChg>
+      <pc:sldChg chg="modSp mod">
+        <pc:chgData name="Xin Luo" userId="82312ee5779919a4" providerId="LiveId" clId="{23920C8D-EBCE-A347-9C82-C14316D20539}" dt="2022-10-25T11:53:23.523" v="402" actId="207"/>
+        <pc:sldMkLst>
+          <pc:docMk/>
+          <pc:sldMk cId="1392274363" sldId="2606"/>
+        </pc:sldMkLst>
+        <pc:spChg chg="mod">
+          <ac:chgData name="Xin Luo" userId="82312ee5779919a4" providerId="LiveId" clId="{23920C8D-EBCE-A347-9C82-C14316D20539}" dt="2022-10-10T01:08:08.448" v="392" actId="20577"/>
+          <ac:spMkLst>
+            <pc:docMk/>
+            <pc:sldMk cId="1392274363" sldId="2606"/>
+            <ac:spMk id="35" creationId="{2CBBD54C-A0C4-CFAB-2A67-F8BF299D28F5}"/>
+          </ac:spMkLst>
+        </pc:spChg>
+        <pc:spChg chg="mod">
+          <ac:chgData name="Xin Luo" userId="82312ee5779919a4" providerId="LiveId" clId="{23920C8D-EBCE-A347-9C82-C14316D20539}" dt="2022-10-25T11:53:23.523" v="402" actId="207"/>
+          <ac:spMkLst>
+            <pc:docMk/>
+            <pc:sldMk cId="1392274363" sldId="2606"/>
+            <ac:spMk id="42" creationId="{E4B07DDE-AB89-2B16-6B7A-2142621DE6F5}"/>
+          </ac:spMkLst>
+        </pc:spChg>
+      </pc:sldChg>
+      <pc:sldChg chg="modSp mod">
+        <pc:chgData name="Xin Luo" userId="82312ee5779919a4" providerId="LiveId" clId="{23920C8D-EBCE-A347-9C82-C14316D20539}" dt="2022-10-25T12:03:26.240" v="414" actId="14100"/>
+        <pc:sldMkLst>
+          <pc:docMk/>
+          <pc:sldMk cId="292605530" sldId="2607"/>
+        </pc:sldMkLst>
+        <pc:spChg chg="mod">
+          <ac:chgData name="Xin Luo" userId="82312ee5779919a4" providerId="LiveId" clId="{23920C8D-EBCE-A347-9C82-C14316D20539}" dt="2022-10-25T12:03:26.240" v="414" actId="14100"/>
+          <ac:spMkLst>
+            <pc:docMk/>
+            <pc:sldMk cId="292605530" sldId="2607"/>
+            <ac:spMk id="18" creationId="{8399C9E7-13B6-1DAF-F5BF-4471E8528C5F}"/>
+          </ac:spMkLst>
+        </pc:spChg>
+      </pc:sldChg>
+      <pc:sldChg chg="modSp mod">
+        <pc:chgData name="Xin Luo" userId="82312ee5779919a4" providerId="LiveId" clId="{23920C8D-EBCE-A347-9C82-C14316D20539}" dt="2022-10-25T12:09:03.730" v="478" actId="1036"/>
+        <pc:sldMkLst>
+          <pc:docMk/>
+          <pc:sldMk cId="2780969545" sldId="2609"/>
+        </pc:sldMkLst>
+        <pc:spChg chg="mod">
+          <ac:chgData name="Xin Luo" userId="82312ee5779919a4" providerId="LiveId" clId="{23920C8D-EBCE-A347-9C82-C14316D20539}" dt="2022-10-25T12:08:56.496" v="469" actId="115"/>
+          <ac:spMkLst>
+            <pc:docMk/>
+            <pc:sldMk cId="2780969545" sldId="2609"/>
+            <ac:spMk id="6" creationId="{2D1A6305-FF43-CF53-224A-B6D4901EAB0F}"/>
+          </ac:spMkLst>
+        </pc:spChg>
+        <pc:spChg chg="mod">
+          <ac:chgData name="Xin Luo" userId="82312ee5779919a4" providerId="LiveId" clId="{23920C8D-EBCE-A347-9C82-C14316D20539}" dt="2022-10-25T12:09:03.730" v="478" actId="1036"/>
+          <ac:spMkLst>
+            <pc:docMk/>
+            <pc:sldMk cId="2780969545" sldId="2609"/>
+            <ac:spMk id="11" creationId="{63EAC848-88D2-7A10-E878-444ADA855E23}"/>
+          </ac:spMkLst>
+        </pc:spChg>
+        <pc:spChg chg="mod">
+          <ac:chgData name="Xin Luo" userId="82312ee5779919a4" providerId="LiveId" clId="{23920C8D-EBCE-A347-9C82-C14316D20539}" dt="2022-10-25T12:09:03.730" v="478" actId="1036"/>
+          <ac:spMkLst>
+            <pc:docMk/>
+            <pc:sldMk cId="2780969545" sldId="2609"/>
+            <ac:spMk id="12" creationId="{BED7A820-9D6E-7E7E-A906-8A9424528316}"/>
+          </ac:spMkLst>
+        </pc:spChg>
+        <pc:spChg chg="mod">
+          <ac:chgData name="Xin Luo" userId="82312ee5779919a4" providerId="LiveId" clId="{23920C8D-EBCE-A347-9C82-C14316D20539}" dt="2022-10-25T12:09:03.730" v="478" actId="1036"/>
+          <ac:spMkLst>
+            <pc:docMk/>
+            <pc:sldMk cId="2780969545" sldId="2609"/>
+            <ac:spMk id="20" creationId="{87EC125B-CB98-6914-1633-6697471A2CB4}"/>
+          </ac:spMkLst>
+        </pc:spChg>
+        <pc:spChg chg="mod">
+          <ac:chgData name="Xin Luo" userId="82312ee5779919a4" providerId="LiveId" clId="{23920C8D-EBCE-A347-9C82-C14316D20539}" dt="2022-10-25T12:09:03.730" v="478" actId="1036"/>
+          <ac:spMkLst>
+            <pc:docMk/>
+            <pc:sldMk cId="2780969545" sldId="2609"/>
+            <ac:spMk id="21" creationId="{0AF67847-7DEF-CDAB-6208-0271BFB4FB06}"/>
+          </ac:spMkLst>
+        </pc:spChg>
+        <pc:spChg chg="mod">
+          <ac:chgData name="Xin Luo" userId="82312ee5779919a4" providerId="LiveId" clId="{23920C8D-EBCE-A347-9C82-C14316D20539}" dt="2022-10-25T12:09:03.730" v="478" actId="1036"/>
+          <ac:spMkLst>
+            <pc:docMk/>
+            <pc:sldMk cId="2780969545" sldId="2609"/>
+            <ac:spMk id="23" creationId="{0011846D-F543-398E-85CB-0AB0A842928A}"/>
+          </ac:spMkLst>
+        </pc:spChg>
+        <pc:spChg chg="mod">
+          <ac:chgData name="Xin Luo" userId="82312ee5779919a4" providerId="LiveId" clId="{23920C8D-EBCE-A347-9C82-C14316D20539}" dt="2022-10-25T12:09:03.730" v="478" actId="1036"/>
+          <ac:spMkLst>
+            <pc:docMk/>
+            <pc:sldMk cId="2780969545" sldId="2609"/>
+            <ac:spMk id="24" creationId="{37B5D87E-7419-7CC0-91CC-8A0807F0F999}"/>
+          </ac:spMkLst>
+        </pc:spChg>
+        <pc:spChg chg="mod">
+          <ac:chgData name="Xin Luo" userId="82312ee5779919a4" providerId="LiveId" clId="{23920C8D-EBCE-A347-9C82-C14316D20539}" dt="2022-10-25T12:09:03.730" v="478" actId="1036"/>
+          <ac:spMkLst>
+            <pc:docMk/>
+            <pc:sldMk cId="2780969545" sldId="2609"/>
+            <ac:spMk id="25" creationId="{4745244D-B431-F067-4A97-7CC4387296FB}"/>
+          </ac:spMkLst>
+        </pc:spChg>
+        <pc:spChg chg="mod">
+          <ac:chgData name="Xin Luo" userId="82312ee5779919a4" providerId="LiveId" clId="{23920C8D-EBCE-A347-9C82-C14316D20539}" dt="2022-10-25T12:09:03.730" v="478" actId="1036"/>
+          <ac:spMkLst>
+            <pc:docMk/>
+            <pc:sldMk cId="2780969545" sldId="2609"/>
+            <ac:spMk id="26" creationId="{FB9C53DE-8D1F-6DF4-8CE3-3A262A9F8737}"/>
+          </ac:spMkLst>
+        </pc:spChg>
+        <pc:picChg chg="mod">
+          <ac:chgData name="Xin Luo" userId="82312ee5779919a4" providerId="LiveId" clId="{23920C8D-EBCE-A347-9C82-C14316D20539}" dt="2022-10-25T12:09:03.730" v="478" actId="1036"/>
+          <ac:picMkLst>
+            <pc:docMk/>
+            <pc:sldMk cId="2780969545" sldId="2609"/>
+            <ac:picMk id="4" creationId="{49B7ACC6-6794-9162-52B2-E80F7E4B0442}"/>
+          </ac:picMkLst>
+        </pc:picChg>
+        <pc:picChg chg="mod">
+          <ac:chgData name="Xin Luo" userId="82312ee5779919a4" providerId="LiveId" clId="{23920C8D-EBCE-A347-9C82-C14316D20539}" dt="2022-10-25T12:09:03.730" v="478" actId="1036"/>
+          <ac:picMkLst>
+            <pc:docMk/>
+            <pc:sldMk cId="2780969545" sldId="2609"/>
+            <ac:picMk id="7" creationId="{42FD45A0-A9EA-D518-41B5-21FA7A24BA60}"/>
+          </ac:picMkLst>
+        </pc:picChg>
+        <pc:picChg chg="mod">
+          <ac:chgData name="Xin Luo" userId="82312ee5779919a4" providerId="LiveId" clId="{23920C8D-EBCE-A347-9C82-C14316D20539}" dt="2022-10-25T12:09:03.730" v="478" actId="1036"/>
+          <ac:picMkLst>
+            <pc:docMk/>
+            <pc:sldMk cId="2780969545" sldId="2609"/>
+            <ac:picMk id="10" creationId="{C2B12388-3179-41F8-2462-0C9BA14093FF}"/>
+          </ac:picMkLst>
+        </pc:picChg>
+        <pc:picChg chg="mod">
+          <ac:chgData name="Xin Luo" userId="82312ee5779919a4" providerId="LiveId" clId="{23920C8D-EBCE-A347-9C82-C14316D20539}" dt="2022-10-25T12:09:03.730" v="478" actId="1036"/>
+          <ac:picMkLst>
+            <pc:docMk/>
+            <pc:sldMk cId="2780969545" sldId="2609"/>
+            <ac:picMk id="7170" creationId="{A3C33C8C-6841-03A7-574F-E161D6BA2409}"/>
+          </ac:picMkLst>
+        </pc:picChg>
+        <pc:cxnChg chg="mod">
+          <ac:chgData name="Xin Luo" userId="82312ee5779919a4" providerId="LiveId" clId="{23920C8D-EBCE-A347-9C82-C14316D20539}" dt="2022-10-25T12:09:03.730" v="478" actId="1036"/>
+          <ac:cxnSpMkLst>
+            <pc:docMk/>
+            <pc:sldMk cId="2780969545" sldId="2609"/>
+            <ac:cxnSpMk id="9" creationId="{FD972B84-6C44-171E-8256-D2A04F01B0C9}"/>
+          </ac:cxnSpMkLst>
+        </pc:cxnChg>
+        <pc:cxnChg chg="mod">
+          <ac:chgData name="Xin Luo" userId="82312ee5779919a4" providerId="LiveId" clId="{23920C8D-EBCE-A347-9C82-C14316D20539}" dt="2022-10-25T12:09:03.730" v="478" actId="1036"/>
+          <ac:cxnSpMkLst>
+            <pc:docMk/>
+            <pc:sldMk cId="2780969545" sldId="2609"/>
+            <ac:cxnSpMk id="16" creationId="{612BCBDC-DECE-5090-7C5B-6492FF4CE722}"/>
+          </ac:cxnSpMkLst>
+        </pc:cxnChg>
+        <pc:cxnChg chg="mod">
+          <ac:chgData name="Xin Luo" userId="82312ee5779919a4" providerId="LiveId" clId="{23920C8D-EBCE-A347-9C82-C14316D20539}" dt="2022-10-25T12:09:03.730" v="478" actId="1036"/>
+          <ac:cxnSpMkLst>
+            <pc:docMk/>
+            <pc:sldMk cId="2780969545" sldId="2609"/>
+            <ac:cxnSpMk id="17" creationId="{AF045F09-2718-C456-D477-E816A43885FF}"/>
+          </ac:cxnSpMkLst>
+        </pc:cxnChg>
+        <pc:cxnChg chg="mod">
+          <ac:chgData name="Xin Luo" userId="82312ee5779919a4" providerId="LiveId" clId="{23920C8D-EBCE-A347-9C82-C14316D20539}" dt="2022-10-25T12:09:03.730" v="478" actId="1036"/>
+          <ac:cxnSpMkLst>
+            <pc:docMk/>
+            <pc:sldMk cId="2780969545" sldId="2609"/>
+            <ac:cxnSpMk id="28" creationId="{6C11ADF7-6234-2989-2798-F5AAD5EDE3BF}"/>
+          </ac:cxnSpMkLst>
+        </pc:cxnChg>
+      </pc:sldChg>
+      <pc:sldChg chg="modSp mod">
+        <pc:chgData name="Xin Luo" userId="82312ee5779919a4" providerId="LiveId" clId="{23920C8D-EBCE-A347-9C82-C14316D20539}" dt="2022-10-26T02:56:58.658" v="480" actId="207"/>
+        <pc:sldMkLst>
+          <pc:docMk/>
+          <pc:sldMk cId="63705705" sldId="2612"/>
+        </pc:sldMkLst>
+        <pc:spChg chg="mod">
+          <ac:chgData name="Xin Luo" userId="82312ee5779919a4" providerId="LiveId" clId="{23920C8D-EBCE-A347-9C82-C14316D20539}" dt="2022-10-26T02:56:58.658" v="480" actId="207"/>
+          <ac:spMkLst>
+            <pc:docMk/>
+            <pc:sldMk cId="63705705" sldId="2612"/>
+            <ac:spMk id="63" creationId="{6400CC45-5050-7ACD-CE08-CC6D7000A1DA}"/>
+          </ac:spMkLst>
+        </pc:spChg>
+      </pc:sldChg>
+      <pc:sldChg chg="addSp modSp">
+        <pc:chgData name="Xin Luo" userId="82312ee5779919a4" providerId="LiveId" clId="{23920C8D-EBCE-A347-9C82-C14316D20539}" dt="2022-10-26T12:19:06.428" v="501" actId="767"/>
+        <pc:sldMkLst>
+          <pc:docMk/>
+          <pc:sldMk cId="963926578" sldId="2613"/>
+        </pc:sldMkLst>
+        <pc:spChg chg="add mod">
+          <ac:chgData name="Xin Luo" userId="82312ee5779919a4" providerId="LiveId" clId="{23920C8D-EBCE-A347-9C82-C14316D20539}" dt="2022-10-26T12:19:06.428" v="501" actId="767"/>
+          <ac:spMkLst>
+            <pc:docMk/>
+            <pc:sldMk cId="963926578" sldId="2613"/>
+            <ac:spMk id="2" creationId="{5F7683B3-77E0-69A9-94AE-FF04E7249325}"/>
+          </ac:spMkLst>
+        </pc:spChg>
+      </pc:sldChg>
+      <pc:sldChg chg="modSp add mod">
+        <pc:chgData name="Xin Luo" userId="82312ee5779919a4" providerId="LiveId" clId="{23920C8D-EBCE-A347-9C82-C14316D20539}" dt="2022-10-10T01:06:02.902" v="365" actId="403"/>
+        <pc:sldMkLst>
+          <pc:docMk/>
+          <pc:sldMk cId="2358282757" sldId="2714"/>
+        </pc:sldMkLst>
+        <pc:spChg chg="mod">
+          <ac:chgData name="Xin Luo" userId="82312ee5779919a4" providerId="LiveId" clId="{23920C8D-EBCE-A347-9C82-C14316D20539}" dt="2022-10-10T01:06:02.902" v="365" actId="403"/>
+          <ac:spMkLst>
+            <pc:docMk/>
+            <pc:sldMk cId="2358282757" sldId="2714"/>
+            <ac:spMk id="2" creationId="{DB381E7B-A050-4BE4-6756-9B64308C74D7}"/>
+          </ac:spMkLst>
+        </pc:spChg>
+      </pc:sldChg>
+    </pc:docChg>
+  </pc:docChgLst>
+  <pc:docChgLst>
     <pc:chgData name="Xin Luo" userId="82312ee5779919a4" providerId="LiveId" clId="{4DB6C473-8E57-A543-81F7-48BE109E8C13}"/>
     <pc:docChg chg="undo custSel addSld delSld modSld sldOrd delMainMaster">
       <pc:chgData name="Xin Luo" userId="82312ee5779919a4" providerId="LiveId" clId="{4DB6C473-8E57-A543-81F7-48BE109E8C13}" dt="2023-02-21T15:10:04.498" v="5724" actId="108"/>
@@ -4412,2150 +6902,6 @@
           </pc:sldLayoutMkLst>
         </pc:sldLayoutChg>
       </pc:sldMasterChg>
-    </pc:docChg>
-  </pc:docChgLst>
-  <pc:docChgLst>
-    <pc:chgData name="Xin Luo" userId="82312ee5779919a4" providerId="LiveId" clId="{9DD00C57-1E20-5F45-A5A7-A6F833EE305E}"/>
-    <pc:docChg chg="custSel delSld modSld">
-      <pc:chgData name="Xin Luo" userId="82312ee5779919a4" providerId="LiveId" clId="{9DD00C57-1E20-5F45-A5A7-A6F833EE305E}" dt="2024-04-05T07:56:38.877" v="69" actId="2696"/>
-      <pc:docMkLst>
-        <pc:docMk/>
-      </pc:docMkLst>
-      <pc:sldChg chg="del">
-        <pc:chgData name="Xin Luo" userId="82312ee5779919a4" providerId="LiveId" clId="{9DD00C57-1E20-5F45-A5A7-A6F833EE305E}" dt="2024-04-05T07:51:34.265" v="18" actId="2696"/>
-        <pc:sldMkLst>
-          <pc:docMk/>
-          <pc:sldMk cId="4067577602" sldId="2605"/>
-        </pc:sldMkLst>
-      </pc:sldChg>
-      <pc:sldChg chg="modSp mod">
-        <pc:chgData name="Xin Luo" userId="82312ee5779919a4" providerId="LiveId" clId="{9DD00C57-1E20-5F45-A5A7-A6F833EE305E}" dt="2024-04-05T07:42:36.104" v="17" actId="5793"/>
-        <pc:sldMkLst>
-          <pc:docMk/>
-          <pc:sldMk cId="1658607177" sldId="2708"/>
-        </pc:sldMkLst>
-        <pc:spChg chg="mod">
-          <ac:chgData name="Xin Luo" userId="82312ee5779919a4" providerId="LiveId" clId="{9DD00C57-1E20-5F45-A5A7-A6F833EE305E}" dt="2024-04-05T07:42:36.104" v="17" actId="5793"/>
-          <ac:spMkLst>
-            <pc:docMk/>
-            <pc:sldMk cId="1658607177" sldId="2708"/>
-            <ac:spMk id="24" creationId="{00000000-0000-0000-0000-000000000000}"/>
-          </ac:spMkLst>
-        </pc:spChg>
-      </pc:sldChg>
-      <pc:sldChg chg="modSp mod">
-        <pc:chgData name="Xin Luo" userId="82312ee5779919a4" providerId="LiveId" clId="{9DD00C57-1E20-5F45-A5A7-A6F833EE305E}" dt="2024-04-05T07:52:08.536" v="62" actId="20577"/>
-        <pc:sldMkLst>
-          <pc:docMk/>
-          <pc:sldMk cId="481122590" sldId="2709"/>
-        </pc:sldMkLst>
-        <pc:spChg chg="mod">
-          <ac:chgData name="Xin Luo" userId="82312ee5779919a4" providerId="LiveId" clId="{9DD00C57-1E20-5F45-A5A7-A6F833EE305E}" dt="2024-04-05T07:52:08.536" v="62" actId="20577"/>
-          <ac:spMkLst>
-            <pc:docMk/>
-            <pc:sldMk cId="481122590" sldId="2709"/>
-            <ac:spMk id="7" creationId="{00000000-0000-0000-0000-000000000000}"/>
-          </ac:spMkLst>
-        </pc:spChg>
-      </pc:sldChg>
-      <pc:sldChg chg="del">
-        <pc:chgData name="Xin Luo" userId="82312ee5779919a4" providerId="LiveId" clId="{9DD00C57-1E20-5F45-A5A7-A6F833EE305E}" dt="2024-04-05T07:51:35.106" v="19" actId="2696"/>
-        <pc:sldMkLst>
-          <pc:docMk/>
-          <pc:sldMk cId="655142816" sldId="2737"/>
-        </pc:sldMkLst>
-      </pc:sldChg>
-      <pc:sldChg chg="del">
-        <pc:chgData name="Xin Luo" userId="82312ee5779919a4" providerId="LiveId" clId="{9DD00C57-1E20-5F45-A5A7-A6F833EE305E}" dt="2024-04-05T07:56:34.386" v="63" actId="2696"/>
-        <pc:sldMkLst>
-          <pc:docMk/>
-          <pc:sldMk cId="4156684215" sldId="2738"/>
-        </pc:sldMkLst>
-      </pc:sldChg>
-      <pc:sldChg chg="del">
-        <pc:chgData name="Xin Luo" userId="82312ee5779919a4" providerId="LiveId" clId="{9DD00C57-1E20-5F45-A5A7-A6F833EE305E}" dt="2024-04-05T07:56:38.877" v="69" actId="2696"/>
-        <pc:sldMkLst>
-          <pc:docMk/>
-          <pc:sldMk cId="2776132283" sldId="2739"/>
-        </pc:sldMkLst>
-      </pc:sldChg>
-      <pc:sldChg chg="del">
-        <pc:chgData name="Xin Luo" userId="82312ee5779919a4" providerId="LiveId" clId="{9DD00C57-1E20-5F45-A5A7-A6F833EE305E}" dt="2024-04-05T07:51:37.161" v="20" actId="2696"/>
-        <pc:sldMkLst>
-          <pc:docMk/>
-          <pc:sldMk cId="3151170836" sldId="2742"/>
-        </pc:sldMkLst>
-      </pc:sldChg>
-      <pc:sldChg chg="del">
-        <pc:chgData name="Xin Luo" userId="82312ee5779919a4" providerId="LiveId" clId="{9DD00C57-1E20-5F45-A5A7-A6F833EE305E}" dt="2024-04-05T07:56:34.962" v="64" actId="2696"/>
-        <pc:sldMkLst>
-          <pc:docMk/>
-          <pc:sldMk cId="738332523" sldId="2751"/>
-        </pc:sldMkLst>
-      </pc:sldChg>
-      <pc:sldChg chg="del">
-        <pc:chgData name="Xin Luo" userId="82312ee5779919a4" providerId="LiveId" clId="{9DD00C57-1E20-5F45-A5A7-A6F833EE305E}" dt="2024-04-05T07:56:35.443" v="65" actId="2696"/>
-        <pc:sldMkLst>
-          <pc:docMk/>
-          <pc:sldMk cId="3189639985" sldId="2752"/>
-        </pc:sldMkLst>
-      </pc:sldChg>
-      <pc:sldChg chg="del">
-        <pc:chgData name="Xin Luo" userId="82312ee5779919a4" providerId="LiveId" clId="{9DD00C57-1E20-5F45-A5A7-A6F833EE305E}" dt="2024-04-05T07:56:35.917" v="66" actId="2696"/>
-        <pc:sldMkLst>
-          <pc:docMk/>
-          <pc:sldMk cId="2878944048" sldId="2753"/>
-        </pc:sldMkLst>
-      </pc:sldChg>
-      <pc:sldChg chg="del">
-        <pc:chgData name="Xin Luo" userId="82312ee5779919a4" providerId="LiveId" clId="{9DD00C57-1E20-5F45-A5A7-A6F833EE305E}" dt="2024-04-05T07:56:36.696" v="67" actId="2696"/>
-        <pc:sldMkLst>
-          <pc:docMk/>
-          <pc:sldMk cId="2927474256" sldId="2754"/>
-        </pc:sldMkLst>
-      </pc:sldChg>
-      <pc:sldChg chg="del">
-        <pc:chgData name="Xin Luo" userId="82312ee5779919a4" providerId="LiveId" clId="{9DD00C57-1E20-5F45-A5A7-A6F833EE305E}" dt="2024-04-05T07:56:37.562" v="68" actId="2696"/>
-        <pc:sldMkLst>
-          <pc:docMk/>
-          <pc:sldMk cId="3593416967" sldId="2755"/>
-        </pc:sldMkLst>
-      </pc:sldChg>
-    </pc:docChg>
-  </pc:docChgLst>
-  <pc:docChgLst>
-    <pc:chgData name="Xin Luo" userId="82312ee5779919a4" providerId="LiveId" clId="{82BFAA31-791A-9843-976C-3AAFAA5AC07D}"/>
-    <pc:docChg chg="undo custSel addSld delSld modSld">
-      <pc:chgData name="Xin Luo" userId="82312ee5779919a4" providerId="LiveId" clId="{82BFAA31-791A-9843-976C-3AAFAA5AC07D}" dt="2023-03-05T13:50:34.172" v="6224" actId="1035"/>
-      <pc:docMkLst>
-        <pc:docMk/>
-      </pc:docMkLst>
-      <pc:sldChg chg="modSp mod">
-        <pc:chgData name="Xin Luo" userId="82312ee5779919a4" providerId="LiveId" clId="{82BFAA31-791A-9843-976C-3AAFAA5AC07D}" dt="2023-03-04T01:58:49.501" v="2918" actId="20577"/>
-        <pc:sldMkLst>
-          <pc:docMk/>
-          <pc:sldMk cId="4067577602" sldId="2605"/>
-        </pc:sldMkLst>
-        <pc:spChg chg="mod">
-          <ac:chgData name="Xin Luo" userId="82312ee5779919a4" providerId="LiveId" clId="{82BFAA31-791A-9843-976C-3AAFAA5AC07D}" dt="2023-03-04T01:58:49.501" v="2918" actId="20577"/>
-          <ac:spMkLst>
-            <pc:docMk/>
-            <pc:sldMk cId="4067577602" sldId="2605"/>
-            <ac:spMk id="5" creationId="{78502774-B04C-634F-1396-E5815996BC36}"/>
-          </ac:spMkLst>
-        </pc:spChg>
-      </pc:sldChg>
-      <pc:sldChg chg="addSp delSp modSp mod">
-        <pc:chgData name="Xin Luo" userId="82312ee5779919a4" providerId="LiveId" clId="{82BFAA31-791A-9843-976C-3AAFAA5AC07D}" dt="2023-03-04T03:17:04.154" v="3027" actId="20577"/>
-        <pc:sldMkLst>
-          <pc:docMk/>
-          <pc:sldMk cId="3833073590" sldId="2716"/>
-        </pc:sldMkLst>
-        <pc:spChg chg="mod">
-          <ac:chgData name="Xin Luo" userId="82312ee5779919a4" providerId="LiveId" clId="{82BFAA31-791A-9843-976C-3AAFAA5AC07D}" dt="2023-02-24T03:06:08.550" v="104" actId="20577"/>
-          <ac:spMkLst>
-            <pc:docMk/>
-            <pc:sldMk cId="3833073590" sldId="2716"/>
-            <ac:spMk id="2" creationId="{631AADB6-C88A-D817-4683-FC087E4E240F}"/>
-          </ac:spMkLst>
-        </pc:spChg>
-        <pc:spChg chg="del">
-          <ac:chgData name="Xin Luo" userId="82312ee5779919a4" providerId="LiveId" clId="{82BFAA31-791A-9843-976C-3AAFAA5AC07D}" dt="2023-02-24T03:02:42.862" v="33" actId="478"/>
-          <ac:spMkLst>
-            <pc:docMk/>
-            <pc:sldMk cId="3833073590" sldId="2716"/>
-            <ac:spMk id="5" creationId="{9F4AEA98-0C33-E82A-EB75-839D0F0B55A4}"/>
-          </ac:spMkLst>
-        </pc:spChg>
-        <pc:spChg chg="add mod">
-          <ac:chgData name="Xin Luo" userId="82312ee5779919a4" providerId="LiveId" clId="{82BFAA31-791A-9843-976C-3AAFAA5AC07D}" dt="2023-03-04T03:17:04.154" v="3027" actId="20577"/>
-          <ac:spMkLst>
-            <pc:docMk/>
-            <pc:sldMk cId="3833073590" sldId="2716"/>
-            <ac:spMk id="6" creationId="{6741FEA2-C046-FD82-2800-2CB513792080}"/>
-          </ac:spMkLst>
-        </pc:spChg>
-        <pc:picChg chg="add del">
-          <ac:chgData name="Xin Luo" userId="82312ee5779919a4" providerId="LiveId" clId="{82BFAA31-791A-9843-976C-3AAFAA5AC07D}" dt="2023-02-24T03:02:42.862" v="33" actId="478"/>
-          <ac:picMkLst>
-            <pc:docMk/>
-            <pc:sldMk cId="3833073590" sldId="2716"/>
-            <ac:picMk id="1026" creationId="{37EB6838-2807-43B3-E78E-EF1353DBEC4D}"/>
-          </ac:picMkLst>
-        </pc:picChg>
-        <pc:picChg chg="add del mod">
-          <ac:chgData name="Xin Luo" userId="82312ee5779919a4" providerId="LiveId" clId="{82BFAA31-791A-9843-976C-3AAFAA5AC07D}" dt="2023-02-24T03:03:49.502" v="38" actId="478"/>
-          <ac:picMkLst>
-            <pc:docMk/>
-            <pc:sldMk cId="3833073590" sldId="2716"/>
-            <ac:picMk id="1028" creationId="{0060DCE3-4593-4CBE-2C1A-12A7D72C453A}"/>
-          </ac:picMkLst>
-        </pc:picChg>
-        <pc:picChg chg="add del mod">
-          <ac:chgData name="Xin Luo" userId="82312ee5779919a4" providerId="LiveId" clId="{82BFAA31-791A-9843-976C-3AAFAA5AC07D}" dt="2023-03-04T03:16:57.384" v="3023" actId="14100"/>
-          <ac:picMkLst>
-            <pc:docMk/>
-            <pc:sldMk cId="3833073590" sldId="2716"/>
-            <ac:picMk id="1030" creationId="{C93DB76E-C02F-05AC-2014-674F7E808ADA}"/>
-          </ac:picMkLst>
-        </pc:picChg>
-      </pc:sldChg>
-      <pc:sldChg chg="addSp delSp modSp mod">
-        <pc:chgData name="Xin Luo" userId="82312ee5779919a4" providerId="LiveId" clId="{82BFAA31-791A-9843-976C-3AAFAA5AC07D}" dt="2023-02-24T08:50:06.402" v="585" actId="20577"/>
-        <pc:sldMkLst>
-          <pc:docMk/>
-          <pc:sldMk cId="972163772" sldId="2720"/>
-        </pc:sldMkLst>
-        <pc:spChg chg="mod">
-          <ac:chgData name="Xin Luo" userId="82312ee5779919a4" providerId="LiveId" clId="{82BFAA31-791A-9843-976C-3AAFAA5AC07D}" dt="2023-02-24T08:50:06.402" v="585" actId="20577"/>
-          <ac:spMkLst>
-            <pc:docMk/>
-            <pc:sldMk cId="972163772" sldId="2720"/>
-            <ac:spMk id="7" creationId="{00000000-0000-0000-0000-000000000000}"/>
-          </ac:spMkLst>
-        </pc:spChg>
-        <pc:picChg chg="add del">
-          <ac:chgData name="Xin Luo" userId="82312ee5779919a4" providerId="LiveId" clId="{82BFAA31-791A-9843-976C-3AAFAA5AC07D}" dt="2023-02-24T08:47:42.881" v="485"/>
-          <ac:picMkLst>
-            <pc:docMk/>
-            <pc:sldMk cId="972163772" sldId="2720"/>
-            <ac:picMk id="3074" creationId="{C4128BB6-F8FE-667B-1E3D-38360E7E0C3C}"/>
-          </ac:picMkLst>
-        </pc:picChg>
-      </pc:sldChg>
-      <pc:sldChg chg="addSp delSp modSp mod">
-        <pc:chgData name="Xin Luo" userId="82312ee5779919a4" providerId="LiveId" clId="{82BFAA31-791A-9843-976C-3AAFAA5AC07D}" dt="2023-02-24T13:00:34.955" v="2586" actId="1036"/>
-        <pc:sldMkLst>
-          <pc:docMk/>
-          <pc:sldMk cId="2689695864" sldId="2721"/>
-        </pc:sldMkLst>
-        <pc:spChg chg="mod">
-          <ac:chgData name="Xin Luo" userId="82312ee5779919a4" providerId="LiveId" clId="{82BFAA31-791A-9843-976C-3AAFAA5AC07D}" dt="2023-02-24T13:00:34.955" v="2586" actId="1036"/>
-          <ac:spMkLst>
-            <pc:docMk/>
-            <pc:sldMk cId="2689695864" sldId="2721"/>
-            <ac:spMk id="2" creationId="{631AADB6-C88A-D817-4683-FC087E4E240F}"/>
-          </ac:spMkLst>
-        </pc:spChg>
-        <pc:spChg chg="mod">
-          <ac:chgData name="Xin Luo" userId="82312ee5779919a4" providerId="LiveId" clId="{82BFAA31-791A-9843-976C-3AAFAA5AC07D}" dt="2023-02-24T08:50:21.921" v="586"/>
-          <ac:spMkLst>
-            <pc:docMk/>
-            <pc:sldMk cId="2689695864" sldId="2721"/>
-            <ac:spMk id="3" creationId="{00000000-0000-0000-0000-000000000000}"/>
-          </ac:spMkLst>
-        </pc:spChg>
-        <pc:spChg chg="add del mod">
-          <ac:chgData name="Xin Luo" userId="82312ee5779919a4" providerId="LiveId" clId="{82BFAA31-791A-9843-976C-3AAFAA5AC07D}" dt="2023-02-24T12:38:43.360" v="1999" actId="478"/>
-          <ac:spMkLst>
-            <pc:docMk/>
-            <pc:sldMk cId="2689695864" sldId="2721"/>
-            <ac:spMk id="5" creationId="{D45B97A4-ED20-7E18-1BEF-4A81710B7783}"/>
-          </ac:spMkLst>
-        </pc:spChg>
-        <pc:spChg chg="mod">
-          <ac:chgData name="Xin Luo" userId="82312ee5779919a4" providerId="LiveId" clId="{82BFAA31-791A-9843-976C-3AAFAA5AC07D}" dt="2023-02-24T13:00:31.975" v="2582" actId="1036"/>
-          <ac:spMkLst>
-            <pc:docMk/>
-            <pc:sldMk cId="2689695864" sldId="2721"/>
-            <ac:spMk id="17" creationId="{9E05FFCA-3371-AF5C-381D-71D984055F5A}"/>
-          </ac:spMkLst>
-        </pc:spChg>
-      </pc:sldChg>
-      <pc:sldChg chg="modSp add del mod">
-        <pc:chgData name="Xin Luo" userId="82312ee5779919a4" providerId="LiveId" clId="{82BFAA31-791A-9843-976C-3AAFAA5AC07D}" dt="2023-03-05T13:50:34.172" v="6224" actId="1035"/>
-        <pc:sldMkLst>
-          <pc:docMk/>
-          <pc:sldMk cId="1209572041" sldId="2722"/>
-        </pc:sldMkLst>
-        <pc:spChg chg="mod">
-          <ac:chgData name="Xin Luo" userId="82312ee5779919a4" providerId="LiveId" clId="{82BFAA31-791A-9843-976C-3AAFAA5AC07D}" dt="2023-03-04T15:50:28.639" v="6152" actId="20577"/>
-          <ac:spMkLst>
-            <pc:docMk/>
-            <pc:sldMk cId="1209572041" sldId="2722"/>
-            <ac:spMk id="11" creationId="{53A7E693-8098-76C4-CD5D-47166ABEB164}"/>
-          </ac:spMkLst>
-        </pc:spChg>
-        <pc:spChg chg="mod">
-          <ac:chgData name="Xin Luo" userId="82312ee5779919a4" providerId="LiveId" clId="{82BFAA31-791A-9843-976C-3AAFAA5AC07D}" dt="2023-03-05T13:50:34.172" v="6224" actId="1035"/>
-          <ac:spMkLst>
-            <pc:docMk/>
-            <pc:sldMk cId="1209572041" sldId="2722"/>
-            <ac:spMk id="13" creationId="{303BC878-BC57-D350-27A3-F03AE48213AC}"/>
-          </ac:spMkLst>
-        </pc:spChg>
-      </pc:sldChg>
-      <pc:sldChg chg="add del">
-        <pc:chgData name="Xin Luo" userId="82312ee5779919a4" providerId="LiveId" clId="{82BFAA31-791A-9843-976C-3AAFAA5AC07D}" dt="2023-03-04T02:01:30.300" v="3010" actId="2696"/>
-        <pc:sldMkLst>
-          <pc:docMk/>
-          <pc:sldMk cId="2179406886" sldId="2724"/>
-        </pc:sldMkLst>
-      </pc:sldChg>
-      <pc:sldChg chg="addSp delSp modSp add mod">
-        <pc:chgData name="Xin Luo" userId="82312ee5779919a4" providerId="LiveId" clId="{82BFAA31-791A-9843-976C-3AAFAA5AC07D}" dt="2023-03-04T03:20:48.887" v="3034" actId="1036"/>
-        <pc:sldMkLst>
-          <pc:docMk/>
-          <pc:sldMk cId="4156684215" sldId="2738"/>
-        </pc:sldMkLst>
-        <pc:spChg chg="mod">
-          <ac:chgData name="Xin Luo" userId="82312ee5779919a4" providerId="LiveId" clId="{82BFAA31-791A-9843-976C-3AAFAA5AC07D}" dt="2023-02-24T07:02:55.789" v="157" actId="20577"/>
-          <ac:spMkLst>
-            <pc:docMk/>
-            <pc:sldMk cId="4156684215" sldId="2738"/>
-            <ac:spMk id="2" creationId="{631AADB6-C88A-D817-4683-FC087E4E240F}"/>
-          </ac:spMkLst>
-        </pc:spChg>
-        <pc:spChg chg="add del mod">
-          <ac:chgData name="Xin Luo" userId="82312ee5779919a4" providerId="LiveId" clId="{82BFAA31-791A-9843-976C-3AAFAA5AC07D}" dt="2023-03-04T03:20:48.887" v="3034" actId="1036"/>
-          <ac:spMkLst>
-            <pc:docMk/>
-            <pc:sldMk cId="4156684215" sldId="2738"/>
-            <ac:spMk id="6" creationId="{6741FEA2-C046-FD82-2800-2CB513792080}"/>
-          </ac:spMkLst>
-        </pc:spChg>
-        <pc:picChg chg="del mod">
-          <ac:chgData name="Xin Luo" userId="82312ee5779919a4" providerId="LiveId" clId="{82BFAA31-791A-9843-976C-3AAFAA5AC07D}" dt="2023-02-24T07:03:01.663" v="158" actId="478"/>
-          <ac:picMkLst>
-            <pc:docMk/>
-            <pc:sldMk cId="4156684215" sldId="2738"/>
-            <ac:picMk id="1030" creationId="{C93DB76E-C02F-05AC-2014-674F7E808ADA}"/>
-          </ac:picMkLst>
-        </pc:picChg>
-        <pc:picChg chg="add del mod">
-          <ac:chgData name="Xin Luo" userId="82312ee5779919a4" providerId="LiveId" clId="{82BFAA31-791A-9843-976C-3AAFAA5AC07D}" dt="2023-03-04T03:20:37.844" v="3030" actId="14100"/>
-          <ac:picMkLst>
-            <pc:docMk/>
-            <pc:sldMk cId="4156684215" sldId="2738"/>
-            <ac:picMk id="2050" creationId="{324F0AC4-07BA-4B3E-1A6B-D49FF0B87AC4}"/>
-          </ac:picMkLst>
-        </pc:picChg>
-      </pc:sldChg>
-      <pc:sldChg chg="delSp modSp add mod">
-        <pc:chgData name="Xin Luo" userId="82312ee5779919a4" providerId="LiveId" clId="{82BFAA31-791A-9843-976C-3AAFAA5AC07D}" dt="2023-03-04T03:45:03.441" v="3776" actId="21"/>
-        <pc:sldMkLst>
-          <pc:docMk/>
-          <pc:sldMk cId="2776132283" sldId="2739"/>
-        </pc:sldMkLst>
-        <pc:spChg chg="mod">
-          <ac:chgData name="Xin Luo" userId="82312ee5779919a4" providerId="LiveId" clId="{82BFAA31-791A-9843-976C-3AAFAA5AC07D}" dt="2023-03-04T03:21:31.106" v="3042" actId="20577"/>
-          <ac:spMkLst>
-            <pc:docMk/>
-            <pc:sldMk cId="2776132283" sldId="2739"/>
-            <ac:spMk id="2" creationId="{631AADB6-C88A-D817-4683-FC087E4E240F}"/>
-          </ac:spMkLst>
-        </pc:spChg>
-        <pc:spChg chg="mod">
-          <ac:chgData name="Xin Luo" userId="82312ee5779919a4" providerId="LiveId" clId="{82BFAA31-791A-9843-976C-3AAFAA5AC07D}" dt="2023-03-04T03:45:03.441" v="3776" actId="21"/>
-          <ac:spMkLst>
-            <pc:docMk/>
-            <pc:sldMk cId="2776132283" sldId="2739"/>
-            <ac:spMk id="6" creationId="{6741FEA2-C046-FD82-2800-2CB513792080}"/>
-          </ac:spMkLst>
-        </pc:spChg>
-        <pc:picChg chg="del">
-          <ac:chgData name="Xin Luo" userId="82312ee5779919a4" providerId="LiveId" clId="{82BFAA31-791A-9843-976C-3AAFAA5AC07D}" dt="2023-02-24T09:02:09.130" v="665" actId="478"/>
-          <ac:picMkLst>
-            <pc:docMk/>
-            <pc:sldMk cId="2776132283" sldId="2739"/>
-            <ac:picMk id="2050" creationId="{324F0AC4-07BA-4B3E-1A6B-D49FF0B87AC4}"/>
-          </ac:picMkLst>
-        </pc:picChg>
-      </pc:sldChg>
-      <pc:sldChg chg="delSp modSp add mod">
-        <pc:chgData name="Xin Luo" userId="82312ee5779919a4" providerId="LiveId" clId="{82BFAA31-791A-9843-976C-3AAFAA5AC07D}" dt="2023-02-24T12:42:54.354" v="2196" actId="20577"/>
-        <pc:sldMkLst>
-          <pc:docMk/>
-          <pc:sldMk cId="2510358707" sldId="2740"/>
-        </pc:sldMkLst>
-        <pc:spChg chg="mod">
-          <ac:chgData name="Xin Luo" userId="82312ee5779919a4" providerId="LiveId" clId="{82BFAA31-791A-9843-976C-3AAFAA5AC07D}" dt="2023-02-24T12:39:15.147" v="2006" actId="20577"/>
-          <ac:spMkLst>
-            <pc:docMk/>
-            <pc:sldMk cId="2510358707" sldId="2740"/>
-            <ac:spMk id="2" creationId="{631AADB6-C88A-D817-4683-FC087E4E240F}"/>
-          </ac:spMkLst>
-        </pc:spChg>
-        <pc:spChg chg="del mod">
-          <ac:chgData name="Xin Luo" userId="82312ee5779919a4" providerId="LiveId" clId="{82BFAA31-791A-9843-976C-3AAFAA5AC07D}" dt="2023-02-24T12:26:37.033" v="1934" actId="478"/>
-          <ac:spMkLst>
-            <pc:docMk/>
-            <pc:sldMk cId="2510358707" sldId="2740"/>
-            <ac:spMk id="5" creationId="{D45B97A4-ED20-7E18-1BEF-4A81710B7783}"/>
-          </ac:spMkLst>
-        </pc:spChg>
-        <pc:spChg chg="mod">
-          <ac:chgData name="Xin Luo" userId="82312ee5779919a4" providerId="LiveId" clId="{82BFAA31-791A-9843-976C-3AAFAA5AC07D}" dt="2023-02-24T12:42:54.354" v="2196" actId="20577"/>
-          <ac:spMkLst>
-            <pc:docMk/>
-            <pc:sldMk cId="2510358707" sldId="2740"/>
-            <ac:spMk id="17" creationId="{9E05FFCA-3371-AF5C-381D-71D984055F5A}"/>
-          </ac:spMkLst>
-        </pc:spChg>
-      </pc:sldChg>
-      <pc:sldChg chg="add del">
-        <pc:chgData name="Xin Luo" userId="82312ee5779919a4" providerId="LiveId" clId="{82BFAA31-791A-9843-976C-3AAFAA5AC07D}" dt="2023-02-24T12:26:24.988" v="1931"/>
-        <pc:sldMkLst>
-          <pc:docMk/>
-          <pc:sldMk cId="2028886328" sldId="2741"/>
-        </pc:sldMkLst>
-      </pc:sldChg>
-      <pc:sldChg chg="delSp modSp add mod">
-        <pc:chgData name="Xin Luo" userId="82312ee5779919a4" providerId="LiveId" clId="{82BFAA31-791A-9843-976C-3AAFAA5AC07D}" dt="2023-03-04T15:50:04.739" v="6144" actId="1076"/>
-        <pc:sldMkLst>
-          <pc:docMk/>
-          <pc:sldMk cId="2476237792" sldId="2741"/>
-        </pc:sldMkLst>
-        <pc:spChg chg="del mod">
-          <ac:chgData name="Xin Luo" userId="82312ee5779919a4" providerId="LiveId" clId="{82BFAA31-791A-9843-976C-3AAFAA5AC07D}" dt="2023-03-04T15:49:54.035" v="6137" actId="478"/>
-          <ac:spMkLst>
-            <pc:docMk/>
-            <pc:sldMk cId="2476237792" sldId="2741"/>
-            <ac:spMk id="2" creationId="{631AADB6-C88A-D817-4683-FC087E4E240F}"/>
-          </ac:spMkLst>
-        </pc:spChg>
-        <pc:spChg chg="mod">
-          <ac:chgData name="Xin Luo" userId="82312ee5779919a4" providerId="LiveId" clId="{82BFAA31-791A-9843-976C-3AAFAA5AC07D}" dt="2023-02-24T12:39:25.368" v="2008"/>
-          <ac:spMkLst>
-            <pc:docMk/>
-            <pc:sldMk cId="2476237792" sldId="2741"/>
-            <ac:spMk id="3" creationId="{00000000-0000-0000-0000-000000000000}"/>
-          </ac:spMkLst>
-        </pc:spChg>
-        <pc:spChg chg="mod">
-          <ac:chgData name="Xin Luo" userId="82312ee5779919a4" providerId="LiveId" clId="{82BFAA31-791A-9843-976C-3AAFAA5AC07D}" dt="2023-03-04T15:50:04.739" v="6144" actId="1076"/>
-          <ac:spMkLst>
-            <pc:docMk/>
-            <pc:sldMk cId="2476237792" sldId="2741"/>
-            <ac:spMk id="6" creationId="{6741FEA2-C046-FD82-2800-2CB513792080}"/>
-          </ac:spMkLst>
-        </pc:spChg>
-      </pc:sldChg>
-      <pc:sldChg chg="addSp delSp modSp add mod">
-        <pc:chgData name="Xin Luo" userId="82312ee5779919a4" providerId="LiveId" clId="{82BFAA31-791A-9843-976C-3AAFAA5AC07D}" dt="2023-03-04T03:03:29.776" v="3020" actId="1036"/>
-        <pc:sldMkLst>
-          <pc:docMk/>
-          <pc:sldMk cId="3151170836" sldId="2742"/>
-        </pc:sldMkLst>
-        <pc:spChg chg="mod">
-          <ac:chgData name="Xin Luo" userId="82312ee5779919a4" providerId="LiveId" clId="{82BFAA31-791A-9843-976C-3AAFAA5AC07D}" dt="2023-03-04T02:00:17.248" v="3002" actId="20577"/>
-          <ac:spMkLst>
-            <pc:docMk/>
-            <pc:sldMk cId="3151170836" sldId="2742"/>
-            <ac:spMk id="2" creationId="{631AADB6-C88A-D817-4683-FC087E4E240F}"/>
-          </ac:spMkLst>
-        </pc:spChg>
-        <pc:spChg chg="del">
-          <ac:chgData name="Xin Luo" userId="82312ee5779919a4" providerId="LiveId" clId="{82BFAA31-791A-9843-976C-3AAFAA5AC07D}" dt="2023-03-04T02:01:16.980" v="3004" actId="478"/>
-          <ac:spMkLst>
-            <pc:docMk/>
-            <pc:sldMk cId="3151170836" sldId="2742"/>
-            <ac:spMk id="5" creationId="{78502774-B04C-634F-1396-E5815996BC36}"/>
-          </ac:spMkLst>
-        </pc:spChg>
-        <pc:spChg chg="add mod">
-          <ac:chgData name="Xin Luo" userId="82312ee5779919a4" providerId="LiveId" clId="{82BFAA31-791A-9843-976C-3AAFAA5AC07D}" dt="2023-03-04T03:03:29.776" v="3020" actId="1036"/>
-          <ac:spMkLst>
-            <pc:docMk/>
-            <pc:sldMk cId="3151170836" sldId="2742"/>
-            <ac:spMk id="6" creationId="{FA343B24-C04E-C7D0-D427-DA131ECB74AB}"/>
-          </ac:spMkLst>
-        </pc:spChg>
-        <pc:picChg chg="add del mod">
-          <ac:chgData name="Xin Luo" userId="82312ee5779919a4" providerId="LiveId" clId="{82BFAA31-791A-9843-976C-3AAFAA5AC07D}" dt="2023-03-04T02:04:10.432" v="3011" actId="478"/>
-          <ac:picMkLst>
-            <pc:docMk/>
-            <pc:sldMk cId="3151170836" sldId="2742"/>
-            <ac:picMk id="4" creationId="{5EA5EFD9-CFD1-878E-F82B-E455DCC4FB27}"/>
-          </ac:picMkLst>
-        </pc:picChg>
-        <pc:picChg chg="add mod">
-          <ac:chgData name="Xin Luo" userId="82312ee5779919a4" providerId="LiveId" clId="{82BFAA31-791A-9843-976C-3AAFAA5AC07D}" dt="2023-03-04T03:03:27.642" v="3017" actId="1036"/>
-          <ac:picMkLst>
-            <pc:docMk/>
-            <pc:sldMk cId="3151170836" sldId="2742"/>
-            <ac:picMk id="7" creationId="{3DD36E7D-5F30-A7D7-486A-8D2AC067CE47}"/>
-          </ac:picMkLst>
-        </pc:picChg>
-        <pc:picChg chg="del">
-          <ac:chgData name="Xin Luo" userId="82312ee5779919a4" providerId="LiveId" clId="{82BFAA31-791A-9843-976C-3AAFAA5AC07D}" dt="2023-03-04T02:01:21.181" v="3006" actId="478"/>
-          <ac:picMkLst>
-            <pc:docMk/>
-            <pc:sldMk cId="3151170836" sldId="2742"/>
-            <ac:picMk id="1026" creationId="{75908E15-58DA-73BD-95F9-CACD1B8B9D82}"/>
-          </ac:picMkLst>
-        </pc:picChg>
-        <pc:picChg chg="del">
-          <ac:chgData name="Xin Luo" userId="82312ee5779919a4" providerId="LiveId" clId="{82BFAA31-791A-9843-976C-3AAFAA5AC07D}" dt="2023-03-04T02:01:19.315" v="3005" actId="478"/>
-          <ac:picMkLst>
-            <pc:docMk/>
-            <pc:sldMk cId="3151170836" sldId="2742"/>
-            <ac:picMk id="1028" creationId="{1E2BFB6C-B7E5-CAF9-B8CC-09A5029EC264}"/>
-          </ac:picMkLst>
-        </pc:picChg>
-        <pc:picChg chg="del">
-          <ac:chgData name="Xin Luo" userId="82312ee5779919a4" providerId="LiveId" clId="{82BFAA31-791A-9843-976C-3AAFAA5AC07D}" dt="2023-03-04T02:01:19.315" v="3005" actId="478"/>
-          <ac:picMkLst>
-            <pc:docMk/>
-            <pc:sldMk cId="3151170836" sldId="2742"/>
-            <ac:picMk id="1030" creationId="{CB7EE236-3D18-EC53-3225-10EBB3B4EC77}"/>
-          </ac:picMkLst>
-        </pc:picChg>
-        <pc:picChg chg="del">
-          <ac:chgData name="Xin Luo" userId="82312ee5779919a4" providerId="LiveId" clId="{82BFAA31-791A-9843-976C-3AAFAA5AC07D}" dt="2023-03-04T02:01:19.315" v="3005" actId="478"/>
-          <ac:picMkLst>
-            <pc:docMk/>
-            <pc:sldMk cId="3151170836" sldId="2742"/>
-            <ac:picMk id="1032" creationId="{BFA8C7BD-9CEC-ADA1-21BA-0EE8338C6EA3}"/>
-          </ac:picMkLst>
-        </pc:picChg>
-      </pc:sldChg>
-      <pc:sldChg chg="addSp delSp modSp add mod">
-        <pc:chgData name="Xin Luo" userId="82312ee5779919a4" providerId="LiveId" clId="{82BFAA31-791A-9843-976C-3AAFAA5AC07D}" dt="2023-03-04T03:37:26.975" v="3431" actId="1076"/>
-        <pc:sldMkLst>
-          <pc:docMk/>
-          <pc:sldMk cId="4194482579" sldId="2743"/>
-        </pc:sldMkLst>
-        <pc:spChg chg="add del mod">
-          <ac:chgData name="Xin Luo" userId="82312ee5779919a4" providerId="LiveId" clId="{82BFAA31-791A-9843-976C-3AAFAA5AC07D}" dt="2023-03-04T03:37:26.975" v="3431" actId="1076"/>
-          <ac:spMkLst>
-            <pc:docMk/>
-            <pc:sldMk cId="4194482579" sldId="2743"/>
-            <ac:spMk id="6" creationId="{6741FEA2-C046-FD82-2800-2CB513792080}"/>
-          </ac:spMkLst>
-        </pc:spChg>
-        <pc:picChg chg="del">
-          <ac:chgData name="Xin Luo" userId="82312ee5779919a4" providerId="LiveId" clId="{82BFAA31-791A-9843-976C-3AAFAA5AC07D}" dt="2023-03-04T03:21:59.148" v="3044" actId="478"/>
-          <ac:picMkLst>
-            <pc:docMk/>
-            <pc:sldMk cId="4194482579" sldId="2743"/>
-            <ac:picMk id="2050" creationId="{324F0AC4-07BA-4B3E-1A6B-D49FF0B87AC4}"/>
-          </ac:picMkLst>
-        </pc:picChg>
-      </pc:sldChg>
-      <pc:sldChg chg="addSp delSp modSp add mod">
-        <pc:chgData name="Xin Luo" userId="82312ee5779919a4" providerId="LiveId" clId="{82BFAA31-791A-9843-976C-3AAFAA5AC07D}" dt="2023-03-04T15:11:00.971" v="4794" actId="2711"/>
-        <pc:sldMkLst>
-          <pc:docMk/>
-          <pc:sldMk cId="3883315984" sldId="2744"/>
-        </pc:sldMkLst>
-        <pc:spChg chg="mod">
-          <ac:chgData name="Xin Luo" userId="82312ee5779919a4" providerId="LiveId" clId="{82BFAA31-791A-9843-976C-3AAFAA5AC07D}" dt="2023-03-04T15:08:30.473" v="4619" actId="20577"/>
-          <ac:spMkLst>
-            <pc:docMk/>
-            <pc:sldMk cId="3883315984" sldId="2744"/>
-            <ac:spMk id="17" creationId="{9E05FFCA-3371-AF5C-381D-71D984055F5A}"/>
-          </ac:spMkLst>
-        </pc:spChg>
-        <pc:spChg chg="add mod">
-          <ac:chgData name="Xin Luo" userId="82312ee5779919a4" providerId="LiveId" clId="{82BFAA31-791A-9843-976C-3AAFAA5AC07D}" dt="2023-03-04T15:11:00.971" v="4794" actId="2711"/>
-          <ac:spMkLst>
-            <pc:docMk/>
-            <pc:sldMk cId="3883315984" sldId="2744"/>
-            <ac:spMk id="21" creationId="{E7C93A00-7E31-E000-6BED-292B08A4B198}"/>
-          </ac:spMkLst>
-        </pc:spChg>
-        <pc:picChg chg="add del mod">
-          <ac:chgData name="Xin Luo" userId="82312ee5779919a4" providerId="LiveId" clId="{82BFAA31-791A-9843-976C-3AAFAA5AC07D}" dt="2023-03-04T14:43:12.336" v="4260" actId="478"/>
-          <ac:picMkLst>
-            <pc:docMk/>
-            <pc:sldMk cId="3883315984" sldId="2744"/>
-            <ac:picMk id="5" creationId="{6A29A75C-8731-031C-F586-AB16E9D87EF1}"/>
-          </ac:picMkLst>
-        </pc:picChg>
-        <pc:picChg chg="add del mod">
-          <ac:chgData name="Xin Luo" userId="82312ee5779919a4" providerId="LiveId" clId="{82BFAA31-791A-9843-976C-3AAFAA5AC07D}" dt="2023-03-04T14:43:13.340" v="4261" actId="478"/>
-          <ac:picMkLst>
-            <pc:docMk/>
-            <pc:sldMk cId="3883315984" sldId="2744"/>
-            <ac:picMk id="7" creationId="{56F139B7-CE64-C317-CDCE-ED656E5CE752}"/>
-          </ac:picMkLst>
-        </pc:picChg>
-        <pc:picChg chg="add del mod">
-          <ac:chgData name="Xin Luo" userId="82312ee5779919a4" providerId="LiveId" clId="{82BFAA31-791A-9843-976C-3AAFAA5AC07D}" dt="2023-03-04T14:57:11.977" v="4367" actId="478"/>
-          <ac:picMkLst>
-            <pc:docMk/>
-            <pc:sldMk cId="3883315984" sldId="2744"/>
-            <ac:picMk id="9" creationId="{B93FB35F-20AA-92EB-B0CA-45DF00DB1C48}"/>
-          </ac:picMkLst>
-        </pc:picChg>
-        <pc:picChg chg="add del mod">
-          <ac:chgData name="Xin Luo" userId="82312ee5779919a4" providerId="LiveId" clId="{82BFAA31-791A-9843-976C-3AAFAA5AC07D}" dt="2023-03-04T15:08:25.973" v="4617" actId="478"/>
-          <ac:picMkLst>
-            <pc:docMk/>
-            <pc:sldMk cId="3883315984" sldId="2744"/>
-            <ac:picMk id="11" creationId="{7FFE9DD7-9FAD-B833-34A7-F9D00BB93C74}"/>
-          </ac:picMkLst>
-        </pc:picChg>
-        <pc:picChg chg="add del mod">
-          <ac:chgData name="Xin Luo" userId="82312ee5779919a4" providerId="LiveId" clId="{82BFAA31-791A-9843-976C-3AAFAA5AC07D}" dt="2023-03-04T15:08:26.853" v="4618" actId="478"/>
-          <ac:picMkLst>
-            <pc:docMk/>
-            <pc:sldMk cId="3883315984" sldId="2744"/>
-            <ac:picMk id="13" creationId="{99DA1880-9B80-A24C-3180-693E3B5EE1BF}"/>
-          </ac:picMkLst>
-        </pc:picChg>
-        <pc:picChg chg="add del mod">
-          <ac:chgData name="Xin Luo" userId="82312ee5779919a4" providerId="LiveId" clId="{82BFAA31-791A-9843-976C-3AAFAA5AC07D}" dt="2023-03-04T15:07:19.751" v="4571" actId="478"/>
-          <ac:picMkLst>
-            <pc:docMk/>
-            <pc:sldMk cId="3883315984" sldId="2744"/>
-            <ac:picMk id="15" creationId="{76264687-7C79-E28C-9AC8-4ACC581E6CB9}"/>
-          </ac:picMkLst>
-        </pc:picChg>
-        <pc:picChg chg="add mod">
-          <ac:chgData name="Xin Luo" userId="82312ee5779919a4" providerId="LiveId" clId="{82BFAA31-791A-9843-976C-3AAFAA5AC07D}" dt="2023-03-04T15:09:03.244" v="4634" actId="1076"/>
-          <ac:picMkLst>
-            <pc:docMk/>
-            <pc:sldMk cId="3883315984" sldId="2744"/>
-            <ac:picMk id="18" creationId="{0837DC30-4620-0035-DE40-9319EFBA876D}"/>
-          </ac:picMkLst>
-        </pc:picChg>
-        <pc:picChg chg="add mod">
-          <ac:chgData name="Xin Luo" userId="82312ee5779919a4" providerId="LiveId" clId="{82BFAA31-791A-9843-976C-3AAFAA5AC07D}" dt="2023-03-04T15:09:03.244" v="4634" actId="1076"/>
-          <ac:picMkLst>
-            <pc:docMk/>
-            <pc:sldMk cId="3883315984" sldId="2744"/>
-            <ac:picMk id="20" creationId="{1C80845A-A83F-D903-2B37-F9CB37E4E25A}"/>
-          </ac:picMkLst>
-        </pc:picChg>
-      </pc:sldChg>
-      <pc:sldChg chg="modSp add mod">
-        <pc:chgData name="Xin Luo" userId="82312ee5779919a4" providerId="LiveId" clId="{82BFAA31-791A-9843-976C-3AAFAA5AC07D}" dt="2023-03-04T15:21:58.766" v="5230" actId="1038"/>
-        <pc:sldMkLst>
-          <pc:docMk/>
-          <pc:sldMk cId="3741103209" sldId="2745"/>
-        </pc:sldMkLst>
-        <pc:spChg chg="mod">
-          <ac:chgData name="Xin Luo" userId="82312ee5779919a4" providerId="LiveId" clId="{82BFAA31-791A-9843-976C-3AAFAA5AC07D}" dt="2023-03-04T15:21:58.766" v="5230" actId="1038"/>
-          <ac:spMkLst>
-            <pc:docMk/>
-            <pc:sldMk cId="3741103209" sldId="2745"/>
-            <ac:spMk id="17" creationId="{9E05FFCA-3371-AF5C-381D-71D984055F5A}"/>
-          </ac:spMkLst>
-        </pc:spChg>
-      </pc:sldChg>
-      <pc:sldChg chg="modSp add mod">
-        <pc:chgData name="Xin Luo" userId="82312ee5779919a4" providerId="LiveId" clId="{82BFAA31-791A-9843-976C-3AAFAA5AC07D}" dt="2023-03-04T15:08:22.005" v="4615" actId="1035"/>
-        <pc:sldMkLst>
-          <pc:docMk/>
-          <pc:sldMk cId="322086101" sldId="2746"/>
-        </pc:sldMkLst>
-        <pc:spChg chg="mod">
-          <ac:chgData name="Xin Luo" userId="82312ee5779919a4" providerId="LiveId" clId="{82BFAA31-791A-9843-976C-3AAFAA5AC07D}" dt="2023-03-04T15:07:51.391" v="4588" actId="20577"/>
-          <ac:spMkLst>
-            <pc:docMk/>
-            <pc:sldMk cId="322086101" sldId="2746"/>
-            <ac:spMk id="17" creationId="{9E05FFCA-3371-AF5C-381D-71D984055F5A}"/>
-          </ac:spMkLst>
-        </pc:spChg>
-        <pc:picChg chg="mod">
-          <ac:chgData name="Xin Luo" userId="82312ee5779919a4" providerId="LiveId" clId="{82BFAA31-791A-9843-976C-3AAFAA5AC07D}" dt="2023-03-04T15:08:22.005" v="4615" actId="1035"/>
-          <ac:picMkLst>
-            <pc:docMk/>
-            <pc:sldMk cId="322086101" sldId="2746"/>
-            <ac:picMk id="11" creationId="{7FFE9DD7-9FAD-B833-34A7-F9D00BB93C74}"/>
-          </ac:picMkLst>
-        </pc:picChg>
-        <pc:picChg chg="mod">
-          <ac:chgData name="Xin Luo" userId="82312ee5779919a4" providerId="LiveId" clId="{82BFAA31-791A-9843-976C-3AAFAA5AC07D}" dt="2023-03-04T15:08:22.005" v="4615" actId="1035"/>
-          <ac:picMkLst>
-            <pc:docMk/>
-            <pc:sldMk cId="322086101" sldId="2746"/>
-            <ac:picMk id="13" creationId="{99DA1880-9B80-A24C-3180-693E3B5EE1BF}"/>
-          </ac:picMkLst>
-        </pc:picChg>
-      </pc:sldChg>
-      <pc:sldChg chg="addSp modSp add mod">
-        <pc:chgData name="Xin Luo" userId="82312ee5779919a4" providerId="LiveId" clId="{82BFAA31-791A-9843-976C-3AAFAA5AC07D}" dt="2023-03-04T15:26:46.366" v="5547" actId="1076"/>
-        <pc:sldMkLst>
-          <pc:docMk/>
-          <pc:sldMk cId="2920839983" sldId="2747"/>
-        </pc:sldMkLst>
-        <pc:spChg chg="mod">
-          <ac:chgData name="Xin Luo" userId="82312ee5779919a4" providerId="LiveId" clId="{82BFAA31-791A-9843-976C-3AAFAA5AC07D}" dt="2023-03-04T15:26:37.013" v="5544" actId="1076"/>
-          <ac:spMkLst>
-            <pc:docMk/>
-            <pc:sldMk cId="2920839983" sldId="2747"/>
-            <ac:spMk id="17" creationId="{9E05FFCA-3371-AF5C-381D-71D984055F5A}"/>
-          </ac:spMkLst>
-        </pc:spChg>
-        <pc:picChg chg="add mod">
-          <ac:chgData name="Xin Luo" userId="82312ee5779919a4" providerId="LiveId" clId="{82BFAA31-791A-9843-976C-3AAFAA5AC07D}" dt="2023-03-04T15:26:46.366" v="5547" actId="1076"/>
-          <ac:picMkLst>
-            <pc:docMk/>
-            <pc:sldMk cId="2920839983" sldId="2747"/>
-            <ac:picMk id="5" creationId="{4B5D1AA6-D397-9A79-221A-E20C2E9E5B76}"/>
-          </ac:picMkLst>
-        </pc:picChg>
-      </pc:sldChg>
-      <pc:sldChg chg="addSp delSp modSp add mod">
-        <pc:chgData name="Xin Luo" userId="82312ee5779919a4" providerId="LiveId" clId="{82BFAA31-791A-9843-976C-3AAFAA5AC07D}" dt="2023-03-04T15:46:20.499" v="5952" actId="1582"/>
-        <pc:sldMkLst>
-          <pc:docMk/>
-          <pc:sldMk cId="2081473989" sldId="2748"/>
-        </pc:sldMkLst>
-        <pc:spChg chg="add del">
-          <ac:chgData name="Xin Luo" userId="82312ee5779919a4" providerId="LiveId" clId="{82BFAA31-791A-9843-976C-3AAFAA5AC07D}" dt="2023-03-04T15:37:10.804" v="5659" actId="22"/>
-          <ac:spMkLst>
-            <pc:docMk/>
-            <pc:sldMk cId="2081473989" sldId="2748"/>
-            <ac:spMk id="6" creationId="{82D7925B-E2FA-6C82-149E-D49FD97901D4}"/>
-          </ac:spMkLst>
-        </pc:spChg>
-        <pc:spChg chg="add mod">
-          <ac:chgData name="Xin Luo" userId="82312ee5779919a4" providerId="LiveId" clId="{82BFAA31-791A-9843-976C-3AAFAA5AC07D}" dt="2023-03-04T15:45:35.826" v="5941" actId="1076"/>
-          <ac:spMkLst>
-            <pc:docMk/>
-            <pc:sldMk cId="2081473989" sldId="2748"/>
-            <ac:spMk id="15" creationId="{DAE75BEB-15B0-6AD3-FEA5-24688F0C9399}"/>
-          </ac:spMkLst>
-        </pc:spChg>
-        <pc:spChg chg="add mod">
-          <ac:chgData name="Xin Luo" userId="82312ee5779919a4" providerId="LiveId" clId="{82BFAA31-791A-9843-976C-3AAFAA5AC07D}" dt="2023-03-04T15:46:20.499" v="5952" actId="1582"/>
-          <ac:spMkLst>
-            <pc:docMk/>
-            <pc:sldMk cId="2081473989" sldId="2748"/>
-            <ac:spMk id="16" creationId="{011A1F98-9159-4FE6-698D-1B0B7EFC1F4C}"/>
-          </ac:spMkLst>
-        </pc:spChg>
-        <pc:spChg chg="mod">
-          <ac:chgData name="Xin Luo" userId="82312ee5779919a4" providerId="LiveId" clId="{82BFAA31-791A-9843-976C-3AAFAA5AC07D}" dt="2023-03-04T15:28:15.646" v="5654" actId="20577"/>
-          <ac:spMkLst>
-            <pc:docMk/>
-            <pc:sldMk cId="2081473989" sldId="2748"/>
-            <ac:spMk id="17" creationId="{9E05FFCA-3371-AF5C-381D-71D984055F5A}"/>
-          </ac:spMkLst>
-        </pc:spChg>
-        <pc:picChg chg="del mod">
-          <ac:chgData name="Xin Luo" userId="82312ee5779919a4" providerId="LiveId" clId="{82BFAA31-791A-9843-976C-3AAFAA5AC07D}" dt="2023-03-04T15:37:06.482" v="5657" actId="478"/>
-          <ac:picMkLst>
-            <pc:docMk/>
-            <pc:sldMk cId="2081473989" sldId="2748"/>
-            <ac:picMk id="5" creationId="{4B5D1AA6-D397-9A79-221A-E20C2E9E5B76}"/>
-          </ac:picMkLst>
-        </pc:picChg>
-        <pc:picChg chg="add mod">
-          <ac:chgData name="Xin Luo" userId="82312ee5779919a4" providerId="LiveId" clId="{82BFAA31-791A-9843-976C-3AAFAA5AC07D}" dt="2023-03-04T15:45:05.183" v="5929" actId="1036"/>
-          <ac:picMkLst>
-            <pc:docMk/>
-            <pc:sldMk cId="2081473989" sldId="2748"/>
-            <ac:picMk id="8" creationId="{79143EB1-6171-6D6B-E065-52F98AD03CCA}"/>
-          </ac:picMkLst>
-        </pc:picChg>
-        <pc:picChg chg="add del mod">
-          <ac:chgData name="Xin Luo" userId="82312ee5779919a4" providerId="LiveId" clId="{82BFAA31-791A-9843-976C-3AAFAA5AC07D}" dt="2023-03-04T15:45:07.251" v="5930" actId="478"/>
-          <ac:picMkLst>
-            <pc:docMk/>
-            <pc:sldMk cId="2081473989" sldId="2748"/>
-            <ac:picMk id="10" creationId="{30790A72-1A1F-A99B-2602-70052914B570}"/>
-          </ac:picMkLst>
-        </pc:picChg>
-        <pc:picChg chg="add mod">
-          <ac:chgData name="Xin Luo" userId="82312ee5779919a4" providerId="LiveId" clId="{82BFAA31-791A-9843-976C-3AAFAA5AC07D}" dt="2023-03-04T15:45:33.555" v="5940" actId="1076"/>
-          <ac:picMkLst>
-            <pc:docMk/>
-            <pc:sldMk cId="2081473989" sldId="2748"/>
-            <ac:picMk id="12" creationId="{CD5784D5-D55B-B02C-C48B-B4566A95D7A5}"/>
-          </ac:picMkLst>
-        </pc:picChg>
-        <pc:picChg chg="add del mod">
-          <ac:chgData name="Xin Luo" userId="82312ee5779919a4" providerId="LiveId" clId="{82BFAA31-791A-9843-976C-3AAFAA5AC07D}" dt="2023-03-04T15:45:23.214" v="5937"/>
-          <ac:picMkLst>
-            <pc:docMk/>
-            <pc:sldMk cId="2081473989" sldId="2748"/>
-            <ac:picMk id="14" creationId="{5DFB8C07-8D07-8D50-004D-9E3F08E7DE84}"/>
-          </ac:picMkLst>
-        </pc:picChg>
-      </pc:sldChg>
-      <pc:sldChg chg="addSp delSp modSp add mod">
-        <pc:chgData name="Xin Luo" userId="82312ee5779919a4" providerId="LiveId" clId="{82BFAA31-791A-9843-976C-3AAFAA5AC07D}" dt="2023-03-04T15:48:59.888" v="6079" actId="1076"/>
-        <pc:sldMkLst>
-          <pc:docMk/>
-          <pc:sldMk cId="1994915307" sldId="2749"/>
-        </pc:sldMkLst>
-        <pc:spChg chg="mod">
-          <ac:chgData name="Xin Luo" userId="82312ee5779919a4" providerId="LiveId" clId="{82BFAA31-791A-9843-976C-3AAFAA5AC07D}" dt="2023-03-04T15:48:51.612" v="6078" actId="20577"/>
-          <ac:spMkLst>
-            <pc:docMk/>
-            <pc:sldMk cId="1994915307" sldId="2749"/>
-            <ac:spMk id="17" creationId="{9E05FFCA-3371-AF5C-381D-71D984055F5A}"/>
-          </ac:spMkLst>
-        </pc:spChg>
-        <pc:picChg chg="add del mod">
-          <ac:chgData name="Xin Luo" userId="82312ee5779919a4" providerId="LiveId" clId="{82BFAA31-791A-9843-976C-3AAFAA5AC07D}" dt="2023-03-04T15:38:11.661" v="5720" actId="478"/>
-          <ac:picMkLst>
-            <pc:docMk/>
-            <pc:sldMk cId="1994915307" sldId="2749"/>
-            <ac:picMk id="5" creationId="{EA1C2F80-6A2A-D60C-9FB3-F25B1C6511A4}"/>
-          </ac:picMkLst>
-        </pc:picChg>
-        <pc:picChg chg="add mod">
-          <ac:chgData name="Xin Luo" userId="82312ee5779919a4" providerId="LiveId" clId="{82BFAA31-791A-9843-976C-3AAFAA5AC07D}" dt="2023-03-04T15:48:59.888" v="6079" actId="1076"/>
-          <ac:picMkLst>
-            <pc:docMk/>
-            <pc:sldMk cId="1994915307" sldId="2749"/>
-            <ac:picMk id="7" creationId="{FBCB15A5-92D2-31A6-9C98-86B1AA96537C}"/>
-          </ac:picMkLst>
-        </pc:picChg>
-        <pc:picChg chg="add mod">
-          <ac:chgData name="Xin Luo" userId="82312ee5779919a4" providerId="LiveId" clId="{82BFAA31-791A-9843-976C-3AAFAA5AC07D}" dt="2023-03-04T15:48:59.888" v="6079" actId="1076"/>
-          <ac:picMkLst>
-            <pc:docMk/>
-            <pc:sldMk cId="1994915307" sldId="2749"/>
-            <ac:picMk id="9" creationId="{6773422F-41A1-CECC-4339-862D5F305E78}"/>
-          </ac:picMkLst>
-        </pc:picChg>
-      </pc:sldChg>
-      <pc:sldChg chg="addSp delSp modSp add mod">
-        <pc:chgData name="Xin Luo" userId="82312ee5779919a4" providerId="LiveId" clId="{82BFAA31-791A-9843-976C-3AAFAA5AC07D}" dt="2023-03-04T15:43:09.927" v="5903" actId="1035"/>
-        <pc:sldMkLst>
-          <pc:docMk/>
-          <pc:sldMk cId="202264030" sldId="2750"/>
-        </pc:sldMkLst>
-        <pc:spChg chg="add mod">
-          <ac:chgData name="Xin Luo" userId="82312ee5779919a4" providerId="LiveId" clId="{82BFAA31-791A-9843-976C-3AAFAA5AC07D}" dt="2023-03-04T15:43:09.927" v="5903" actId="1035"/>
-          <ac:spMkLst>
-            <pc:docMk/>
-            <pc:sldMk cId="202264030" sldId="2750"/>
-            <ac:spMk id="9" creationId="{D732F9A9-4A61-8CFE-4FB6-79B6EB588A79}"/>
-          </ac:spMkLst>
-        </pc:spChg>
-        <pc:spChg chg="mod">
-          <ac:chgData name="Xin Luo" userId="82312ee5779919a4" providerId="LiveId" clId="{82BFAA31-791A-9843-976C-3AAFAA5AC07D}" dt="2023-03-04T15:40:49.611" v="5818" actId="14100"/>
-          <ac:spMkLst>
-            <pc:docMk/>
-            <pc:sldMk cId="202264030" sldId="2750"/>
-            <ac:spMk id="17" creationId="{9E05FFCA-3371-AF5C-381D-71D984055F5A}"/>
-          </ac:spMkLst>
-        </pc:spChg>
-        <pc:picChg chg="add mod">
-          <ac:chgData name="Xin Luo" userId="82312ee5779919a4" providerId="LiveId" clId="{82BFAA31-791A-9843-976C-3AAFAA5AC07D}" dt="2023-03-04T15:43:09.927" v="5903" actId="1035"/>
-          <ac:picMkLst>
-            <pc:docMk/>
-            <pc:sldMk cId="202264030" sldId="2750"/>
-            <ac:picMk id="5" creationId="{9BBBBD8B-688B-710D-3D8D-BFDFD56DB232}"/>
-          </ac:picMkLst>
-        </pc:picChg>
-        <pc:picChg chg="del">
-          <ac:chgData name="Xin Luo" userId="82312ee5779919a4" providerId="LiveId" clId="{82BFAA31-791A-9843-976C-3AAFAA5AC07D}" dt="2023-03-04T15:38:51.044" v="5743" actId="478"/>
-          <ac:picMkLst>
-            <pc:docMk/>
-            <pc:sldMk cId="202264030" sldId="2750"/>
-            <ac:picMk id="7" creationId="{FBCB15A5-92D2-31A6-9C98-86B1AA96537C}"/>
-          </ac:picMkLst>
-        </pc:picChg>
-        <pc:picChg chg="add mod">
-          <ac:chgData name="Xin Luo" userId="82312ee5779919a4" providerId="LiveId" clId="{82BFAA31-791A-9843-976C-3AAFAA5AC07D}" dt="2023-03-04T15:43:09.927" v="5903" actId="1035"/>
-          <ac:picMkLst>
-            <pc:docMk/>
-            <pc:sldMk cId="202264030" sldId="2750"/>
-            <ac:picMk id="8" creationId="{B765428C-F39A-9703-24D3-B125CFA04483}"/>
-          </ac:picMkLst>
-        </pc:picChg>
-      </pc:sldChg>
-      <pc:sldChg chg="add del">
-        <pc:chgData name="Xin Luo" userId="82312ee5779919a4" providerId="LiveId" clId="{82BFAA31-791A-9843-976C-3AAFAA5AC07D}" dt="2023-03-04T15:46:42.673" v="5956" actId="2696"/>
-        <pc:sldMkLst>
-          <pc:docMk/>
-          <pc:sldMk cId="1628918360" sldId="2751"/>
-        </pc:sldMkLst>
-      </pc:sldChg>
-    </pc:docChg>
-  </pc:docChgLst>
-  <pc:docChgLst>
-    <pc:chgData name="Xin Luo" userId="82312ee5779919a4" providerId="LiveId" clId="{98EC8ECB-A80D-1449-ACFE-0D931F29C13A}"/>
-    <pc:docChg chg="undo custSel addSld delSld modSld">
-      <pc:chgData name="Xin Luo" userId="82312ee5779919a4" providerId="LiveId" clId="{98EC8ECB-A80D-1449-ACFE-0D931F29C13A}" dt="2023-02-23T15:47:30.471" v="734" actId="478"/>
-      <pc:docMkLst>
-        <pc:docMk/>
-      </pc:docMkLst>
-      <pc:sldChg chg="modSp mod">
-        <pc:chgData name="Xin Luo" userId="82312ee5779919a4" providerId="LiveId" clId="{98EC8ECB-A80D-1449-ACFE-0D931F29C13A}" dt="2023-02-23T15:07:38.481" v="282" actId="20577"/>
-        <pc:sldMkLst>
-          <pc:docMk/>
-          <pc:sldMk cId="1576120367" sldId="2387"/>
-        </pc:sldMkLst>
-        <pc:spChg chg="mod">
-          <ac:chgData name="Xin Luo" userId="82312ee5779919a4" providerId="LiveId" clId="{98EC8ECB-A80D-1449-ACFE-0D931F29C13A}" dt="2023-02-23T15:07:38.481" v="282" actId="20577"/>
-          <ac:spMkLst>
-            <pc:docMk/>
-            <pc:sldMk cId="1576120367" sldId="2387"/>
-            <ac:spMk id="5" creationId="{494DAA55-5621-28DB-D255-E0EBB6C6477B}"/>
-          </ac:spMkLst>
-        </pc:spChg>
-        <pc:spChg chg="mod">
-          <ac:chgData name="Xin Luo" userId="82312ee5779919a4" providerId="LiveId" clId="{98EC8ECB-A80D-1449-ACFE-0D931F29C13A}" dt="2023-02-23T15:06:04.024" v="241" actId="1076"/>
-          <ac:spMkLst>
-            <pc:docMk/>
-            <pc:sldMk cId="1576120367" sldId="2387"/>
-            <ac:spMk id="6" creationId="{00000000-0000-0000-0000-000000000000}"/>
-          </ac:spMkLst>
-        </pc:spChg>
-        <pc:spChg chg="mod">
-          <ac:chgData name="Xin Luo" userId="82312ee5779919a4" providerId="LiveId" clId="{98EC8ECB-A80D-1449-ACFE-0D931F29C13A}" dt="2023-02-23T15:05:37.607" v="201" actId="403"/>
-          <ac:spMkLst>
-            <pc:docMk/>
-            <pc:sldMk cId="1576120367" sldId="2387"/>
-            <ac:spMk id="12" creationId="{00000000-0000-0000-0000-000000000000}"/>
-          </ac:spMkLst>
-        </pc:spChg>
-        <pc:spChg chg="mod">
-          <ac:chgData name="Xin Luo" userId="82312ee5779919a4" providerId="LiveId" clId="{98EC8ECB-A80D-1449-ACFE-0D931F29C13A}" dt="2023-02-23T15:04:17.856" v="99" actId="20577"/>
-          <ac:spMkLst>
-            <pc:docMk/>
-            <pc:sldMk cId="1576120367" sldId="2387"/>
-            <ac:spMk id="14" creationId="{00000000-0000-0000-0000-000000000000}"/>
-          </ac:spMkLst>
-        </pc:spChg>
-      </pc:sldChg>
-      <pc:sldChg chg="modSp mod">
-        <pc:chgData name="Xin Luo" userId="82312ee5779919a4" providerId="LiveId" clId="{98EC8ECB-A80D-1449-ACFE-0D931F29C13A}" dt="2023-02-23T15:23:38.561" v="288" actId="20577"/>
-        <pc:sldMkLst>
-          <pc:docMk/>
-          <pc:sldMk cId="2415901206" sldId="2447"/>
-        </pc:sldMkLst>
-        <pc:spChg chg="mod">
-          <ac:chgData name="Xin Luo" userId="82312ee5779919a4" providerId="LiveId" clId="{98EC8ECB-A80D-1449-ACFE-0D931F29C13A}" dt="2023-02-23T15:23:38.561" v="288" actId="20577"/>
-          <ac:spMkLst>
-            <pc:docMk/>
-            <pc:sldMk cId="2415901206" sldId="2447"/>
-            <ac:spMk id="7" creationId="{00000000-0000-0000-0000-000000000000}"/>
-          </ac:spMkLst>
-        </pc:spChg>
-      </pc:sldChg>
-      <pc:sldChg chg="addSp delSp modSp mod">
-        <pc:chgData name="Xin Luo" userId="82312ee5779919a4" providerId="LiveId" clId="{98EC8ECB-A80D-1449-ACFE-0D931F29C13A}" dt="2023-02-23T15:32:00.813" v="490" actId="20577"/>
-        <pc:sldMkLst>
-          <pc:docMk/>
-          <pc:sldMk cId="4067577602" sldId="2605"/>
-        </pc:sldMkLst>
-        <pc:spChg chg="mod">
-          <ac:chgData name="Xin Luo" userId="82312ee5779919a4" providerId="LiveId" clId="{98EC8ECB-A80D-1449-ACFE-0D931F29C13A}" dt="2023-02-23T15:23:43.970" v="296" actId="20577"/>
-          <ac:spMkLst>
-            <pc:docMk/>
-            <pc:sldMk cId="4067577602" sldId="2605"/>
-            <ac:spMk id="3" creationId="{00000000-0000-0000-0000-000000000000}"/>
-          </ac:spMkLst>
-        </pc:spChg>
-        <pc:spChg chg="add mod">
-          <ac:chgData name="Xin Luo" userId="82312ee5779919a4" providerId="LiveId" clId="{98EC8ECB-A80D-1449-ACFE-0D931F29C13A}" dt="2023-02-23T15:32:00.813" v="490" actId="20577"/>
-          <ac:spMkLst>
-            <pc:docMk/>
-            <pc:sldMk cId="4067577602" sldId="2605"/>
-            <ac:spMk id="5" creationId="{78502774-B04C-634F-1396-E5815996BC36}"/>
-          </ac:spMkLst>
-        </pc:spChg>
-        <pc:spChg chg="add del">
-          <ac:chgData name="Xin Luo" userId="82312ee5779919a4" providerId="LiveId" clId="{98EC8ECB-A80D-1449-ACFE-0D931F29C13A}" dt="2023-02-23T15:31:17.254" v="472" actId="478"/>
-          <ac:spMkLst>
-            <pc:docMk/>
-            <pc:sldMk cId="4067577602" sldId="2605"/>
-            <ac:spMk id="8" creationId="{F79B8069-33FF-F2D3-2749-C72697740ACD}"/>
-          </ac:spMkLst>
-        </pc:spChg>
-        <pc:spChg chg="del">
-          <ac:chgData name="Xin Luo" userId="82312ee5779919a4" providerId="LiveId" clId="{98EC8ECB-A80D-1449-ACFE-0D931F29C13A}" dt="2023-02-23T15:23:49.248" v="298" actId="478"/>
-          <ac:spMkLst>
-            <pc:docMk/>
-            <pc:sldMk cId="4067577602" sldId="2605"/>
-            <ac:spMk id="15" creationId="{8F7436BD-0CD5-04DA-2B44-925CE86CF70D}"/>
-          </ac:spMkLst>
-        </pc:spChg>
-        <pc:spChg chg="del">
-          <ac:chgData name="Xin Luo" userId="82312ee5779919a4" providerId="LiveId" clId="{98EC8ECB-A80D-1449-ACFE-0D931F29C13A}" dt="2023-02-23T15:23:49.248" v="298" actId="478"/>
-          <ac:spMkLst>
-            <pc:docMk/>
-            <pc:sldMk cId="4067577602" sldId="2605"/>
-            <ac:spMk id="16" creationId="{5E1E7D79-A815-9A32-ABAB-129BFCE643F1}"/>
-          </ac:spMkLst>
-        </pc:spChg>
-        <pc:spChg chg="del mod">
-          <ac:chgData name="Xin Luo" userId="82312ee5779919a4" providerId="LiveId" clId="{98EC8ECB-A80D-1449-ACFE-0D931F29C13A}" dt="2023-02-23T15:23:47.004" v="297" actId="478"/>
-          <ac:spMkLst>
-            <pc:docMk/>
-            <pc:sldMk cId="4067577602" sldId="2605"/>
-            <ac:spMk id="17" creationId="{9E05FFCA-3371-AF5C-381D-71D984055F5A}"/>
-          </ac:spMkLst>
-        </pc:spChg>
-        <pc:picChg chg="del">
-          <ac:chgData name="Xin Luo" userId="82312ee5779919a4" providerId="LiveId" clId="{98EC8ECB-A80D-1449-ACFE-0D931F29C13A}" dt="2023-02-23T15:23:49.248" v="298" actId="478"/>
-          <ac:picMkLst>
-            <pc:docMk/>
-            <pc:sldMk cId="4067577602" sldId="2605"/>
-            <ac:picMk id="7" creationId="{C7993E05-4ADB-9D0C-E633-5749F445E479}"/>
-          </ac:picMkLst>
-        </pc:picChg>
-        <pc:picChg chg="del">
-          <ac:chgData name="Xin Luo" userId="82312ee5779919a4" providerId="LiveId" clId="{98EC8ECB-A80D-1449-ACFE-0D931F29C13A}" dt="2023-02-23T15:23:49.248" v="298" actId="478"/>
-          <ac:picMkLst>
-            <pc:docMk/>
-            <pc:sldMk cId="4067577602" sldId="2605"/>
-            <ac:picMk id="10" creationId="{26D555B6-DE11-BF17-8D9F-B5F93A876835}"/>
-          </ac:picMkLst>
-        </pc:picChg>
-        <pc:picChg chg="del">
-          <ac:chgData name="Xin Luo" userId="82312ee5779919a4" providerId="LiveId" clId="{98EC8ECB-A80D-1449-ACFE-0D931F29C13A}" dt="2023-02-23T15:23:49.248" v="298" actId="478"/>
-          <ac:picMkLst>
-            <pc:docMk/>
-            <pc:sldMk cId="4067577602" sldId="2605"/>
-            <ac:picMk id="1028" creationId="{9FA49340-63F1-4959-1786-FD893DE76CE9}"/>
-          </ac:picMkLst>
-        </pc:picChg>
-        <pc:picChg chg="del">
-          <ac:chgData name="Xin Luo" userId="82312ee5779919a4" providerId="LiveId" clId="{98EC8ECB-A80D-1449-ACFE-0D931F29C13A}" dt="2023-02-23T15:23:49.248" v="298" actId="478"/>
-          <ac:picMkLst>
-            <pc:docMk/>
-            <pc:sldMk cId="4067577602" sldId="2605"/>
-            <ac:picMk id="1030" creationId="{35CDAC06-D9CF-2AC8-535E-A1B01EC14218}"/>
-          </ac:picMkLst>
-        </pc:picChg>
-        <pc:picChg chg="del">
-          <ac:chgData name="Xin Luo" userId="82312ee5779919a4" providerId="LiveId" clId="{98EC8ECB-A80D-1449-ACFE-0D931F29C13A}" dt="2023-02-23T15:23:49.248" v="298" actId="478"/>
-          <ac:picMkLst>
-            <pc:docMk/>
-            <pc:sldMk cId="4067577602" sldId="2605"/>
-            <ac:picMk id="1032" creationId="{AFE202E8-A338-4627-93EE-5AD65BEE9525}"/>
-          </ac:picMkLst>
-        </pc:picChg>
-        <pc:picChg chg="del">
-          <ac:chgData name="Xin Luo" userId="82312ee5779919a4" providerId="LiveId" clId="{98EC8ECB-A80D-1449-ACFE-0D931F29C13A}" dt="2023-02-23T15:23:49.248" v="298" actId="478"/>
-          <ac:picMkLst>
-            <pc:docMk/>
-            <pc:sldMk cId="4067577602" sldId="2605"/>
-            <ac:picMk id="1034" creationId="{D5CBEF68-23C0-8F4A-FA5F-CB6BCAE76176}"/>
-          </ac:picMkLst>
-        </pc:picChg>
-        <pc:picChg chg="del">
-          <ac:chgData name="Xin Luo" userId="82312ee5779919a4" providerId="LiveId" clId="{98EC8ECB-A80D-1449-ACFE-0D931F29C13A}" dt="2023-02-23T15:23:49.248" v="298" actId="478"/>
-          <ac:picMkLst>
-            <pc:docMk/>
-            <pc:sldMk cId="4067577602" sldId="2605"/>
-            <ac:picMk id="1036" creationId="{5E2738F1-9461-1F5B-3007-2AA2AD20C330}"/>
-          </ac:picMkLst>
-        </pc:picChg>
-        <pc:cxnChg chg="del">
-          <ac:chgData name="Xin Luo" userId="82312ee5779919a4" providerId="LiveId" clId="{98EC8ECB-A80D-1449-ACFE-0D931F29C13A}" dt="2023-02-23T15:23:49.248" v="298" actId="478"/>
-          <ac:cxnSpMkLst>
-            <pc:docMk/>
-            <pc:sldMk cId="4067577602" sldId="2605"/>
-            <ac:cxnSpMk id="12" creationId="{78FA799A-1F2C-F1DA-9F71-B1B8AFBC5758}"/>
-          </ac:cxnSpMkLst>
-        </pc:cxnChg>
-      </pc:sldChg>
-      <pc:sldChg chg="modSp mod">
-        <pc:chgData name="Xin Luo" userId="82312ee5779919a4" providerId="LiveId" clId="{98EC8ECB-A80D-1449-ACFE-0D931F29C13A}" dt="2023-02-23T15:03:54.789" v="48" actId="20577"/>
-        <pc:sldMkLst>
-          <pc:docMk/>
-          <pc:sldMk cId="1658607177" sldId="2708"/>
-        </pc:sldMkLst>
-        <pc:spChg chg="mod">
-          <ac:chgData name="Xin Luo" userId="82312ee5779919a4" providerId="LiveId" clId="{98EC8ECB-A80D-1449-ACFE-0D931F29C13A}" dt="2023-02-23T15:03:29.071" v="4" actId="20577"/>
-          <ac:spMkLst>
-            <pc:docMk/>
-            <pc:sldMk cId="1658607177" sldId="2708"/>
-            <ac:spMk id="3" creationId="{E375549C-74EF-2C8F-6432-2C52B803FB1B}"/>
-          </ac:spMkLst>
-        </pc:spChg>
-        <pc:spChg chg="mod">
-          <ac:chgData name="Xin Luo" userId="82312ee5779919a4" providerId="LiveId" clId="{98EC8ECB-A80D-1449-ACFE-0D931F29C13A}" dt="2023-02-23T15:03:54.789" v="48" actId="20577"/>
-          <ac:spMkLst>
-            <pc:docMk/>
-            <pc:sldMk cId="1658607177" sldId="2708"/>
-            <ac:spMk id="24" creationId="{00000000-0000-0000-0000-000000000000}"/>
-          </ac:spMkLst>
-        </pc:spChg>
-      </pc:sldChg>
-      <pc:sldChg chg="modSp mod">
-        <pc:chgData name="Xin Luo" userId="82312ee5779919a4" providerId="LiveId" clId="{98EC8ECB-A80D-1449-ACFE-0D931F29C13A}" dt="2023-02-23T15:46:16.929" v="710" actId="20577"/>
-        <pc:sldMkLst>
-          <pc:docMk/>
-          <pc:sldMk cId="481122590" sldId="2709"/>
-        </pc:sldMkLst>
-        <pc:spChg chg="mod">
-          <ac:chgData name="Xin Luo" userId="82312ee5779919a4" providerId="LiveId" clId="{98EC8ECB-A80D-1449-ACFE-0D931F29C13A}" dt="2023-02-23T15:46:16.929" v="710" actId="20577"/>
-          <ac:spMkLst>
-            <pc:docMk/>
-            <pc:sldMk cId="481122590" sldId="2709"/>
-            <ac:spMk id="7" creationId="{00000000-0000-0000-0000-000000000000}"/>
-          </ac:spMkLst>
-        </pc:spChg>
-      </pc:sldChg>
-      <pc:sldChg chg="modSp mod">
-        <pc:chgData name="Xin Luo" userId="82312ee5779919a4" providerId="LiveId" clId="{98EC8ECB-A80D-1449-ACFE-0D931F29C13A}" dt="2023-02-23T15:46:36.362" v="717" actId="20577"/>
-        <pc:sldMkLst>
-          <pc:docMk/>
-          <pc:sldMk cId="3833073590" sldId="2716"/>
-        </pc:sldMkLst>
-        <pc:spChg chg="mod">
-          <ac:chgData name="Xin Luo" userId="82312ee5779919a4" providerId="LiveId" clId="{98EC8ECB-A80D-1449-ACFE-0D931F29C13A}" dt="2023-02-23T15:46:29.354" v="716" actId="108"/>
-          <ac:spMkLst>
-            <pc:docMk/>
-            <pc:sldMk cId="3833073590" sldId="2716"/>
-            <ac:spMk id="3" creationId="{00000000-0000-0000-0000-000000000000}"/>
-          </ac:spMkLst>
-        </pc:spChg>
-        <pc:spChg chg="mod">
-          <ac:chgData name="Xin Luo" userId="82312ee5779919a4" providerId="LiveId" clId="{98EC8ECB-A80D-1449-ACFE-0D931F29C13A}" dt="2023-02-23T15:46:36.362" v="717" actId="20577"/>
-          <ac:spMkLst>
-            <pc:docMk/>
-            <pc:sldMk cId="3833073590" sldId="2716"/>
-            <ac:spMk id="5" creationId="{9F4AEA98-0C33-E82A-EB75-839D0F0B55A4}"/>
-          </ac:spMkLst>
-        </pc:spChg>
-      </pc:sldChg>
-      <pc:sldChg chg="modSp mod">
-        <pc:chgData name="Xin Luo" userId="82312ee5779919a4" providerId="LiveId" clId="{98EC8ECB-A80D-1449-ACFE-0D931F29C13A}" dt="2023-02-23T15:47:08.933" v="728" actId="20577"/>
-        <pc:sldMkLst>
-          <pc:docMk/>
-          <pc:sldMk cId="972163772" sldId="2720"/>
-        </pc:sldMkLst>
-        <pc:spChg chg="mod">
-          <ac:chgData name="Xin Luo" userId="82312ee5779919a4" providerId="LiveId" clId="{98EC8ECB-A80D-1449-ACFE-0D931F29C13A}" dt="2023-02-23T15:47:00.360" v="722" actId="1076"/>
-          <ac:spMkLst>
-            <pc:docMk/>
-            <pc:sldMk cId="972163772" sldId="2720"/>
-            <ac:spMk id="3" creationId="{00000000-0000-0000-0000-000000000000}"/>
-          </ac:spMkLst>
-        </pc:spChg>
-        <pc:spChg chg="mod">
-          <ac:chgData name="Xin Luo" userId="82312ee5779919a4" providerId="LiveId" clId="{98EC8ECB-A80D-1449-ACFE-0D931F29C13A}" dt="2023-02-23T15:47:08.933" v="728" actId="20577"/>
-          <ac:spMkLst>
-            <pc:docMk/>
-            <pc:sldMk cId="972163772" sldId="2720"/>
-            <ac:spMk id="7" creationId="{00000000-0000-0000-0000-000000000000}"/>
-          </ac:spMkLst>
-        </pc:spChg>
-      </pc:sldChg>
-      <pc:sldChg chg="modSp mod">
-        <pc:chgData name="Xin Luo" userId="82312ee5779919a4" providerId="LiveId" clId="{98EC8ECB-A80D-1449-ACFE-0D931F29C13A}" dt="2023-02-23T15:47:17.016" v="729"/>
-        <pc:sldMkLst>
-          <pc:docMk/>
-          <pc:sldMk cId="2689695864" sldId="2721"/>
-        </pc:sldMkLst>
-        <pc:spChg chg="mod">
-          <ac:chgData name="Xin Luo" userId="82312ee5779919a4" providerId="LiveId" clId="{98EC8ECB-A80D-1449-ACFE-0D931F29C13A}" dt="2023-02-23T15:47:17.016" v="729"/>
-          <ac:spMkLst>
-            <pc:docMk/>
-            <pc:sldMk cId="2689695864" sldId="2721"/>
-            <ac:spMk id="3" creationId="{00000000-0000-0000-0000-000000000000}"/>
-          </ac:spMkLst>
-        </pc:spChg>
-      </pc:sldChg>
-      <pc:sldChg chg="delSp modSp mod">
-        <pc:chgData name="Xin Luo" userId="82312ee5779919a4" providerId="LiveId" clId="{98EC8ECB-A80D-1449-ACFE-0D931F29C13A}" dt="2023-02-23T15:47:30.471" v="734" actId="478"/>
-        <pc:sldMkLst>
-          <pc:docMk/>
-          <pc:sldMk cId="1209572041" sldId="2722"/>
-        </pc:sldMkLst>
-        <pc:spChg chg="del mod">
-          <ac:chgData name="Xin Luo" userId="82312ee5779919a4" providerId="LiveId" clId="{98EC8ECB-A80D-1449-ACFE-0D931F29C13A}" dt="2023-02-23T15:47:30.471" v="734" actId="478"/>
-          <ac:spMkLst>
-            <pc:docMk/>
-            <pc:sldMk cId="1209572041" sldId="2722"/>
-            <ac:spMk id="14" creationId="{0DADB612-499B-577C-8C56-FA81A4204DD1}"/>
-          </ac:spMkLst>
-        </pc:spChg>
-      </pc:sldChg>
-      <pc:sldChg chg="del">
-        <pc:chgData name="Xin Luo" userId="82312ee5779919a4" providerId="LiveId" clId="{98EC8ECB-A80D-1449-ACFE-0D931F29C13A}" dt="2023-02-23T15:46:08.434" v="701" actId="2696"/>
-        <pc:sldMkLst>
-          <pc:docMk/>
-          <pc:sldMk cId="353940032" sldId="2725"/>
-        </pc:sldMkLst>
-      </pc:sldChg>
-      <pc:sldChg chg="del">
-        <pc:chgData name="Xin Luo" userId="82312ee5779919a4" providerId="LiveId" clId="{98EC8ECB-A80D-1449-ACFE-0D931F29C13A}" dt="2023-02-23T15:46:08.455" v="709" actId="2696"/>
-        <pc:sldMkLst>
-          <pc:docMk/>
-          <pc:sldMk cId="45083394" sldId="2726"/>
-        </pc:sldMkLst>
-      </pc:sldChg>
-      <pc:sldChg chg="del">
-        <pc:chgData name="Xin Luo" userId="82312ee5779919a4" providerId="LiveId" clId="{98EC8ECB-A80D-1449-ACFE-0D931F29C13A}" dt="2023-02-23T15:46:08.437" v="702" actId="2696"/>
-        <pc:sldMkLst>
-          <pc:docMk/>
-          <pc:sldMk cId="148985918" sldId="2727"/>
-        </pc:sldMkLst>
-      </pc:sldChg>
-      <pc:sldChg chg="del">
-        <pc:chgData name="Xin Luo" userId="82312ee5779919a4" providerId="LiveId" clId="{98EC8ECB-A80D-1449-ACFE-0D931F29C13A}" dt="2023-02-23T15:46:08.445" v="706" actId="2696"/>
-        <pc:sldMkLst>
-          <pc:docMk/>
-          <pc:sldMk cId="3544980656" sldId="2728"/>
-        </pc:sldMkLst>
-      </pc:sldChg>
-      <pc:sldChg chg="del">
-        <pc:chgData name="Xin Luo" userId="82312ee5779919a4" providerId="LiveId" clId="{98EC8ECB-A80D-1449-ACFE-0D931F29C13A}" dt="2023-02-23T15:46:08.448" v="708" actId="2696"/>
-        <pc:sldMkLst>
-          <pc:docMk/>
-          <pc:sldMk cId="1664139585" sldId="2729"/>
-        </pc:sldMkLst>
-      </pc:sldChg>
-      <pc:sldChg chg="del">
-        <pc:chgData name="Xin Luo" userId="82312ee5779919a4" providerId="LiveId" clId="{98EC8ECB-A80D-1449-ACFE-0D931F29C13A}" dt="2023-02-23T15:46:08.446" v="707" actId="2696"/>
-        <pc:sldMkLst>
-          <pc:docMk/>
-          <pc:sldMk cId="3561803108" sldId="2730"/>
-        </pc:sldMkLst>
-      </pc:sldChg>
-      <pc:sldChg chg="del">
-        <pc:chgData name="Xin Luo" userId="82312ee5779919a4" providerId="LiveId" clId="{98EC8ECB-A80D-1449-ACFE-0D931F29C13A}" dt="2023-02-23T15:46:08.439" v="703" actId="2696"/>
-        <pc:sldMkLst>
-          <pc:docMk/>
-          <pc:sldMk cId="236610701" sldId="2731"/>
-        </pc:sldMkLst>
-      </pc:sldChg>
-      <pc:sldChg chg="del">
-        <pc:chgData name="Xin Luo" userId="82312ee5779919a4" providerId="LiveId" clId="{98EC8ECB-A80D-1449-ACFE-0D931F29C13A}" dt="2023-02-23T15:46:08.441" v="704" actId="2696"/>
-        <pc:sldMkLst>
-          <pc:docMk/>
-          <pc:sldMk cId="1986913413" sldId="2732"/>
-        </pc:sldMkLst>
-      </pc:sldChg>
-      <pc:sldChg chg="del">
-        <pc:chgData name="Xin Luo" userId="82312ee5779919a4" providerId="LiveId" clId="{98EC8ECB-A80D-1449-ACFE-0D931F29C13A}" dt="2023-02-23T15:46:08.443" v="705" actId="2696"/>
-        <pc:sldMkLst>
-          <pc:docMk/>
-          <pc:sldMk cId="270311508" sldId="2733"/>
-        </pc:sldMkLst>
-      </pc:sldChg>
-      <pc:sldChg chg="del">
-        <pc:chgData name="Xin Luo" userId="82312ee5779919a4" providerId="LiveId" clId="{98EC8ECB-A80D-1449-ACFE-0D931F29C13A}" dt="2023-02-23T15:47:22.827" v="730" actId="2696"/>
-        <pc:sldMkLst>
-          <pc:docMk/>
-          <pc:sldMk cId="3138813826" sldId="2734"/>
-        </pc:sldMkLst>
-      </pc:sldChg>
-      <pc:sldChg chg="del">
-        <pc:chgData name="Xin Luo" userId="82312ee5779919a4" providerId="LiveId" clId="{98EC8ECB-A80D-1449-ACFE-0D931F29C13A}" dt="2023-02-23T15:47:22.864" v="732" actId="2696"/>
-        <pc:sldMkLst>
-          <pc:docMk/>
-          <pc:sldMk cId="128317883" sldId="2735"/>
-        </pc:sldMkLst>
-      </pc:sldChg>
-      <pc:sldChg chg="del">
-        <pc:chgData name="Xin Luo" userId="82312ee5779919a4" providerId="LiveId" clId="{98EC8ECB-A80D-1449-ACFE-0D931F29C13A}" dt="2023-02-23T15:47:22.829" v="731" actId="2696"/>
-        <pc:sldMkLst>
-          <pc:docMk/>
-          <pc:sldMk cId="383906436" sldId="2736"/>
-        </pc:sldMkLst>
-      </pc:sldChg>
-      <pc:sldChg chg="addSp delSp modSp add mod">
-        <pc:chgData name="Xin Luo" userId="82312ee5779919a4" providerId="LiveId" clId="{98EC8ECB-A80D-1449-ACFE-0D931F29C13A}" dt="2023-02-23T15:45:27.987" v="683" actId="1037"/>
-        <pc:sldMkLst>
-          <pc:docMk/>
-          <pc:sldMk cId="655142816" sldId="2737"/>
-        </pc:sldMkLst>
-        <pc:spChg chg="add del mod">
-          <ac:chgData name="Xin Luo" userId="82312ee5779919a4" providerId="LiveId" clId="{98EC8ECB-A80D-1449-ACFE-0D931F29C13A}" dt="2023-02-23T15:36:38.445" v="650" actId="20577"/>
-          <ac:spMkLst>
-            <pc:docMk/>
-            <pc:sldMk cId="655142816" sldId="2737"/>
-            <ac:spMk id="5" creationId="{78502774-B04C-634F-1396-E5815996BC36}"/>
-          </ac:spMkLst>
-        </pc:spChg>
-        <pc:spChg chg="del mod">
-          <ac:chgData name="Xin Luo" userId="82312ee5779919a4" providerId="LiveId" clId="{98EC8ECB-A80D-1449-ACFE-0D931F29C13A}" dt="2023-02-23T15:31:28.203" v="477" actId="478"/>
-          <ac:spMkLst>
-            <pc:docMk/>
-            <pc:sldMk cId="655142816" sldId="2737"/>
-            <ac:spMk id="8" creationId="{F79B8069-33FF-F2D3-2749-C72697740ACD}"/>
-          </ac:spMkLst>
-        </pc:spChg>
-        <pc:picChg chg="add mod">
-          <ac:chgData name="Xin Luo" userId="82312ee5779919a4" providerId="LiveId" clId="{98EC8ECB-A80D-1449-ACFE-0D931F29C13A}" dt="2023-02-23T15:45:27.987" v="683" actId="1037"/>
-          <ac:picMkLst>
-            <pc:docMk/>
-            <pc:sldMk cId="655142816" sldId="2737"/>
-            <ac:picMk id="1026" creationId="{75908E15-58DA-73BD-95F9-CACD1B8B9D82}"/>
-          </ac:picMkLst>
-        </pc:picChg>
-        <pc:picChg chg="add mod">
-          <ac:chgData name="Xin Luo" userId="82312ee5779919a4" providerId="LiveId" clId="{98EC8ECB-A80D-1449-ACFE-0D931F29C13A}" dt="2023-02-23T15:45:27.987" v="683" actId="1037"/>
-          <ac:picMkLst>
-            <pc:docMk/>
-            <pc:sldMk cId="655142816" sldId="2737"/>
-            <ac:picMk id="1028" creationId="{1E2BFB6C-B7E5-CAF9-B8CC-09A5029EC264}"/>
-          </ac:picMkLst>
-        </pc:picChg>
-        <pc:picChg chg="add mod">
-          <ac:chgData name="Xin Luo" userId="82312ee5779919a4" providerId="LiveId" clId="{98EC8ECB-A80D-1449-ACFE-0D931F29C13A}" dt="2023-02-23T15:45:27.987" v="683" actId="1037"/>
-          <ac:picMkLst>
-            <pc:docMk/>
-            <pc:sldMk cId="655142816" sldId="2737"/>
-            <ac:picMk id="1030" creationId="{CB7EE236-3D18-EC53-3225-10EBB3B4EC77}"/>
-          </ac:picMkLst>
-        </pc:picChg>
-        <pc:picChg chg="add mod">
-          <ac:chgData name="Xin Luo" userId="82312ee5779919a4" providerId="LiveId" clId="{98EC8ECB-A80D-1449-ACFE-0D931F29C13A}" dt="2023-02-23T15:45:27.987" v="683" actId="1037"/>
-          <ac:picMkLst>
-            <pc:docMk/>
-            <pc:sldMk cId="655142816" sldId="2737"/>
-            <ac:picMk id="1032" creationId="{BFA8C7BD-9CEC-ADA1-21BA-0EE8338C6EA3}"/>
-          </ac:picMkLst>
-        </pc:picChg>
-      </pc:sldChg>
-    </pc:docChg>
-  </pc:docChgLst>
-  <pc:docChgLst>
-    <pc:chgData name="Xin Luo" userId="82312ee5779919a4" providerId="LiveId" clId="{ABECCF1F-1CAA-3A42-9710-47D9CB1C5B21}"/>
-    <pc:docChg chg="undo custSel addSld modSld sldOrd">
-      <pc:chgData name="Xin Luo" userId="82312ee5779919a4" providerId="LiveId" clId="{ABECCF1F-1CAA-3A42-9710-47D9CB1C5B21}" dt="2023-08-21T09:31:16.266" v="879" actId="20577"/>
-      <pc:docMkLst>
-        <pc:docMk/>
-      </pc:docMkLst>
-      <pc:sldChg chg="modSp mod">
-        <pc:chgData name="Xin Luo" userId="82312ee5779919a4" providerId="LiveId" clId="{ABECCF1F-1CAA-3A42-9710-47D9CB1C5B21}" dt="2023-08-21T02:55:15.471" v="67" actId="20577"/>
-        <pc:sldMkLst>
-          <pc:docMk/>
-          <pc:sldMk cId="1576120367" sldId="2387"/>
-        </pc:sldMkLst>
-        <pc:spChg chg="mod">
-          <ac:chgData name="Xin Luo" userId="82312ee5779919a4" providerId="LiveId" clId="{ABECCF1F-1CAA-3A42-9710-47D9CB1C5B21}" dt="2023-08-21T02:55:15.471" v="67" actId="20577"/>
-          <ac:spMkLst>
-            <pc:docMk/>
-            <pc:sldMk cId="1576120367" sldId="2387"/>
-            <ac:spMk id="12" creationId="{00000000-0000-0000-0000-000000000000}"/>
-          </ac:spMkLst>
-        </pc:spChg>
-        <pc:spChg chg="mod">
-          <ac:chgData name="Xin Luo" userId="82312ee5779919a4" providerId="LiveId" clId="{ABECCF1F-1CAA-3A42-9710-47D9CB1C5B21}" dt="2023-08-21T02:38:36.931" v="38" actId="20577"/>
-          <ac:spMkLst>
-            <pc:docMk/>
-            <pc:sldMk cId="1576120367" sldId="2387"/>
-            <ac:spMk id="14" creationId="{00000000-0000-0000-0000-000000000000}"/>
-          </ac:spMkLst>
-        </pc:spChg>
-      </pc:sldChg>
-      <pc:sldChg chg="modSp mod">
-        <pc:chgData name="Xin Luo" userId="82312ee5779919a4" providerId="LiveId" clId="{ABECCF1F-1CAA-3A42-9710-47D9CB1C5B21}" dt="2023-08-21T03:50:02.826" v="70" actId="14100"/>
-        <pc:sldMkLst>
-          <pc:docMk/>
-          <pc:sldMk cId="3833073590" sldId="2716"/>
-        </pc:sldMkLst>
-        <pc:spChg chg="mod">
-          <ac:chgData name="Xin Luo" userId="82312ee5779919a4" providerId="LiveId" clId="{ABECCF1F-1CAA-3A42-9710-47D9CB1C5B21}" dt="2023-08-21T03:50:02.826" v="70" actId="14100"/>
-          <ac:spMkLst>
-            <pc:docMk/>
-            <pc:sldMk cId="3833073590" sldId="2716"/>
-            <ac:spMk id="6" creationId="{6741FEA2-C046-FD82-2800-2CB513792080}"/>
-          </ac:spMkLst>
-        </pc:spChg>
-        <pc:picChg chg="mod">
-          <ac:chgData name="Xin Luo" userId="82312ee5779919a4" providerId="LiveId" clId="{ABECCF1F-1CAA-3A42-9710-47D9CB1C5B21}" dt="2023-08-21T03:50:00.106" v="69" actId="1076"/>
-          <ac:picMkLst>
-            <pc:docMk/>
-            <pc:sldMk cId="3833073590" sldId="2716"/>
-            <ac:picMk id="1030" creationId="{C93DB76E-C02F-05AC-2014-674F7E808ADA}"/>
-          </ac:picMkLst>
-        </pc:picChg>
-      </pc:sldChg>
-      <pc:sldChg chg="addSp delSp modSp mod">
-        <pc:chgData name="Xin Luo" userId="82312ee5779919a4" providerId="LiveId" clId="{ABECCF1F-1CAA-3A42-9710-47D9CB1C5B21}" dt="2023-08-21T03:52:56.239" v="118"/>
-        <pc:sldMkLst>
-          <pc:docMk/>
-          <pc:sldMk cId="2776132283" sldId="2739"/>
-        </pc:sldMkLst>
-        <pc:spChg chg="add del mod">
-          <ac:chgData name="Xin Luo" userId="82312ee5779919a4" providerId="LiveId" clId="{ABECCF1F-1CAA-3A42-9710-47D9CB1C5B21}" dt="2023-08-21T03:52:56.239" v="118"/>
-          <ac:spMkLst>
-            <pc:docMk/>
-            <pc:sldMk cId="2776132283" sldId="2739"/>
-            <ac:spMk id="4" creationId="{0411BEA9-35E9-6B80-5BDE-4EEB0EC8EBCB}"/>
-          </ac:spMkLst>
-        </pc:spChg>
-        <pc:spChg chg="mod">
-          <ac:chgData name="Xin Luo" userId="82312ee5779919a4" providerId="LiveId" clId="{ABECCF1F-1CAA-3A42-9710-47D9CB1C5B21}" dt="2023-08-21T03:50:50.271" v="115" actId="20577"/>
-          <ac:spMkLst>
-            <pc:docMk/>
-            <pc:sldMk cId="2776132283" sldId="2739"/>
-            <ac:spMk id="6" creationId="{6741FEA2-C046-FD82-2800-2CB513792080}"/>
-          </ac:spMkLst>
-        </pc:spChg>
-      </pc:sldChg>
-      <pc:sldChg chg="addSp modSp mod ord">
-        <pc:chgData name="Xin Luo" userId="82312ee5779919a4" providerId="LiveId" clId="{ABECCF1F-1CAA-3A42-9710-47D9CB1C5B21}" dt="2023-08-21T07:26:51.742" v="177" actId="20578"/>
-        <pc:sldMkLst>
-          <pc:docMk/>
-          <pc:sldMk cId="4194482579" sldId="2743"/>
-        </pc:sldMkLst>
-        <pc:spChg chg="mod">
-          <ac:chgData name="Xin Luo" userId="82312ee5779919a4" providerId="LiveId" clId="{ABECCF1F-1CAA-3A42-9710-47D9CB1C5B21}" dt="2023-08-21T03:59:16.975" v="136" actId="1076"/>
-          <ac:spMkLst>
-            <pc:docMk/>
-            <pc:sldMk cId="4194482579" sldId="2743"/>
-            <ac:spMk id="6" creationId="{6741FEA2-C046-FD82-2800-2CB513792080}"/>
-          </ac:spMkLst>
-        </pc:spChg>
-        <pc:picChg chg="add mod">
-          <ac:chgData name="Xin Luo" userId="82312ee5779919a4" providerId="LiveId" clId="{ABECCF1F-1CAA-3A42-9710-47D9CB1C5B21}" dt="2023-08-21T04:10:13.653" v="140" actId="1076"/>
-          <ac:picMkLst>
-            <pc:docMk/>
-            <pc:sldMk cId="4194482579" sldId="2743"/>
-            <ac:picMk id="5" creationId="{9ADF8EDA-38B9-3779-D260-4F6A4E5D19BA}"/>
-          </ac:picMkLst>
-        </pc:picChg>
-      </pc:sldChg>
-      <pc:sldChg chg="addSp delSp modSp add mod">
-        <pc:chgData name="Xin Luo" userId="82312ee5779919a4" providerId="LiveId" clId="{ABECCF1F-1CAA-3A42-9710-47D9CB1C5B21}" dt="2023-08-21T07:50:33.166" v="356" actId="20577"/>
-        <pc:sldMkLst>
-          <pc:docMk/>
-          <pc:sldMk cId="738332523" sldId="2751"/>
-        </pc:sldMkLst>
-        <pc:spChg chg="mod">
-          <ac:chgData name="Xin Luo" userId="82312ee5779919a4" providerId="LiveId" clId="{ABECCF1F-1CAA-3A42-9710-47D9CB1C5B21}" dt="2023-08-21T07:50:33.166" v="356" actId="20577"/>
-          <ac:spMkLst>
-            <pc:docMk/>
-            <pc:sldMk cId="738332523" sldId="2751"/>
-            <ac:spMk id="6" creationId="{6741FEA2-C046-FD82-2800-2CB513792080}"/>
-          </ac:spMkLst>
-        </pc:spChg>
-        <pc:spChg chg="add mod">
-          <ac:chgData name="Xin Luo" userId="82312ee5779919a4" providerId="LiveId" clId="{ABECCF1F-1CAA-3A42-9710-47D9CB1C5B21}" dt="2023-08-21T07:34:15.357" v="219" actId="1582"/>
-          <ac:spMkLst>
-            <pc:docMk/>
-            <pc:sldMk cId="738332523" sldId="2751"/>
-            <ac:spMk id="9" creationId="{7DC24FD0-4314-6A12-D955-592B771F546D}"/>
-          </ac:spMkLst>
-        </pc:spChg>
-        <pc:spChg chg="add mod">
-          <ac:chgData name="Xin Luo" userId="82312ee5779919a4" providerId="LiveId" clId="{ABECCF1F-1CAA-3A42-9710-47D9CB1C5B21}" dt="2023-08-21T07:34:15.357" v="219" actId="1582"/>
-          <ac:spMkLst>
-            <pc:docMk/>
-            <pc:sldMk cId="738332523" sldId="2751"/>
-            <ac:spMk id="10" creationId="{99C411EF-3CC5-A5C6-671F-2074FAC1B2AA}"/>
-          </ac:spMkLst>
-        </pc:spChg>
-        <pc:picChg chg="del">
-          <ac:chgData name="Xin Luo" userId="82312ee5779919a4" providerId="LiveId" clId="{ABECCF1F-1CAA-3A42-9710-47D9CB1C5B21}" dt="2023-08-21T04:10:31.596" v="142" actId="478"/>
-          <ac:picMkLst>
-            <pc:docMk/>
-            <pc:sldMk cId="738332523" sldId="2751"/>
-            <ac:picMk id="5" creationId="{9ADF8EDA-38B9-3779-D260-4F6A4E5D19BA}"/>
-          </ac:picMkLst>
-        </pc:picChg>
-        <pc:picChg chg="add mod">
-          <ac:chgData name="Xin Luo" userId="82312ee5779919a4" providerId="LiveId" clId="{ABECCF1F-1CAA-3A42-9710-47D9CB1C5B21}" dt="2023-08-21T07:32:54.017" v="202" actId="14100"/>
-          <ac:picMkLst>
-            <pc:docMk/>
-            <pc:sldMk cId="738332523" sldId="2751"/>
-            <ac:picMk id="5" creationId="{BE72E01E-2598-0120-36F4-36F0A128ED69}"/>
-          </ac:picMkLst>
-        </pc:picChg>
-        <pc:picChg chg="add mod">
-          <ac:chgData name="Xin Luo" userId="82312ee5779919a4" providerId="LiveId" clId="{ABECCF1F-1CAA-3A42-9710-47D9CB1C5B21}" dt="2023-08-21T07:32:58.176" v="211" actId="1037"/>
-          <ac:picMkLst>
-            <pc:docMk/>
-            <pc:sldMk cId="738332523" sldId="2751"/>
-            <ac:picMk id="8" creationId="{BE0108F0-EC07-C1EA-3126-BA6F63A1A7B8}"/>
-          </ac:picMkLst>
-        </pc:picChg>
-      </pc:sldChg>
-      <pc:sldChg chg="addSp delSp modSp add mod">
-        <pc:chgData name="Xin Luo" userId="82312ee5779919a4" providerId="LiveId" clId="{ABECCF1F-1CAA-3A42-9710-47D9CB1C5B21}" dt="2023-08-21T07:50:29.891" v="352" actId="20577"/>
-        <pc:sldMkLst>
-          <pc:docMk/>
-          <pc:sldMk cId="3189639985" sldId="2752"/>
-        </pc:sldMkLst>
-        <pc:spChg chg="mod">
-          <ac:chgData name="Xin Luo" userId="82312ee5779919a4" providerId="LiveId" clId="{ABECCF1F-1CAA-3A42-9710-47D9CB1C5B21}" dt="2023-08-21T07:50:29.891" v="352" actId="20577"/>
-          <ac:spMkLst>
-            <pc:docMk/>
-            <pc:sldMk cId="3189639985" sldId="2752"/>
-            <ac:spMk id="6" creationId="{6741FEA2-C046-FD82-2800-2CB513792080}"/>
-          </ac:spMkLst>
-        </pc:spChg>
-        <pc:spChg chg="del">
-          <ac:chgData name="Xin Luo" userId="82312ee5779919a4" providerId="LiveId" clId="{ABECCF1F-1CAA-3A42-9710-47D9CB1C5B21}" dt="2023-08-21T07:35:06.445" v="254" actId="478"/>
-          <ac:spMkLst>
-            <pc:docMk/>
-            <pc:sldMk cId="3189639985" sldId="2752"/>
-            <ac:spMk id="9" creationId="{7DC24FD0-4314-6A12-D955-592B771F546D}"/>
-          </ac:spMkLst>
-        </pc:spChg>
-        <pc:spChg chg="del">
-          <ac:chgData name="Xin Luo" userId="82312ee5779919a4" providerId="LiveId" clId="{ABECCF1F-1CAA-3A42-9710-47D9CB1C5B21}" dt="2023-08-21T07:35:05.287" v="253" actId="478"/>
-          <ac:spMkLst>
-            <pc:docMk/>
-            <pc:sldMk cId="3189639985" sldId="2752"/>
-            <ac:spMk id="10" creationId="{99C411EF-3CC5-A5C6-671F-2074FAC1B2AA}"/>
-          </ac:spMkLst>
-        </pc:spChg>
-        <pc:spChg chg="add mod">
-          <ac:chgData name="Xin Luo" userId="82312ee5779919a4" providerId="LiveId" clId="{ABECCF1F-1CAA-3A42-9710-47D9CB1C5B21}" dt="2023-08-21T07:40:48.338" v="306" actId="1036"/>
-          <ac:spMkLst>
-            <pc:docMk/>
-            <pc:sldMk cId="3189639985" sldId="2752"/>
-            <ac:spMk id="11" creationId="{C402EBD9-8BC8-2A75-1218-C7F537BD4F74}"/>
-          </ac:spMkLst>
-        </pc:spChg>
-        <pc:picChg chg="del">
-          <ac:chgData name="Xin Luo" userId="82312ee5779919a4" providerId="LiveId" clId="{ABECCF1F-1CAA-3A42-9710-47D9CB1C5B21}" dt="2023-08-21T07:35:02.911" v="251" actId="478"/>
-          <ac:picMkLst>
-            <pc:docMk/>
-            <pc:sldMk cId="3189639985" sldId="2752"/>
-            <ac:picMk id="5" creationId="{BE72E01E-2598-0120-36F4-36F0A128ED69}"/>
-          </ac:picMkLst>
-        </pc:picChg>
-        <pc:picChg chg="add mod">
-          <ac:chgData name="Xin Luo" userId="82312ee5779919a4" providerId="LiveId" clId="{ABECCF1F-1CAA-3A42-9710-47D9CB1C5B21}" dt="2023-08-21T07:39:33.543" v="260" actId="1076"/>
-          <ac:picMkLst>
-            <pc:docMk/>
-            <pc:sldMk cId="3189639985" sldId="2752"/>
-            <ac:picMk id="7" creationId="{24022410-0AAA-D584-D160-5FF352C689F2}"/>
-          </ac:picMkLst>
-        </pc:picChg>
-        <pc:picChg chg="del">
-          <ac:chgData name="Xin Luo" userId="82312ee5779919a4" providerId="LiveId" clId="{ABECCF1F-1CAA-3A42-9710-47D9CB1C5B21}" dt="2023-08-21T07:35:04.316" v="252" actId="478"/>
-          <ac:picMkLst>
-            <pc:docMk/>
-            <pc:sldMk cId="3189639985" sldId="2752"/>
-            <ac:picMk id="8" creationId="{BE0108F0-EC07-C1EA-3126-BA6F63A1A7B8}"/>
-          </ac:picMkLst>
-        </pc:picChg>
-      </pc:sldChg>
-      <pc:sldChg chg="addSp delSp modSp add mod">
-        <pc:chgData name="Xin Luo" userId="82312ee5779919a4" providerId="LiveId" clId="{ABECCF1F-1CAA-3A42-9710-47D9CB1C5B21}" dt="2023-08-21T08:59:24.857" v="602" actId="478"/>
-        <pc:sldMkLst>
-          <pc:docMk/>
-          <pc:sldMk cId="2878944048" sldId="2753"/>
-        </pc:sldMkLst>
-        <pc:spChg chg="add mod">
-          <ac:chgData name="Xin Luo" userId="82312ee5779919a4" providerId="LiveId" clId="{ABECCF1F-1CAA-3A42-9710-47D9CB1C5B21}" dt="2023-08-21T08:50:36.994" v="558" actId="1035"/>
-          <ac:spMkLst>
-            <pc:docMk/>
-            <pc:sldMk cId="2878944048" sldId="2753"/>
-            <ac:spMk id="4" creationId="{7C941D71-E279-B2E7-21F9-0FFA72E7FAD1}"/>
-          </ac:spMkLst>
-        </pc:spChg>
-        <pc:spChg chg="add mod">
-          <ac:chgData name="Xin Luo" userId="82312ee5779919a4" providerId="LiveId" clId="{ABECCF1F-1CAA-3A42-9710-47D9CB1C5B21}" dt="2023-08-21T08:57:49.557" v="576" actId="20577"/>
-          <ac:spMkLst>
-            <pc:docMk/>
-            <pc:sldMk cId="2878944048" sldId="2753"/>
-            <ac:spMk id="5" creationId="{94F1BB64-6BD2-B2BF-B804-61A5AE170068}"/>
-          </ac:spMkLst>
-        </pc:spChg>
-        <pc:spChg chg="mod">
-          <ac:chgData name="Xin Luo" userId="82312ee5779919a4" providerId="LiveId" clId="{ABECCF1F-1CAA-3A42-9710-47D9CB1C5B21}" dt="2023-08-21T07:50:17.070" v="348" actId="20577"/>
-          <ac:spMkLst>
-            <pc:docMk/>
-            <pc:sldMk cId="2878944048" sldId="2753"/>
-            <ac:spMk id="6" creationId="{6741FEA2-C046-FD82-2800-2CB513792080}"/>
-          </ac:spMkLst>
-        </pc:spChg>
-        <pc:spChg chg="add del mod">
-          <ac:chgData name="Xin Luo" userId="82312ee5779919a4" providerId="LiveId" clId="{ABECCF1F-1CAA-3A42-9710-47D9CB1C5B21}" dt="2023-08-21T08:59:24.857" v="602" actId="478"/>
-          <ac:spMkLst>
-            <pc:docMk/>
-            <pc:sldMk cId="2878944048" sldId="2753"/>
-            <ac:spMk id="8" creationId="{A2337412-D749-2149-F722-E14B45A47143}"/>
-          </ac:spMkLst>
-        </pc:spChg>
-        <pc:spChg chg="add del mod">
-          <ac:chgData name="Xin Luo" userId="82312ee5779919a4" providerId="LiveId" clId="{ABECCF1F-1CAA-3A42-9710-47D9CB1C5B21}" dt="2023-08-21T08:59:23.825" v="601" actId="478"/>
-          <ac:spMkLst>
-            <pc:docMk/>
-            <pc:sldMk cId="2878944048" sldId="2753"/>
-            <ac:spMk id="10" creationId="{5FE06F54-CFCF-1F7B-8703-FF45449C4348}"/>
-          </ac:spMkLst>
-        </pc:spChg>
-        <pc:spChg chg="mod">
-          <ac:chgData name="Xin Luo" userId="82312ee5779919a4" providerId="LiveId" clId="{ABECCF1F-1CAA-3A42-9710-47D9CB1C5B21}" dt="2023-08-21T08:23:18.853" v="465" actId="1076"/>
-          <ac:spMkLst>
-            <pc:docMk/>
-            <pc:sldMk cId="2878944048" sldId="2753"/>
-            <ac:spMk id="11" creationId="{C402EBD9-8BC8-2A75-1218-C7F537BD4F74}"/>
-          </ac:spMkLst>
-        </pc:spChg>
-        <pc:picChg chg="del">
-          <ac:chgData name="Xin Luo" userId="82312ee5779919a4" providerId="LiveId" clId="{ABECCF1F-1CAA-3A42-9710-47D9CB1C5B21}" dt="2023-08-21T08:21:53.593" v="357" actId="478"/>
-          <ac:picMkLst>
-            <pc:docMk/>
-            <pc:sldMk cId="2878944048" sldId="2753"/>
-            <ac:picMk id="7" creationId="{24022410-0AAA-D584-D160-5FF352C689F2}"/>
-          </ac:picMkLst>
-        </pc:picChg>
-      </pc:sldChg>
-      <pc:sldChg chg="addSp delSp modSp add mod">
-        <pc:chgData name="Xin Luo" userId="82312ee5779919a4" providerId="LiveId" clId="{ABECCF1F-1CAA-3A42-9710-47D9CB1C5B21}" dt="2023-08-21T09:09:03.859" v="781" actId="14100"/>
-        <pc:sldMkLst>
-          <pc:docMk/>
-          <pc:sldMk cId="2927474256" sldId="2754"/>
-        </pc:sldMkLst>
-        <pc:spChg chg="del">
-          <ac:chgData name="Xin Luo" userId="82312ee5779919a4" providerId="LiveId" clId="{ABECCF1F-1CAA-3A42-9710-47D9CB1C5B21}" dt="2023-08-21T08:59:29.253" v="603" actId="478"/>
-          <ac:spMkLst>
-            <pc:docMk/>
-            <pc:sldMk cId="2927474256" sldId="2754"/>
-            <ac:spMk id="4" creationId="{7C941D71-E279-B2E7-21F9-0FFA72E7FAD1}"/>
-          </ac:spMkLst>
-        </pc:spChg>
-        <pc:spChg chg="del">
-          <ac:chgData name="Xin Luo" userId="82312ee5779919a4" providerId="LiveId" clId="{ABECCF1F-1CAA-3A42-9710-47D9CB1C5B21}" dt="2023-08-21T08:59:29.253" v="603" actId="478"/>
-          <ac:spMkLst>
-            <pc:docMk/>
-            <pc:sldMk cId="2927474256" sldId="2754"/>
-            <ac:spMk id="5" creationId="{94F1BB64-6BD2-B2BF-B804-61A5AE170068}"/>
-          </ac:spMkLst>
-        </pc:spChg>
-        <pc:spChg chg="del">
-          <ac:chgData name="Xin Luo" userId="82312ee5779919a4" providerId="LiveId" clId="{ABECCF1F-1CAA-3A42-9710-47D9CB1C5B21}" dt="2023-08-21T08:59:29.253" v="603" actId="478"/>
-          <ac:spMkLst>
-            <pc:docMk/>
-            <pc:sldMk cId="2927474256" sldId="2754"/>
-            <ac:spMk id="6" creationId="{6741FEA2-C046-FD82-2800-2CB513792080}"/>
-          </ac:spMkLst>
-        </pc:spChg>
-        <pc:spChg chg="mod">
-          <ac:chgData name="Xin Luo" userId="82312ee5779919a4" providerId="LiveId" clId="{ABECCF1F-1CAA-3A42-9710-47D9CB1C5B21}" dt="2023-08-21T09:08:39.577" v="757" actId="1035"/>
-          <ac:spMkLst>
-            <pc:docMk/>
-            <pc:sldMk cId="2927474256" sldId="2754"/>
-            <ac:spMk id="8" creationId="{A2337412-D749-2149-F722-E14B45A47143}"/>
-          </ac:spMkLst>
-        </pc:spChg>
-        <pc:spChg chg="mod">
-          <ac:chgData name="Xin Luo" userId="82312ee5779919a4" providerId="LiveId" clId="{ABECCF1F-1CAA-3A42-9710-47D9CB1C5B21}" dt="2023-08-21T09:08:39.577" v="757" actId="1035"/>
-          <ac:spMkLst>
-            <pc:docMk/>
-            <pc:sldMk cId="2927474256" sldId="2754"/>
-            <ac:spMk id="10" creationId="{5FE06F54-CFCF-1F7B-8703-FF45449C4348}"/>
-          </ac:spMkLst>
-        </pc:spChg>
-        <pc:spChg chg="del">
-          <ac:chgData name="Xin Luo" userId="82312ee5779919a4" providerId="LiveId" clId="{ABECCF1F-1CAA-3A42-9710-47D9CB1C5B21}" dt="2023-08-21T08:59:29.253" v="603" actId="478"/>
-          <ac:spMkLst>
-            <pc:docMk/>
-            <pc:sldMk cId="2927474256" sldId="2754"/>
-            <ac:spMk id="11" creationId="{C402EBD9-8BC8-2A75-1218-C7F537BD4F74}"/>
-          </ac:spMkLst>
-        </pc:spChg>
-        <pc:spChg chg="add mod">
-          <ac:chgData name="Xin Luo" userId="82312ee5779919a4" providerId="LiveId" clId="{ABECCF1F-1CAA-3A42-9710-47D9CB1C5B21}" dt="2023-08-21T09:08:39.577" v="757" actId="1035"/>
-          <ac:spMkLst>
-            <pc:docMk/>
-            <pc:sldMk cId="2927474256" sldId="2754"/>
-            <ac:spMk id="16" creationId="{2EA13607-3EE9-0EBE-2310-AB66CADD8400}"/>
-          </ac:spMkLst>
-        </pc:spChg>
-        <pc:spChg chg="add mod">
-          <ac:chgData name="Xin Luo" userId="82312ee5779919a4" providerId="LiveId" clId="{ABECCF1F-1CAA-3A42-9710-47D9CB1C5B21}" dt="2023-08-21T09:08:39.577" v="757" actId="1035"/>
-          <ac:spMkLst>
-            <pc:docMk/>
-            <pc:sldMk cId="2927474256" sldId="2754"/>
-            <ac:spMk id="17" creationId="{8CFF8A22-C033-47DF-8707-CA76F142CBBA}"/>
-          </ac:spMkLst>
-        </pc:spChg>
-        <pc:spChg chg="add mod">
-          <ac:chgData name="Xin Luo" userId="82312ee5779919a4" providerId="LiveId" clId="{ABECCF1F-1CAA-3A42-9710-47D9CB1C5B21}" dt="2023-08-21T09:09:03.859" v="781" actId="14100"/>
-          <ac:spMkLst>
-            <pc:docMk/>
-            <pc:sldMk cId="2927474256" sldId="2754"/>
-            <ac:spMk id="19" creationId="{F1F8BC3A-2851-66F8-445F-CC5C10AB9E4F}"/>
-          </ac:spMkLst>
-        </pc:spChg>
-        <pc:grpChg chg="add mod">
-          <ac:chgData name="Xin Luo" userId="82312ee5779919a4" providerId="LiveId" clId="{ABECCF1F-1CAA-3A42-9710-47D9CB1C5B21}" dt="2023-08-21T09:08:55.770" v="774" actId="1036"/>
-          <ac:grpSpMkLst>
-            <pc:docMk/>
-            <pc:sldMk cId="2927474256" sldId="2754"/>
-            <ac:grpSpMk id="20" creationId="{8AA7B3E2-1D42-96C9-43F0-1F320D3EFD63}"/>
-          </ac:grpSpMkLst>
-        </pc:grpChg>
-        <pc:picChg chg="add mod modCrop">
-          <ac:chgData name="Xin Luo" userId="82312ee5779919a4" providerId="LiveId" clId="{ABECCF1F-1CAA-3A42-9710-47D9CB1C5B21}" dt="2023-08-21T09:08:55.770" v="774" actId="1036"/>
-          <ac:picMkLst>
-            <pc:docMk/>
-            <pc:sldMk cId="2927474256" sldId="2754"/>
-            <ac:picMk id="9" creationId="{0CF46726-2B51-43A4-FDEF-A6131C46F05F}"/>
-          </ac:picMkLst>
-        </pc:picChg>
-        <pc:picChg chg="add del mod">
-          <ac:chgData name="Xin Luo" userId="82312ee5779919a4" providerId="LiveId" clId="{ABECCF1F-1CAA-3A42-9710-47D9CB1C5B21}" dt="2023-08-21T09:04:37.137" v="680" actId="478"/>
-          <ac:picMkLst>
-            <pc:docMk/>
-            <pc:sldMk cId="2927474256" sldId="2754"/>
-            <ac:picMk id="13" creationId="{2C310207-BBE2-954A-9122-8957AF07383A}"/>
-          </ac:picMkLst>
-        </pc:picChg>
-        <pc:picChg chg="add mod modCrop">
-          <ac:chgData name="Xin Luo" userId="82312ee5779919a4" providerId="LiveId" clId="{ABECCF1F-1CAA-3A42-9710-47D9CB1C5B21}" dt="2023-08-21T09:08:39.577" v="757" actId="1035"/>
-          <ac:picMkLst>
-            <pc:docMk/>
-            <pc:sldMk cId="2927474256" sldId="2754"/>
-            <ac:picMk id="15" creationId="{639D3A36-F4F5-4F0C-7519-97D401E3DE91}"/>
-          </ac:picMkLst>
-        </pc:picChg>
-      </pc:sldChg>
-      <pc:sldChg chg="delSp modSp add mod">
-        <pc:chgData name="Xin Luo" userId="82312ee5779919a4" providerId="LiveId" clId="{ABECCF1F-1CAA-3A42-9710-47D9CB1C5B21}" dt="2023-08-21T09:31:16.266" v="879" actId="20577"/>
-        <pc:sldMkLst>
-          <pc:docMk/>
-          <pc:sldMk cId="3593416967" sldId="2755"/>
-        </pc:sldMkLst>
-        <pc:spChg chg="mod">
-          <ac:chgData name="Xin Luo" userId="82312ee5779919a4" providerId="LiveId" clId="{ABECCF1F-1CAA-3A42-9710-47D9CB1C5B21}" dt="2023-08-21T09:31:03.242" v="873" actId="20577"/>
-          <ac:spMkLst>
-            <pc:docMk/>
-            <pc:sldMk cId="3593416967" sldId="2755"/>
-            <ac:spMk id="8" creationId="{A2337412-D749-2149-F722-E14B45A47143}"/>
-          </ac:spMkLst>
-        </pc:spChg>
-        <pc:spChg chg="mod">
-          <ac:chgData name="Xin Luo" userId="82312ee5779919a4" providerId="LiveId" clId="{ABECCF1F-1CAA-3A42-9710-47D9CB1C5B21}" dt="2023-08-21T09:31:16.266" v="879" actId="20577"/>
-          <ac:spMkLst>
-            <pc:docMk/>
-            <pc:sldMk cId="3593416967" sldId="2755"/>
-            <ac:spMk id="10" creationId="{5FE06F54-CFCF-1F7B-8703-FF45449C4348}"/>
-          </ac:spMkLst>
-        </pc:spChg>
-        <pc:grpChg chg="del">
-          <ac:chgData name="Xin Luo" userId="82312ee5779919a4" providerId="LiveId" clId="{ABECCF1F-1CAA-3A42-9710-47D9CB1C5B21}" dt="2023-08-21T09:31:06.835" v="875" actId="478"/>
-          <ac:grpSpMkLst>
-            <pc:docMk/>
-            <pc:sldMk cId="3593416967" sldId="2755"/>
-            <ac:grpSpMk id="20" creationId="{8AA7B3E2-1D42-96C9-43F0-1F320D3EFD63}"/>
-          </ac:grpSpMkLst>
-        </pc:grpChg>
-        <pc:picChg chg="del">
-          <ac:chgData name="Xin Luo" userId="82312ee5779919a4" providerId="LiveId" clId="{ABECCF1F-1CAA-3A42-9710-47D9CB1C5B21}" dt="2023-08-21T09:31:06.186" v="874" actId="478"/>
-          <ac:picMkLst>
-            <pc:docMk/>
-            <pc:sldMk cId="3593416967" sldId="2755"/>
-            <ac:picMk id="9" creationId="{0CF46726-2B51-43A4-FDEF-A6131C46F05F}"/>
-          </ac:picMkLst>
-        </pc:picChg>
-      </pc:sldChg>
-    </pc:docChg>
-  </pc:docChgLst>
-  <pc:docChgLst>
-    <pc:chgData name="Xin Luo" userId="82312ee5779919a4" providerId="LiveId" clId="{29E7ABFC-417D-A440-83A3-A298EBBA6161}"/>
-    <pc:docChg chg="custSel addSld delSld modSld">
-      <pc:chgData name="Xin Luo" userId="82312ee5779919a4" providerId="LiveId" clId="{29E7ABFC-417D-A440-83A3-A298EBBA6161}" dt="2024-04-14T15:37:57.348" v="1338" actId="478"/>
-      <pc:docMkLst>
-        <pc:docMk/>
-      </pc:docMkLst>
-      <pc:sldChg chg="modSp mod">
-        <pc:chgData name="Xin Luo" userId="82312ee5779919a4" providerId="LiveId" clId="{29E7ABFC-417D-A440-83A3-A298EBBA6161}" dt="2024-04-14T14:34:18.959" v="64" actId="20577"/>
-        <pc:sldMkLst>
-          <pc:docMk/>
-          <pc:sldMk cId="1576120367" sldId="2387"/>
-        </pc:sldMkLst>
-        <pc:spChg chg="mod">
-          <ac:chgData name="Xin Luo" userId="82312ee5779919a4" providerId="LiveId" clId="{29E7ABFC-417D-A440-83A3-A298EBBA6161}" dt="2024-04-14T14:34:06.632" v="34" actId="20577"/>
-          <ac:spMkLst>
-            <pc:docMk/>
-            <pc:sldMk cId="1576120367" sldId="2387"/>
-            <ac:spMk id="5" creationId="{494DAA55-5621-28DB-D255-E0EBB6C6477B}"/>
-          </ac:spMkLst>
-        </pc:spChg>
-        <pc:spChg chg="mod">
-          <ac:chgData name="Xin Luo" userId="82312ee5779919a4" providerId="LiveId" clId="{29E7ABFC-417D-A440-83A3-A298EBBA6161}" dt="2024-04-14T14:34:18.959" v="64" actId="20577"/>
-          <ac:spMkLst>
-            <pc:docMk/>
-            <pc:sldMk cId="1576120367" sldId="2387"/>
-            <ac:spMk id="12" creationId="{00000000-0000-0000-0000-000000000000}"/>
-          </ac:spMkLst>
-        </pc:spChg>
-        <pc:spChg chg="mod">
-          <ac:chgData name="Xin Luo" userId="82312ee5779919a4" providerId="LiveId" clId="{29E7ABFC-417D-A440-83A3-A298EBBA6161}" dt="2024-04-14T14:34:12.874" v="51" actId="20577"/>
-          <ac:spMkLst>
-            <pc:docMk/>
-            <pc:sldMk cId="1576120367" sldId="2387"/>
-            <ac:spMk id="14" creationId="{00000000-0000-0000-0000-000000000000}"/>
-          </ac:spMkLst>
-        </pc:spChg>
-      </pc:sldChg>
-      <pc:sldChg chg="modSp mod">
-        <pc:chgData name="Xin Luo" userId="82312ee5779919a4" providerId="LiveId" clId="{29E7ABFC-417D-A440-83A3-A298EBBA6161}" dt="2024-04-14T14:36:01.511" v="89" actId="20577"/>
-        <pc:sldMkLst>
-          <pc:docMk/>
-          <pc:sldMk cId="2415901206" sldId="2447"/>
-        </pc:sldMkLst>
-        <pc:spChg chg="mod">
-          <ac:chgData name="Xin Luo" userId="82312ee5779919a4" providerId="LiveId" clId="{29E7ABFC-417D-A440-83A3-A298EBBA6161}" dt="2024-04-14T14:36:01.511" v="89" actId="20577"/>
-          <ac:spMkLst>
-            <pc:docMk/>
-            <pc:sldMk cId="2415901206" sldId="2447"/>
-            <ac:spMk id="7" creationId="{00000000-0000-0000-0000-000000000000}"/>
-          </ac:spMkLst>
-        </pc:spChg>
-      </pc:sldChg>
-      <pc:sldChg chg="modSp mod">
-        <pc:chgData name="Xin Luo" userId="82312ee5779919a4" providerId="LiveId" clId="{29E7ABFC-417D-A440-83A3-A298EBBA6161}" dt="2024-04-14T14:24:31.282" v="2" actId="404"/>
-        <pc:sldMkLst>
-          <pc:docMk/>
-          <pc:sldMk cId="1658607177" sldId="2708"/>
-        </pc:sldMkLst>
-        <pc:spChg chg="mod">
-          <ac:chgData name="Xin Luo" userId="82312ee5779919a4" providerId="LiveId" clId="{29E7ABFC-417D-A440-83A3-A298EBBA6161}" dt="2024-04-14T14:24:31.282" v="2" actId="404"/>
-          <ac:spMkLst>
-            <pc:docMk/>
-            <pc:sldMk cId="1658607177" sldId="2708"/>
-            <ac:spMk id="24" creationId="{00000000-0000-0000-0000-000000000000}"/>
-          </ac:spMkLst>
-        </pc:spChg>
-      </pc:sldChg>
-      <pc:sldChg chg="modSp mod">
-        <pc:chgData name="Xin Luo" userId="82312ee5779919a4" providerId="LiveId" clId="{29E7ABFC-417D-A440-83A3-A298EBBA6161}" dt="2024-04-14T14:36:08.596" v="108" actId="20577"/>
-        <pc:sldMkLst>
-          <pc:docMk/>
-          <pc:sldMk cId="481122590" sldId="2709"/>
-        </pc:sldMkLst>
-        <pc:spChg chg="mod">
-          <ac:chgData name="Xin Luo" userId="82312ee5779919a4" providerId="LiveId" clId="{29E7ABFC-417D-A440-83A3-A298EBBA6161}" dt="2024-04-14T14:36:08.596" v="108" actId="20577"/>
-          <ac:spMkLst>
-            <pc:docMk/>
-            <pc:sldMk cId="481122590" sldId="2709"/>
-            <ac:spMk id="7" creationId="{00000000-0000-0000-0000-000000000000}"/>
-          </ac:spMkLst>
-        </pc:spChg>
-      </pc:sldChg>
-      <pc:sldChg chg="del">
-        <pc:chgData name="Xin Luo" userId="82312ee5779919a4" providerId="LiveId" clId="{29E7ABFC-417D-A440-83A3-A298EBBA6161}" dt="2024-04-14T14:37:08.145" v="158" actId="2696"/>
-        <pc:sldMkLst>
-          <pc:docMk/>
-          <pc:sldMk cId="3833073590" sldId="2716"/>
-        </pc:sldMkLst>
-      </pc:sldChg>
-      <pc:sldChg chg="del">
-        <pc:chgData name="Xin Luo" userId="82312ee5779919a4" providerId="LiveId" clId="{29E7ABFC-417D-A440-83A3-A298EBBA6161}" dt="2024-04-14T14:37:11.722" v="159" actId="2696"/>
-        <pc:sldMkLst>
-          <pc:docMk/>
-          <pc:sldMk cId="972163772" sldId="2720"/>
-        </pc:sldMkLst>
-      </pc:sldChg>
-      <pc:sldChg chg="del">
-        <pc:chgData name="Xin Luo" userId="82312ee5779919a4" providerId="LiveId" clId="{29E7ABFC-417D-A440-83A3-A298EBBA6161}" dt="2024-04-14T14:37:13.226" v="160" actId="2696"/>
-        <pc:sldMkLst>
-          <pc:docMk/>
-          <pc:sldMk cId="2689695864" sldId="2721"/>
-        </pc:sldMkLst>
-      </pc:sldChg>
-      <pc:sldChg chg="modSp add mod">
-        <pc:chgData name="Xin Luo" userId="82312ee5779919a4" providerId="LiveId" clId="{29E7ABFC-417D-A440-83A3-A298EBBA6161}" dt="2024-04-14T14:36:17.597" v="125" actId="20577"/>
-        <pc:sldMkLst>
-          <pc:docMk/>
-          <pc:sldMk cId="2208625786" sldId="2761"/>
-        </pc:sldMkLst>
-        <pc:spChg chg="mod">
-          <ac:chgData name="Xin Luo" userId="82312ee5779919a4" providerId="LiveId" clId="{29E7ABFC-417D-A440-83A3-A298EBBA6161}" dt="2024-04-14T14:36:17.597" v="125" actId="20577"/>
-          <ac:spMkLst>
-            <pc:docMk/>
-            <pc:sldMk cId="2208625786" sldId="2761"/>
-            <ac:spMk id="7" creationId="{00000000-0000-0000-0000-000000000000}"/>
-          </ac:spMkLst>
-        </pc:spChg>
-      </pc:sldChg>
-      <pc:sldChg chg="addSp delSp modSp add mod">
-        <pc:chgData name="Xin Luo" userId="82312ee5779919a4" providerId="LiveId" clId="{29E7ABFC-417D-A440-83A3-A298EBBA6161}" dt="2024-04-14T15:00:52.564" v="777" actId="20577"/>
-        <pc:sldMkLst>
-          <pc:docMk/>
-          <pc:sldMk cId="1282463514" sldId="2762"/>
-        </pc:sldMkLst>
-        <pc:spChg chg="mod">
-          <ac:chgData name="Xin Luo" userId="82312ee5779919a4" providerId="LiveId" clId="{29E7ABFC-417D-A440-83A3-A298EBBA6161}" dt="2024-04-14T14:36:52.019" v="154" actId="20577"/>
-          <ac:spMkLst>
-            <pc:docMk/>
-            <pc:sldMk cId="1282463514" sldId="2762"/>
-            <ac:spMk id="2" creationId="{631AADB6-C88A-D817-4683-FC087E4E240F}"/>
-          </ac:spMkLst>
-        </pc:spChg>
-        <pc:spChg chg="mod">
-          <ac:chgData name="Xin Luo" userId="82312ee5779919a4" providerId="LiveId" clId="{29E7ABFC-417D-A440-83A3-A298EBBA6161}" dt="2024-04-14T14:36:46.829" v="147" actId="20577"/>
-          <ac:spMkLst>
-            <pc:docMk/>
-            <pc:sldMk cId="1282463514" sldId="2762"/>
-            <ac:spMk id="3" creationId="{00000000-0000-0000-0000-000000000000}"/>
-          </ac:spMkLst>
-        </pc:spChg>
-        <pc:spChg chg="add del mod">
-          <ac:chgData name="Xin Luo" userId="82312ee5779919a4" providerId="LiveId" clId="{29E7ABFC-417D-A440-83A3-A298EBBA6161}" dt="2024-04-14T14:43:19.454" v="296" actId="478"/>
-          <ac:spMkLst>
-            <pc:docMk/>
-            <pc:sldMk cId="1282463514" sldId="2762"/>
-            <ac:spMk id="5" creationId="{B39170D1-79F8-36B1-476D-57B4C7CECB59}"/>
-          </ac:spMkLst>
-        </pc:spChg>
-        <pc:spChg chg="mod">
-          <ac:chgData name="Xin Luo" userId="82312ee5779919a4" providerId="LiveId" clId="{29E7ABFC-417D-A440-83A3-A298EBBA6161}" dt="2024-04-14T15:00:52.564" v="777" actId="20577"/>
-          <ac:spMkLst>
-            <pc:docMk/>
-            <pc:sldMk cId="1282463514" sldId="2762"/>
-            <ac:spMk id="17" creationId="{9E05FFCA-3371-AF5C-381D-71D984055F5A}"/>
-          </ac:spMkLst>
-        </pc:spChg>
-        <pc:picChg chg="add mod">
-          <ac:chgData name="Xin Luo" userId="82312ee5779919a4" providerId="LiveId" clId="{29E7ABFC-417D-A440-83A3-A298EBBA6161}" dt="2024-04-14T14:48:45.873" v="420" actId="1076"/>
-          <ac:picMkLst>
-            <pc:docMk/>
-            <pc:sldMk cId="1282463514" sldId="2762"/>
-            <ac:picMk id="7" creationId="{707BE264-7BF9-39F1-F661-226B38BCE130}"/>
-          </ac:picMkLst>
-        </pc:picChg>
-      </pc:sldChg>
-      <pc:sldChg chg="add">
-        <pc:chgData name="Xin Luo" userId="82312ee5779919a4" providerId="LiveId" clId="{29E7ABFC-417D-A440-83A3-A298EBBA6161}" dt="2024-04-14T14:37:02.004" v="156"/>
-        <pc:sldMkLst>
-          <pc:docMk/>
-          <pc:sldMk cId="1408535579" sldId="2763"/>
-        </pc:sldMkLst>
-      </pc:sldChg>
-      <pc:sldChg chg="add">
-        <pc:chgData name="Xin Luo" userId="82312ee5779919a4" providerId="LiveId" clId="{29E7ABFC-417D-A440-83A3-A298EBBA6161}" dt="2024-04-14T14:37:04.484" v="157"/>
-        <pc:sldMkLst>
-          <pc:docMk/>
-          <pc:sldMk cId="1967212467" sldId="2764"/>
-        </pc:sldMkLst>
-      </pc:sldChg>
-      <pc:sldChg chg="delSp modSp add mod">
-        <pc:chgData name="Xin Luo" userId="82312ee5779919a4" providerId="LiveId" clId="{29E7ABFC-417D-A440-83A3-A298EBBA6161}" dt="2024-04-14T15:21:44.507" v="1295" actId="113"/>
-        <pc:sldMkLst>
-          <pc:docMk/>
-          <pc:sldMk cId="2363978342" sldId="2765"/>
-        </pc:sldMkLst>
-        <pc:spChg chg="mod">
-          <ac:chgData name="Xin Luo" userId="82312ee5779919a4" providerId="LiveId" clId="{29E7ABFC-417D-A440-83A3-A298EBBA6161}" dt="2024-04-14T14:56:47.583" v="443" actId="20577"/>
-          <ac:spMkLst>
-            <pc:docMk/>
-            <pc:sldMk cId="2363978342" sldId="2765"/>
-            <ac:spMk id="2" creationId="{631AADB6-C88A-D817-4683-FC087E4E240F}"/>
-          </ac:spMkLst>
-        </pc:spChg>
-        <pc:spChg chg="mod">
-          <ac:chgData name="Xin Luo" userId="82312ee5779919a4" providerId="LiveId" clId="{29E7ABFC-417D-A440-83A3-A298EBBA6161}" dt="2024-04-14T15:21:44.507" v="1295" actId="113"/>
-          <ac:spMkLst>
-            <pc:docMk/>
-            <pc:sldMk cId="2363978342" sldId="2765"/>
-            <ac:spMk id="17" creationId="{9E05FFCA-3371-AF5C-381D-71D984055F5A}"/>
-          </ac:spMkLst>
-        </pc:spChg>
-        <pc:picChg chg="del">
-          <ac:chgData name="Xin Luo" userId="82312ee5779919a4" providerId="LiveId" clId="{29E7ABFC-417D-A440-83A3-A298EBBA6161}" dt="2024-04-14T14:49:37.682" v="430" actId="478"/>
-          <ac:picMkLst>
-            <pc:docMk/>
-            <pc:sldMk cId="2363978342" sldId="2765"/>
-            <ac:picMk id="7" creationId="{707BE264-7BF9-39F1-F661-226B38BCE130}"/>
-          </ac:picMkLst>
-        </pc:picChg>
-      </pc:sldChg>
-      <pc:sldChg chg="addSp modSp add mod">
-        <pc:chgData name="Xin Luo" userId="82312ee5779919a4" providerId="LiveId" clId="{29E7ABFC-417D-A440-83A3-A298EBBA6161}" dt="2024-04-14T15:29:27.087" v="1299" actId="1076"/>
-        <pc:sldMkLst>
-          <pc:docMk/>
-          <pc:sldMk cId="2327037745" sldId="2766"/>
-        </pc:sldMkLst>
-        <pc:spChg chg="mod">
-          <ac:chgData name="Xin Luo" userId="82312ee5779919a4" providerId="LiveId" clId="{29E7ABFC-417D-A440-83A3-A298EBBA6161}" dt="2024-04-14T15:21:50.672" v="1297" actId="20577"/>
-          <ac:spMkLst>
-            <pc:docMk/>
-            <pc:sldMk cId="2327037745" sldId="2766"/>
-            <ac:spMk id="17" creationId="{9E05FFCA-3371-AF5C-381D-71D984055F5A}"/>
-          </ac:spMkLst>
-        </pc:spChg>
-        <pc:picChg chg="add mod">
-          <ac:chgData name="Xin Luo" userId="82312ee5779919a4" providerId="LiveId" clId="{29E7ABFC-417D-A440-83A3-A298EBBA6161}" dt="2024-04-14T15:29:27.087" v="1299" actId="1076"/>
-          <ac:picMkLst>
-            <pc:docMk/>
-            <pc:sldMk cId="2327037745" sldId="2766"/>
-            <ac:picMk id="5" creationId="{DC26E414-4136-C358-4A54-63632816DFFF}"/>
-          </ac:picMkLst>
-        </pc:picChg>
-      </pc:sldChg>
-      <pc:sldChg chg="delSp modSp add mod">
-        <pc:chgData name="Xin Luo" userId="82312ee5779919a4" providerId="LiveId" clId="{29E7ABFC-417D-A440-83A3-A298EBBA6161}" dt="2024-04-14T15:37:57.348" v="1338" actId="478"/>
-        <pc:sldMkLst>
-          <pc:docMk/>
-          <pc:sldMk cId="1586263805" sldId="2767"/>
-        </pc:sldMkLst>
-        <pc:spChg chg="mod">
-          <ac:chgData name="Xin Luo" userId="82312ee5779919a4" providerId="LiveId" clId="{29E7ABFC-417D-A440-83A3-A298EBBA6161}" dt="2024-04-14T15:37:38.295" v="1312" actId="5793"/>
-          <ac:spMkLst>
-            <pc:docMk/>
-            <pc:sldMk cId="1586263805" sldId="2767"/>
-            <ac:spMk id="2" creationId="{631AADB6-C88A-D817-4683-FC087E4E240F}"/>
-          </ac:spMkLst>
-        </pc:spChg>
-        <pc:spChg chg="mod">
-          <ac:chgData name="Xin Luo" userId="82312ee5779919a4" providerId="LiveId" clId="{29E7ABFC-417D-A440-83A3-A298EBBA6161}" dt="2024-04-14T15:37:55.360" v="1337" actId="20577"/>
-          <ac:spMkLst>
-            <pc:docMk/>
-            <pc:sldMk cId="1586263805" sldId="2767"/>
-            <ac:spMk id="17" creationId="{9E05FFCA-3371-AF5C-381D-71D984055F5A}"/>
-          </ac:spMkLst>
-        </pc:spChg>
-        <pc:picChg chg="del">
-          <ac:chgData name="Xin Luo" userId="82312ee5779919a4" providerId="LiveId" clId="{29E7ABFC-417D-A440-83A3-A298EBBA6161}" dt="2024-04-14T15:37:57.348" v="1338" actId="478"/>
-          <ac:picMkLst>
-            <pc:docMk/>
-            <pc:sldMk cId="1586263805" sldId="2767"/>
-            <ac:picMk id="5" creationId="{DC26E414-4136-C358-4A54-63632816DFFF}"/>
-          </ac:picMkLst>
-        </pc:picChg>
-      </pc:sldChg>
-    </pc:docChg>
-  </pc:docChgLst>
-  <pc:docChgLst>
-    <pc:chgData name="Xin Luo" userId="82312ee5779919a4" providerId="LiveId" clId="{6F4EE019-CF9B-0E46-99FD-A69435707418}"/>
-    <pc:docChg chg="custSel delSld modSld">
-      <pc:chgData name="Xin Luo" userId="82312ee5779919a4" providerId="LiveId" clId="{6F4EE019-CF9B-0E46-99FD-A69435707418}" dt="2024-04-14T05:52:00.889" v="166" actId="20577"/>
-      <pc:docMkLst>
-        <pc:docMk/>
-      </pc:docMkLst>
-      <pc:sldChg chg="modSp mod">
-        <pc:chgData name="Xin Luo" userId="82312ee5779919a4" providerId="LiveId" clId="{6F4EE019-CF9B-0E46-99FD-A69435707418}" dt="2024-04-14T05:52:00.889" v="166" actId="20577"/>
-        <pc:sldMkLst>
-          <pc:docMk/>
-          <pc:sldMk cId="1576120367" sldId="2387"/>
-        </pc:sldMkLst>
-        <pc:spChg chg="mod">
-          <ac:chgData name="Xin Luo" userId="82312ee5779919a4" providerId="LiveId" clId="{6F4EE019-CF9B-0E46-99FD-A69435707418}" dt="2024-04-14T05:47:53.569" v="109" actId="20577"/>
-          <ac:spMkLst>
-            <pc:docMk/>
-            <pc:sldMk cId="1576120367" sldId="2387"/>
-            <ac:spMk id="5" creationId="{494DAA55-5621-28DB-D255-E0EBB6C6477B}"/>
-          </ac:spMkLst>
-        </pc:spChg>
-        <pc:spChg chg="mod">
-          <ac:chgData name="Xin Luo" userId="82312ee5779919a4" providerId="LiveId" clId="{6F4EE019-CF9B-0E46-99FD-A69435707418}" dt="2024-04-14T05:51:51.200" v="161" actId="20577"/>
-          <ac:spMkLst>
-            <pc:docMk/>
-            <pc:sldMk cId="1576120367" sldId="2387"/>
-            <ac:spMk id="12" creationId="{00000000-0000-0000-0000-000000000000}"/>
-          </ac:spMkLst>
-        </pc:spChg>
-        <pc:spChg chg="mod">
-          <ac:chgData name="Xin Luo" userId="82312ee5779919a4" providerId="LiveId" clId="{6F4EE019-CF9B-0E46-99FD-A69435707418}" dt="2024-04-14T05:52:00.889" v="166" actId="20577"/>
-          <ac:spMkLst>
-            <pc:docMk/>
-            <pc:sldMk cId="1576120367" sldId="2387"/>
-            <ac:spMk id="14" creationId="{00000000-0000-0000-0000-000000000000}"/>
-          </ac:spMkLst>
-        </pc:spChg>
-      </pc:sldChg>
-      <pc:sldChg chg="modSp mod">
-        <pc:chgData name="Xin Luo" userId="82312ee5779919a4" providerId="LiveId" clId="{6F4EE019-CF9B-0E46-99FD-A69435707418}" dt="2024-04-14T05:45:48.545" v="62" actId="20577"/>
-        <pc:sldMkLst>
-          <pc:docMk/>
-          <pc:sldMk cId="1658607177" sldId="2708"/>
-        </pc:sldMkLst>
-        <pc:spChg chg="mod">
-          <ac:chgData name="Xin Luo" userId="82312ee5779919a4" providerId="LiveId" clId="{6F4EE019-CF9B-0E46-99FD-A69435707418}" dt="2024-04-14T05:45:35.680" v="50" actId="20577"/>
-          <ac:spMkLst>
-            <pc:docMk/>
-            <pc:sldMk cId="1658607177" sldId="2708"/>
-            <ac:spMk id="3" creationId="{E375549C-74EF-2C8F-6432-2C52B803FB1B}"/>
-          </ac:spMkLst>
-        </pc:spChg>
-        <pc:spChg chg="mod">
-          <ac:chgData name="Xin Luo" userId="82312ee5779919a4" providerId="LiveId" clId="{6F4EE019-CF9B-0E46-99FD-A69435707418}" dt="2024-04-14T05:45:48.545" v="62" actId="20577"/>
-          <ac:spMkLst>
-            <pc:docMk/>
-            <pc:sldMk cId="1658607177" sldId="2708"/>
-            <ac:spMk id="24" creationId="{00000000-0000-0000-0000-000000000000}"/>
-          </ac:spMkLst>
-        </pc:spChg>
-      </pc:sldChg>
-      <pc:sldChg chg="del">
-        <pc:chgData name="Xin Luo" userId="82312ee5779919a4" providerId="LiveId" clId="{6F4EE019-CF9B-0E46-99FD-A69435707418}" dt="2024-04-14T01:57:24.687" v="3" actId="2696"/>
-        <pc:sldMkLst>
-          <pc:docMk/>
-          <pc:sldMk cId="1209572041" sldId="2722"/>
-        </pc:sldMkLst>
-      </pc:sldChg>
-      <pc:sldChg chg="del">
-        <pc:chgData name="Xin Luo" userId="82312ee5779919a4" providerId="LiveId" clId="{6F4EE019-CF9B-0E46-99FD-A69435707418}" dt="2024-04-14T01:59:58.393" v="9" actId="2696"/>
-        <pc:sldMkLst>
-          <pc:docMk/>
-          <pc:sldMk cId="2510358707" sldId="2740"/>
-        </pc:sldMkLst>
-      </pc:sldChg>
-      <pc:sldChg chg="del">
-        <pc:chgData name="Xin Luo" userId="82312ee5779919a4" providerId="LiveId" clId="{6F4EE019-CF9B-0E46-99FD-A69435707418}" dt="2024-04-14T01:59:58.338" v="6" actId="2696"/>
-        <pc:sldMkLst>
-          <pc:docMk/>
-          <pc:sldMk cId="3883315984" sldId="2744"/>
-        </pc:sldMkLst>
-      </pc:sldChg>
-      <pc:sldChg chg="del">
-        <pc:chgData name="Xin Luo" userId="82312ee5779919a4" providerId="LiveId" clId="{6F4EE019-CF9B-0E46-99FD-A69435707418}" dt="2024-04-14T01:59:58.368" v="8" actId="2696"/>
-        <pc:sldMkLst>
-          <pc:docMk/>
-          <pc:sldMk cId="3741103209" sldId="2745"/>
-        </pc:sldMkLst>
-      </pc:sldChg>
-      <pc:sldChg chg="del">
-        <pc:chgData name="Xin Luo" userId="82312ee5779919a4" providerId="LiveId" clId="{6F4EE019-CF9B-0E46-99FD-A69435707418}" dt="2024-04-14T01:59:58.366" v="7" actId="2696"/>
-        <pc:sldMkLst>
-          <pc:docMk/>
-          <pc:sldMk cId="322086101" sldId="2746"/>
-        </pc:sldMkLst>
-      </pc:sldChg>
-      <pc:sldChg chg="del">
-        <pc:chgData name="Xin Luo" userId="82312ee5779919a4" providerId="LiveId" clId="{6F4EE019-CF9B-0E46-99FD-A69435707418}" dt="2024-04-14T01:59:58.425" v="11" actId="2696"/>
-        <pc:sldMkLst>
-          <pc:docMk/>
-          <pc:sldMk cId="2920839983" sldId="2747"/>
-        </pc:sldMkLst>
-      </pc:sldChg>
-      <pc:sldChg chg="del">
-        <pc:chgData name="Xin Luo" userId="82312ee5779919a4" providerId="LiveId" clId="{6F4EE019-CF9B-0E46-99FD-A69435707418}" dt="2024-04-14T01:59:58.440" v="12" actId="2696"/>
-        <pc:sldMkLst>
-          <pc:docMk/>
-          <pc:sldMk cId="2081473989" sldId="2748"/>
-        </pc:sldMkLst>
-      </pc:sldChg>
-      <pc:sldChg chg="del">
-        <pc:chgData name="Xin Luo" userId="82312ee5779919a4" providerId="LiveId" clId="{6F4EE019-CF9B-0E46-99FD-A69435707418}" dt="2024-04-14T01:59:58.456" v="13" actId="2696"/>
-        <pc:sldMkLst>
-          <pc:docMk/>
-          <pc:sldMk cId="1994915307" sldId="2749"/>
-        </pc:sldMkLst>
-      </pc:sldChg>
-      <pc:sldChg chg="del">
-        <pc:chgData name="Xin Luo" userId="82312ee5779919a4" providerId="LiveId" clId="{6F4EE019-CF9B-0E46-99FD-A69435707418}" dt="2024-04-14T01:57:24.683" v="1" actId="2696"/>
-        <pc:sldMkLst>
-          <pc:docMk/>
-          <pc:sldMk cId="202264030" sldId="2750"/>
-        </pc:sldMkLst>
-      </pc:sldChg>
-      <pc:sldChg chg="del">
-        <pc:chgData name="Xin Luo" userId="82312ee5779919a4" providerId="LiveId" clId="{6F4EE019-CF9B-0E46-99FD-A69435707418}" dt="2024-04-14T01:59:50.983" v="5" actId="2696"/>
-        <pc:sldMkLst>
-          <pc:docMk/>
-          <pc:sldMk cId="2371836296" sldId="2756"/>
-        </pc:sldMkLst>
-      </pc:sldChg>
-      <pc:sldChg chg="del">
-        <pc:chgData name="Xin Luo" userId="82312ee5779919a4" providerId="LiveId" clId="{6F4EE019-CF9B-0E46-99FD-A69435707418}" dt="2024-04-14T01:59:50.974" v="4" actId="2696"/>
-        <pc:sldMkLst>
-          <pc:docMk/>
-          <pc:sldMk cId="397779649" sldId="2757"/>
-        </pc:sldMkLst>
-      </pc:sldChg>
-      <pc:sldChg chg="del">
-        <pc:chgData name="Xin Luo" userId="82312ee5779919a4" providerId="LiveId" clId="{6F4EE019-CF9B-0E46-99FD-A69435707418}" dt="2024-04-14T01:59:58.410" v="10" actId="2696"/>
-        <pc:sldMkLst>
-          <pc:docMk/>
-          <pc:sldMk cId="1878724924" sldId="2758"/>
-        </pc:sldMkLst>
-      </pc:sldChg>
-      <pc:sldChg chg="del">
-        <pc:chgData name="Xin Luo" userId="82312ee5779919a4" providerId="LiveId" clId="{6F4EE019-CF9B-0E46-99FD-A69435707418}" dt="2024-04-14T01:57:24.680" v="0" actId="2696"/>
-        <pc:sldMkLst>
-          <pc:docMk/>
-          <pc:sldMk cId="472418319" sldId="2759"/>
-        </pc:sldMkLst>
-      </pc:sldChg>
-      <pc:sldChg chg="del">
-        <pc:chgData name="Xin Luo" userId="82312ee5779919a4" providerId="LiveId" clId="{6F4EE019-CF9B-0E46-99FD-A69435707418}" dt="2024-04-14T01:57:24.685" v="2" actId="2696"/>
-        <pc:sldMkLst>
-          <pc:docMk/>
-          <pc:sldMk cId="1417780723" sldId="2761"/>
-        </pc:sldMkLst>
-      </pc:sldChg>
     </pc:docChg>
   </pc:docChgLst>
 </pc:chgInfo>
@@ -6968,7 +7314,7 @@
               </a14:hiddenFill>
             </a:ext>
             <a:ext uri="{FAA26D3D-D897-4be2-8F04-BA451C77F1D7}">
-              <ma14:placeholderFlag xmlns="" xmlns:ma14="http://schemas.microsoft.com/office/mac/drawingml/2011/main" val="1"/>
+              <ma14:placeholderFlag xmlns:ma14="http://schemas.microsoft.com/office/mac/drawingml/2011/main" xmlns="" val="1"/>
             </a:ext>
           </a:extLst>
         </p:spPr>
@@ -7352,7 +7698,7 @@
               </a14:hiddenLine>
             </a:ext>
             <a:ext uri="{FAA26D3D-D897-4be2-8F04-BA451C77F1D7}">
-              <ma14:placeholderFlag xmlns="" xmlns:ma14="http://schemas.microsoft.com/office/mac/drawingml/2011/main" val="1"/>
+              <ma14:placeholderFlag xmlns:ma14="http://schemas.microsoft.com/office/mac/drawingml/2011/main" xmlns="" val="1"/>
             </a:ext>
           </a:extLst>
         </p:spPr>
@@ -7453,7 +7799,7 @@
     </p:spTree>
     <p:extLst>
       <p:ext uri="{BB962C8B-B14F-4D97-AF65-F5344CB8AC3E}">
-        <p14:creationId xmlns:p14="http://schemas.microsoft.com/office/powerpoint/2010/main" val="2884039164"/>
+        <p14:creationId xmlns:p14="http://schemas.microsoft.com/office/powerpoint/2010/main" val="2585555465"/>
       </p:ext>
     </p:extLst>
   </p:cSld>
@@ -7514,7 +7860,7 @@
     </p:spTree>
     <p:extLst>
       <p:ext uri="{BB962C8B-B14F-4D97-AF65-F5344CB8AC3E}">
-        <p14:creationId xmlns:p14="http://schemas.microsoft.com/office/powerpoint/2010/main" val="1828580303"/>
+        <p14:creationId xmlns:p14="http://schemas.microsoft.com/office/powerpoint/2010/main" val="2925172583"/>
       </p:ext>
     </p:extLst>
   </p:cSld>
@@ -7525,6 +7871,128 @@
 </file>
 
 <file path=ppt/notesSlides/notesSlide12.xml><?xml version="1.0" encoding="utf-8"?>
+<p:notes xmlns:a="http://schemas.openxmlformats.org/drawingml/2006/main" xmlns:r="http://schemas.openxmlformats.org/officeDocument/2006/relationships" xmlns:p="http://schemas.openxmlformats.org/presentationml/2006/main">
+  <p:cSld>
+    <p:spTree>
+      <p:nvGrpSpPr>
+        <p:cNvPr id="1" name=""/>
+        <p:cNvGrpSpPr/>
+        <p:nvPr/>
+      </p:nvGrpSpPr>
+      <p:grpSpPr>
+        <a:xfrm>
+          <a:off x="0" y="0"/>
+          <a:ext cx="0" cy="0"/>
+          <a:chOff x="0" y="0"/>
+          <a:chExt cx="0" cy="0"/>
+        </a:xfrm>
+      </p:grpSpPr>
+      <p:sp>
+        <p:nvSpPr>
+          <p:cNvPr id="2" name="幻灯片图像占位符 1"/>
+          <p:cNvSpPr>
+            <a:spLocks noGrp="1" noRot="1" noChangeAspect="1"/>
+          </p:cNvSpPr>
+          <p:nvPr>
+            <p:ph type="sldImg"/>
+          </p:nvPr>
+        </p:nvSpPr>
+        <p:spPr/>
+      </p:sp>
+      <p:sp>
+        <p:nvSpPr>
+          <p:cNvPr id="3" name="备注占位符 2"/>
+          <p:cNvSpPr>
+            <a:spLocks noGrp="1"/>
+          </p:cNvSpPr>
+          <p:nvPr>
+            <p:ph type="body" idx="1"/>
+          </p:nvPr>
+        </p:nvSpPr>
+        <p:spPr/>
+        <p:txBody>
+          <a:bodyPr/>
+          <a:lstStyle/>
+          <a:p>
+            <a:endParaRPr lang="zh-CN" altLang="en-US"/>
+          </a:p>
+        </p:txBody>
+      </p:sp>
+    </p:spTree>
+    <p:extLst>
+      <p:ext uri="{BB962C8B-B14F-4D97-AF65-F5344CB8AC3E}">
+        <p14:creationId xmlns:p14="http://schemas.microsoft.com/office/powerpoint/2010/main" val="3068025734"/>
+      </p:ext>
+    </p:extLst>
+  </p:cSld>
+  <p:clrMapOvr>
+    <a:masterClrMapping/>
+  </p:clrMapOvr>
+</p:notes>
+</file>
+
+<file path=ppt/notesSlides/notesSlide13.xml><?xml version="1.0" encoding="utf-8"?>
+<p:notes xmlns:a="http://schemas.openxmlformats.org/drawingml/2006/main" xmlns:r="http://schemas.openxmlformats.org/officeDocument/2006/relationships" xmlns:p="http://schemas.openxmlformats.org/presentationml/2006/main">
+  <p:cSld>
+    <p:spTree>
+      <p:nvGrpSpPr>
+        <p:cNvPr id="1" name=""/>
+        <p:cNvGrpSpPr/>
+        <p:nvPr/>
+      </p:nvGrpSpPr>
+      <p:grpSpPr>
+        <a:xfrm>
+          <a:off x="0" y="0"/>
+          <a:ext cx="0" cy="0"/>
+          <a:chOff x="0" y="0"/>
+          <a:chExt cx="0" cy="0"/>
+        </a:xfrm>
+      </p:grpSpPr>
+      <p:sp>
+        <p:nvSpPr>
+          <p:cNvPr id="2" name="幻灯片图像占位符 1"/>
+          <p:cNvSpPr>
+            <a:spLocks noGrp="1" noRot="1" noChangeAspect="1"/>
+          </p:cNvSpPr>
+          <p:nvPr>
+            <p:ph type="sldImg"/>
+          </p:nvPr>
+        </p:nvSpPr>
+        <p:spPr/>
+      </p:sp>
+      <p:sp>
+        <p:nvSpPr>
+          <p:cNvPr id="3" name="备注占位符 2"/>
+          <p:cNvSpPr>
+            <a:spLocks noGrp="1"/>
+          </p:cNvSpPr>
+          <p:nvPr>
+            <p:ph type="body" idx="1"/>
+          </p:nvPr>
+        </p:nvSpPr>
+        <p:spPr/>
+        <p:txBody>
+          <a:bodyPr/>
+          <a:lstStyle/>
+          <a:p>
+            <a:endParaRPr lang="zh-CN" altLang="en-US"/>
+          </a:p>
+        </p:txBody>
+      </p:sp>
+    </p:spTree>
+    <p:extLst>
+      <p:ext uri="{BB962C8B-B14F-4D97-AF65-F5344CB8AC3E}">
+        <p14:creationId xmlns:p14="http://schemas.microsoft.com/office/powerpoint/2010/main" val="1629804104"/>
+      </p:ext>
+    </p:extLst>
+  </p:cSld>
+  <p:clrMapOvr>
+    <a:masterClrMapping/>
+  </p:clrMapOvr>
+</p:notes>
+</file>
+
+<file path=ppt/notesSlides/notesSlide14.xml><?xml version="1.0" encoding="utf-8"?>
 <p:notes xmlns:a="http://schemas.openxmlformats.org/drawingml/2006/main" xmlns:r="http://schemas.openxmlformats.org/officeDocument/2006/relationships" xmlns:p="http://schemas.openxmlformats.org/presentationml/2006/main">
   <p:cSld>
     <p:spTree>
@@ -7973,7 +8441,7 @@
     </p:spTree>
     <p:extLst>
       <p:ext uri="{BB962C8B-B14F-4D97-AF65-F5344CB8AC3E}">
-        <p14:creationId xmlns:p14="http://schemas.microsoft.com/office/powerpoint/2010/main" val="182830937"/>
+        <p14:creationId xmlns:p14="http://schemas.microsoft.com/office/powerpoint/2010/main" val="439664282"/>
       </p:ext>
     </p:extLst>
   </p:cSld>
@@ -8034,7 +8502,7 @@
     </p:spTree>
     <p:extLst>
       <p:ext uri="{BB962C8B-B14F-4D97-AF65-F5344CB8AC3E}">
-        <p14:creationId xmlns:p14="http://schemas.microsoft.com/office/powerpoint/2010/main" val="2585555465"/>
+        <p14:creationId xmlns:p14="http://schemas.microsoft.com/office/powerpoint/2010/main" val="182830937"/>
       </p:ext>
     </p:extLst>
   </p:cSld>
@@ -8095,7 +8563,7 @@
     </p:spTree>
     <p:extLst>
       <p:ext uri="{BB962C8B-B14F-4D97-AF65-F5344CB8AC3E}">
-        <p14:creationId xmlns:p14="http://schemas.microsoft.com/office/powerpoint/2010/main" val="3068025734"/>
+        <p14:creationId xmlns:p14="http://schemas.microsoft.com/office/powerpoint/2010/main" val="3085120961"/>
       </p:ext>
     </p:extLst>
   </p:cSld>
@@ -9919,7 +10387,7 @@
               </a14:hiddenLine>
             </a:ext>
             <a:ext uri="{FAA26D3D-D897-4be2-8F04-BA451C77F1D7}">
-              <ma14:placeholderFlag xmlns="" xmlns:ma14="http://schemas.microsoft.com/office/mac/drawingml/2011/main" val="1"/>
+              <ma14:placeholderFlag xmlns:ma14="http://schemas.microsoft.com/office/mac/drawingml/2011/main" xmlns="" val="1"/>
             </a:ext>
           </a:extLst>
         </p:spPr>
@@ -13610,7 +14078,7 @@
               </a14:hiddenLine>
             </a:ext>
             <a:ext uri="{FAA26D3D-D897-4be2-8F04-BA451C77F1D7}">
-              <ma14:placeholderFlag xmlns="" xmlns:ma14="http://schemas.microsoft.com/office/mac/drawingml/2011/main" val="1"/>
+              <ma14:placeholderFlag xmlns:ma14="http://schemas.microsoft.com/office/mac/drawingml/2011/main" xmlns="" val="1"/>
             </a:ext>
           </a:extLst>
         </p:spPr>
@@ -15093,7 +15561,7 @@
               <a:defRPr/>
             </a:pPr>
             <a:r>
-              <a:rPr lang="zh-CN" altLang="en-US" sz="4400" b="1" dirty="0">
+              <a:rPr lang="zh-CN" altLang="en-US" sz="4400" b="1">
                 <a:solidFill>
                   <a:srgbClr val="FF0000"/>
                 </a:solidFill>
@@ -15103,7 +15571,7 @@
               <a:t>第</a:t>
             </a:r>
             <a:r>
-              <a:rPr lang="en-US" altLang="zh-CN" sz="4400" b="1" dirty="0">
+              <a:rPr lang="en-US" altLang="zh-CN" sz="4400" b="1">
                 <a:solidFill>
                   <a:srgbClr val="FF0000"/>
                 </a:solidFill>
@@ -15113,7 +15581,7 @@
               <a:t>2</a:t>
             </a:r>
             <a:r>
-              <a:rPr lang="zh-CN" altLang="en-US" sz="4400" b="1" dirty="0">
+              <a:rPr lang="zh-CN" altLang="en-US" sz="4400" b="1">
                 <a:solidFill>
                   <a:srgbClr val="FF0000"/>
                 </a:solidFill>
@@ -15123,7 +15591,7 @@
               <a:t>节：</a:t>
             </a:r>
             <a:r>
-              <a:rPr lang="en-US" altLang="zh-CN" sz="4400" b="1" dirty="0">
+              <a:rPr lang="en-US" altLang="zh-CN" sz="4400" b="1">
                 <a:solidFill>
                   <a:srgbClr val="FF0000"/>
                 </a:solidFill>
@@ -15133,7 +15601,7 @@
               <a:t>P</a:t>
             </a:r>
             <a:r>
-              <a:rPr lang="en-CN" altLang="zh-CN" sz="4400" b="1" dirty="0">
+              <a:rPr lang="en-CN" altLang="zh-CN" sz="4400" b="1">
                 <a:solidFill>
                   <a:srgbClr val="FF0000"/>
                 </a:solidFill>
@@ -15143,7 +15611,7 @@
               <a:t>ython</a:t>
             </a:r>
             <a:r>
-              <a:rPr lang="zh-CN" altLang="en-CN" sz="4400" b="1" dirty="0">
+              <a:rPr lang="zh-CN" altLang="en-CN" sz="4400" b="1">
                 <a:solidFill>
                   <a:srgbClr val="FF0000"/>
                 </a:solidFill>
@@ -15153,7 +15621,7 @@
               <a:t>程序</a:t>
             </a:r>
             <a:r>
-              <a:rPr lang="zh-CN" altLang="en-US" sz="4400" b="1" dirty="0">
+              <a:rPr lang="zh-CN" altLang="en-US" sz="4400" b="1">
                 <a:solidFill>
                   <a:srgbClr val="FF0000"/>
                 </a:solidFill>
@@ -15163,7 +15631,7 @@
               <a:t>设计</a:t>
             </a:r>
             <a:r>
-              <a:rPr lang="zh-CN" altLang="en-CN" sz="4400" b="1" dirty="0">
+              <a:rPr lang="zh-CN" altLang="en-CN" sz="4400" b="1">
                 <a:solidFill>
                   <a:srgbClr val="FF0000"/>
                 </a:solidFill>
@@ -15173,7 +15641,7 @@
               <a:t>基础</a:t>
             </a:r>
             <a:r>
-              <a:rPr lang="en-US" altLang="zh-CN" sz="4400" b="1" dirty="0">
+              <a:rPr lang="en-US" altLang="zh-CN" sz="4400" b="1">
                 <a:solidFill>
                   <a:srgbClr val="FF0000"/>
                 </a:solidFill>
@@ -15182,7 +15650,7 @@
               </a:rPr>
               <a:t>-2</a:t>
             </a:r>
-            <a:endParaRPr kumimoji="0" lang="zh-CN" altLang="zh-CN" sz="4400" b="1" i="0" u="none" strike="noStrike" kern="1200" cap="none" spc="0" normalizeH="0" baseline="0" noProof="0" dirty="0">
+            <a:endParaRPr kumimoji="0" lang="zh-CN" altLang="zh-CN" sz="4400" b="1" i="0" u="none" strike="noStrike" kern="1200" cap="none" spc="0" normalizeH="0" baseline="0" noProof="0">
               <a:ln>
                 <a:noFill/>
               </a:ln>
@@ -15820,7 +16288,7 @@
           <a:lstStyle/>
           <a:p>
             <a:r>
-              <a:rPr lang="en-CN" sz="1800" b="1" dirty="0">
+              <a:rPr lang="en-CN" sz="1800" b="1">
                 <a:solidFill>
                   <a:schemeClr val="bg2"/>
                 </a:solidFill>
@@ -15830,7 +16298,7 @@
               <a:t>云南大学</a:t>
             </a:r>
             <a:r>
-              <a:rPr lang="en-US" altLang="zh-CN" sz="1800" b="1" dirty="0">
+              <a:rPr lang="en-US" altLang="zh-CN" sz="1800" b="1">
                 <a:solidFill>
                   <a:schemeClr val="bg2"/>
                 </a:solidFill>
@@ -15840,7 +16308,7 @@
               <a:t>《</a:t>
             </a:r>
             <a:r>
-              <a:rPr lang="en-CN" sz="1800" b="1" dirty="0">
+              <a:rPr lang="en-CN" sz="1800" b="1">
                 <a:solidFill>
                   <a:schemeClr val="bg2"/>
                 </a:solidFill>
@@ -15850,7 +16318,7 @@
               <a:t> 空间数据处理 </a:t>
             </a:r>
             <a:r>
-              <a:rPr lang="en-US" altLang="zh-CN" sz="1800" b="1" dirty="0">
+              <a:rPr lang="en-US" altLang="zh-CN" sz="1800" b="1">
                 <a:solidFill>
                   <a:schemeClr val="bg2"/>
                 </a:solidFill>
@@ -15860,7 +16328,7 @@
               <a:t>》</a:t>
             </a:r>
             <a:r>
-              <a:rPr lang="en-CN" sz="1800" b="1" dirty="0">
+              <a:rPr lang="en-CN" sz="1800" b="1">
                 <a:solidFill>
                   <a:schemeClr val="bg2"/>
                 </a:solidFill>
@@ -15870,7 +16338,7 @@
               <a:t>课程第</a:t>
             </a:r>
             <a:r>
-              <a:rPr lang="zh-CN" altLang="en-US" sz="1800" b="1" dirty="0">
+              <a:rPr lang="zh-CN" altLang="en-US" sz="1800" b="1">
                 <a:solidFill>
                   <a:schemeClr val="bg2"/>
                 </a:solidFill>
@@ -15880,7 +16348,7 @@
               <a:t>二</a:t>
             </a:r>
             <a:r>
-              <a:rPr lang="en-CN" sz="1800" b="1" dirty="0">
+              <a:rPr lang="en-CN" sz="1800" b="1">
                 <a:solidFill>
                   <a:schemeClr val="bg2"/>
                 </a:solidFill>
@@ -15993,11 +16461,11 @@
               </a:spcAft>
             </a:pPr>
             <a:r>
-              <a:rPr lang="zh-CN" altLang="en-US" sz="4000" b="1" dirty="0">
+              <a:rPr lang="zh-CN" altLang="en-US" sz="4000" b="1">
                 <a:latin typeface="微软雅黑" pitchFamily="34" charset="-122"/>
                 <a:ea typeface="微软雅黑" pitchFamily="34" charset="-122"/>
               </a:rPr>
-              <a:t>二、异常处理</a:t>
+              <a:t>二、面向对象编程</a:t>
             </a:r>
           </a:p>
         </p:txBody>
@@ -16043,7 +16511,7 @@
     </p:spTree>
     <p:extLst>
       <p:ext uri="{BB962C8B-B14F-4D97-AF65-F5344CB8AC3E}">
-        <p14:creationId xmlns:p14="http://schemas.microsoft.com/office/powerpoint/2010/main" val="2208625786"/>
+        <p14:creationId xmlns:p14="http://schemas.microsoft.com/office/powerpoint/2010/main" val="481122590"/>
       </p:ext>
     </p:extLst>
   </p:cSld>
@@ -16102,32 +16570,11 @@
               </a:spcAft>
             </a:pPr>
             <a:r>
-              <a:rPr lang="zh-CN" altLang="en-US" dirty="0">
+              <a:rPr lang="zh-CN" altLang="en-US" sz="3600" b="1">
                 <a:latin typeface="微软雅黑" pitchFamily="34" charset="-122"/>
                 <a:ea typeface="微软雅黑" pitchFamily="34" charset="-122"/>
               </a:rPr>
-              <a:t>一</a:t>
-            </a:r>
-            <a:r>
-              <a:rPr lang="zh-CN" altLang="en-US" sz="3600" b="1" dirty="0">
-                <a:latin typeface="微软雅黑" pitchFamily="34" charset="-122"/>
-                <a:ea typeface="微软雅黑" pitchFamily="34" charset="-122"/>
-              </a:rPr>
-              <a:t>、</a:t>
-            </a:r>
-            <a:r>
-              <a:rPr lang="zh-CN" altLang="en-CN" sz="3600" b="1" dirty="0">
-                <a:latin typeface="微软雅黑" pitchFamily="34" charset="-122"/>
-                <a:ea typeface="微软雅黑" pitchFamily="34" charset="-122"/>
-              </a:rPr>
-              <a:t>函数</a:t>
-            </a:r>
-            <a:r>
-              <a:rPr lang="zh-CN" altLang="en-US" sz="3600" b="1" dirty="0">
-                <a:latin typeface="微软雅黑" pitchFamily="34" charset="-122"/>
-                <a:ea typeface="微软雅黑" pitchFamily="34" charset="-122"/>
-              </a:rPr>
-              <a:t>、类与模块</a:t>
+              <a:t>二、面向对象编程</a:t>
             </a:r>
           </a:p>
         </p:txBody>
@@ -16146,8 +16593,8 @@
         </p:nvSpPr>
         <p:spPr>
           <a:xfrm>
-            <a:off x="317665" y="902168"/>
-            <a:ext cx="8508670" cy="662489"/>
+            <a:off x="553147" y="902168"/>
+            <a:ext cx="8273187" cy="662489"/>
           </a:xfrm>
           <a:prstGeom prst="rect">
             <a:avLst/>
@@ -16166,16 +16613,16 @@
               </a:lnSpc>
             </a:pPr>
             <a:r>
-              <a:rPr lang="zh-CN" altLang="en-US" sz="2800" b="1" dirty="0">
+              <a:rPr lang="zh-CN" altLang="en-US" sz="2800" b="1">
                 <a:solidFill>
                   <a:srgbClr val="333333"/>
                 </a:solidFill>
                 <a:latin typeface="+mn-ea"/>
                 <a:ea typeface="+mn-ea"/>
               </a:rPr>
-              <a:t>函数</a:t>
-            </a:r>
-            <a:endParaRPr lang="en-US" altLang="zh-CN" sz="2800" b="1" dirty="0">
+              <a:t>面向对象编程概念</a:t>
+            </a:r>
+            <a:endParaRPr lang="en-US" altLang="zh-CN" sz="2800" b="1">
               <a:solidFill>
                 <a:srgbClr val="333333"/>
               </a:solidFill>
@@ -16200,7 +16647,7 @@
         <p:spPr>
           <a:xfrm>
             <a:off x="553148" y="1607631"/>
-            <a:ext cx="8037703" cy="1135054"/>
+            <a:ext cx="8037703" cy="4941546"/>
           </a:xfrm>
           <a:prstGeom prst="rect">
             <a:avLst/>
@@ -16213,34 +16660,52 @@
           </a:bodyPr>
           <a:lstStyle/>
           <a:p>
-            <a:pPr algn="l">
+            <a:pPr algn="just">
               <a:lnSpc>
                 <a:spcPct val="150000"/>
               </a:lnSpc>
             </a:pPr>
             <a:r>
-              <a:rPr lang="en-US" altLang="zh-CN" b="0" i="0" dirty="0">
+              <a:rPr lang="zh-CN" altLang="en-US" sz="2200">
                 <a:solidFill>
                   <a:srgbClr val="333333"/>
                 </a:solidFill>
-                <a:effectLst/>
                 <a:latin typeface="Microsoft YaHei" panose="020B0503020204020204" pitchFamily="34" charset="-122"/>
                 <a:ea typeface="Microsoft YaHei" panose="020B0503020204020204" pitchFamily="34" charset="-122"/>
               </a:rPr>
-              <a:t>1</a:t>
-            </a:r>
-            <a:r>
-              <a:rPr lang="zh-CN" altLang="en-US" b="0" i="0" dirty="0">
+              <a:t>面向对象编程是相对于面向过程编程来讲的。在</a:t>
+            </a:r>
+            <a:r>
+              <a:rPr lang="zh-CN" altLang="en-US" sz="2200" u="sng">
                 <a:solidFill>
                   <a:srgbClr val="333333"/>
                 </a:solidFill>
-                <a:effectLst/>
                 <a:latin typeface="Microsoft YaHei" panose="020B0503020204020204" pitchFamily="34" charset="-122"/>
                 <a:ea typeface="Microsoft YaHei" panose="020B0503020204020204" pitchFamily="34" charset="-122"/>
               </a:rPr>
-              <a:t>）开发环境顾名思义是指程序员在编写代码时所使用的环境。配置</a:t>
-            </a:r>
-            <a:endParaRPr lang="en-US" altLang="zh-CN" dirty="0">
+              <a:t>面向过程程序设计中，问题被看作一系列需要完成的任务。</a:t>
+            </a:r>
+            <a:r>
+              <a:rPr lang="en-US" altLang="zh-CN" sz="2200">
+                <a:solidFill>
+                  <a:srgbClr val="333333"/>
+                </a:solidFill>
+                <a:latin typeface="Microsoft YaHei" panose="020B0503020204020204" pitchFamily="34" charset="-122"/>
+                <a:ea typeface="Microsoft YaHei" panose="020B0503020204020204" pitchFamily="34" charset="-122"/>
+              </a:rPr>
+              <a:t>C</a:t>
+            </a:r>
+            <a:r>
+              <a:rPr lang="zh-CN" altLang="en-US" sz="2200">
+                <a:solidFill>
+                  <a:srgbClr val="333333"/>
+                </a:solidFill>
+                <a:latin typeface="Microsoft YaHei" panose="020B0503020204020204" pitchFamily="34" charset="-122"/>
+                <a:ea typeface="Microsoft YaHei" panose="020B0503020204020204" pitchFamily="34" charset="-122"/>
+              </a:rPr>
+              <a:t>语言即为面向过程编程语言。</a:t>
+            </a:r>
+            <a:endParaRPr lang="en-US" altLang="zh-CN" sz="2200">
               <a:solidFill>
                 <a:srgbClr val="333333"/>
               </a:solidFill>
@@ -16248,12 +16713,180 @@
               <a:ea typeface="Microsoft YaHei" panose="020B0503020204020204" pitchFamily="34" charset="-122"/>
             </a:endParaRPr>
           </a:p>
+          <a:p>
+            <a:pPr algn="just">
+              <a:lnSpc>
+                <a:spcPct val="150000"/>
+              </a:lnSpc>
+            </a:pPr>
+            <a:r>
+              <a:rPr lang="zh-CN" altLang="en-US" sz="2200">
+                <a:solidFill>
+                  <a:srgbClr val="333333"/>
+                </a:solidFill>
+                <a:latin typeface="Microsoft YaHei" panose="020B0503020204020204" pitchFamily="34" charset="-122"/>
+                <a:ea typeface="Microsoft YaHei" panose="020B0503020204020204" pitchFamily="34" charset="-122"/>
+              </a:rPr>
+              <a:t>面向对象编程（</a:t>
+            </a:r>
+            <a:r>
+              <a:rPr lang="en-US" sz="2200">
+                <a:solidFill>
+                  <a:srgbClr val="333333"/>
+                </a:solidFill>
+                <a:latin typeface="Microsoft YaHei" panose="020B0503020204020204" pitchFamily="34" charset="-122"/>
+                <a:ea typeface="Microsoft YaHei" panose="020B0503020204020204" pitchFamily="34" charset="-122"/>
+              </a:rPr>
+              <a:t>Object Oriented </a:t>
+            </a:r>
+            <a:r>
+              <a:rPr lang="en-US" sz="2200" err="1">
+                <a:solidFill>
+                  <a:srgbClr val="333333"/>
+                </a:solidFill>
+                <a:latin typeface="Microsoft YaHei" panose="020B0503020204020204" pitchFamily="34" charset="-122"/>
+                <a:ea typeface="Microsoft YaHei" panose="020B0503020204020204" pitchFamily="34" charset="-122"/>
+              </a:rPr>
+              <a:t>Programming，OOP</a:t>
+            </a:r>
+            <a:r>
+              <a:rPr lang="en-US" sz="2200">
+                <a:solidFill>
+                  <a:srgbClr val="333333"/>
+                </a:solidFill>
+                <a:latin typeface="Microsoft YaHei" panose="020B0503020204020204" pitchFamily="34" charset="-122"/>
+                <a:ea typeface="Microsoft YaHei" panose="020B0503020204020204" pitchFamily="34" charset="-122"/>
+              </a:rPr>
+              <a:t>）</a:t>
+            </a:r>
+            <a:r>
+              <a:rPr lang="zh-CN" altLang="en-US" sz="2200">
+                <a:solidFill>
+                  <a:srgbClr val="333333"/>
+                </a:solidFill>
+                <a:latin typeface="Microsoft YaHei" panose="020B0503020204020204" pitchFamily="34" charset="-122"/>
+                <a:ea typeface="Microsoft YaHei" panose="020B0503020204020204" pitchFamily="34" charset="-122"/>
+              </a:rPr>
+              <a:t>是一种程序设计思想。它把对象作为程序的基本单元，一个对象包含了数据和操作数据的函数，</a:t>
+            </a:r>
+            <a:r>
+              <a:rPr lang="zh-CN" altLang="en-US" sz="2200" b="1">
+                <a:solidFill>
+                  <a:srgbClr val="333333"/>
+                </a:solidFill>
+                <a:latin typeface="Microsoft YaHei" panose="020B0503020204020204" pitchFamily="34" charset="-122"/>
+                <a:ea typeface="Microsoft YaHei" panose="020B0503020204020204" pitchFamily="34" charset="-122"/>
+              </a:rPr>
+              <a:t>相同属性和操作方法的对象被抽象为类，</a:t>
+            </a:r>
+            <a:r>
+              <a:rPr lang="zh-CN" altLang="en-US" sz="2200">
+                <a:solidFill>
+                  <a:srgbClr val="333333"/>
+                </a:solidFill>
+                <a:latin typeface="Microsoft YaHei" panose="020B0503020204020204" pitchFamily="34" charset="-122"/>
+                <a:ea typeface="Microsoft YaHei" panose="020B0503020204020204" pitchFamily="34" charset="-122"/>
+              </a:rPr>
+              <a:t>对象就是类的实例（</a:t>
+            </a:r>
+            <a:r>
+              <a:rPr lang="en-US" sz="2200">
+                <a:solidFill>
+                  <a:srgbClr val="333333"/>
+                </a:solidFill>
+                <a:latin typeface="Microsoft YaHei" panose="020B0503020204020204" pitchFamily="34" charset="-122"/>
+                <a:ea typeface="Microsoft YaHei" panose="020B0503020204020204" pitchFamily="34" charset="-122"/>
+              </a:rPr>
+              <a:t>Instance）。Python</a:t>
+            </a:r>
+            <a:r>
+              <a:rPr lang="en-US" altLang="zh-CN" sz="2200">
+                <a:solidFill>
+                  <a:srgbClr val="333333"/>
+                </a:solidFill>
+                <a:latin typeface="Microsoft YaHei" panose="020B0503020204020204" pitchFamily="34" charset="-122"/>
+                <a:ea typeface="Microsoft YaHei" panose="020B0503020204020204" pitchFamily="34" charset="-122"/>
+              </a:rPr>
+              <a:t>/C++</a:t>
+            </a:r>
+            <a:r>
+              <a:rPr lang="zh-CN" altLang="en-US" sz="2200">
+                <a:solidFill>
+                  <a:srgbClr val="333333"/>
+                </a:solidFill>
+                <a:latin typeface="Microsoft YaHei" panose="020B0503020204020204" pitchFamily="34" charset="-122"/>
+                <a:ea typeface="Microsoft YaHei" panose="020B0503020204020204" pitchFamily="34" charset="-122"/>
+              </a:rPr>
+              <a:t>都是面向对象编程语言。</a:t>
+            </a:r>
+            <a:endParaRPr lang="en-US" altLang="zh-CN" sz="2200">
+              <a:solidFill>
+                <a:srgbClr val="333333"/>
+              </a:solidFill>
+              <a:latin typeface="Microsoft YaHei" panose="020B0503020204020204" pitchFamily="34" charset="-122"/>
+              <a:ea typeface="Microsoft YaHei" panose="020B0503020204020204" pitchFamily="34" charset="-122"/>
+            </a:endParaRPr>
+          </a:p>
+          <a:p>
+            <a:pPr algn="just">
+              <a:lnSpc>
+                <a:spcPct val="150000"/>
+              </a:lnSpc>
+            </a:pPr>
+            <a:r>
+              <a:rPr lang="zh-CN" altLang="en-US" sz="2200">
+                <a:solidFill>
+                  <a:srgbClr val="333333"/>
+                </a:solidFill>
+                <a:latin typeface="Microsoft YaHei" panose="020B0503020204020204" pitchFamily="34" charset="-122"/>
+                <a:ea typeface="Microsoft YaHei" panose="020B0503020204020204" pitchFamily="34" charset="-122"/>
+              </a:rPr>
+              <a:t>三个基本特征：</a:t>
+            </a:r>
+            <a:r>
+              <a:rPr lang="zh-CN" altLang="en-US" sz="2200" b="1">
+                <a:solidFill>
+                  <a:srgbClr val="333333"/>
+                </a:solidFill>
+                <a:latin typeface="Microsoft YaHei" panose="020B0503020204020204" pitchFamily="34" charset="-122"/>
+                <a:ea typeface="Microsoft YaHei" panose="020B0503020204020204" pitchFamily="34" charset="-122"/>
+              </a:rPr>
+              <a:t>继承、</a:t>
+            </a:r>
+            <a:r>
+              <a:rPr lang="zh-CN" altLang="en-CN" sz="2200" b="1">
+                <a:solidFill>
+                  <a:srgbClr val="333333"/>
+                </a:solidFill>
+                <a:latin typeface="Microsoft YaHei" panose="020B0503020204020204" pitchFamily="34" charset="-122"/>
+                <a:ea typeface="Microsoft YaHei" panose="020B0503020204020204" pitchFamily="34" charset="-122"/>
+              </a:rPr>
+              <a:t>多态</a:t>
+            </a:r>
+            <a:r>
+              <a:rPr lang="zh-CN" altLang="en-US" sz="2200" b="1">
+                <a:solidFill>
+                  <a:srgbClr val="333333"/>
+                </a:solidFill>
+                <a:latin typeface="Microsoft YaHei" panose="020B0503020204020204" pitchFamily="34" charset="-122"/>
+                <a:ea typeface="Microsoft YaHei" panose="020B0503020204020204" pitchFamily="34" charset="-122"/>
+              </a:rPr>
+              <a:t>、封装</a:t>
+            </a:r>
+            <a:endParaRPr lang="en-US" altLang="zh-CN" sz="2200" b="1">
+              <a:solidFill>
+                <a:srgbClr val="333333"/>
+              </a:solidFill>
+              <a:latin typeface="Microsoft YaHei" panose="020B0503020204020204" pitchFamily="34" charset="-122"/>
+              <a:ea typeface="Microsoft YaHei" panose="020B0503020204020204" pitchFamily="34" charset="-122"/>
+            </a:endParaRPr>
+          </a:p>
         </p:txBody>
       </p:sp>
     </p:spTree>
     <p:extLst>
       <p:ext uri="{BB962C8B-B14F-4D97-AF65-F5344CB8AC3E}">
-        <p14:creationId xmlns:p14="http://schemas.microsoft.com/office/powerpoint/2010/main" val="1967212467"/>
+        <p14:creationId xmlns:p14="http://schemas.microsoft.com/office/powerpoint/2010/main" val="3743351339"/>
       </p:ext>
     </p:extLst>
   </p:cSld>
@@ -16303,6 +16936,786 @@
           <a:bodyPr/>
           <a:lstStyle/>
           <a:p>
+            <a:pPr algn="l" fontAlgn="auto">
+              <a:spcBef>
+                <a:spcPts val="0"/>
+              </a:spcBef>
+              <a:spcAft>
+                <a:spcPts val="0"/>
+              </a:spcAft>
+            </a:pPr>
+            <a:r>
+              <a:rPr lang="zh-CN" altLang="en-US" sz="3600" b="1">
+                <a:latin typeface="微软雅黑" pitchFamily="34" charset="-122"/>
+                <a:ea typeface="微软雅黑" pitchFamily="34" charset="-122"/>
+              </a:rPr>
+              <a:t>二、面向对象编程</a:t>
+            </a:r>
+          </a:p>
+        </p:txBody>
+      </p:sp>
+      <p:sp>
+        <p:nvSpPr>
+          <p:cNvPr id="2" name="TextBox 1">
+            <a:extLst>
+              <a:ext uri="{FF2B5EF4-FFF2-40B4-BE49-F238E27FC236}">
+                <a16:creationId xmlns:a16="http://schemas.microsoft.com/office/drawing/2014/main" id="{631AADB6-C88A-D817-4683-FC087E4E240F}"/>
+              </a:ext>
+            </a:extLst>
+          </p:cNvPr>
+          <p:cNvSpPr txBox="1"/>
+          <p:nvPr/>
+        </p:nvSpPr>
+        <p:spPr>
+          <a:xfrm>
+            <a:off x="553147" y="902168"/>
+            <a:ext cx="8273187" cy="662489"/>
+          </a:xfrm>
+          <a:prstGeom prst="rect">
+            <a:avLst/>
+          </a:prstGeom>
+          <a:noFill/>
+        </p:spPr>
+        <p:txBody>
+          <a:bodyPr wrap="square" rtlCol="0">
+            <a:spAutoFit/>
+          </a:bodyPr>
+          <a:lstStyle/>
+          <a:p>
+            <a:pPr algn="just">
+              <a:lnSpc>
+                <a:spcPct val="150000"/>
+              </a:lnSpc>
+            </a:pPr>
+            <a:r>
+              <a:rPr lang="zh-CN" altLang="en-US" sz="2800" b="1">
+                <a:solidFill>
+                  <a:srgbClr val="333333"/>
+                </a:solidFill>
+                <a:latin typeface="+mn-ea"/>
+                <a:ea typeface="+mn-ea"/>
+              </a:rPr>
+              <a:t>面向对象编程概念</a:t>
+            </a:r>
+            <a:endParaRPr lang="en-US" altLang="zh-CN" sz="2800" b="1">
+              <a:solidFill>
+                <a:srgbClr val="333333"/>
+              </a:solidFill>
+              <a:latin typeface="+mn-ea"/>
+              <a:ea typeface="+mn-ea"/>
+            </a:endParaRPr>
+          </a:p>
+        </p:txBody>
+      </p:sp>
+      <p:sp>
+        <p:nvSpPr>
+          <p:cNvPr id="17" name="TextBox 16">
+            <a:extLst>
+              <a:ext uri="{FF2B5EF4-FFF2-40B4-BE49-F238E27FC236}">
+                <a16:creationId xmlns:a16="http://schemas.microsoft.com/office/drawing/2014/main" id="{9E05FFCA-3371-AF5C-381D-71D984055F5A}"/>
+              </a:ext>
+            </a:extLst>
+          </p:cNvPr>
+          <p:cNvSpPr txBox="1"/>
+          <p:nvPr/>
+        </p:nvSpPr>
+        <p:spPr>
+          <a:xfrm>
+            <a:off x="553149" y="1607630"/>
+            <a:ext cx="4537011" cy="3756606"/>
+          </a:xfrm>
+          <a:prstGeom prst="rect">
+            <a:avLst/>
+          </a:prstGeom>
+          <a:noFill/>
+        </p:spPr>
+        <p:txBody>
+          <a:bodyPr wrap="square">
+            <a:spAutoFit/>
+          </a:bodyPr>
+          <a:lstStyle/>
+          <a:p>
+            <a:pPr algn="just">
+              <a:lnSpc>
+                <a:spcPct val="150000"/>
+              </a:lnSpc>
+            </a:pPr>
+            <a:r>
+              <a:rPr lang="zh-CN" altLang="en-US" sz="2200" b="1">
+                <a:solidFill>
+                  <a:srgbClr val="333333"/>
+                </a:solidFill>
+                <a:latin typeface="Microsoft YaHei" panose="020B0503020204020204" pitchFamily="34" charset="-122"/>
+                <a:ea typeface="Microsoft YaHei" panose="020B0503020204020204" pitchFamily="34" charset="-122"/>
+              </a:rPr>
+              <a:t>对象（</a:t>
+            </a:r>
+            <a:r>
+              <a:rPr lang="en-US" sz="2200" b="1">
+                <a:solidFill>
+                  <a:srgbClr val="333333"/>
+                </a:solidFill>
+                <a:latin typeface="Microsoft YaHei" panose="020B0503020204020204" pitchFamily="34" charset="-122"/>
+                <a:ea typeface="Microsoft YaHei" panose="020B0503020204020204" pitchFamily="34" charset="-122"/>
+              </a:rPr>
+              <a:t>Object）</a:t>
+            </a:r>
+            <a:r>
+              <a:rPr lang="zh-CN" altLang="en-US" sz="2200">
+                <a:solidFill>
+                  <a:srgbClr val="333333"/>
+                </a:solidFill>
+                <a:latin typeface="Microsoft YaHei" panose="020B0503020204020204" pitchFamily="34" charset="-122"/>
+                <a:ea typeface="Microsoft YaHei" panose="020B0503020204020204" pitchFamily="34" charset="-122"/>
+              </a:rPr>
+              <a:t>和</a:t>
+            </a:r>
+            <a:r>
+              <a:rPr lang="zh-CN" altLang="en-US" sz="2200" b="1">
+                <a:solidFill>
+                  <a:srgbClr val="333333"/>
+                </a:solidFill>
+                <a:latin typeface="Microsoft YaHei" panose="020B0503020204020204" pitchFamily="34" charset="-122"/>
+                <a:ea typeface="Microsoft YaHei" panose="020B0503020204020204" pitchFamily="34" charset="-122"/>
+              </a:rPr>
+              <a:t>类型（</a:t>
+            </a:r>
+            <a:r>
+              <a:rPr lang="en-US" sz="2200" b="1">
+                <a:solidFill>
+                  <a:srgbClr val="333333"/>
+                </a:solidFill>
+                <a:latin typeface="Microsoft YaHei" panose="020B0503020204020204" pitchFamily="34" charset="-122"/>
+                <a:ea typeface="Microsoft YaHei" panose="020B0503020204020204" pitchFamily="34" charset="-122"/>
+              </a:rPr>
+              <a:t>Type）</a:t>
+            </a:r>
+            <a:r>
+              <a:rPr lang="zh-CN" altLang="en-US" sz="2200">
+                <a:solidFill>
+                  <a:srgbClr val="333333"/>
+                </a:solidFill>
+                <a:latin typeface="Microsoft YaHei" panose="020B0503020204020204" pitchFamily="34" charset="-122"/>
+                <a:ea typeface="Microsoft YaHei" panose="020B0503020204020204" pitchFamily="34" charset="-122"/>
+              </a:rPr>
+              <a:t>是 </a:t>
+            </a:r>
+            <a:r>
+              <a:rPr lang="en-US" sz="2200">
+                <a:solidFill>
+                  <a:srgbClr val="333333"/>
+                </a:solidFill>
+                <a:latin typeface="Microsoft YaHei" panose="020B0503020204020204" pitchFamily="34" charset="-122"/>
+                <a:ea typeface="Microsoft YaHei" panose="020B0503020204020204" pitchFamily="34" charset="-122"/>
+              </a:rPr>
+              <a:t>Python </a:t>
+            </a:r>
+            <a:r>
+              <a:rPr lang="zh-CN" altLang="en-US" sz="2200">
+                <a:solidFill>
+                  <a:srgbClr val="333333"/>
+                </a:solidFill>
+                <a:latin typeface="Microsoft YaHei" panose="020B0503020204020204" pitchFamily="34" charset="-122"/>
+                <a:ea typeface="Microsoft YaHei" panose="020B0503020204020204" pitchFamily="34" charset="-122"/>
+              </a:rPr>
+              <a:t>中两个最最基本的概念。</a:t>
+            </a:r>
+            <a:endParaRPr lang="en-US" altLang="zh-CN" sz="2200">
+              <a:solidFill>
+                <a:srgbClr val="333333"/>
+              </a:solidFill>
+              <a:latin typeface="Microsoft YaHei" panose="020B0503020204020204" pitchFamily="34" charset="-122"/>
+              <a:ea typeface="Microsoft YaHei" panose="020B0503020204020204" pitchFamily="34" charset="-122"/>
+            </a:endParaRPr>
+          </a:p>
+          <a:p>
+            <a:pPr algn="just">
+              <a:lnSpc>
+                <a:spcPct val="150000"/>
+              </a:lnSpc>
+            </a:pPr>
+            <a:r>
+              <a:rPr lang="zh-CN" altLang="en-US" sz="2200" b="1">
+                <a:solidFill>
+                  <a:srgbClr val="333333"/>
+                </a:solidFill>
+                <a:latin typeface="Microsoft YaHei" panose="020B0503020204020204" pitchFamily="34" charset="-122"/>
+                <a:ea typeface="Microsoft YaHei" panose="020B0503020204020204" pitchFamily="34" charset="-122"/>
+              </a:rPr>
+              <a:t>对象：</a:t>
+            </a:r>
+            <a:r>
+              <a:rPr lang="zh-CN" altLang="en-US" sz="2200">
+                <a:solidFill>
+                  <a:srgbClr val="333333"/>
+                </a:solidFill>
+                <a:latin typeface="Microsoft YaHei" panose="020B0503020204020204" pitchFamily="34" charset="-122"/>
+                <a:ea typeface="Microsoft YaHei" panose="020B0503020204020204" pitchFamily="34" charset="-122"/>
+              </a:rPr>
+              <a:t>所有的数据类型，值，变量，函数，类，实例等等一切可操作的</a:t>
+            </a:r>
+            <a:r>
+              <a:rPr lang="zh-CN" altLang="en-US" sz="2200" b="1">
+                <a:solidFill>
+                  <a:srgbClr val="333333"/>
+                </a:solidFill>
+                <a:latin typeface="Microsoft YaHei" panose="020B0503020204020204" pitchFamily="34" charset="-122"/>
+                <a:ea typeface="Microsoft YaHei" panose="020B0503020204020204" pitchFamily="34" charset="-122"/>
+              </a:rPr>
+              <a:t>基本单元</a:t>
+            </a:r>
+            <a:r>
+              <a:rPr lang="zh-CN" altLang="en-US" sz="2200">
+                <a:solidFill>
+                  <a:srgbClr val="333333"/>
+                </a:solidFill>
+                <a:latin typeface="Microsoft YaHei" panose="020B0503020204020204" pitchFamily="34" charset="-122"/>
+                <a:ea typeface="Microsoft YaHei" panose="020B0503020204020204" pitchFamily="34" charset="-122"/>
+              </a:rPr>
+              <a:t>在</a:t>
+            </a:r>
+            <a:r>
+              <a:rPr lang="en-US" sz="2200">
+                <a:solidFill>
+                  <a:srgbClr val="333333"/>
+                </a:solidFill>
+                <a:latin typeface="Microsoft YaHei" panose="020B0503020204020204" pitchFamily="34" charset="-122"/>
+                <a:ea typeface="Microsoft YaHei" panose="020B0503020204020204" pitchFamily="34" charset="-122"/>
+              </a:rPr>
+              <a:t>Python</a:t>
+            </a:r>
+            <a:r>
+              <a:rPr lang="zh-CN" altLang="en-US" sz="2200">
+                <a:solidFill>
+                  <a:srgbClr val="333333"/>
+                </a:solidFill>
+                <a:latin typeface="Microsoft YaHei" panose="020B0503020204020204" pitchFamily="34" charset="-122"/>
+                <a:ea typeface="Microsoft YaHei" panose="020B0503020204020204" pitchFamily="34" charset="-122"/>
+              </a:rPr>
+              <a:t>都使用对象表示。每个对象有三个基本属性：</a:t>
+            </a:r>
+            <a:r>
+              <a:rPr lang="en-US" sz="2200">
+                <a:solidFill>
+                  <a:srgbClr val="333333"/>
+                </a:solidFill>
+                <a:latin typeface="Microsoft YaHei" panose="020B0503020204020204" pitchFamily="34" charset="-122"/>
+                <a:ea typeface="Microsoft YaHei" panose="020B0503020204020204" pitchFamily="34" charset="-122"/>
+              </a:rPr>
+              <a:t>ID，</a:t>
+            </a:r>
+            <a:r>
+              <a:rPr lang="zh-CN" altLang="en-US" sz="2200">
+                <a:solidFill>
+                  <a:srgbClr val="333333"/>
+                </a:solidFill>
+                <a:latin typeface="Microsoft YaHei" panose="020B0503020204020204" pitchFamily="34" charset="-122"/>
+                <a:ea typeface="Microsoft YaHei" panose="020B0503020204020204" pitchFamily="34" charset="-122"/>
+              </a:rPr>
+              <a:t>类型和值。</a:t>
+            </a:r>
+            <a:endParaRPr lang="en-US" altLang="zh-CN" sz="2200">
+              <a:solidFill>
+                <a:srgbClr val="333333"/>
+              </a:solidFill>
+              <a:latin typeface="Microsoft YaHei" panose="020B0503020204020204" pitchFamily="34" charset="-122"/>
+              <a:ea typeface="Microsoft YaHei" panose="020B0503020204020204" pitchFamily="34" charset="-122"/>
+            </a:endParaRPr>
+          </a:p>
+        </p:txBody>
+      </p:sp>
+      <p:pic>
+        <p:nvPicPr>
+          <p:cNvPr id="5" name="Picture 4" descr="A screen shot of a computer code&#10;&#10;Description automatically generated">
+            <a:extLst>
+              <a:ext uri="{FF2B5EF4-FFF2-40B4-BE49-F238E27FC236}">
+                <a16:creationId xmlns:a16="http://schemas.microsoft.com/office/drawing/2014/main" id="{DE979E0A-0C4F-D479-70DF-3970E5A4E4FB}"/>
+              </a:ext>
+            </a:extLst>
+          </p:cNvPr>
+          <p:cNvPicPr>
+            <a:picLocks noChangeAspect="1"/>
+          </p:cNvPicPr>
+          <p:nvPr/>
+        </p:nvPicPr>
+        <p:blipFill>
+          <a:blip r:embed="rId3"/>
+          <a:stretch>
+            <a:fillRect/>
+          </a:stretch>
+        </p:blipFill>
+        <p:spPr>
+          <a:xfrm>
+            <a:off x="5542851" y="1744736"/>
+            <a:ext cx="3048000" cy="3619500"/>
+          </a:xfrm>
+          <a:prstGeom prst="rect">
+            <a:avLst/>
+          </a:prstGeom>
+        </p:spPr>
+      </p:pic>
+    </p:spTree>
+    <p:extLst>
+      <p:ext uri="{BB962C8B-B14F-4D97-AF65-F5344CB8AC3E}">
+        <p14:creationId xmlns:p14="http://schemas.microsoft.com/office/powerpoint/2010/main" val="1408535579"/>
+      </p:ext>
+    </p:extLst>
+  </p:cSld>
+  <p:clrMapOvr>
+    <a:masterClrMapping/>
+  </p:clrMapOvr>
+  <p:transition>
+    <p:fade/>
+  </p:transition>
+</p:sld>
+</file>
+
+<file path=ppt/slides/slide13.xml><?xml version="1.0" encoding="utf-8"?>
+<p:sld xmlns:a="http://schemas.openxmlformats.org/drawingml/2006/main" xmlns:r="http://schemas.openxmlformats.org/officeDocument/2006/relationships" xmlns:p="http://schemas.openxmlformats.org/presentationml/2006/main">
+  <p:cSld>
+    <p:spTree>
+      <p:nvGrpSpPr>
+        <p:cNvPr id="1" name=""/>
+        <p:cNvGrpSpPr/>
+        <p:nvPr/>
+      </p:nvGrpSpPr>
+      <p:grpSpPr>
+        <a:xfrm>
+          <a:off x="0" y="0"/>
+          <a:ext cx="0" cy="0"/>
+          <a:chOff x="0" y="0"/>
+          <a:chExt cx="0" cy="0"/>
+        </a:xfrm>
+      </p:grpSpPr>
+      <p:sp>
+        <p:nvSpPr>
+          <p:cNvPr id="3" name="标题 2"/>
+          <p:cNvSpPr>
+            <a:spLocks noGrp="1"/>
+          </p:cNvSpPr>
+          <p:nvPr>
+            <p:ph type="title"/>
+          </p:nvPr>
+        </p:nvSpPr>
+        <p:spPr>
+          <a:xfrm>
+            <a:off x="0" y="8526"/>
+            <a:ext cx="9013371" cy="792162"/>
+          </a:xfrm>
+        </p:spPr>
+        <p:txBody>
+          <a:bodyPr/>
+          <a:lstStyle/>
+          <a:p>
+            <a:pPr algn="l" fontAlgn="auto">
+              <a:spcBef>
+                <a:spcPts val="0"/>
+              </a:spcBef>
+              <a:spcAft>
+                <a:spcPts val="0"/>
+              </a:spcAft>
+            </a:pPr>
+            <a:r>
+              <a:rPr lang="zh-CN" altLang="en-US" sz="3600" b="1">
+                <a:latin typeface="微软雅黑" pitchFamily="34" charset="-122"/>
+                <a:ea typeface="微软雅黑" pitchFamily="34" charset="-122"/>
+              </a:rPr>
+              <a:t>二、面向对象编程</a:t>
+            </a:r>
+          </a:p>
+        </p:txBody>
+      </p:sp>
+      <p:sp>
+        <p:nvSpPr>
+          <p:cNvPr id="2" name="TextBox 1">
+            <a:extLst>
+              <a:ext uri="{FF2B5EF4-FFF2-40B4-BE49-F238E27FC236}">
+                <a16:creationId xmlns:a16="http://schemas.microsoft.com/office/drawing/2014/main" id="{631AADB6-C88A-D817-4683-FC087E4E240F}"/>
+              </a:ext>
+            </a:extLst>
+          </p:cNvPr>
+          <p:cNvSpPr txBox="1"/>
+          <p:nvPr/>
+        </p:nvSpPr>
+        <p:spPr>
+          <a:xfrm>
+            <a:off x="553147" y="902168"/>
+            <a:ext cx="8273187" cy="662489"/>
+          </a:xfrm>
+          <a:prstGeom prst="rect">
+            <a:avLst/>
+          </a:prstGeom>
+          <a:noFill/>
+        </p:spPr>
+        <p:txBody>
+          <a:bodyPr wrap="square" rtlCol="0">
+            <a:spAutoFit/>
+          </a:bodyPr>
+          <a:lstStyle/>
+          <a:p>
+            <a:pPr algn="just">
+              <a:lnSpc>
+                <a:spcPct val="150000"/>
+              </a:lnSpc>
+            </a:pPr>
+            <a:r>
+              <a:rPr lang="zh-CN" altLang="en-US" sz="2800" b="1">
+                <a:solidFill>
+                  <a:srgbClr val="333333"/>
+                </a:solidFill>
+                <a:latin typeface="+mn-ea"/>
+                <a:ea typeface="+mn-ea"/>
+              </a:rPr>
+              <a:t>面向对象编程概念</a:t>
+            </a:r>
+            <a:endParaRPr lang="en-US" altLang="zh-CN" sz="2800" b="1">
+              <a:solidFill>
+                <a:srgbClr val="333333"/>
+              </a:solidFill>
+              <a:latin typeface="+mn-ea"/>
+              <a:ea typeface="+mn-ea"/>
+            </a:endParaRPr>
+          </a:p>
+        </p:txBody>
+      </p:sp>
+      <p:sp>
+        <p:nvSpPr>
+          <p:cNvPr id="17" name="TextBox 16">
+            <a:extLst>
+              <a:ext uri="{FF2B5EF4-FFF2-40B4-BE49-F238E27FC236}">
+                <a16:creationId xmlns:a16="http://schemas.microsoft.com/office/drawing/2014/main" id="{9E05FFCA-3371-AF5C-381D-71D984055F5A}"/>
+              </a:ext>
+            </a:extLst>
+          </p:cNvPr>
+          <p:cNvSpPr txBox="1"/>
+          <p:nvPr/>
+        </p:nvSpPr>
+        <p:spPr>
+          <a:xfrm>
+            <a:off x="553149" y="1607630"/>
+            <a:ext cx="8072691" cy="4602991"/>
+          </a:xfrm>
+          <a:prstGeom prst="rect">
+            <a:avLst/>
+          </a:prstGeom>
+          <a:noFill/>
+        </p:spPr>
+        <p:txBody>
+          <a:bodyPr wrap="square">
+            <a:spAutoFit/>
+          </a:bodyPr>
+          <a:lstStyle/>
+          <a:p>
+            <a:pPr algn="just">
+              <a:lnSpc>
+                <a:spcPct val="150000"/>
+              </a:lnSpc>
+            </a:pPr>
+            <a:r>
+              <a:rPr lang="zh-CN" altLang="en-US" sz="2200" b="1">
+                <a:solidFill>
+                  <a:srgbClr val="333333"/>
+                </a:solidFill>
+                <a:latin typeface="Microsoft YaHei" panose="020B0503020204020204" pitchFamily="34" charset="-122"/>
+                <a:ea typeface="Microsoft YaHei" panose="020B0503020204020204" pitchFamily="34" charset="-122"/>
+              </a:rPr>
+              <a:t>对象（</a:t>
+            </a:r>
+            <a:r>
+              <a:rPr lang="en-US" sz="2200" b="1">
+                <a:solidFill>
+                  <a:srgbClr val="333333"/>
+                </a:solidFill>
+                <a:latin typeface="Microsoft YaHei" panose="020B0503020204020204" pitchFamily="34" charset="-122"/>
+                <a:ea typeface="Microsoft YaHei" panose="020B0503020204020204" pitchFamily="34" charset="-122"/>
+              </a:rPr>
+              <a:t>Object）</a:t>
+            </a:r>
+            <a:r>
+              <a:rPr lang="zh-CN" altLang="en-US" sz="2200">
+                <a:solidFill>
+                  <a:srgbClr val="333333"/>
+                </a:solidFill>
+                <a:latin typeface="Microsoft YaHei" panose="020B0503020204020204" pitchFamily="34" charset="-122"/>
+                <a:ea typeface="Microsoft YaHei" panose="020B0503020204020204" pitchFamily="34" charset="-122"/>
+              </a:rPr>
+              <a:t>和</a:t>
+            </a:r>
+            <a:r>
+              <a:rPr lang="zh-CN" altLang="en-US" sz="2200" b="1">
+                <a:solidFill>
+                  <a:srgbClr val="333333"/>
+                </a:solidFill>
+                <a:latin typeface="Microsoft YaHei" panose="020B0503020204020204" pitchFamily="34" charset="-122"/>
+                <a:ea typeface="Microsoft YaHei" panose="020B0503020204020204" pitchFamily="34" charset="-122"/>
+              </a:rPr>
+              <a:t>类型（</a:t>
+            </a:r>
+            <a:r>
+              <a:rPr lang="en-US" sz="2200" b="1">
+                <a:solidFill>
+                  <a:srgbClr val="333333"/>
+                </a:solidFill>
+                <a:latin typeface="Microsoft YaHei" panose="020B0503020204020204" pitchFamily="34" charset="-122"/>
+                <a:ea typeface="Microsoft YaHei" panose="020B0503020204020204" pitchFamily="34" charset="-122"/>
+              </a:rPr>
+              <a:t>Type）</a:t>
+            </a:r>
+            <a:r>
+              <a:rPr lang="zh-CN" altLang="en-US" sz="2200">
+                <a:solidFill>
+                  <a:srgbClr val="333333"/>
+                </a:solidFill>
+                <a:latin typeface="Microsoft YaHei" panose="020B0503020204020204" pitchFamily="34" charset="-122"/>
+                <a:ea typeface="Microsoft YaHei" panose="020B0503020204020204" pitchFamily="34" charset="-122"/>
+              </a:rPr>
+              <a:t>是 </a:t>
+            </a:r>
+            <a:r>
+              <a:rPr lang="en-US" sz="2200">
+                <a:solidFill>
+                  <a:srgbClr val="333333"/>
+                </a:solidFill>
+                <a:latin typeface="Microsoft YaHei" panose="020B0503020204020204" pitchFamily="34" charset="-122"/>
+                <a:ea typeface="Microsoft YaHei" panose="020B0503020204020204" pitchFamily="34" charset="-122"/>
+              </a:rPr>
+              <a:t>Python </a:t>
+            </a:r>
+            <a:r>
+              <a:rPr lang="zh-CN" altLang="en-US" sz="2200">
+                <a:solidFill>
+                  <a:srgbClr val="333333"/>
+                </a:solidFill>
+                <a:latin typeface="Microsoft YaHei" panose="020B0503020204020204" pitchFamily="34" charset="-122"/>
+                <a:ea typeface="Microsoft YaHei" panose="020B0503020204020204" pitchFamily="34" charset="-122"/>
+              </a:rPr>
+              <a:t>中两个最基本的概念。</a:t>
+            </a:r>
+            <a:endParaRPr lang="en-US" altLang="zh-CN" sz="2200">
+              <a:solidFill>
+                <a:srgbClr val="333333"/>
+              </a:solidFill>
+              <a:latin typeface="Microsoft YaHei" panose="020B0503020204020204" pitchFamily="34" charset="-122"/>
+              <a:ea typeface="Microsoft YaHei" panose="020B0503020204020204" pitchFamily="34" charset="-122"/>
+            </a:endParaRPr>
+          </a:p>
+          <a:p>
+            <a:pPr algn="just">
+              <a:lnSpc>
+                <a:spcPct val="150000"/>
+              </a:lnSpc>
+            </a:pPr>
+            <a:r>
+              <a:rPr lang="zh-CN" altLang="en-US" sz="2200" b="1">
+                <a:solidFill>
+                  <a:srgbClr val="333333"/>
+                </a:solidFill>
+                <a:latin typeface="Microsoft YaHei" panose="020B0503020204020204" pitchFamily="34" charset="-122"/>
+                <a:ea typeface="Microsoft YaHei" panose="020B0503020204020204" pitchFamily="34" charset="-122"/>
+              </a:rPr>
+              <a:t>类型：</a:t>
+            </a:r>
+            <a:r>
+              <a:rPr lang="zh-CN" altLang="en-US" sz="2200">
+                <a:solidFill>
+                  <a:srgbClr val="333333"/>
+                </a:solidFill>
+                <a:latin typeface="Microsoft YaHei" panose="020B0503020204020204" pitchFamily="34" charset="-122"/>
+                <a:ea typeface="Microsoft YaHei" panose="020B0503020204020204" pitchFamily="34" charset="-122"/>
+              </a:rPr>
+              <a:t>一个对象必有 </a:t>
+            </a:r>
+            <a:r>
+              <a:rPr lang="en-US" sz="2200">
+                <a:solidFill>
+                  <a:srgbClr val="333333"/>
+                </a:solidFill>
+                <a:latin typeface="Microsoft YaHei" panose="020B0503020204020204" pitchFamily="34" charset="-122"/>
+                <a:ea typeface="Microsoft YaHei" panose="020B0503020204020204" pitchFamily="34" charset="-122"/>
+              </a:rPr>
+              <a:t>Type </a:t>
+            </a:r>
+            <a:r>
+              <a:rPr lang="zh-CN" altLang="en-US" sz="2200">
+                <a:solidFill>
+                  <a:srgbClr val="333333"/>
+                </a:solidFill>
+                <a:latin typeface="Microsoft YaHei" panose="020B0503020204020204" pitchFamily="34" charset="-122"/>
+                <a:ea typeface="Microsoft YaHei" panose="020B0503020204020204" pitchFamily="34" charset="-122"/>
+              </a:rPr>
+              <a:t>属性，同样 </a:t>
+            </a:r>
+            <a:r>
+              <a:rPr lang="en-US" sz="2200">
+                <a:solidFill>
+                  <a:srgbClr val="333333"/>
+                </a:solidFill>
+                <a:latin typeface="Microsoft YaHei" panose="020B0503020204020204" pitchFamily="34" charset="-122"/>
+                <a:ea typeface="Microsoft YaHei" panose="020B0503020204020204" pitchFamily="34" charset="-122"/>
+              </a:rPr>
+              <a:t>Type </a:t>
+            </a:r>
+            <a:r>
+              <a:rPr lang="zh-CN" altLang="en-US" sz="2200">
+                <a:solidFill>
+                  <a:srgbClr val="333333"/>
+                </a:solidFill>
+                <a:latin typeface="Microsoft YaHei" panose="020B0503020204020204" pitchFamily="34" charset="-122"/>
+                <a:ea typeface="Microsoft YaHei" panose="020B0503020204020204" pitchFamily="34" charset="-122"/>
+              </a:rPr>
+              <a:t>是不能脱离开对象存在的。一个对象的类型定义了这个</a:t>
+            </a:r>
+            <a:r>
+              <a:rPr lang="zh-CN" altLang="en-US" sz="2200" u="sng">
+                <a:solidFill>
+                  <a:srgbClr val="333333"/>
+                </a:solidFill>
+                <a:latin typeface="Microsoft YaHei" panose="020B0503020204020204" pitchFamily="34" charset="-122"/>
+                <a:ea typeface="Microsoft YaHei" panose="020B0503020204020204" pitchFamily="34" charset="-122"/>
+              </a:rPr>
+              <a:t>对象支持的行为</a:t>
+            </a:r>
+            <a:r>
+              <a:rPr lang="zh-CN" altLang="en-US" sz="2200">
+                <a:solidFill>
+                  <a:srgbClr val="333333"/>
+                </a:solidFill>
+                <a:latin typeface="Microsoft YaHei" panose="020B0503020204020204" pitchFamily="34" charset="-122"/>
+                <a:ea typeface="Microsoft YaHei" panose="020B0503020204020204" pitchFamily="34" charset="-122"/>
+              </a:rPr>
+              <a:t>以及它</a:t>
+            </a:r>
+            <a:r>
+              <a:rPr lang="zh-CN" altLang="en-US" sz="2200" u="sng">
+                <a:solidFill>
+                  <a:srgbClr val="333333"/>
+                </a:solidFill>
+                <a:latin typeface="Microsoft YaHei" panose="020B0503020204020204" pitchFamily="34" charset="-122"/>
+                <a:ea typeface="Microsoft YaHei" panose="020B0503020204020204" pitchFamily="34" charset="-122"/>
+              </a:rPr>
+              <a:t>承载的值的类型</a:t>
+            </a:r>
+            <a:r>
+              <a:rPr lang="zh-CN" altLang="en-US" sz="2200">
+                <a:solidFill>
+                  <a:srgbClr val="333333"/>
+                </a:solidFill>
+                <a:latin typeface="Microsoft YaHei" panose="020B0503020204020204" pitchFamily="34" charset="-122"/>
+                <a:ea typeface="Microsoft YaHei" panose="020B0503020204020204" pitchFamily="34" charset="-122"/>
+              </a:rPr>
+              <a:t>，比如一个 </a:t>
+            </a:r>
+            <a:r>
+              <a:rPr lang="en-US" sz="2200">
+                <a:solidFill>
+                  <a:srgbClr val="333333"/>
+                </a:solidFill>
+                <a:latin typeface="Microsoft YaHei" panose="020B0503020204020204" pitchFamily="34" charset="-122"/>
+                <a:ea typeface="Microsoft YaHei" panose="020B0503020204020204" pitchFamily="34" charset="-122"/>
+              </a:rPr>
+              <a:t>int</a:t>
+            </a:r>
+            <a:r>
+              <a:rPr lang="zh-CN" altLang="en-US" sz="2200">
+                <a:solidFill>
+                  <a:srgbClr val="333333"/>
+                </a:solidFill>
+                <a:latin typeface="Microsoft YaHei" panose="020B0503020204020204" pitchFamily="34" charset="-122"/>
+                <a:ea typeface="Microsoft YaHei" panose="020B0503020204020204" pitchFamily="34" charset="-122"/>
+              </a:rPr>
+              <a:t> 类型的对象可以与其他数值型对象相加（行为），其值一定是整型（承载特定类型值）。</a:t>
+            </a:r>
+            <a:endParaRPr lang="en-US" altLang="zh-CN" sz="2200">
+              <a:solidFill>
+                <a:srgbClr val="333333"/>
+              </a:solidFill>
+              <a:latin typeface="Microsoft YaHei" panose="020B0503020204020204" pitchFamily="34" charset="-122"/>
+              <a:ea typeface="Microsoft YaHei" panose="020B0503020204020204" pitchFamily="34" charset="-122"/>
+            </a:endParaRPr>
+          </a:p>
+          <a:p>
+            <a:pPr algn="just">
+              <a:lnSpc>
+                <a:spcPct val="150000"/>
+              </a:lnSpc>
+            </a:pPr>
+            <a:endParaRPr lang="en-US" altLang="zh-CN" sz="2200">
+              <a:solidFill>
+                <a:srgbClr val="333333"/>
+              </a:solidFill>
+              <a:latin typeface="Microsoft YaHei" panose="020B0503020204020204" pitchFamily="34" charset="-122"/>
+              <a:ea typeface="Microsoft YaHei" panose="020B0503020204020204" pitchFamily="34" charset="-122"/>
+            </a:endParaRPr>
+          </a:p>
+          <a:p>
+            <a:pPr algn="just">
+              <a:lnSpc>
+                <a:spcPct val="150000"/>
+              </a:lnSpc>
+            </a:pPr>
+            <a:endParaRPr lang="en-US" altLang="zh-CN" sz="2200">
+              <a:solidFill>
+                <a:srgbClr val="333333"/>
+              </a:solidFill>
+              <a:latin typeface="Microsoft YaHei" panose="020B0503020204020204" pitchFamily="34" charset="-122"/>
+              <a:ea typeface="Microsoft YaHei" panose="020B0503020204020204" pitchFamily="34" charset="-122"/>
+            </a:endParaRPr>
+          </a:p>
+        </p:txBody>
+      </p:sp>
+    </p:spTree>
+    <p:extLst>
+      <p:ext uri="{BB962C8B-B14F-4D97-AF65-F5344CB8AC3E}">
+        <p14:creationId xmlns:p14="http://schemas.microsoft.com/office/powerpoint/2010/main" val="2755432972"/>
+      </p:ext>
+    </p:extLst>
+  </p:cSld>
+  <p:clrMapOvr>
+    <a:masterClrMapping/>
+  </p:clrMapOvr>
+  <p:transition>
+    <p:fade/>
+  </p:transition>
+</p:sld>
+</file>
+
+<file path=ppt/slides/slide14.xml><?xml version="1.0" encoding="utf-8"?>
+<p:sld xmlns:a="http://schemas.openxmlformats.org/drawingml/2006/main" xmlns:r="http://schemas.openxmlformats.org/officeDocument/2006/relationships" xmlns:p="http://schemas.openxmlformats.org/presentationml/2006/main">
+  <p:cSld>
+    <p:spTree>
+      <p:nvGrpSpPr>
+        <p:cNvPr id="1" name=""/>
+        <p:cNvGrpSpPr/>
+        <p:nvPr/>
+      </p:nvGrpSpPr>
+      <p:grpSpPr>
+        <a:xfrm>
+          <a:off x="0" y="0"/>
+          <a:ext cx="0" cy="0"/>
+          <a:chOff x="0" y="0"/>
+          <a:chExt cx="0" cy="0"/>
+        </a:xfrm>
+      </p:grpSpPr>
+      <p:sp>
+        <p:nvSpPr>
+          <p:cNvPr id="3" name="标题 2"/>
+          <p:cNvSpPr>
+            <a:spLocks noGrp="1"/>
+          </p:cNvSpPr>
+          <p:nvPr>
+            <p:ph type="title"/>
+          </p:nvPr>
+        </p:nvSpPr>
+        <p:spPr>
+          <a:xfrm>
+            <a:off x="0" y="8526"/>
+            <a:ext cx="9013371" cy="792162"/>
+          </a:xfrm>
+        </p:spPr>
+        <p:txBody>
+          <a:bodyPr/>
+          <a:lstStyle/>
+          <a:p>
             <a:r>
               <a:rPr lang="zh-CN" altLang="en-US">
                 <a:latin typeface="+mn-ea"/>
@@ -16409,7 +17822,7 @@
         <p:spPr>
           <a:xfrm>
             <a:off x="414554" y="1783013"/>
-            <a:ext cx="7967446" cy="3714287"/>
+            <a:ext cx="8314890" cy="3206455"/>
           </a:xfrm>
           <a:prstGeom prst="rect">
             <a:avLst/>
@@ -16446,7 +17859,7 @@
                 <a:latin typeface="+mn-ea"/>
                 <a:ea typeface="+mn-ea"/>
               </a:rPr>
-              <a:t>git</a:t>
+              <a:t>python</a:t>
             </a:r>
             <a:r>
               <a:rPr lang="zh-CN" altLang="en-US" sz="2200">
@@ -16456,7 +17869,7 @@
                 <a:latin typeface="+mn-ea"/>
                 <a:ea typeface="+mn-ea"/>
               </a:rPr>
-              <a:t>常用指令。</a:t>
+              <a:t>语言的函数定义，以及装饰器用法；</a:t>
             </a:r>
             <a:endParaRPr lang="en-US" altLang="zh-CN" sz="2200">
               <a:solidFill>
@@ -16481,27 +17894,7 @@
                 <a:latin typeface="+mn-ea"/>
                 <a:ea typeface="+mn-ea"/>
               </a:rPr>
-              <a:t>练习利用</a:t>
-            </a:r>
-            <a:r>
-              <a:rPr lang="en-US" altLang="zh-CN" sz="2200">
-                <a:solidFill>
-                  <a:srgbClr val="333333"/>
-                </a:solidFill>
-                <a:latin typeface="+mn-ea"/>
-                <a:ea typeface="+mn-ea"/>
-              </a:rPr>
-              <a:t>Anaconda</a:t>
-            </a:r>
-            <a:r>
-              <a:rPr lang="zh-CN" altLang="en-US" sz="2200">
-                <a:solidFill>
-                  <a:srgbClr val="333333"/>
-                </a:solidFill>
-                <a:latin typeface="+mn-ea"/>
-                <a:ea typeface="+mn-ea"/>
-              </a:rPr>
-              <a:t>开源软件管理包进行</a:t>
+              <a:t>联系</a:t>
             </a:r>
             <a:r>
               <a:rPr lang="en-US" altLang="zh-CN" sz="2200">
@@ -16521,7 +17914,47 @@
                 <a:latin typeface="+mn-ea"/>
                 <a:ea typeface="+mn-ea"/>
               </a:rPr>
-              <a:t>开发环境配置。</a:t>
+              <a:t>类定义、类的继承、以及</a:t>
+            </a:r>
+            <a:r>
+              <a:rPr lang="en-US" altLang="zh-CN" sz="2200">
+                <a:solidFill>
+                  <a:srgbClr val="333333"/>
+                </a:solidFill>
+                <a:latin typeface="+mn-ea"/>
+                <a:ea typeface="+mn-ea"/>
+              </a:rPr>
+              <a:t>python</a:t>
+            </a:r>
+            <a:r>
+              <a:rPr lang="zh-CN" altLang="en-US" sz="2200">
+                <a:solidFill>
+                  <a:srgbClr val="333333"/>
+                </a:solidFill>
+                <a:latin typeface="+mn-ea"/>
+                <a:ea typeface="+mn-ea"/>
+              </a:rPr>
+              <a:t>模块</a:t>
+            </a:r>
+            <a:r>
+              <a:rPr lang="en-US" altLang="zh-CN" sz="2200">
+                <a:solidFill>
+                  <a:srgbClr val="333333"/>
+                </a:solidFill>
+                <a:latin typeface="+mn-ea"/>
+                <a:ea typeface="+mn-ea"/>
+              </a:rPr>
+              <a:t>/</a:t>
+            </a:r>
+            <a:r>
+              <a:rPr lang="zh-CN" altLang="en-US" sz="2200">
+                <a:solidFill>
+                  <a:srgbClr val="333333"/>
+                </a:solidFill>
+                <a:latin typeface="+mn-ea"/>
+                <a:ea typeface="+mn-ea"/>
+              </a:rPr>
+              <a:t>包用法。</a:t>
             </a:r>
             <a:endParaRPr lang="en-US" altLang="zh-CN" sz="2200">
               <a:solidFill>
@@ -16532,72 +17965,26 @@
             </a:endParaRPr>
           </a:p>
           <a:p>
+            <a:pPr algn="just">
+              <a:lnSpc>
+                <a:spcPct val="200000"/>
+              </a:lnSpc>
+            </a:pPr>
+            <a:endParaRPr lang="en-US" altLang="zh-CN" sz="2200">
+              <a:solidFill>
+                <a:srgbClr val="333333"/>
+              </a:solidFill>
+              <a:latin typeface="+mn-ea"/>
+              <a:ea typeface="+mn-ea"/>
+            </a:endParaRPr>
+          </a:p>
+          <a:p>
             <a:pPr marL="457200" indent="-457200" algn="just">
               <a:lnSpc>
                 <a:spcPct val="200000"/>
               </a:lnSpc>
               <a:buAutoNum type="arabicPeriod"/>
             </a:pPr>
-            <a:r>
-              <a:rPr lang="zh-CN" altLang="en-US" sz="2200">
-                <a:solidFill>
-                  <a:srgbClr val="333333"/>
-                </a:solidFill>
-                <a:latin typeface="+mn-ea"/>
-                <a:ea typeface="+mn-ea"/>
-              </a:rPr>
-              <a:t>利用</a:t>
-            </a:r>
-            <a:r>
-              <a:rPr lang="en-US" altLang="zh-CN" sz="2200">
-                <a:solidFill>
-                  <a:srgbClr val="333333"/>
-                </a:solidFill>
-                <a:latin typeface="+mn-ea"/>
-                <a:ea typeface="+mn-ea"/>
-              </a:rPr>
-              <a:t>git/</a:t>
-            </a:r>
-            <a:r>
-              <a:rPr lang="en-US" altLang="zh-CN" sz="2200" err="1">
-                <a:solidFill>
-                  <a:srgbClr val="333333"/>
-                </a:solidFill>
-                <a:latin typeface="+mn-ea"/>
-                <a:ea typeface="+mn-ea"/>
-              </a:rPr>
-              <a:t>github</a:t>
-            </a:r>
-            <a:r>
-              <a:rPr lang="zh-CN" altLang="en-US" sz="2200">
-                <a:solidFill>
-                  <a:srgbClr val="333333"/>
-                </a:solidFill>
-                <a:latin typeface="+mn-ea"/>
-                <a:ea typeface="+mn-ea"/>
-              </a:rPr>
-              <a:t>将个人家乡所在地地理坐标添加至开源</a:t>
-            </a:r>
-            <a:r>
-              <a:rPr lang="en-US" altLang="zh-CN" sz="2200">
-                <a:solidFill>
-                  <a:srgbClr val="333333"/>
-                </a:solidFill>
-                <a:latin typeface="+mn-ea"/>
-                <a:ea typeface="+mn-ea"/>
-              </a:rPr>
-              <a:t>GIS</a:t>
-            </a:r>
-            <a:r>
-              <a:rPr lang="zh-CN" altLang="en-US" sz="2200">
-                <a:solidFill>
-                  <a:srgbClr val="333333"/>
-                </a:solidFill>
-                <a:latin typeface="+mn-ea"/>
-                <a:ea typeface="+mn-ea"/>
-              </a:rPr>
-              <a:t>课程项目中。</a:t>
-            </a:r>
             <a:endParaRPr lang="en-US" altLang="zh-CN" sz="2200">
               <a:solidFill>
                 <a:srgbClr val="333333"/>
@@ -16686,138 +18073,6 @@
           </a:p>
         </p:txBody>
       </p:sp>
-      <p:grpSp>
-        <p:nvGrpSpPr>
-          <p:cNvPr id="9" name="Group 8">
-            <a:extLst>
-              <a:ext uri="{FF2B5EF4-FFF2-40B4-BE49-F238E27FC236}">
-                <a16:creationId xmlns:a16="http://schemas.microsoft.com/office/drawing/2014/main" id="{84B9B8D5-4BCC-CDFF-1E13-B005060A8BDF}"/>
-              </a:ext>
-            </a:extLst>
-          </p:cNvPr>
-          <p:cNvGrpSpPr/>
-          <p:nvPr/>
-        </p:nvGrpSpPr>
-        <p:grpSpPr>
-          <a:xfrm>
-            <a:off x="2130680" y="4583174"/>
-            <a:ext cx="6916338" cy="772176"/>
-            <a:chOff x="2121802" y="2115450"/>
-            <a:chExt cx="5430801" cy="576000"/>
-          </a:xfrm>
-        </p:grpSpPr>
-        <p:sp>
-          <p:nvSpPr>
-            <p:cNvPr id="10" name="椭圆 9"/>
-            <p:cNvSpPr/>
-            <p:nvPr/>
-          </p:nvSpPr>
-          <p:spPr>
-            <a:xfrm>
-              <a:off x="2121802" y="2115450"/>
-              <a:ext cx="576000" cy="576000"/>
-            </a:xfrm>
-            <a:prstGeom prst="ellipse">
-              <a:avLst/>
-            </a:prstGeom>
-            <a:solidFill>
-              <a:schemeClr val="tx1">
-                <a:lumMod val="95000"/>
-              </a:schemeClr>
-            </a:solidFill>
-            <a:ln w="19050">
-              <a:solidFill>
-                <a:schemeClr val="accent1"/>
-              </a:solidFill>
-            </a:ln>
-          </p:spPr>
-          <p:style>
-            <a:lnRef idx="2">
-              <a:schemeClr val="accent1">
-                <a:shade val="50000"/>
-              </a:schemeClr>
-            </a:lnRef>
-            <a:fillRef idx="1">
-              <a:schemeClr val="accent1"/>
-            </a:fillRef>
-            <a:effectRef idx="0">
-              <a:schemeClr val="accent1"/>
-            </a:effectRef>
-            <a:fontRef idx="minor">
-              <a:schemeClr val="lt1"/>
-            </a:fontRef>
-          </p:style>
-          <p:txBody>
-            <a:bodyPr rtlCol="0" anchor="ctr"/>
-            <a:lstStyle/>
-            <a:p>
-              <a:pPr algn="ctr" eaLnBrk="1" fontAlgn="auto" hangingPunct="1">
-                <a:spcBef>
-                  <a:spcPts val="0"/>
-                </a:spcBef>
-                <a:spcAft>
-                  <a:spcPts val="0"/>
-                </a:spcAft>
-              </a:pPr>
-              <a:r>
-                <a:rPr lang="zh-CN" altLang="en-US" sz="3200" b="1">
-                  <a:solidFill>
-                    <a:schemeClr val="accent1"/>
-                  </a:solidFill>
-                  <a:latin typeface="微软雅黑" pitchFamily="34" charset="-122"/>
-                  <a:ea typeface="微软雅黑" pitchFamily="34" charset="-122"/>
-                </a:rPr>
-                <a:t>三</a:t>
-              </a:r>
-            </a:p>
-          </p:txBody>
-        </p:sp>
-        <p:sp>
-          <p:nvSpPr>
-            <p:cNvPr id="12" name="矩形 11"/>
-            <p:cNvSpPr/>
-            <p:nvPr/>
-          </p:nvSpPr>
-          <p:spPr>
-            <a:xfrm>
-              <a:off x="2697802" y="2173517"/>
-              <a:ext cx="4854801" cy="436209"/>
-            </a:xfrm>
-            <a:prstGeom prst="rect">
-              <a:avLst/>
-            </a:prstGeom>
-          </p:spPr>
-          <p:txBody>
-            <a:bodyPr wrap="square" anchor="ctr">
-              <a:spAutoFit/>
-            </a:bodyPr>
-            <a:lstStyle/>
-            <a:p>
-              <a:pPr algn="l" eaLnBrk="1" fontAlgn="auto" hangingPunct="1">
-                <a:spcBef>
-                  <a:spcPts val="0"/>
-                </a:spcBef>
-                <a:spcAft>
-                  <a:spcPts val="0"/>
-                </a:spcAft>
-              </a:pPr>
-              <a:r>
-                <a:rPr lang="zh-CN" altLang="en-US" sz="3200" b="1" dirty="0">
-                  <a:solidFill>
-                    <a:schemeClr val="accent1"/>
-                  </a:solidFill>
-                  <a:highlight>
-                    <a:srgbClr val="FFFFFF"/>
-                  </a:highlight>
-                  <a:latin typeface="Arial"/>
-                  <a:ea typeface="微软雅黑"/>
-                </a:rPr>
-                <a:t>异常处理</a:t>
-              </a:r>
-            </a:p>
-          </p:txBody>
-        </p:sp>
-      </p:grpSp>
       <p:grpSp>
         <p:nvGrpSpPr>
           <p:cNvPr id="3" name="Group 2">
@@ -16934,7 +18189,7 @@
                 </a:spcAft>
               </a:pPr>
               <a:r>
-                <a:rPr lang="zh-CN" altLang="en-US" sz="3200" b="1" dirty="0">
+                <a:rPr lang="zh-CN" altLang="en-US" sz="3200" b="1">
                   <a:solidFill>
                     <a:schemeClr val="accent1"/>
                   </a:solidFill>
@@ -16946,7 +18201,7 @@
                 </a:rPr>
                 <a:t>面向对象编程</a:t>
               </a:r>
-              <a:endParaRPr lang="en-US" altLang="zh-CN" sz="3200" b="1" dirty="0">
+              <a:endParaRPr lang="en-US" altLang="zh-CN" sz="3200" b="1">
                 <a:solidFill>
                   <a:schemeClr val="accent1"/>
                 </a:solidFill>
@@ -17138,7 +18393,7 @@
                 </a:spcAft>
               </a:pPr>
               <a:r>
-                <a:rPr lang="zh-CN" altLang="en-US" sz="3200" b="1" dirty="0">
+                <a:rPr lang="zh-CN" altLang="en-US" sz="3200" b="1">
                   <a:solidFill>
                     <a:schemeClr val="accent1"/>
                   </a:solidFill>
@@ -17255,7 +18510,7 @@
               </a:spcAft>
             </a:pPr>
             <a:r>
-              <a:rPr lang="zh-CN" altLang="en-US" sz="4000" b="1" dirty="0">
+              <a:rPr lang="zh-CN" altLang="en-US" sz="4000" b="1">
                 <a:latin typeface="微软雅黑" pitchFamily="34" charset="-122"/>
                 <a:ea typeface="微软雅黑" pitchFamily="34" charset="-122"/>
               </a:rPr>
@@ -17364,28 +18619,28 @@
               </a:spcAft>
             </a:pPr>
             <a:r>
-              <a:rPr lang="zh-CN" altLang="en-US" dirty="0">
+              <a:rPr lang="zh-CN" altLang="en-US">
                 <a:latin typeface="微软雅黑" pitchFamily="34" charset="-122"/>
                 <a:ea typeface="微软雅黑" pitchFamily="34" charset="-122"/>
               </a:rPr>
               <a:t>一</a:t>
             </a:r>
             <a:r>
-              <a:rPr lang="zh-CN" altLang="en-US" sz="3600" b="1" dirty="0">
+              <a:rPr lang="zh-CN" altLang="en-US" sz="3600" b="1">
                 <a:latin typeface="微软雅黑" pitchFamily="34" charset="-122"/>
                 <a:ea typeface="微软雅黑" pitchFamily="34" charset="-122"/>
               </a:rPr>
               <a:t>、</a:t>
             </a:r>
             <a:r>
-              <a:rPr lang="zh-CN" altLang="en-CN" sz="3600" b="1" dirty="0">
+              <a:rPr lang="zh-CN" altLang="en-CN" sz="3600" b="1">
                 <a:latin typeface="微软雅黑" pitchFamily="34" charset="-122"/>
                 <a:ea typeface="微软雅黑" pitchFamily="34" charset="-122"/>
               </a:rPr>
               <a:t>函数</a:t>
             </a:r>
             <a:r>
-              <a:rPr lang="zh-CN" altLang="en-US" sz="3600" b="1" dirty="0">
+              <a:rPr lang="zh-CN" altLang="en-US" sz="3600" b="1">
                 <a:latin typeface="微软雅黑" pitchFamily="34" charset="-122"/>
                 <a:ea typeface="微软雅黑" pitchFamily="34" charset="-122"/>
               </a:rPr>
@@ -17428,7 +18683,7 @@
               </a:lnSpc>
             </a:pPr>
             <a:r>
-              <a:rPr lang="zh-CN" altLang="en-US" sz="2800" b="1" dirty="0">
+              <a:rPr lang="zh-CN" altLang="en-US" sz="2800" b="1">
                 <a:solidFill>
                   <a:srgbClr val="333333"/>
                 </a:solidFill>
@@ -17437,7 +18692,7 @@
               </a:rPr>
               <a:t>函数</a:t>
             </a:r>
-            <a:endParaRPr lang="en-US" altLang="zh-CN" sz="2800" b="1" dirty="0">
+            <a:endParaRPr lang="en-US" altLang="zh-CN" sz="2800" b="1">
               <a:solidFill>
                 <a:srgbClr val="333333"/>
               </a:solidFill>
@@ -17481,7 +18736,7 @@
               </a:lnSpc>
             </a:pPr>
             <a:r>
-              <a:rPr lang="zh-CN" altLang="en-US" sz="2200" b="1" dirty="0">
+              <a:rPr lang="zh-CN" altLang="en-US" sz="2200" b="1">
                 <a:solidFill>
                   <a:srgbClr val="333333"/>
                 </a:solidFill>
@@ -17491,7 +18746,7 @@
               <a:t>概念：</a:t>
             </a:r>
             <a:r>
-              <a:rPr lang="zh-CN" altLang="en-US" sz="2200" dirty="0">
+              <a:rPr lang="zh-CN" altLang="en-US" sz="2200">
                 <a:solidFill>
                   <a:srgbClr val="333333"/>
                 </a:solidFill>
@@ -17501,7 +18756,7 @@
               <a:t>函数是组织好的，可重复使用的，用来实现单一，或相关联功能的代码段。如常用的</a:t>
             </a:r>
             <a:r>
-              <a:rPr lang="en-US" altLang="zh-CN" sz="2200" dirty="0">
+              <a:rPr lang="en-US" altLang="zh-CN" sz="2200">
                 <a:solidFill>
                   <a:srgbClr val="333333"/>
                 </a:solidFill>
@@ -17511,7 +18766,7 @@
               <a:t>print()</a:t>
             </a:r>
             <a:r>
-              <a:rPr lang="zh-CN" altLang="en-US" sz="2200" dirty="0">
+              <a:rPr lang="zh-CN" altLang="en-US" sz="2200">
                 <a:solidFill>
                   <a:srgbClr val="333333"/>
                 </a:solidFill>
@@ -17520,7 +18775,7 @@
               </a:rPr>
               <a:t>即为一个函数。</a:t>
             </a:r>
-            <a:endParaRPr lang="en-US" altLang="zh-CN" sz="2200" dirty="0">
+            <a:endParaRPr lang="en-US" altLang="zh-CN" sz="2200">
               <a:solidFill>
                 <a:srgbClr val="333333"/>
               </a:solidFill>
@@ -17535,7 +18790,7 @@
               </a:lnSpc>
             </a:pPr>
             <a:r>
-              <a:rPr lang="en-US" altLang="zh-CN" sz="2200" b="1" dirty="0">
+              <a:rPr lang="en-US" altLang="zh-CN" sz="2200" b="1">
                 <a:solidFill>
                   <a:srgbClr val="333333"/>
                 </a:solidFill>
@@ -17545,7 +18800,7 @@
               <a:t>Python</a:t>
             </a:r>
             <a:r>
-              <a:rPr lang="zh-CN" altLang="en-US" sz="2200" b="1" dirty="0">
+              <a:rPr lang="zh-CN" altLang="en-US" sz="2200" b="1">
                 <a:solidFill>
                   <a:srgbClr val="333333"/>
                 </a:solidFill>
@@ -17555,7 +18810,7 @@
               <a:t>实现：</a:t>
             </a:r>
             <a:r>
-              <a:rPr lang="en-US" sz="2200" b="1" dirty="0">
+              <a:rPr lang="en-US" sz="2200" b="1">
                 <a:solidFill>
                   <a:srgbClr val="333333"/>
                 </a:solidFill>
@@ -17565,7 +18820,7 @@
               <a:t> </a:t>
             </a:r>
             <a:r>
-              <a:rPr lang="en-US" sz="2200" dirty="0" err="1">
+              <a:rPr lang="en-US" sz="2200" err="1">
                 <a:solidFill>
                   <a:srgbClr val="333333"/>
                 </a:solidFill>
@@ -17575,7 +18830,7 @@
               <a:t>在python</a:t>
             </a:r>
             <a:r>
-              <a:rPr lang="zh-CN" altLang="en-US" sz="2200" dirty="0">
+              <a:rPr lang="zh-CN" altLang="en-US" sz="2200">
                 <a:solidFill>
                   <a:srgbClr val="333333"/>
                 </a:solidFill>
@@ -17585,7 +18840,7 @@
               <a:t> 中，用</a:t>
             </a:r>
             <a:r>
-              <a:rPr lang="en-US" sz="2200" b="1" dirty="0">
+              <a:rPr lang="en-US" sz="2200" b="1">
                 <a:solidFill>
                   <a:srgbClr val="333333"/>
                 </a:solidFill>
@@ -17595,7 +18850,7 @@
               <a:t>def</a:t>
             </a:r>
             <a:r>
-              <a:rPr lang="en-US" sz="2200" dirty="0">
+              <a:rPr lang="en-US" sz="2200">
                 <a:solidFill>
                   <a:srgbClr val="333333"/>
                 </a:solidFill>
@@ -17605,7 +18860,7 @@
               <a:t> </a:t>
             </a:r>
             <a:r>
-              <a:rPr lang="zh-CN" altLang="en-US" sz="2200" dirty="0">
+              <a:rPr lang="zh-CN" altLang="en-US" sz="2200">
                 <a:solidFill>
                   <a:srgbClr val="333333"/>
                 </a:solidFill>
@@ -17615,7 +18870,7 @@
               <a:t>关键字定义一个函数，然后写上函数标识符（名称），后面是括号和冒号。如有传入参数，需放在圆括号中间。如果函数结束有返回值，则用</a:t>
             </a:r>
             <a:r>
-              <a:rPr lang="en-US" altLang="zh-CN" sz="2200" b="1" dirty="0">
+              <a:rPr lang="en-US" altLang="zh-CN" sz="2200" b="1">
                 <a:solidFill>
                   <a:srgbClr val="333333"/>
                 </a:solidFill>
@@ -17625,7 +18880,7 @@
               <a:t>return</a:t>
             </a:r>
             <a:r>
-              <a:rPr lang="zh-CN" altLang="en-US" sz="2200" dirty="0">
+              <a:rPr lang="zh-CN" altLang="en-US" sz="2200">
                 <a:solidFill>
                   <a:srgbClr val="333333"/>
                 </a:solidFill>
@@ -17634,7 +18889,7 @@
               </a:rPr>
               <a:t>语句。</a:t>
             </a:r>
-            <a:endParaRPr lang="en-US" altLang="zh-CN" sz="2200" dirty="0">
+            <a:endParaRPr lang="en-US" altLang="zh-CN" sz="2200">
               <a:solidFill>
                 <a:srgbClr val="333333"/>
               </a:solidFill>
@@ -17666,8 +18921,8 @@
         </p:blipFill>
         <p:spPr>
           <a:xfrm>
-            <a:off x="2444247" y="4348417"/>
-            <a:ext cx="4255505" cy="2268044"/>
+            <a:off x="2407920" y="4521137"/>
+            <a:ext cx="3783832" cy="2016658"/>
           </a:xfrm>
           <a:prstGeom prst="rect">
             <a:avLst/>
@@ -17736,28 +18991,28 @@
               </a:spcAft>
             </a:pPr>
             <a:r>
-              <a:rPr lang="zh-CN" altLang="en-US" dirty="0">
+              <a:rPr lang="zh-CN" altLang="en-US">
                 <a:latin typeface="微软雅黑" pitchFamily="34" charset="-122"/>
                 <a:ea typeface="微软雅黑" pitchFamily="34" charset="-122"/>
               </a:rPr>
               <a:t>一</a:t>
             </a:r>
             <a:r>
-              <a:rPr lang="zh-CN" altLang="en-US" sz="3600" b="1" dirty="0">
+              <a:rPr lang="zh-CN" altLang="en-US" sz="3600" b="1">
                 <a:latin typeface="微软雅黑" pitchFamily="34" charset="-122"/>
                 <a:ea typeface="微软雅黑" pitchFamily="34" charset="-122"/>
               </a:rPr>
               <a:t>、</a:t>
             </a:r>
             <a:r>
-              <a:rPr lang="zh-CN" altLang="en-CN" sz="3600" b="1" dirty="0">
+              <a:rPr lang="zh-CN" altLang="en-CN" sz="3600" b="1">
                 <a:latin typeface="微软雅黑" pitchFamily="34" charset="-122"/>
                 <a:ea typeface="微软雅黑" pitchFamily="34" charset="-122"/>
               </a:rPr>
               <a:t>函数</a:t>
             </a:r>
             <a:r>
-              <a:rPr lang="zh-CN" altLang="en-US" sz="3600" b="1" dirty="0">
+              <a:rPr lang="zh-CN" altLang="en-US" sz="3600" b="1">
                 <a:latin typeface="微软雅黑" pitchFamily="34" charset="-122"/>
                 <a:ea typeface="微软雅黑" pitchFamily="34" charset="-122"/>
               </a:rPr>
@@ -17800,7 +19055,7 @@
               </a:lnSpc>
             </a:pPr>
             <a:r>
-              <a:rPr lang="en-US" altLang="zh-CN" sz="2800" b="1" dirty="0">
+              <a:rPr lang="en-US" altLang="zh-CN" sz="2800" b="1">
                 <a:solidFill>
                   <a:srgbClr val="333333"/>
                 </a:solidFill>
@@ -17810,7 +19065,7 @@
               <a:t>python</a:t>
             </a:r>
             <a:r>
-              <a:rPr lang="zh-CN" altLang="en-US" sz="2800" b="1" dirty="0">
+              <a:rPr lang="zh-CN" altLang="en-US" sz="2800" b="1">
                 <a:solidFill>
                   <a:srgbClr val="333333"/>
                 </a:solidFill>
@@ -17819,7 +19074,7 @@
               </a:rPr>
               <a:t>类</a:t>
             </a:r>
-            <a:endParaRPr lang="en-US" altLang="zh-CN" sz="2800" b="1" dirty="0">
+            <a:endParaRPr lang="en-US" altLang="zh-CN" sz="2800" b="1">
               <a:solidFill>
                 <a:srgbClr val="333333"/>
               </a:solidFill>
@@ -17863,7 +19118,7 @@
               </a:lnSpc>
             </a:pPr>
             <a:r>
-              <a:rPr lang="zh-CN" altLang="en-US" b="1" dirty="0">
+              <a:rPr lang="zh-CN" altLang="en-US" b="1">
                 <a:solidFill>
                   <a:srgbClr val="333333"/>
                 </a:solidFill>
@@ -17873,7 +19128,7 @@
               <a:t>概念：</a:t>
             </a:r>
             <a:r>
-              <a:rPr lang="zh-CN" altLang="en-US" dirty="0">
+              <a:rPr lang="zh-CN" altLang="en-US">
                 <a:solidFill>
                   <a:srgbClr val="333333"/>
                 </a:solidFill>
@@ -17882,7 +19137,7 @@
               </a:rPr>
               <a:t>用来描述具有相同属性和方法的对象的集合。其定义了该集合中每个对象所共有的属性和方法，对象是类的实例。如定义一个学生类，张三同学即为学生类的实例。</a:t>
             </a:r>
-            <a:endParaRPr lang="en-US" altLang="zh-CN" dirty="0">
+            <a:endParaRPr lang="en-US" altLang="zh-CN">
               <a:solidFill>
                 <a:srgbClr val="333333"/>
               </a:solidFill>
@@ -17897,7 +19152,7 @@
               </a:lnSpc>
             </a:pPr>
             <a:r>
-              <a:rPr lang="zh-CN" altLang="en-US" dirty="0">
+              <a:rPr lang="zh-CN" altLang="en-US">
                 <a:solidFill>
                   <a:srgbClr val="333333"/>
                 </a:solidFill>
@@ -17907,7 +19162,7 @@
               <a:t>类属性分为</a:t>
             </a:r>
             <a:r>
-              <a:rPr lang="zh-CN" altLang="en-US" b="1" dirty="0">
+              <a:rPr lang="zh-CN" altLang="en-US" b="1">
                 <a:solidFill>
                   <a:srgbClr val="333333"/>
                 </a:solidFill>
@@ -17917,7 +19172,7 @@
               <a:t>实例属性</a:t>
             </a:r>
             <a:r>
-              <a:rPr lang="zh-CN" altLang="en-US" dirty="0">
+              <a:rPr lang="zh-CN" altLang="en-US">
                 <a:solidFill>
                   <a:srgbClr val="333333"/>
                 </a:solidFill>
@@ -17927,7 +19182,7 @@
               <a:t>和</a:t>
             </a:r>
             <a:r>
-              <a:rPr lang="zh-CN" altLang="en-US" b="1" dirty="0">
+              <a:rPr lang="zh-CN" altLang="en-US" b="1">
                 <a:solidFill>
                   <a:srgbClr val="333333"/>
                 </a:solidFill>
@@ -17937,7 +19192,7 @@
               <a:t>类属性</a:t>
             </a:r>
             <a:r>
-              <a:rPr lang="zh-CN" altLang="en-US" dirty="0">
+              <a:rPr lang="zh-CN" altLang="en-US">
                 <a:solidFill>
                   <a:srgbClr val="333333"/>
                 </a:solidFill>
@@ -17946,7 +19201,7 @@
               </a:rPr>
               <a:t>两种，类属性为每个实例的共有属性，实例属性为不同实例的特有属性。</a:t>
             </a:r>
-            <a:endParaRPr lang="en-US" altLang="zh-CN" b="1" dirty="0">
+            <a:endParaRPr lang="en-US" altLang="zh-CN" b="1">
               <a:solidFill>
                 <a:srgbClr val="333333"/>
               </a:solidFill>
@@ -18018,28 +19273,28 @@
               </a:spcAft>
             </a:pPr>
             <a:r>
-              <a:rPr lang="zh-CN" altLang="en-US" dirty="0">
+              <a:rPr lang="zh-CN" altLang="en-US">
                 <a:latin typeface="微软雅黑" pitchFamily="34" charset="-122"/>
                 <a:ea typeface="微软雅黑" pitchFamily="34" charset="-122"/>
               </a:rPr>
               <a:t>一</a:t>
             </a:r>
             <a:r>
-              <a:rPr lang="zh-CN" altLang="en-US" sz="3600" b="1" dirty="0">
+              <a:rPr lang="zh-CN" altLang="en-US" sz="3600" b="1">
                 <a:latin typeface="微软雅黑" pitchFamily="34" charset="-122"/>
                 <a:ea typeface="微软雅黑" pitchFamily="34" charset="-122"/>
               </a:rPr>
               <a:t>、</a:t>
             </a:r>
             <a:r>
-              <a:rPr lang="zh-CN" altLang="en-CN" sz="3600" b="1" dirty="0">
+              <a:rPr lang="zh-CN" altLang="en-CN" sz="3600" b="1">
                 <a:latin typeface="微软雅黑" pitchFamily="34" charset="-122"/>
                 <a:ea typeface="微软雅黑" pitchFamily="34" charset="-122"/>
               </a:rPr>
               <a:t>函数</a:t>
             </a:r>
             <a:r>
-              <a:rPr lang="zh-CN" altLang="en-US" sz="3600" b="1" dirty="0">
+              <a:rPr lang="zh-CN" altLang="en-US" sz="3600" b="1">
                 <a:latin typeface="微软雅黑" pitchFamily="34" charset="-122"/>
                 <a:ea typeface="微软雅黑" pitchFamily="34" charset="-122"/>
               </a:rPr>
@@ -18082,7 +19337,7 @@
               </a:lnSpc>
             </a:pPr>
             <a:r>
-              <a:rPr lang="en-US" altLang="zh-CN" sz="2800" b="1" dirty="0">
+              <a:rPr lang="en-US" altLang="zh-CN" sz="2800" b="1">
                 <a:solidFill>
                   <a:srgbClr val="333333"/>
                 </a:solidFill>
@@ -18092,7 +19347,7 @@
               <a:t>python</a:t>
             </a:r>
             <a:r>
-              <a:rPr lang="zh-CN" altLang="en-US" sz="2800" b="1" dirty="0">
+              <a:rPr lang="zh-CN" altLang="en-US" sz="2800" b="1">
                 <a:solidFill>
                   <a:srgbClr val="333333"/>
                 </a:solidFill>
@@ -18101,7 +19356,7 @@
               </a:rPr>
               <a:t>类</a:t>
             </a:r>
-            <a:endParaRPr lang="en-US" altLang="zh-CN" sz="2800" b="1" dirty="0">
+            <a:endParaRPr lang="en-US" altLang="zh-CN" sz="2800" b="1">
               <a:solidFill>
                 <a:srgbClr val="333333"/>
               </a:solidFill>
@@ -18145,7 +19400,7 @@
               </a:lnSpc>
             </a:pPr>
             <a:r>
-              <a:rPr lang="en-US" altLang="zh-CN" sz="2200" b="1" dirty="0">
+              <a:rPr lang="en-US" altLang="zh-CN" sz="2200" b="1">
                 <a:solidFill>
                   <a:srgbClr val="333333"/>
                 </a:solidFill>
@@ -18155,7 +19410,7 @@
               <a:t>Python</a:t>
             </a:r>
             <a:r>
-              <a:rPr lang="zh-CN" altLang="en-US" sz="2200" b="1" dirty="0">
+              <a:rPr lang="zh-CN" altLang="en-US" sz="2200" b="1">
                 <a:solidFill>
                   <a:srgbClr val="333333"/>
                 </a:solidFill>
@@ -18165,7 +19420,7 @@
               <a:t>实现：</a:t>
             </a:r>
             <a:r>
-              <a:rPr lang="zh-CN" altLang="en-US" sz="2200" dirty="0">
+              <a:rPr lang="zh-CN" altLang="en-US" sz="2200">
                 <a:solidFill>
                   <a:srgbClr val="333333"/>
                 </a:solidFill>
@@ -18175,7 +19430,7 @@
               <a:t>类通过</a:t>
             </a:r>
             <a:r>
-              <a:rPr lang="en-US" altLang="zh-CN" sz="2200" dirty="0">
+              <a:rPr lang="en-US" altLang="zh-CN" sz="2200">
                 <a:solidFill>
                   <a:srgbClr val="333333"/>
                 </a:solidFill>
@@ -18185,7 +19440,7 @@
               <a:t>class</a:t>
             </a:r>
             <a:r>
-              <a:rPr lang="zh-CN" altLang="en-US" sz="2200" dirty="0">
+              <a:rPr lang="zh-CN" altLang="en-US" sz="2200">
                 <a:solidFill>
                   <a:srgbClr val="333333"/>
                 </a:solidFill>
@@ -18195,7 +19450,7 @@
               <a:t>关键字定义，</a:t>
             </a:r>
             <a:r>
-              <a:rPr lang="zh-CN" altLang="en-CN" sz="2200" dirty="0">
+              <a:rPr lang="zh-CN" altLang="en-CN" sz="2200">
                 <a:solidFill>
                   <a:srgbClr val="333333"/>
                 </a:solidFill>
@@ -18205,7 +19460,7 @@
               <a:t>类名</a:t>
             </a:r>
             <a:r>
-              <a:rPr lang="zh-CN" altLang="en-US" sz="2200" dirty="0">
+              <a:rPr lang="zh-CN" altLang="en-US" sz="2200">
                 <a:solidFill>
                   <a:srgbClr val="333333"/>
                 </a:solidFill>
@@ -18215,7 +19470,7 @@
               <a:t>首字母通常用大写英文字母。实例属性通过一个特殊的方法</a:t>
             </a:r>
             <a:r>
-              <a:rPr lang="en-US" altLang="zh-CN" sz="2200" dirty="0">
+              <a:rPr lang="en-US" altLang="zh-CN" sz="2200">
                 <a:solidFill>
                   <a:srgbClr val="333333"/>
                 </a:solidFill>
@@ -18225,7 +19480,7 @@
               <a:t>__inti__()</a:t>
             </a:r>
             <a:r>
-              <a:rPr lang="zh-CN" altLang="en-US" sz="2200" dirty="0">
+              <a:rPr lang="zh-CN" altLang="en-US" sz="2200">
                 <a:solidFill>
                   <a:srgbClr val="333333"/>
                 </a:solidFill>
@@ -18235,7 +19490,7 @@
               <a:t>定义。类方法使用</a:t>
             </a:r>
             <a:r>
-              <a:rPr lang="en-US" altLang="zh-CN" sz="2200" dirty="0">
+              <a:rPr lang="en-US" altLang="zh-CN" sz="2200">
                 <a:solidFill>
                   <a:srgbClr val="333333"/>
                 </a:solidFill>
@@ -18245,7 +19500,7 @@
               <a:t>def</a:t>
             </a:r>
             <a:r>
-              <a:rPr lang="zh-CN" altLang="en-US" sz="2200" dirty="0">
+              <a:rPr lang="zh-CN" altLang="en-US" sz="2200">
                 <a:solidFill>
                   <a:srgbClr val="333333"/>
                 </a:solidFill>
@@ -18255,7 +19510,7 @@
               <a:t>关键字定义，与一般函数不同的是类方法第一个参数为</a:t>
             </a:r>
             <a:r>
-              <a:rPr lang="en-US" altLang="zh-CN" sz="2200" dirty="0">
+              <a:rPr lang="en-US" altLang="zh-CN" sz="2200">
                 <a:solidFill>
                   <a:srgbClr val="333333"/>
                 </a:solidFill>
@@ -18265,7 +19520,7 @@
               <a:t>self</a:t>
             </a:r>
             <a:r>
-              <a:rPr lang="zh-CN" altLang="en-US" sz="2200" dirty="0">
+              <a:rPr lang="zh-CN" altLang="en-US" sz="2200">
                 <a:solidFill>
                   <a:srgbClr val="333333"/>
                 </a:solidFill>
@@ -18274,7 +19529,7 @@
               </a:rPr>
               <a:t>。</a:t>
             </a:r>
-            <a:endParaRPr lang="en-US" altLang="zh-CN" sz="2200" dirty="0">
+            <a:endParaRPr lang="en-US" altLang="zh-CN" sz="2200">
               <a:solidFill>
                 <a:srgbClr val="333333"/>
               </a:solidFill>
@@ -18376,28 +19631,28 @@
               </a:spcAft>
             </a:pPr>
             <a:r>
-              <a:rPr lang="zh-CN" altLang="en-US" dirty="0">
+              <a:rPr lang="zh-CN" altLang="en-US">
                 <a:latin typeface="微软雅黑" pitchFamily="34" charset="-122"/>
                 <a:ea typeface="微软雅黑" pitchFamily="34" charset="-122"/>
               </a:rPr>
               <a:t>一</a:t>
             </a:r>
             <a:r>
-              <a:rPr lang="zh-CN" altLang="en-US" sz="3600" b="1" dirty="0">
+              <a:rPr lang="zh-CN" altLang="en-US" sz="3600" b="1">
                 <a:latin typeface="微软雅黑" pitchFamily="34" charset="-122"/>
                 <a:ea typeface="微软雅黑" pitchFamily="34" charset="-122"/>
               </a:rPr>
               <a:t>、</a:t>
             </a:r>
             <a:r>
-              <a:rPr lang="zh-CN" altLang="en-CN" sz="3600" b="1" dirty="0">
+              <a:rPr lang="zh-CN" altLang="en-CN" sz="3600" b="1">
                 <a:latin typeface="微软雅黑" pitchFamily="34" charset="-122"/>
                 <a:ea typeface="微软雅黑" pitchFamily="34" charset="-122"/>
               </a:rPr>
               <a:t>函数</a:t>
             </a:r>
             <a:r>
-              <a:rPr lang="zh-CN" altLang="en-US" sz="3600" b="1" dirty="0">
+              <a:rPr lang="zh-CN" altLang="en-US" sz="3600" b="1">
                 <a:latin typeface="微软雅黑" pitchFamily="34" charset="-122"/>
                 <a:ea typeface="微软雅黑" pitchFamily="34" charset="-122"/>
               </a:rPr>
@@ -18420,7 +19675,7 @@
         </p:nvSpPr>
         <p:spPr>
           <a:xfrm>
-            <a:off x="317665" y="902168"/>
+            <a:off x="317665" y="867664"/>
             <a:ext cx="8508670" cy="662489"/>
           </a:xfrm>
           <a:prstGeom prst="rect">
@@ -18440,26 +19695,16 @@
               </a:lnSpc>
             </a:pPr>
             <a:r>
-              <a:rPr lang="en-US" altLang="zh-CN" sz="2800" b="1" dirty="0">
+              <a:rPr lang="zh-CN" altLang="en-US" sz="2800" b="1">
                 <a:solidFill>
                   <a:srgbClr val="333333"/>
                 </a:solidFill>
                 <a:latin typeface="+mn-ea"/>
                 <a:ea typeface="+mn-ea"/>
               </a:rPr>
-              <a:t>Python</a:t>
-            </a:r>
-            <a:r>
-              <a:rPr lang="zh-CN" altLang="en-US" sz="2800" b="1" dirty="0">
-                <a:solidFill>
-                  <a:srgbClr val="333333"/>
-                </a:solidFill>
-                <a:latin typeface="+mn-ea"/>
-                <a:ea typeface="+mn-ea"/>
-              </a:rPr>
-              <a:t>模块</a:t>
-            </a:r>
-            <a:endParaRPr lang="en-US" altLang="zh-CN" sz="2800" b="1" dirty="0">
+              <a:t>类的继承</a:t>
+            </a:r>
+            <a:endParaRPr lang="en-US" altLang="zh-CN" sz="2800" b="1">
               <a:solidFill>
                 <a:srgbClr val="333333"/>
               </a:solidFill>
@@ -18483,8 +19728,8 @@
         </p:nvSpPr>
         <p:spPr>
           <a:xfrm>
-            <a:off x="317666" y="1521370"/>
-            <a:ext cx="8602048" cy="540341"/>
+            <a:off x="317666" y="1495492"/>
+            <a:ext cx="8602048" cy="2740943"/>
           </a:xfrm>
           <a:prstGeom prst="rect">
             <a:avLst/>
@@ -18503,26 +19748,66 @@
               </a:lnSpc>
             </a:pPr>
             <a:r>
-              <a:rPr lang="zh-CN" altLang="en-US" sz="2200" b="1" dirty="0">
+              <a:rPr lang="zh-CN" altLang="en-CN" sz="2200" b="1">
                 <a:solidFill>
                   <a:srgbClr val="333333"/>
                 </a:solidFill>
                 <a:latin typeface="Microsoft YaHei" panose="020B0503020204020204" pitchFamily="34" charset="-122"/>
                 <a:ea typeface="Microsoft YaHei" panose="020B0503020204020204" pitchFamily="34" charset="-122"/>
               </a:rPr>
-              <a:t>概念：</a:t>
-            </a:r>
-            <a:r>
-              <a:rPr lang="zh-CN" altLang="en-US" sz="2200" dirty="0">
+              <a:t>概念</a:t>
+            </a:r>
+            <a:r>
+              <a:rPr lang="zh-CN" altLang="en-US" sz="2200" b="1">
                 <a:solidFill>
                   <a:srgbClr val="333333"/>
                 </a:solidFill>
                 <a:latin typeface="Microsoft YaHei" panose="020B0503020204020204" pitchFamily="34" charset="-122"/>
                 <a:ea typeface="Microsoft YaHei" panose="020B0503020204020204" pitchFamily="34" charset="-122"/>
               </a:rPr>
-              <a:t>模块</a:t>
-            </a:r>
-            <a:endParaRPr lang="en-US" altLang="zh-CN" sz="2200" dirty="0">
+              <a:t>：</a:t>
+            </a:r>
+            <a:r>
+              <a:rPr lang="zh-CN" altLang="en-US" sz="2200">
+                <a:solidFill>
+                  <a:srgbClr val="333333"/>
+                </a:solidFill>
+                <a:latin typeface="Microsoft YaHei" panose="020B0503020204020204" pitchFamily="34" charset="-122"/>
+                <a:ea typeface="Microsoft YaHei" panose="020B0503020204020204" pitchFamily="34" charset="-122"/>
+              </a:rPr>
+              <a:t>面向对象的编程带来的最大好处之一就是代码的重用，实现这种重用的方法之一是通过继承</a:t>
+            </a:r>
+            <a:r>
+              <a:rPr lang="en-US" altLang="zh-CN" sz="2200">
+                <a:solidFill>
+                  <a:srgbClr val="333333"/>
+                </a:solidFill>
+                <a:latin typeface="Microsoft YaHei" panose="020B0503020204020204" pitchFamily="34" charset="-122"/>
+                <a:ea typeface="Microsoft YaHei" panose="020B0503020204020204" pitchFamily="34" charset="-122"/>
+              </a:rPr>
+              <a:t>(</a:t>
+            </a:r>
+            <a:r>
+              <a:rPr lang="en-US" sz="2200">
+                <a:solidFill>
+                  <a:srgbClr val="333333"/>
+                </a:solidFill>
+                <a:latin typeface="Microsoft YaHei" panose="020B0503020204020204" pitchFamily="34" charset="-122"/>
+                <a:ea typeface="Microsoft YaHei" panose="020B0503020204020204" pitchFamily="34" charset="-122"/>
+              </a:rPr>
+              <a:t>Inheritance)</a:t>
+            </a:r>
+            <a:r>
+              <a:rPr lang="zh-CN" altLang="en-US" sz="2200">
+                <a:solidFill>
+                  <a:srgbClr val="333333"/>
+                </a:solidFill>
+                <a:latin typeface="Microsoft YaHei" panose="020B0503020204020204" pitchFamily="34" charset="-122"/>
+                <a:ea typeface="Microsoft YaHei" panose="020B0503020204020204" pitchFamily="34" charset="-122"/>
+              </a:rPr>
+              <a:t>。</a:t>
+            </a:r>
+            <a:endParaRPr lang="en-US" altLang="zh-CN" sz="2200">
               <a:solidFill>
                 <a:srgbClr val="333333"/>
               </a:solidFill>
@@ -18530,12 +19815,386 @@
               <a:ea typeface="Microsoft YaHei" panose="020B0503020204020204" pitchFamily="34" charset="-122"/>
             </a:endParaRPr>
           </a:p>
+          <a:p>
+            <a:pPr algn="l">
+              <a:lnSpc>
+                <a:spcPct val="150000"/>
+              </a:lnSpc>
+            </a:pPr>
+            <a:r>
+              <a:rPr lang="zh-CN" altLang="en-US" sz="2200" b="1">
+                <a:solidFill>
+                  <a:srgbClr val="333333"/>
+                </a:solidFill>
+                <a:latin typeface="Microsoft YaHei" panose="020B0503020204020204" pitchFamily="34" charset="-122"/>
+                <a:ea typeface="Microsoft YaHei" panose="020B0503020204020204" pitchFamily="34" charset="-122"/>
+              </a:rPr>
+              <a:t>实现</a:t>
+            </a:r>
+            <a:r>
+              <a:rPr lang="zh-CN" altLang="en-US" sz="2200">
+                <a:solidFill>
+                  <a:srgbClr val="333333"/>
+                </a:solidFill>
+                <a:latin typeface="Microsoft YaHei" panose="020B0503020204020204" pitchFamily="34" charset="-122"/>
+                <a:ea typeface="Microsoft YaHei" panose="020B0503020204020204" pitchFamily="34" charset="-122"/>
+              </a:rPr>
+              <a:t>：先定义一个基类</a:t>
+            </a:r>
+            <a:r>
+              <a:rPr lang="en-US" altLang="zh-CN" sz="2200">
+                <a:solidFill>
+                  <a:srgbClr val="333333"/>
+                </a:solidFill>
+                <a:latin typeface="Microsoft YaHei" panose="020B0503020204020204" pitchFamily="34" charset="-122"/>
+                <a:ea typeface="Microsoft YaHei" panose="020B0503020204020204" pitchFamily="34" charset="-122"/>
+              </a:rPr>
+              <a:t>(</a:t>
+            </a:r>
+            <a:r>
+              <a:rPr lang="en-US" sz="2200">
+                <a:solidFill>
+                  <a:srgbClr val="333333"/>
+                </a:solidFill>
+                <a:latin typeface="Microsoft YaHei" panose="020B0503020204020204" pitchFamily="34" charset="-122"/>
+                <a:ea typeface="Microsoft YaHei" panose="020B0503020204020204" pitchFamily="34" charset="-122"/>
+              </a:rPr>
+              <a:t>Base class)</a:t>
+            </a:r>
+            <a:r>
+              <a:rPr lang="zh-CN" altLang="en-US" sz="2200">
+                <a:solidFill>
+                  <a:srgbClr val="333333"/>
+                </a:solidFill>
+                <a:latin typeface="Microsoft YaHei" panose="020B0503020204020204" pitchFamily="34" charset="-122"/>
+                <a:ea typeface="Microsoft YaHei" panose="020B0503020204020204" pitchFamily="34" charset="-122"/>
+              </a:rPr>
+              <a:t>或父类</a:t>
+            </a:r>
+            <a:r>
+              <a:rPr lang="en-US" altLang="zh-CN" sz="2200">
+                <a:solidFill>
+                  <a:srgbClr val="333333"/>
+                </a:solidFill>
+                <a:latin typeface="Microsoft YaHei" panose="020B0503020204020204" pitchFamily="34" charset="-122"/>
+                <a:ea typeface="Microsoft YaHei" panose="020B0503020204020204" pitchFamily="34" charset="-122"/>
+              </a:rPr>
+              <a:t>(</a:t>
+            </a:r>
+            <a:r>
+              <a:rPr lang="en-US" sz="2200">
+                <a:solidFill>
+                  <a:srgbClr val="333333"/>
+                </a:solidFill>
+                <a:latin typeface="Microsoft YaHei" panose="020B0503020204020204" pitchFamily="34" charset="-122"/>
+                <a:ea typeface="Microsoft YaHei" panose="020B0503020204020204" pitchFamily="34" charset="-122"/>
+              </a:rPr>
+              <a:t>Parent class)，</a:t>
+            </a:r>
+            <a:r>
+              <a:rPr lang="zh-CN" altLang="en-US" sz="2200">
+                <a:solidFill>
+                  <a:srgbClr val="333333"/>
+                </a:solidFill>
+                <a:latin typeface="Microsoft YaHei" panose="020B0503020204020204" pitchFamily="34" charset="-122"/>
+                <a:ea typeface="Microsoft YaHei" panose="020B0503020204020204" pitchFamily="34" charset="-122"/>
+              </a:rPr>
+              <a:t>再按通过</a:t>
+            </a:r>
+            <a:r>
+              <a:rPr lang="en-US" sz="2200">
+                <a:solidFill>
+                  <a:srgbClr val="333333"/>
+                </a:solidFill>
+                <a:latin typeface="Microsoft YaHei" panose="020B0503020204020204" pitchFamily="34" charset="-122"/>
+                <a:ea typeface="Microsoft YaHei" panose="020B0503020204020204" pitchFamily="34" charset="-122"/>
+              </a:rPr>
+              <a:t>class </a:t>
+            </a:r>
+            <a:r>
+              <a:rPr lang="zh-CN" altLang="en-US" sz="2200">
+                <a:solidFill>
+                  <a:srgbClr val="333333"/>
+                </a:solidFill>
+                <a:latin typeface="Microsoft YaHei" panose="020B0503020204020204" pitchFamily="34" charset="-122"/>
+                <a:ea typeface="Microsoft YaHei" panose="020B0503020204020204" pitchFamily="34" charset="-122"/>
+              </a:rPr>
+              <a:t>子类名（父类名</a:t>
+            </a:r>
+            <a:r>
+              <a:rPr lang="en-US" altLang="zh-CN" sz="2200">
+                <a:solidFill>
+                  <a:srgbClr val="333333"/>
+                </a:solidFill>
+                <a:latin typeface="Microsoft YaHei" panose="020B0503020204020204" pitchFamily="34" charset="-122"/>
+                <a:ea typeface="Microsoft YaHei" panose="020B0503020204020204" pitchFamily="34" charset="-122"/>
+              </a:rPr>
+              <a:t>)</a:t>
+            </a:r>
+            <a:r>
+              <a:rPr lang="zh-CN" altLang="en-US" sz="2200">
+                <a:solidFill>
+                  <a:srgbClr val="333333"/>
+                </a:solidFill>
+                <a:latin typeface="Microsoft YaHei" panose="020B0503020204020204" pitchFamily="34" charset="-122"/>
+                <a:ea typeface="Microsoft YaHei" panose="020B0503020204020204" pitchFamily="34" charset="-122"/>
+              </a:rPr>
+              <a:t>来创建子类</a:t>
+            </a:r>
+            <a:r>
+              <a:rPr lang="en-US" altLang="zh-CN" sz="2200">
+                <a:solidFill>
+                  <a:srgbClr val="333333"/>
+                </a:solidFill>
+                <a:latin typeface="Microsoft YaHei" panose="020B0503020204020204" pitchFamily="34" charset="-122"/>
+                <a:ea typeface="Microsoft YaHei" panose="020B0503020204020204" pitchFamily="34" charset="-122"/>
+              </a:rPr>
+              <a:t>(</a:t>
+            </a:r>
+            <a:r>
+              <a:rPr lang="en-US" sz="2200">
+                <a:solidFill>
+                  <a:srgbClr val="333333"/>
+                </a:solidFill>
+                <a:latin typeface="Microsoft YaHei" panose="020B0503020204020204" pitchFamily="34" charset="-122"/>
+                <a:ea typeface="Microsoft YaHei" panose="020B0503020204020204" pitchFamily="34" charset="-122"/>
+              </a:rPr>
+              <a:t>Child class)。</a:t>
+            </a:r>
+            <a:r>
+              <a:rPr lang="zh-CN" altLang="en-US" sz="2200">
+                <a:solidFill>
+                  <a:srgbClr val="333333"/>
+                </a:solidFill>
+                <a:latin typeface="Microsoft YaHei" panose="020B0503020204020204" pitchFamily="34" charset="-122"/>
+                <a:ea typeface="Microsoft YaHei" panose="020B0503020204020204" pitchFamily="34" charset="-122"/>
+              </a:rPr>
+              <a:t>这样子类就可以从父类那里获得其已有的属性与方法，这种现象叫做类的继承。</a:t>
+            </a:r>
+            <a:endParaRPr lang="en-US" altLang="zh-CN" sz="2200">
+              <a:solidFill>
+                <a:srgbClr val="333333"/>
+              </a:solidFill>
+              <a:latin typeface="Microsoft YaHei" panose="020B0503020204020204" pitchFamily="34" charset="-122"/>
+              <a:ea typeface="Microsoft YaHei" panose="020B0503020204020204" pitchFamily="34" charset="-122"/>
+            </a:endParaRPr>
+          </a:p>
         </p:txBody>
       </p:sp>
+      <p:grpSp>
+        <p:nvGrpSpPr>
+          <p:cNvPr id="13" name="Group 12">
+            <a:extLst>
+              <a:ext uri="{FF2B5EF4-FFF2-40B4-BE49-F238E27FC236}">
+                <a16:creationId xmlns:a16="http://schemas.microsoft.com/office/drawing/2014/main" id="{9EAB9778-0AEA-1522-9B9A-3B7F59C6CB9C}"/>
+              </a:ext>
+            </a:extLst>
+          </p:cNvPr>
+          <p:cNvGrpSpPr/>
+          <p:nvPr/>
+        </p:nvGrpSpPr>
+        <p:grpSpPr>
+          <a:xfrm>
+            <a:off x="381885" y="4349771"/>
+            <a:ext cx="3776050" cy="2202019"/>
+            <a:chOff x="511279" y="4349771"/>
+            <a:chExt cx="3776050" cy="2202019"/>
+          </a:xfrm>
+        </p:grpSpPr>
+        <p:pic>
+          <p:nvPicPr>
+            <p:cNvPr id="7" name="Picture 6" descr="A computer screen with text and symbols&#10;&#10;Description automatically generated">
+              <a:extLst>
+                <a:ext uri="{FF2B5EF4-FFF2-40B4-BE49-F238E27FC236}">
+                  <a16:creationId xmlns:a16="http://schemas.microsoft.com/office/drawing/2014/main" id="{56AFD206-FD28-770C-EF35-F12463F184BC}"/>
+                </a:ext>
+              </a:extLst>
+            </p:cNvPr>
+            <p:cNvPicPr>
+              <a:picLocks noChangeAspect="1"/>
+            </p:cNvPicPr>
+            <p:nvPr/>
+          </p:nvPicPr>
+          <p:blipFill rotWithShape="1">
+            <a:blip r:embed="rId3"/>
+            <a:srcRect r="20201"/>
+            <a:stretch/>
+          </p:blipFill>
+          <p:spPr>
+            <a:xfrm>
+              <a:off x="511279" y="4827849"/>
+              <a:ext cx="3776049" cy="1723941"/>
+            </a:xfrm>
+            <a:prstGeom prst="rect">
+              <a:avLst/>
+            </a:prstGeom>
+          </p:spPr>
+        </p:pic>
+        <p:sp>
+          <p:nvSpPr>
+            <p:cNvPr id="8" name="TextBox 7">
+              <a:extLst>
+                <a:ext uri="{FF2B5EF4-FFF2-40B4-BE49-F238E27FC236}">
+                  <a16:creationId xmlns:a16="http://schemas.microsoft.com/office/drawing/2014/main" id="{36CD4DE4-33B9-BC49-5EB6-D2640FDCABEF}"/>
+                </a:ext>
+              </a:extLst>
+            </p:cNvPr>
+            <p:cNvSpPr txBox="1"/>
+            <p:nvPr/>
+          </p:nvSpPr>
+          <p:spPr>
+            <a:xfrm>
+              <a:off x="511279" y="4349771"/>
+              <a:ext cx="3776050" cy="461665"/>
+            </a:xfrm>
+            <a:prstGeom prst="rect">
+              <a:avLst/>
+            </a:prstGeom>
+            <a:noFill/>
+          </p:spPr>
+          <p:txBody>
+            <a:bodyPr wrap="square" rtlCol="0">
+              <a:spAutoFit/>
+            </a:bodyPr>
+            <a:lstStyle/>
+            <a:p>
+              <a:r>
+                <a:rPr lang="en-CN">
+                  <a:solidFill>
+                    <a:schemeClr val="bg2"/>
+                  </a:solidFill>
+                  <a:latin typeface="+mn-ea"/>
+                  <a:ea typeface="+mn-ea"/>
+                </a:rPr>
+                <a:t>父类</a:t>
+              </a:r>
+              <a:r>
+                <a:rPr lang="en-US" altLang="zh-CN">
+                  <a:solidFill>
+                    <a:schemeClr val="bg2"/>
+                  </a:solidFill>
+                  <a:latin typeface="+mn-ea"/>
+                  <a:ea typeface="+mn-ea"/>
+                </a:rPr>
+                <a:t>/</a:t>
+              </a:r>
+              <a:r>
+                <a:rPr lang="zh-CN" altLang="en-US">
+                  <a:solidFill>
+                    <a:schemeClr val="bg2"/>
+                  </a:solidFill>
+                  <a:latin typeface="+mn-ea"/>
+                  <a:ea typeface="+mn-ea"/>
+                </a:rPr>
+                <a:t>基类</a:t>
+              </a:r>
+              <a:endParaRPr lang="en-CN">
+                <a:solidFill>
+                  <a:schemeClr val="bg2"/>
+                </a:solidFill>
+                <a:latin typeface="+mn-ea"/>
+                <a:ea typeface="+mn-ea"/>
+              </a:endParaRPr>
+            </a:p>
+          </p:txBody>
+        </p:sp>
+      </p:grpSp>
+      <p:grpSp>
+        <p:nvGrpSpPr>
+          <p:cNvPr id="12" name="Group 11">
+            <a:extLst>
+              <a:ext uri="{FF2B5EF4-FFF2-40B4-BE49-F238E27FC236}">
+                <a16:creationId xmlns:a16="http://schemas.microsoft.com/office/drawing/2014/main" id="{95439216-C01D-A81E-7222-2768161AD0E8}"/>
+              </a:ext>
+            </a:extLst>
+          </p:cNvPr>
+          <p:cNvGrpSpPr/>
+          <p:nvPr/>
+        </p:nvGrpSpPr>
+        <p:grpSpPr>
+          <a:xfrm>
+            <a:off x="4304584" y="4580603"/>
+            <a:ext cx="4753155" cy="1569815"/>
+            <a:chOff x="4330462" y="4580603"/>
+            <a:chExt cx="4753155" cy="1569815"/>
+          </a:xfrm>
+        </p:grpSpPr>
+        <p:sp>
+          <p:nvSpPr>
+            <p:cNvPr id="9" name="TextBox 8">
+              <a:extLst>
+                <a:ext uri="{FF2B5EF4-FFF2-40B4-BE49-F238E27FC236}">
+                  <a16:creationId xmlns:a16="http://schemas.microsoft.com/office/drawing/2014/main" id="{023320C8-F7E3-9F13-0E5C-80D888365E81}"/>
+                </a:ext>
+              </a:extLst>
+            </p:cNvPr>
+            <p:cNvSpPr txBox="1"/>
+            <p:nvPr/>
+          </p:nvSpPr>
+          <p:spPr>
+            <a:xfrm>
+              <a:off x="4330462" y="4580603"/>
+              <a:ext cx="4753155" cy="461665"/>
+            </a:xfrm>
+            <a:prstGeom prst="rect">
+              <a:avLst/>
+            </a:prstGeom>
+            <a:noFill/>
+          </p:spPr>
+          <p:txBody>
+            <a:bodyPr wrap="square" rtlCol="0">
+              <a:spAutoFit/>
+            </a:bodyPr>
+            <a:lstStyle/>
+            <a:p>
+              <a:r>
+                <a:rPr lang="en-CN">
+                  <a:solidFill>
+                    <a:schemeClr val="bg2"/>
+                  </a:solidFill>
+                  <a:latin typeface="+mn-ea"/>
+                  <a:ea typeface="+mn-ea"/>
+                </a:rPr>
+                <a:t>子类</a:t>
+              </a:r>
+            </a:p>
+          </p:txBody>
+        </p:sp>
+        <p:pic>
+          <p:nvPicPr>
+            <p:cNvPr id="11" name="Picture 10" descr="A black background with text&#10;&#10;Description automatically generated">
+              <a:extLst>
+                <a:ext uri="{FF2B5EF4-FFF2-40B4-BE49-F238E27FC236}">
+                  <a16:creationId xmlns:a16="http://schemas.microsoft.com/office/drawing/2014/main" id="{6232C9BA-019D-10F1-1E23-5AAC912CF9FA}"/>
+                </a:ext>
+              </a:extLst>
+            </p:cNvPr>
+            <p:cNvPicPr>
+              <a:picLocks noChangeAspect="1"/>
+            </p:cNvPicPr>
+            <p:nvPr/>
+          </p:nvPicPr>
+          <p:blipFill>
+            <a:blip r:embed="rId4"/>
+            <a:stretch>
+              <a:fillRect/>
+            </a:stretch>
+          </p:blipFill>
+          <p:spPr>
+            <a:xfrm>
+              <a:off x="4330462" y="5080958"/>
+              <a:ext cx="4753155" cy="1069460"/>
+            </a:xfrm>
+            <a:prstGeom prst="rect">
+              <a:avLst/>
+            </a:prstGeom>
+          </p:spPr>
+        </p:pic>
+      </p:grpSp>
     </p:spTree>
     <p:extLst>
       <p:ext uri="{BB962C8B-B14F-4D97-AF65-F5344CB8AC3E}">
-        <p14:creationId xmlns:p14="http://schemas.microsoft.com/office/powerpoint/2010/main" val="1586263805"/>
+        <p14:creationId xmlns:p14="http://schemas.microsoft.com/office/powerpoint/2010/main" val="1457981541"/>
       </p:ext>
     </p:extLst>
   </p:cSld>
@@ -18567,61 +20226,22 @@
       </p:grpSpPr>
       <p:sp>
         <p:nvSpPr>
-          <p:cNvPr id="3" name="矩形 2"/>
-          <p:cNvSpPr/>
-          <p:nvPr/>
+          <p:cNvPr id="3" name="标题 2"/>
+          <p:cNvSpPr>
+            <a:spLocks noGrp="1"/>
+          </p:cNvSpPr>
+          <p:nvPr>
+            <p:ph type="title"/>
+          </p:nvPr>
         </p:nvSpPr>
         <p:spPr>
           <a:xfrm>
-            <a:off x="0" y="3471863"/>
-            <a:ext cx="9144000" cy="1543050"/>
+            <a:off x="0" y="8526"/>
+            <a:ext cx="9013371" cy="792162"/>
           </a:xfrm>
-          <a:prstGeom prst="rect">
-            <a:avLst/>
-          </a:prstGeom>
-          <a:solidFill>
-            <a:schemeClr val="accent1"/>
-          </a:solidFill>
-          <a:ln>
-            <a:noFill/>
-          </a:ln>
         </p:spPr>
         <p:txBody>
-          <a:bodyPr wrap="square" lIns="0" rtlCol="0" anchor="ctr">
-            <a:noAutofit/>
-          </a:bodyPr>
-          <a:lstStyle/>
-          <a:p>
-            <a:pPr algn="l"/>
-            <a:endParaRPr lang="zh-CN" altLang="en-US" b="1">
-              <a:solidFill>
-                <a:srgbClr val="FF0000"/>
-              </a:solidFill>
-              <a:latin typeface="微软雅黑" pitchFamily="34" charset="-122"/>
-              <a:ea typeface="微软雅黑" pitchFamily="34" charset="-122"/>
-            </a:endParaRPr>
-          </a:p>
-        </p:txBody>
-      </p:sp>
-      <p:sp>
-        <p:nvSpPr>
-          <p:cNvPr id="7" name="矩形 6"/>
-          <p:cNvSpPr/>
-          <p:nvPr/>
-        </p:nvSpPr>
-        <p:spPr>
-          <a:xfrm>
-            <a:off x="189064" y="3868892"/>
-            <a:ext cx="8753057" cy="707886"/>
-          </a:xfrm>
-          <a:prstGeom prst="rect">
-            <a:avLst/>
-          </a:prstGeom>
-        </p:spPr>
-        <p:txBody>
-          <a:bodyPr wrap="square">
-            <a:spAutoFit/>
-          </a:bodyPr>
+          <a:bodyPr/>
           <a:lstStyle/>
           <a:p>
             <a:pPr algn="l" fontAlgn="auto">
@@ -18633,57 +20253,373 @@
               </a:spcAft>
             </a:pPr>
             <a:r>
-              <a:rPr lang="zh-CN" altLang="en-US" sz="4000" b="1" dirty="0">
+              <a:rPr lang="zh-CN" altLang="en-US">
                 <a:latin typeface="微软雅黑" pitchFamily="34" charset="-122"/>
                 <a:ea typeface="微软雅黑" pitchFamily="34" charset="-122"/>
               </a:rPr>
-              <a:t>二、面向对象编程</a:t>
+              <a:t>一</a:t>
+            </a:r>
+            <a:r>
+              <a:rPr lang="zh-CN" altLang="en-US" sz="3600" b="1">
+                <a:latin typeface="微软雅黑" pitchFamily="34" charset="-122"/>
+                <a:ea typeface="微软雅黑" pitchFamily="34" charset="-122"/>
+              </a:rPr>
+              <a:t>、</a:t>
+            </a:r>
+            <a:r>
+              <a:rPr lang="zh-CN" altLang="en-CN" sz="3600" b="1">
+                <a:latin typeface="微软雅黑" pitchFamily="34" charset="-122"/>
+                <a:ea typeface="微软雅黑" pitchFamily="34" charset="-122"/>
+              </a:rPr>
+              <a:t>函数</a:t>
+            </a:r>
+            <a:r>
+              <a:rPr lang="zh-CN" altLang="en-US" sz="3600" b="1">
+                <a:latin typeface="微软雅黑" pitchFamily="34" charset="-122"/>
+                <a:ea typeface="微软雅黑" pitchFamily="34" charset="-122"/>
+              </a:rPr>
+              <a:t>、类与模块</a:t>
             </a:r>
           </a:p>
         </p:txBody>
       </p:sp>
       <p:sp>
         <p:nvSpPr>
-          <p:cNvPr id="8" name="矩形 7"/>
-          <p:cNvSpPr/>
+          <p:cNvPr id="2" name="TextBox 1">
+            <a:extLst>
+              <a:ext uri="{FF2B5EF4-FFF2-40B4-BE49-F238E27FC236}">
+                <a16:creationId xmlns:a16="http://schemas.microsoft.com/office/drawing/2014/main" id="{631AADB6-C88A-D817-4683-FC087E4E240F}"/>
+              </a:ext>
+            </a:extLst>
+          </p:cNvPr>
+          <p:cNvSpPr txBox="1"/>
           <p:nvPr/>
         </p:nvSpPr>
         <p:spPr>
           <a:xfrm>
-            <a:off x="0" y="5014912"/>
-            <a:ext cx="9144000" cy="72000"/>
+            <a:off x="317665" y="902168"/>
+            <a:ext cx="8508670" cy="662489"/>
           </a:xfrm>
           <a:prstGeom prst="rect">
             <a:avLst/>
           </a:prstGeom>
-          <a:solidFill>
-            <a:schemeClr val="tx1">
-              <a:lumMod val="75000"/>
-            </a:schemeClr>
-          </a:solidFill>
-          <a:effectLst/>
+          <a:noFill/>
         </p:spPr>
         <p:txBody>
-          <a:bodyPr wrap="square" lIns="0" rtlCol="0" anchor="ctr">
-            <a:noAutofit/>
+          <a:bodyPr wrap="square" rtlCol="0">
+            <a:spAutoFit/>
           </a:bodyPr>
           <a:lstStyle/>
           <a:p>
-            <a:pPr algn="l"/>
-            <a:endParaRPr lang="zh-CN" altLang="en-US" b="1">
+            <a:pPr algn="just">
+              <a:lnSpc>
+                <a:spcPct val="150000"/>
+              </a:lnSpc>
+            </a:pPr>
+            <a:r>
+              <a:rPr lang="en-US" altLang="zh-CN" sz="2800" b="1">
+                <a:solidFill>
+                  <a:srgbClr val="333333"/>
+                </a:solidFill>
+                <a:latin typeface="+mn-ea"/>
+                <a:ea typeface="+mn-ea"/>
+              </a:rPr>
+              <a:t>Python</a:t>
+            </a:r>
+            <a:r>
+              <a:rPr lang="zh-CN" altLang="en-US" sz="2800" b="1">
+                <a:solidFill>
+                  <a:srgbClr val="333333"/>
+                </a:solidFill>
+                <a:latin typeface="+mn-ea"/>
+                <a:ea typeface="+mn-ea"/>
+              </a:rPr>
+              <a:t>模块</a:t>
+            </a:r>
+            <a:r>
+              <a:rPr lang="en-US" altLang="zh-CN" sz="2800" b="1">
+                <a:solidFill>
+                  <a:srgbClr val="333333"/>
+                </a:solidFill>
+                <a:latin typeface="+mn-ea"/>
+                <a:ea typeface="+mn-ea"/>
+              </a:rPr>
+              <a:t>/</a:t>
+            </a:r>
+            <a:r>
+              <a:rPr lang="zh-CN" altLang="en-US" sz="2800" b="1">
+                <a:solidFill>
+                  <a:srgbClr val="333333"/>
+                </a:solidFill>
+                <a:latin typeface="+mn-ea"/>
+                <a:ea typeface="+mn-ea"/>
+              </a:rPr>
+              <a:t>包</a:t>
+            </a:r>
+            <a:endParaRPr lang="en-US" altLang="zh-CN" sz="2800" b="1">
               <a:solidFill>
-                <a:srgbClr val="FF0000"/>
+                <a:srgbClr val="333333"/>
               </a:solidFill>
-              <a:latin typeface="微软雅黑" pitchFamily="34" charset="-122"/>
-              <a:ea typeface="微软雅黑" pitchFamily="34" charset="-122"/>
+              <a:latin typeface="+mn-ea"/>
+              <a:ea typeface="+mn-ea"/>
             </a:endParaRPr>
           </a:p>
         </p:txBody>
       </p:sp>
+      <p:sp>
+        <p:nvSpPr>
+          <p:cNvPr id="17" name="TextBox 16">
+            <a:extLst>
+              <a:ext uri="{FF2B5EF4-FFF2-40B4-BE49-F238E27FC236}">
+                <a16:creationId xmlns:a16="http://schemas.microsoft.com/office/drawing/2014/main" id="{9E05FFCA-3371-AF5C-381D-71D984055F5A}"/>
+              </a:ext>
+            </a:extLst>
+          </p:cNvPr>
+          <p:cNvSpPr txBox="1"/>
+          <p:nvPr/>
+        </p:nvSpPr>
+        <p:spPr>
+          <a:xfrm>
+            <a:off x="317666" y="1521370"/>
+            <a:ext cx="8602048" cy="3756606"/>
+          </a:xfrm>
+          <a:prstGeom prst="rect">
+            <a:avLst/>
+          </a:prstGeom>
+          <a:noFill/>
+        </p:spPr>
+        <p:txBody>
+          <a:bodyPr wrap="square">
+            <a:spAutoFit/>
+          </a:bodyPr>
+          <a:lstStyle/>
+          <a:p>
+            <a:pPr algn="just">
+              <a:lnSpc>
+                <a:spcPct val="150000"/>
+              </a:lnSpc>
+            </a:pPr>
+            <a:r>
+              <a:rPr lang="zh-CN" altLang="en-US" sz="2200" b="1">
+                <a:solidFill>
+                  <a:srgbClr val="333333"/>
+                </a:solidFill>
+                <a:latin typeface="Microsoft YaHei" panose="020B0503020204020204" pitchFamily="34" charset="-122"/>
+                <a:ea typeface="Microsoft YaHei" panose="020B0503020204020204" pitchFamily="34" charset="-122"/>
+              </a:rPr>
+              <a:t>模块概念：</a:t>
+            </a:r>
+            <a:r>
+              <a:rPr lang="zh-CN" altLang="en-US" sz="2200">
+                <a:solidFill>
+                  <a:srgbClr val="333333"/>
+                </a:solidFill>
+                <a:latin typeface="Microsoft YaHei" panose="020B0503020204020204" pitchFamily="34" charset="-122"/>
+                <a:ea typeface="Microsoft YaHei" panose="020B0503020204020204" pitchFamily="34" charset="-122"/>
+              </a:rPr>
+              <a:t>为了编写可维护可重用的代码，通常把代码按功能分类， 分别放在不同的文件里，这样每个文件中的代码就相对较少，且功能统一。 在</a:t>
+            </a:r>
+            <a:r>
+              <a:rPr lang="en-US" sz="2200">
+                <a:solidFill>
+                  <a:srgbClr val="333333"/>
+                </a:solidFill>
+                <a:latin typeface="Microsoft YaHei" panose="020B0503020204020204" pitchFamily="34" charset="-122"/>
+                <a:ea typeface="Microsoft YaHei" panose="020B0503020204020204" pitchFamily="34" charset="-122"/>
+              </a:rPr>
+              <a:t>Python</a:t>
+            </a:r>
+            <a:r>
+              <a:rPr lang="zh-CN" altLang="en-US" sz="2200">
+                <a:solidFill>
+                  <a:srgbClr val="333333"/>
+                </a:solidFill>
+                <a:latin typeface="Microsoft YaHei" panose="020B0503020204020204" pitchFamily="34" charset="-122"/>
+                <a:ea typeface="Microsoft YaHei" panose="020B0503020204020204" pitchFamily="34" charset="-122"/>
+              </a:rPr>
+              <a:t>中，一个 </a:t>
+            </a:r>
+            <a:r>
+              <a:rPr lang="en-US" altLang="zh-CN" sz="2200">
+                <a:solidFill>
+                  <a:srgbClr val="333333"/>
+                </a:solidFill>
+                <a:latin typeface="Microsoft YaHei" panose="020B0503020204020204" pitchFamily="34" charset="-122"/>
+                <a:ea typeface="Microsoft YaHei" panose="020B0503020204020204" pitchFamily="34" charset="-122"/>
+              </a:rPr>
+              <a:t>.</a:t>
+            </a:r>
+            <a:r>
+              <a:rPr lang="en-US" sz="2200" err="1">
+                <a:solidFill>
+                  <a:srgbClr val="333333"/>
+                </a:solidFill>
+                <a:latin typeface="Microsoft YaHei" panose="020B0503020204020204" pitchFamily="34" charset="-122"/>
+                <a:ea typeface="Microsoft YaHei" panose="020B0503020204020204" pitchFamily="34" charset="-122"/>
+              </a:rPr>
+              <a:t>py</a:t>
+            </a:r>
+            <a:r>
+              <a:rPr lang="en-US" sz="2200">
+                <a:solidFill>
+                  <a:srgbClr val="333333"/>
+                </a:solidFill>
+                <a:latin typeface="Microsoft YaHei" panose="020B0503020204020204" pitchFamily="34" charset="-122"/>
+                <a:ea typeface="Microsoft YaHei" panose="020B0503020204020204" pitchFamily="34" charset="-122"/>
+              </a:rPr>
+              <a:t> </a:t>
+            </a:r>
+            <a:r>
+              <a:rPr lang="zh-CN" altLang="en-US" sz="2200">
+                <a:solidFill>
+                  <a:srgbClr val="333333"/>
+                </a:solidFill>
+                <a:latin typeface="Microsoft YaHei" panose="020B0503020204020204" pitchFamily="34" charset="-122"/>
+                <a:ea typeface="Microsoft YaHei" panose="020B0503020204020204" pitchFamily="34" charset="-122"/>
+              </a:rPr>
+              <a:t>脚本源码文件就称之为一个模块 （</a:t>
+            </a:r>
+            <a:r>
+              <a:rPr lang="en-US" sz="2200">
+                <a:solidFill>
+                  <a:srgbClr val="333333"/>
+                </a:solidFill>
+                <a:latin typeface="Microsoft YaHei" panose="020B0503020204020204" pitchFamily="34" charset="-122"/>
+                <a:ea typeface="Microsoft YaHei" panose="020B0503020204020204" pitchFamily="34" charset="-122"/>
+              </a:rPr>
+              <a:t>module）。</a:t>
+            </a:r>
+          </a:p>
+          <a:p>
+            <a:pPr algn="l">
+              <a:lnSpc>
+                <a:spcPct val="150000"/>
+              </a:lnSpc>
+            </a:pPr>
+            <a:r>
+              <a:rPr lang="zh-CN" altLang="en-US" sz="2200" b="1">
+                <a:solidFill>
+                  <a:srgbClr val="333333"/>
+                </a:solidFill>
+                <a:latin typeface="Microsoft YaHei" panose="020B0503020204020204" pitchFamily="34" charset="-122"/>
+                <a:ea typeface="Microsoft YaHei" panose="020B0503020204020204" pitchFamily="34" charset="-122"/>
+              </a:rPr>
+              <a:t>模块导入</a:t>
+            </a:r>
+            <a:r>
+              <a:rPr lang="zh-CN" altLang="en-US" sz="2200">
+                <a:solidFill>
+                  <a:srgbClr val="333333"/>
+                </a:solidFill>
+                <a:latin typeface="Microsoft YaHei" panose="020B0503020204020204" pitchFamily="34" charset="-122"/>
+                <a:ea typeface="Microsoft YaHei" panose="020B0503020204020204" pitchFamily="34" charset="-122"/>
+              </a:rPr>
+              <a:t>：通过</a:t>
+            </a:r>
+            <a:r>
+              <a:rPr lang="en-US" altLang="zh-CN" sz="2200">
+                <a:solidFill>
+                  <a:srgbClr val="333333"/>
+                </a:solidFill>
+                <a:latin typeface="Microsoft YaHei" panose="020B0503020204020204" pitchFamily="34" charset="-122"/>
+                <a:ea typeface="Microsoft YaHei" panose="020B0503020204020204" pitchFamily="34" charset="-122"/>
+              </a:rPr>
+              <a:t>import</a:t>
+            </a:r>
+            <a:r>
+              <a:rPr lang="zh-CN" altLang="en-US" sz="2200">
+                <a:solidFill>
+                  <a:srgbClr val="333333"/>
+                </a:solidFill>
+                <a:latin typeface="Microsoft YaHei" panose="020B0503020204020204" pitchFamily="34" charset="-122"/>
+                <a:ea typeface="Microsoft YaHei" panose="020B0503020204020204" pitchFamily="34" charset="-122"/>
+              </a:rPr>
+              <a:t>语句导入。一条 </a:t>
+            </a:r>
+            <a:r>
+              <a:rPr lang="en-US" sz="2200">
+                <a:solidFill>
+                  <a:srgbClr val="333333"/>
+                </a:solidFill>
+                <a:latin typeface="Microsoft YaHei" panose="020B0503020204020204" pitchFamily="34" charset="-122"/>
+                <a:ea typeface="Microsoft YaHei" panose="020B0503020204020204" pitchFamily="34" charset="-122"/>
+              </a:rPr>
+              <a:t>import </a:t>
+            </a:r>
+            <a:r>
+              <a:rPr lang="zh-CN" altLang="en-US" sz="2200">
+                <a:solidFill>
+                  <a:srgbClr val="333333"/>
+                </a:solidFill>
+                <a:latin typeface="Microsoft YaHei" panose="020B0503020204020204" pitchFamily="34" charset="-122"/>
+                <a:ea typeface="Microsoft YaHei" panose="020B0503020204020204" pitchFamily="34" charset="-122"/>
+              </a:rPr>
+              <a:t>语句可以同时导入多个模块，以逗号分隔；</a:t>
+            </a:r>
+            <a:r>
+              <a:rPr lang="en-US" sz="2200">
+                <a:solidFill>
+                  <a:srgbClr val="333333"/>
+                </a:solidFill>
+                <a:latin typeface="Microsoft YaHei" panose="020B0503020204020204" pitchFamily="34" charset="-122"/>
+                <a:ea typeface="Microsoft YaHei" panose="020B0503020204020204" pitchFamily="34" charset="-122"/>
+              </a:rPr>
+              <a:t>import </a:t>
+            </a:r>
+            <a:r>
+              <a:rPr lang="zh-CN" altLang="en-US" sz="2200">
+                <a:solidFill>
+                  <a:srgbClr val="333333"/>
+                </a:solidFill>
+                <a:latin typeface="Microsoft YaHei" panose="020B0503020204020204" pitchFamily="34" charset="-122"/>
+                <a:ea typeface="Microsoft YaHei" panose="020B0503020204020204" pitchFamily="34" charset="-122"/>
+              </a:rPr>
+              <a:t>导入的模块，对其中的变量和函数访问时要加上模块名；导入的模块中相同函数名和变量名不会冲突。</a:t>
+            </a:r>
+            <a:endParaRPr lang="en-US" altLang="zh-CN" sz="2200">
+              <a:solidFill>
+                <a:srgbClr val="333333"/>
+              </a:solidFill>
+              <a:latin typeface="Microsoft YaHei" panose="020B0503020204020204" pitchFamily="34" charset="-122"/>
+              <a:ea typeface="Microsoft YaHei" panose="020B0503020204020204" pitchFamily="34" charset="-122"/>
+            </a:endParaRPr>
+          </a:p>
+        </p:txBody>
+      </p:sp>
+      <p:pic>
+        <p:nvPicPr>
+          <p:cNvPr id="5" name="Picture 4">
+            <a:extLst>
+              <a:ext uri="{FF2B5EF4-FFF2-40B4-BE49-F238E27FC236}">
+                <a16:creationId xmlns:a16="http://schemas.microsoft.com/office/drawing/2014/main" id="{37D50AFF-6FF7-D25D-39CD-DDB425597854}"/>
+              </a:ext>
+            </a:extLst>
+          </p:cNvPr>
+          <p:cNvPicPr>
+            <a:picLocks noChangeAspect="1"/>
+          </p:cNvPicPr>
+          <p:nvPr/>
+        </p:nvPicPr>
+        <p:blipFill>
+          <a:blip r:embed="rId3"/>
+          <a:stretch>
+            <a:fillRect/>
+          </a:stretch>
+        </p:blipFill>
+        <p:spPr>
+          <a:xfrm>
+            <a:off x="1273892" y="5533838"/>
+            <a:ext cx="6596215" cy="582482"/>
+          </a:xfrm>
+          <a:prstGeom prst="rect">
+            <a:avLst/>
+          </a:prstGeom>
+        </p:spPr>
+      </p:pic>
     </p:spTree>
     <p:extLst>
       <p:ext uri="{BB962C8B-B14F-4D97-AF65-F5344CB8AC3E}">
-        <p14:creationId xmlns:p14="http://schemas.microsoft.com/office/powerpoint/2010/main" val="481122590"/>
+        <p14:creationId xmlns:p14="http://schemas.microsoft.com/office/powerpoint/2010/main" val="1586263805"/>
       </p:ext>
     </p:extLst>
   </p:cSld>
@@ -18742,28 +20678,28 @@
               </a:spcAft>
             </a:pPr>
             <a:r>
-              <a:rPr lang="zh-CN" altLang="en-US" dirty="0">
+              <a:rPr lang="zh-CN" altLang="en-US">
                 <a:latin typeface="微软雅黑" pitchFamily="34" charset="-122"/>
                 <a:ea typeface="微软雅黑" pitchFamily="34" charset="-122"/>
               </a:rPr>
               <a:t>一</a:t>
             </a:r>
             <a:r>
-              <a:rPr lang="zh-CN" altLang="en-US" sz="3600" b="1" dirty="0">
+              <a:rPr lang="zh-CN" altLang="en-US" sz="3600" b="1">
                 <a:latin typeface="微软雅黑" pitchFamily="34" charset="-122"/>
                 <a:ea typeface="微软雅黑" pitchFamily="34" charset="-122"/>
               </a:rPr>
               <a:t>、</a:t>
             </a:r>
             <a:r>
-              <a:rPr lang="zh-CN" altLang="en-CN" sz="3600" b="1" dirty="0">
+              <a:rPr lang="zh-CN" altLang="en-CN" sz="3600" b="1">
                 <a:latin typeface="微软雅黑" pitchFamily="34" charset="-122"/>
                 <a:ea typeface="微软雅黑" pitchFamily="34" charset="-122"/>
               </a:rPr>
               <a:t>函数</a:t>
             </a:r>
             <a:r>
-              <a:rPr lang="zh-CN" altLang="en-US" sz="3600" b="1" dirty="0">
+              <a:rPr lang="zh-CN" altLang="en-US" sz="3600" b="1">
                 <a:latin typeface="微软雅黑" pitchFamily="34" charset="-122"/>
                 <a:ea typeface="微软雅黑" pitchFamily="34" charset="-122"/>
               </a:rPr>
@@ -18806,16 +20742,46 @@
               </a:lnSpc>
             </a:pPr>
             <a:r>
-              <a:rPr lang="zh-CN" altLang="en-US" sz="2800" b="1" dirty="0">
+              <a:rPr lang="en-US" altLang="zh-CN" sz="2800" b="1">
                 <a:solidFill>
                   <a:srgbClr val="333333"/>
                 </a:solidFill>
                 <a:latin typeface="+mn-ea"/>
                 <a:ea typeface="+mn-ea"/>
               </a:rPr>
-              <a:t>函数</a:t>
-            </a:r>
-            <a:endParaRPr lang="en-US" altLang="zh-CN" sz="2800" b="1" dirty="0">
+              <a:t>Python</a:t>
+            </a:r>
+            <a:r>
+              <a:rPr lang="zh-CN" altLang="en-US" sz="2800" b="1">
+                <a:solidFill>
+                  <a:srgbClr val="333333"/>
+                </a:solidFill>
+                <a:latin typeface="+mn-ea"/>
+                <a:ea typeface="+mn-ea"/>
+              </a:rPr>
+              <a:t>模块</a:t>
+            </a:r>
+            <a:r>
+              <a:rPr lang="en-US" altLang="zh-CN" sz="2800" b="1">
+                <a:solidFill>
+                  <a:srgbClr val="333333"/>
+                </a:solidFill>
+                <a:latin typeface="+mn-ea"/>
+                <a:ea typeface="+mn-ea"/>
+              </a:rPr>
+              <a:t>/</a:t>
+            </a:r>
+            <a:r>
+              <a:rPr lang="zh-CN" altLang="en-US" sz="2800" b="1">
+                <a:solidFill>
+                  <a:srgbClr val="333333"/>
+                </a:solidFill>
+                <a:latin typeface="+mn-ea"/>
+                <a:ea typeface="+mn-ea"/>
+              </a:rPr>
+              <a:t>包</a:t>
+            </a:r>
+            <a:endParaRPr lang="en-US" altLang="zh-CN" sz="2800" b="1">
               <a:solidFill>
                 <a:srgbClr val="333333"/>
               </a:solidFill>
@@ -18839,8 +20805,8 @@
         </p:nvSpPr>
         <p:spPr>
           <a:xfrm>
-            <a:off x="553148" y="1607631"/>
-            <a:ext cx="8037703" cy="1135054"/>
+            <a:off x="317666" y="1521370"/>
+            <a:ext cx="8602048" cy="2063835"/>
           </a:xfrm>
           <a:prstGeom prst="rect">
             <a:avLst/>
@@ -18853,34 +20819,62 @@
           </a:bodyPr>
           <a:lstStyle/>
           <a:p>
-            <a:pPr algn="l">
+            <a:pPr algn="just">
               <a:lnSpc>
                 <a:spcPct val="150000"/>
               </a:lnSpc>
             </a:pPr>
             <a:r>
-              <a:rPr lang="en-US" altLang="zh-CN" b="0" i="0" dirty="0">
+              <a:rPr lang="zh-CN" altLang="en-US" sz="2200" b="1">
                 <a:solidFill>
                   <a:srgbClr val="333333"/>
                 </a:solidFill>
-                <a:effectLst/>
                 <a:latin typeface="Microsoft YaHei" panose="020B0503020204020204" pitchFamily="34" charset="-122"/>
                 <a:ea typeface="Microsoft YaHei" panose="020B0503020204020204" pitchFamily="34" charset="-122"/>
               </a:rPr>
-              <a:t>1</a:t>
-            </a:r>
-            <a:r>
-              <a:rPr lang="zh-CN" altLang="en-US" b="0" i="0" dirty="0">
+              <a:t>包概念：</a:t>
+            </a:r>
+            <a:r>
+              <a:rPr lang="zh-CN" altLang="en-US" sz="2200">
                 <a:solidFill>
                   <a:srgbClr val="333333"/>
                 </a:solidFill>
-                <a:effectLst/>
                 <a:latin typeface="Microsoft YaHei" panose="020B0503020204020204" pitchFamily="34" charset="-122"/>
                 <a:ea typeface="Microsoft YaHei" panose="020B0503020204020204" pitchFamily="34" charset="-122"/>
               </a:rPr>
-              <a:t>）开发环境顾名思义是指程序员在编写代码时所使用的环境。配置</a:t>
-            </a:r>
-            <a:endParaRPr lang="en-US" altLang="zh-CN" dirty="0">
+              <a:t>在实际的编码环境中，已经存在成千上万的模块，并且新模块还在不停被创建，此外多人协同编码时，不同的人编写的模块名也可能相同。基于这样的事实，为了避免模块名冲突，</a:t>
+            </a:r>
+            <a:r>
+              <a:rPr lang="en-US" sz="2200">
+                <a:solidFill>
+                  <a:srgbClr val="333333"/>
+                </a:solidFill>
+                <a:latin typeface="Microsoft YaHei" panose="020B0503020204020204" pitchFamily="34" charset="-122"/>
+                <a:ea typeface="Microsoft YaHei" panose="020B0503020204020204" pitchFamily="34" charset="-122"/>
+              </a:rPr>
+              <a:t>Python </a:t>
+            </a:r>
+            <a:r>
+              <a:rPr lang="zh-CN" altLang="en-US" sz="2200">
+                <a:solidFill>
+                  <a:srgbClr val="333333"/>
+                </a:solidFill>
+                <a:latin typeface="Microsoft YaHei" panose="020B0503020204020204" pitchFamily="34" charset="-122"/>
+                <a:ea typeface="Microsoft YaHei" panose="020B0503020204020204" pitchFamily="34" charset="-122"/>
+              </a:rPr>
+              <a:t>又引入了按目录来组织模块的方法，称为包（</a:t>
+            </a:r>
+            <a:r>
+              <a:rPr lang="en-US" sz="2200">
+                <a:solidFill>
+                  <a:srgbClr val="333333"/>
+                </a:solidFill>
+                <a:latin typeface="Microsoft YaHei" panose="020B0503020204020204" pitchFamily="34" charset="-122"/>
+                <a:ea typeface="Microsoft YaHei" panose="020B0503020204020204" pitchFamily="34" charset="-122"/>
+              </a:rPr>
+              <a:t>Package）。</a:t>
+            </a:r>
+            <a:endParaRPr lang="en-US" altLang="zh-CN" sz="2200">
               <a:solidFill>
                 <a:srgbClr val="333333"/>
               </a:solidFill>
@@ -18890,10 +20884,112 @@
           </a:p>
         </p:txBody>
       </p:sp>
+      <p:pic>
+        <p:nvPicPr>
+          <p:cNvPr id="5" name="Picture 4" descr="A close-up of a computer code&#10;&#10;Description automatically generated">
+            <a:extLst>
+              <a:ext uri="{FF2B5EF4-FFF2-40B4-BE49-F238E27FC236}">
+                <a16:creationId xmlns:a16="http://schemas.microsoft.com/office/drawing/2014/main" id="{BCF1F0B0-16D2-2BC1-5DE7-519643BE3E52}"/>
+              </a:ext>
+            </a:extLst>
+          </p:cNvPr>
+          <p:cNvPicPr>
+            <a:picLocks noChangeAspect="1"/>
+          </p:cNvPicPr>
+          <p:nvPr/>
+        </p:nvPicPr>
+        <p:blipFill>
+          <a:blip r:embed="rId3"/>
+          <a:stretch>
+            <a:fillRect/>
+          </a:stretch>
+        </p:blipFill>
+        <p:spPr>
+          <a:xfrm>
+            <a:off x="507999" y="3816090"/>
+            <a:ext cx="3470365" cy="2477163"/>
+          </a:xfrm>
+          <a:prstGeom prst="rect">
+            <a:avLst/>
+          </a:prstGeom>
+        </p:spPr>
+      </p:pic>
+      <p:pic>
+        <p:nvPicPr>
+          <p:cNvPr id="7" name="Picture 6" descr="A close-up of a computer code&#10;&#10;Description automatically generated">
+            <a:extLst>
+              <a:ext uri="{FF2B5EF4-FFF2-40B4-BE49-F238E27FC236}">
+                <a16:creationId xmlns:a16="http://schemas.microsoft.com/office/drawing/2014/main" id="{415CAAA2-61AF-5EEF-FC1A-C471C43FC664}"/>
+              </a:ext>
+            </a:extLst>
+          </p:cNvPr>
+          <p:cNvPicPr>
+            <a:picLocks noChangeAspect="1"/>
+          </p:cNvPicPr>
+          <p:nvPr/>
+        </p:nvPicPr>
+        <p:blipFill>
+          <a:blip r:embed="rId4"/>
+          <a:stretch>
+            <a:fillRect/>
+          </a:stretch>
+        </p:blipFill>
+        <p:spPr>
+          <a:xfrm>
+            <a:off x="4379159" y="4208100"/>
+            <a:ext cx="4447176" cy="1693142"/>
+          </a:xfrm>
+          <a:prstGeom prst="rect">
+            <a:avLst/>
+          </a:prstGeom>
+        </p:spPr>
+      </p:pic>
+      <p:sp>
+        <p:nvSpPr>
+          <p:cNvPr id="11" name="TextBox 10">
+            <a:extLst>
+              <a:ext uri="{FF2B5EF4-FFF2-40B4-BE49-F238E27FC236}">
+                <a16:creationId xmlns:a16="http://schemas.microsoft.com/office/drawing/2014/main" id="{AF2ED4A9-13D1-D01E-580E-7AEEB4ACE2AD}"/>
+              </a:ext>
+            </a:extLst>
+          </p:cNvPr>
+          <p:cNvSpPr txBox="1"/>
+          <p:nvPr/>
+        </p:nvSpPr>
+        <p:spPr>
+          <a:xfrm>
+            <a:off x="4379157" y="3765480"/>
+            <a:ext cx="4447177" cy="400110"/>
+          </a:xfrm>
+          <a:prstGeom prst="rect">
+            <a:avLst/>
+          </a:prstGeom>
+          <a:noFill/>
+        </p:spPr>
+        <p:txBody>
+          <a:bodyPr wrap="square">
+            <a:spAutoFit/>
+          </a:bodyPr>
+          <a:lstStyle/>
+          <a:p>
+            <a:r>
+              <a:rPr lang="zh-CN" altLang="en-US" sz="2000" b="1">
+                <a:solidFill>
+                  <a:srgbClr val="333333"/>
+                </a:solidFill>
+                <a:latin typeface="Microsoft YaHei" panose="020B0503020204020204" pitchFamily="34" charset="-122"/>
+                <a:ea typeface="Microsoft YaHei" panose="020B0503020204020204" pitchFamily="34" charset="-122"/>
+              </a:rPr>
+              <a:t>包的导入</a:t>
+            </a:r>
+            <a:endParaRPr lang="en-CN" sz="2000" b="1"/>
+          </a:p>
+        </p:txBody>
+      </p:sp>
     </p:spTree>
     <p:extLst>
       <p:ext uri="{BB962C8B-B14F-4D97-AF65-F5344CB8AC3E}">
-        <p14:creationId xmlns:p14="http://schemas.microsoft.com/office/powerpoint/2010/main" val="1408535579"/>
+        <p14:creationId xmlns:p14="http://schemas.microsoft.com/office/powerpoint/2010/main" val="4149704501"/>
       </p:ext>
     </p:extLst>
   </p:cSld>
